--- a/lectures/03.decorator/decorator.pptx
+++ b/lectures/03.decorator/decorator.pptx
@@ -5,7 +5,7 @@
     <p:sldMasterId id="2147483672" r:id="rId1"/>
   </p:sldMasterIdLst>
   <p:notesMasterIdLst>
-    <p:notesMasterId r:id="rId27"/>
+    <p:notesMasterId r:id="rId28"/>
   </p:notesMasterIdLst>
   <p:sldIdLst>
     <p:sldId id="256" r:id="rId2"/>
@@ -33,11 +33,12 @@
     <p:sldId id="278" r:id="rId24"/>
     <p:sldId id="279" r:id="rId25"/>
     <p:sldId id="280" r:id="rId26"/>
+    <p:sldId id="281" r:id="rId27"/>
   </p:sldIdLst>
   <p:sldSz cx="9144000" cy="6858000" type="screen4x3"/>
   <p:notesSz cx="6858000" cy="9144000"/>
   <p:custDataLst>
-    <p:tags r:id="rId28"/>
+    <p:tags r:id="rId29"/>
   </p:custDataLst>
   <p:defaultTextStyle>
     <a:defPPr>
@@ -235,7 +236,7 @@
           <a:p>
             <a:fld id="{2F3DCB6D-0B48-4A3D-B663-06C3F903A9D3}" type="datetimeFigureOut">
               <a:rPr lang="ru-RU" smtClean="0"/>
-              <a:t>15.02.2018</a:t>
+              <a:t>19.09.2019</a:t>
             </a:fld>
             <a:endParaRPr lang="ru-RU"/>
           </a:p>
@@ -833,7 +834,7 @@
           <a:p>
             <a:fld id="{2590F9C9-AB92-4E86-B698-DEC9BF4350FF}" type="datetimeFigureOut">
               <a:rPr lang="ru-RU" smtClean="0"/>
-              <a:t>15.02.2018</a:t>
+              <a:t>19.09.2019</a:t>
             </a:fld>
             <a:endParaRPr lang="ru-RU"/>
           </a:p>
@@ -1057,7 +1058,7 @@
           <a:p>
             <a:fld id="{2590F9C9-AB92-4E86-B698-DEC9BF4350FF}" type="datetimeFigureOut">
               <a:rPr lang="ru-RU" smtClean="0"/>
-              <a:t>15.02.2018</a:t>
+              <a:t>19.09.2019</a:t>
             </a:fld>
             <a:endParaRPr lang="ru-RU"/>
           </a:p>
@@ -1329,7 +1330,7 @@
           <a:p>
             <a:fld id="{2590F9C9-AB92-4E86-B698-DEC9BF4350FF}" type="datetimeFigureOut">
               <a:rPr lang="ru-RU" smtClean="0"/>
-              <a:t>15.02.2018</a:t>
+              <a:t>19.09.2019</a:t>
             </a:fld>
             <a:endParaRPr lang="ru-RU"/>
           </a:p>
@@ -1504,7 +1505,7 @@
           <a:p>
             <a:fld id="{2590F9C9-AB92-4E86-B698-DEC9BF4350FF}" type="datetimeFigureOut">
               <a:rPr lang="ru-RU" smtClean="0"/>
-              <a:t>15.02.2018</a:t>
+              <a:t>19.09.2019</a:t>
             </a:fld>
             <a:endParaRPr lang="ru-RU"/>
           </a:p>
@@ -1865,7 +1866,7 @@
           <a:p>
             <a:fld id="{2590F9C9-AB92-4E86-B698-DEC9BF4350FF}" type="datetimeFigureOut">
               <a:rPr lang="ru-RU" smtClean="0"/>
-              <a:t>15.02.2018</a:t>
+              <a:t>19.09.2019</a:t>
             </a:fld>
             <a:endParaRPr lang="ru-RU"/>
           </a:p>
@@ -2157,7 +2158,7 @@
           <a:p>
             <a:fld id="{2590F9C9-AB92-4E86-B698-DEC9BF4350FF}" type="datetimeFigureOut">
               <a:rPr lang="ru-RU" smtClean="0"/>
-              <a:t>15.02.2018</a:t>
+              <a:t>19.09.2019</a:t>
             </a:fld>
             <a:endParaRPr lang="ru-RU"/>
           </a:p>
@@ -2579,7 +2580,7 @@
           <a:p>
             <a:fld id="{2590F9C9-AB92-4E86-B698-DEC9BF4350FF}" type="datetimeFigureOut">
               <a:rPr lang="ru-RU" smtClean="0"/>
-              <a:t>15.02.2018</a:t>
+              <a:t>19.09.2019</a:t>
             </a:fld>
             <a:endParaRPr lang="ru-RU"/>
           </a:p>
@@ -2692,7 +2693,7 @@
           <a:p>
             <a:fld id="{2590F9C9-AB92-4E86-B698-DEC9BF4350FF}" type="datetimeFigureOut">
               <a:rPr lang="ru-RU" smtClean="0"/>
-              <a:t>15.02.2018</a:t>
+              <a:t>19.09.2019</a:t>
             </a:fld>
             <a:endParaRPr lang="ru-RU"/>
           </a:p>
@@ -2789,7 +2790,7 @@
           <a:p>
             <a:fld id="{2590F9C9-AB92-4E86-B698-DEC9BF4350FF}" type="datetimeFigureOut">
               <a:rPr lang="ru-RU" smtClean="0"/>
-              <a:t>15.02.2018</a:t>
+              <a:t>19.09.2019</a:t>
             </a:fld>
             <a:endParaRPr lang="ru-RU"/>
           </a:p>
@@ -3074,7 +3075,7 @@
           <a:p>
             <a:fld id="{2590F9C9-AB92-4E86-B698-DEC9BF4350FF}" type="datetimeFigureOut">
               <a:rPr lang="ru-RU" smtClean="0"/>
-              <a:t>15.02.2018</a:t>
+              <a:t>19.09.2019</a:t>
             </a:fld>
             <a:endParaRPr lang="ru-RU"/>
           </a:p>
@@ -3436,7 +3437,7 @@
           <a:p>
             <a:fld id="{2590F9C9-AB92-4E86-B698-DEC9BF4350FF}" type="datetimeFigureOut">
               <a:rPr lang="ru-RU" smtClean="0"/>
-              <a:t>15.02.2018</a:t>
+              <a:t>19.09.2019</a:t>
             </a:fld>
             <a:endParaRPr lang="ru-RU"/>
           </a:p>
@@ -3861,7 +3862,7 @@
           <a:p>
             <a:fld id="{2590F9C9-AB92-4E86-B698-DEC9BF4350FF}" type="datetimeFigureOut">
               <a:rPr lang="ru-RU" smtClean="0"/>
-              <a:t>15.02.2018</a:t>
+              <a:t>19.09.2019</a:t>
             </a:fld>
             <a:endParaRPr lang="ru-RU"/>
           </a:p>
@@ -5936,9 +5937,622 @@
   <p:timing>
     <p:tnLst>
       <p:par>
-        <p:cTn id="1" dur="indefinite" restart="never" nodeType="tmRoot"/>
+        <p:cTn id="1" dur="indefinite" restart="never" nodeType="tmRoot">
+          <p:childTnLst>
+            <p:seq concurrent="1" nextAc="seek">
+              <p:cTn id="2" dur="indefinite" nodeType="mainSeq">
+                <p:childTnLst>
+                  <p:par>
+                    <p:cTn id="3" fill="hold">
+                      <p:stCondLst>
+                        <p:cond delay="indefinite"/>
+                      </p:stCondLst>
+                      <p:childTnLst>
+                        <p:par>
+                          <p:cTn id="4" fill="hold">
+                            <p:stCondLst>
+                              <p:cond delay="0"/>
+                            </p:stCondLst>
+                            <p:childTnLst>
+                              <p:par>
+                                <p:cTn id="5" presetID="10" presetClass="entr" presetSubtype="0" fill="hold" grpId="0" nodeType="clickEffect">
+                                  <p:stCondLst>
+                                    <p:cond delay="0"/>
+                                  </p:stCondLst>
+                                  <p:childTnLst>
+                                    <p:set>
+                                      <p:cBhvr>
+                                        <p:cTn id="6" dur="1" fill="hold">
+                                          <p:stCondLst>
+                                            <p:cond delay="0"/>
+                                          </p:stCondLst>
+                                        </p:cTn>
+                                        <p:tgtEl>
+                                          <p:spTgt spid="3"/>
+                                        </p:tgtEl>
+                                        <p:attrNameLst>
+                                          <p:attrName>style.visibility</p:attrName>
+                                        </p:attrNameLst>
+                                      </p:cBhvr>
+                                      <p:to>
+                                        <p:strVal val="visible"/>
+                                      </p:to>
+                                    </p:set>
+                                    <p:animEffect transition="in" filter="fade">
+                                      <p:cBhvr>
+                                        <p:cTn id="7" dur="500"/>
+                                        <p:tgtEl>
+                                          <p:spTgt spid="3"/>
+                                        </p:tgtEl>
+                                      </p:cBhvr>
+                                    </p:animEffect>
+                                  </p:childTnLst>
+                                </p:cTn>
+                              </p:par>
+                            </p:childTnLst>
+                          </p:cTn>
+                        </p:par>
+                      </p:childTnLst>
+                    </p:cTn>
+                  </p:par>
+                  <p:par>
+                    <p:cTn id="8" fill="hold">
+                      <p:stCondLst>
+                        <p:cond delay="indefinite"/>
+                      </p:stCondLst>
+                      <p:childTnLst>
+                        <p:par>
+                          <p:cTn id="9" fill="hold">
+                            <p:stCondLst>
+                              <p:cond delay="0"/>
+                            </p:stCondLst>
+                            <p:childTnLst>
+                              <p:par>
+                                <p:cTn id="10" presetID="10" presetClass="entr" presetSubtype="0" fill="hold" nodeType="clickEffect">
+                                  <p:stCondLst>
+                                    <p:cond delay="0"/>
+                                  </p:stCondLst>
+                                  <p:childTnLst>
+                                    <p:set>
+                                      <p:cBhvr>
+                                        <p:cTn id="11" dur="1" fill="hold">
+                                          <p:stCondLst>
+                                            <p:cond delay="0"/>
+                                          </p:stCondLst>
+                                        </p:cTn>
+                                        <p:tgtEl>
+                                          <p:spTgt spid="4">
+                                            <p:txEl>
+                                              <p:pRg st="0" end="0"/>
+                                            </p:txEl>
+                                          </p:spTgt>
+                                        </p:tgtEl>
+                                        <p:attrNameLst>
+                                          <p:attrName>style.visibility</p:attrName>
+                                        </p:attrNameLst>
+                                      </p:cBhvr>
+                                      <p:to>
+                                        <p:strVal val="visible"/>
+                                      </p:to>
+                                    </p:set>
+                                    <p:animEffect transition="in" filter="fade">
+                                      <p:cBhvr>
+                                        <p:cTn id="12" dur="500"/>
+                                        <p:tgtEl>
+                                          <p:spTgt spid="4">
+                                            <p:txEl>
+                                              <p:pRg st="0" end="0"/>
+                                            </p:txEl>
+                                          </p:spTgt>
+                                        </p:tgtEl>
+                                      </p:cBhvr>
+                                    </p:animEffect>
+                                  </p:childTnLst>
+                                </p:cTn>
+                              </p:par>
+                              <p:par>
+                                <p:cTn id="13" presetID="10" presetClass="entr" presetSubtype="0" fill="hold" nodeType="withEffect">
+                                  <p:stCondLst>
+                                    <p:cond delay="0"/>
+                                  </p:stCondLst>
+                                  <p:childTnLst>
+                                    <p:set>
+                                      <p:cBhvr>
+                                        <p:cTn id="14" dur="1" fill="hold">
+                                          <p:stCondLst>
+                                            <p:cond delay="0"/>
+                                          </p:stCondLst>
+                                        </p:cTn>
+                                        <p:tgtEl>
+                                          <p:spTgt spid="4">
+                                            <p:txEl>
+                                              <p:pRg st="1" end="1"/>
+                                            </p:txEl>
+                                          </p:spTgt>
+                                        </p:tgtEl>
+                                        <p:attrNameLst>
+                                          <p:attrName>style.visibility</p:attrName>
+                                        </p:attrNameLst>
+                                      </p:cBhvr>
+                                      <p:to>
+                                        <p:strVal val="visible"/>
+                                      </p:to>
+                                    </p:set>
+                                    <p:animEffect transition="in" filter="fade">
+                                      <p:cBhvr>
+                                        <p:cTn id="15" dur="500"/>
+                                        <p:tgtEl>
+                                          <p:spTgt spid="4">
+                                            <p:txEl>
+                                              <p:pRg st="1" end="1"/>
+                                            </p:txEl>
+                                          </p:spTgt>
+                                        </p:tgtEl>
+                                      </p:cBhvr>
+                                    </p:animEffect>
+                                  </p:childTnLst>
+                                </p:cTn>
+                              </p:par>
+                              <p:par>
+                                <p:cTn id="16" presetID="10" presetClass="entr" presetSubtype="0" fill="hold" nodeType="withEffect">
+                                  <p:stCondLst>
+                                    <p:cond delay="0"/>
+                                  </p:stCondLst>
+                                  <p:childTnLst>
+                                    <p:set>
+                                      <p:cBhvr>
+                                        <p:cTn id="17" dur="1" fill="hold">
+                                          <p:stCondLst>
+                                            <p:cond delay="0"/>
+                                          </p:stCondLst>
+                                        </p:cTn>
+                                        <p:tgtEl>
+                                          <p:spTgt spid="4">
+                                            <p:txEl>
+                                              <p:pRg st="2" end="2"/>
+                                            </p:txEl>
+                                          </p:spTgt>
+                                        </p:tgtEl>
+                                        <p:attrNameLst>
+                                          <p:attrName>style.visibility</p:attrName>
+                                        </p:attrNameLst>
+                                      </p:cBhvr>
+                                      <p:to>
+                                        <p:strVal val="visible"/>
+                                      </p:to>
+                                    </p:set>
+                                    <p:animEffect transition="in" filter="fade">
+                                      <p:cBhvr>
+                                        <p:cTn id="18" dur="500"/>
+                                        <p:tgtEl>
+                                          <p:spTgt spid="4">
+                                            <p:txEl>
+                                              <p:pRg st="2" end="2"/>
+                                            </p:txEl>
+                                          </p:spTgt>
+                                        </p:tgtEl>
+                                      </p:cBhvr>
+                                    </p:animEffect>
+                                  </p:childTnLst>
+                                </p:cTn>
+                              </p:par>
+                              <p:par>
+                                <p:cTn id="19" presetID="10" presetClass="entr" presetSubtype="0" fill="hold" nodeType="withEffect">
+                                  <p:stCondLst>
+                                    <p:cond delay="0"/>
+                                  </p:stCondLst>
+                                  <p:childTnLst>
+                                    <p:set>
+                                      <p:cBhvr>
+                                        <p:cTn id="20" dur="1" fill="hold">
+                                          <p:stCondLst>
+                                            <p:cond delay="0"/>
+                                          </p:stCondLst>
+                                        </p:cTn>
+                                        <p:tgtEl>
+                                          <p:spTgt spid="4">
+                                            <p:txEl>
+                                              <p:pRg st="3" end="3"/>
+                                            </p:txEl>
+                                          </p:spTgt>
+                                        </p:tgtEl>
+                                        <p:attrNameLst>
+                                          <p:attrName>style.visibility</p:attrName>
+                                        </p:attrNameLst>
+                                      </p:cBhvr>
+                                      <p:to>
+                                        <p:strVal val="visible"/>
+                                      </p:to>
+                                    </p:set>
+                                    <p:animEffect transition="in" filter="fade">
+                                      <p:cBhvr>
+                                        <p:cTn id="21" dur="500"/>
+                                        <p:tgtEl>
+                                          <p:spTgt spid="4">
+                                            <p:txEl>
+                                              <p:pRg st="3" end="3"/>
+                                            </p:txEl>
+                                          </p:spTgt>
+                                        </p:tgtEl>
+                                      </p:cBhvr>
+                                    </p:animEffect>
+                                  </p:childTnLst>
+                                </p:cTn>
+                              </p:par>
+                              <p:par>
+                                <p:cTn id="22" presetID="10" presetClass="entr" presetSubtype="0" fill="hold" nodeType="withEffect">
+                                  <p:stCondLst>
+                                    <p:cond delay="0"/>
+                                  </p:stCondLst>
+                                  <p:childTnLst>
+                                    <p:set>
+                                      <p:cBhvr>
+                                        <p:cTn id="23" dur="1" fill="hold">
+                                          <p:stCondLst>
+                                            <p:cond delay="0"/>
+                                          </p:stCondLst>
+                                        </p:cTn>
+                                        <p:tgtEl>
+                                          <p:spTgt spid="4">
+                                            <p:txEl>
+                                              <p:pRg st="4" end="4"/>
+                                            </p:txEl>
+                                          </p:spTgt>
+                                        </p:tgtEl>
+                                        <p:attrNameLst>
+                                          <p:attrName>style.visibility</p:attrName>
+                                        </p:attrNameLst>
+                                      </p:cBhvr>
+                                      <p:to>
+                                        <p:strVal val="visible"/>
+                                      </p:to>
+                                    </p:set>
+                                    <p:animEffect transition="in" filter="fade">
+                                      <p:cBhvr>
+                                        <p:cTn id="24" dur="500"/>
+                                        <p:tgtEl>
+                                          <p:spTgt spid="4">
+                                            <p:txEl>
+                                              <p:pRg st="4" end="4"/>
+                                            </p:txEl>
+                                          </p:spTgt>
+                                        </p:tgtEl>
+                                      </p:cBhvr>
+                                    </p:animEffect>
+                                  </p:childTnLst>
+                                </p:cTn>
+                              </p:par>
+                              <p:par>
+                                <p:cTn id="25" presetID="10" presetClass="entr" presetSubtype="0" fill="hold" nodeType="withEffect">
+                                  <p:stCondLst>
+                                    <p:cond delay="0"/>
+                                  </p:stCondLst>
+                                  <p:childTnLst>
+                                    <p:set>
+                                      <p:cBhvr>
+                                        <p:cTn id="26" dur="1" fill="hold">
+                                          <p:stCondLst>
+                                            <p:cond delay="0"/>
+                                          </p:stCondLst>
+                                        </p:cTn>
+                                        <p:tgtEl>
+                                          <p:spTgt spid="4">
+                                            <p:txEl>
+                                              <p:pRg st="5" end="5"/>
+                                            </p:txEl>
+                                          </p:spTgt>
+                                        </p:tgtEl>
+                                        <p:attrNameLst>
+                                          <p:attrName>style.visibility</p:attrName>
+                                        </p:attrNameLst>
+                                      </p:cBhvr>
+                                      <p:to>
+                                        <p:strVal val="visible"/>
+                                      </p:to>
+                                    </p:set>
+                                    <p:animEffect transition="in" filter="fade">
+                                      <p:cBhvr>
+                                        <p:cTn id="27" dur="500"/>
+                                        <p:tgtEl>
+                                          <p:spTgt spid="4">
+                                            <p:txEl>
+                                              <p:pRg st="5" end="5"/>
+                                            </p:txEl>
+                                          </p:spTgt>
+                                        </p:tgtEl>
+                                      </p:cBhvr>
+                                    </p:animEffect>
+                                  </p:childTnLst>
+                                </p:cTn>
+                              </p:par>
+                              <p:par>
+                                <p:cTn id="28" presetID="10" presetClass="entr" presetSubtype="0" fill="hold" nodeType="withEffect">
+                                  <p:stCondLst>
+                                    <p:cond delay="0"/>
+                                  </p:stCondLst>
+                                  <p:childTnLst>
+                                    <p:set>
+                                      <p:cBhvr>
+                                        <p:cTn id="29" dur="1" fill="hold">
+                                          <p:stCondLst>
+                                            <p:cond delay="0"/>
+                                          </p:stCondLst>
+                                        </p:cTn>
+                                        <p:tgtEl>
+                                          <p:spTgt spid="4">
+                                            <p:txEl>
+                                              <p:pRg st="6" end="6"/>
+                                            </p:txEl>
+                                          </p:spTgt>
+                                        </p:tgtEl>
+                                        <p:attrNameLst>
+                                          <p:attrName>style.visibility</p:attrName>
+                                        </p:attrNameLst>
+                                      </p:cBhvr>
+                                      <p:to>
+                                        <p:strVal val="visible"/>
+                                      </p:to>
+                                    </p:set>
+                                    <p:animEffect transition="in" filter="fade">
+                                      <p:cBhvr>
+                                        <p:cTn id="30" dur="500"/>
+                                        <p:tgtEl>
+                                          <p:spTgt spid="4">
+                                            <p:txEl>
+                                              <p:pRg st="6" end="6"/>
+                                            </p:txEl>
+                                          </p:spTgt>
+                                        </p:tgtEl>
+                                      </p:cBhvr>
+                                    </p:animEffect>
+                                  </p:childTnLst>
+                                </p:cTn>
+                              </p:par>
+                              <p:par>
+                                <p:cTn id="31" presetID="10" presetClass="entr" presetSubtype="0" fill="hold" nodeType="withEffect">
+                                  <p:stCondLst>
+                                    <p:cond delay="0"/>
+                                  </p:stCondLst>
+                                  <p:childTnLst>
+                                    <p:set>
+                                      <p:cBhvr>
+                                        <p:cTn id="32" dur="1" fill="hold">
+                                          <p:stCondLst>
+                                            <p:cond delay="0"/>
+                                          </p:stCondLst>
+                                        </p:cTn>
+                                        <p:tgtEl>
+                                          <p:spTgt spid="4">
+                                            <p:txEl>
+                                              <p:pRg st="7" end="7"/>
+                                            </p:txEl>
+                                          </p:spTgt>
+                                        </p:tgtEl>
+                                        <p:attrNameLst>
+                                          <p:attrName>style.visibility</p:attrName>
+                                        </p:attrNameLst>
+                                      </p:cBhvr>
+                                      <p:to>
+                                        <p:strVal val="visible"/>
+                                      </p:to>
+                                    </p:set>
+                                    <p:animEffect transition="in" filter="fade">
+                                      <p:cBhvr>
+                                        <p:cTn id="33" dur="500"/>
+                                        <p:tgtEl>
+                                          <p:spTgt spid="4">
+                                            <p:txEl>
+                                              <p:pRg st="7" end="7"/>
+                                            </p:txEl>
+                                          </p:spTgt>
+                                        </p:tgtEl>
+                                      </p:cBhvr>
+                                    </p:animEffect>
+                                  </p:childTnLst>
+                                </p:cTn>
+                              </p:par>
+                              <p:par>
+                                <p:cTn id="34" presetID="10" presetClass="entr" presetSubtype="0" fill="hold" nodeType="withEffect">
+                                  <p:stCondLst>
+                                    <p:cond delay="0"/>
+                                  </p:stCondLst>
+                                  <p:childTnLst>
+                                    <p:set>
+                                      <p:cBhvr>
+                                        <p:cTn id="35" dur="1" fill="hold">
+                                          <p:stCondLst>
+                                            <p:cond delay="0"/>
+                                          </p:stCondLst>
+                                        </p:cTn>
+                                        <p:tgtEl>
+                                          <p:spTgt spid="4">
+                                            <p:txEl>
+                                              <p:pRg st="8" end="8"/>
+                                            </p:txEl>
+                                          </p:spTgt>
+                                        </p:tgtEl>
+                                        <p:attrNameLst>
+                                          <p:attrName>style.visibility</p:attrName>
+                                        </p:attrNameLst>
+                                      </p:cBhvr>
+                                      <p:to>
+                                        <p:strVal val="visible"/>
+                                      </p:to>
+                                    </p:set>
+                                    <p:animEffect transition="in" filter="fade">
+                                      <p:cBhvr>
+                                        <p:cTn id="36" dur="500"/>
+                                        <p:tgtEl>
+                                          <p:spTgt spid="4">
+                                            <p:txEl>
+                                              <p:pRg st="8" end="8"/>
+                                            </p:txEl>
+                                          </p:spTgt>
+                                        </p:tgtEl>
+                                      </p:cBhvr>
+                                    </p:animEffect>
+                                  </p:childTnLst>
+                                </p:cTn>
+                              </p:par>
+                              <p:par>
+                                <p:cTn id="37" presetID="10" presetClass="entr" presetSubtype="0" fill="hold" nodeType="withEffect">
+                                  <p:stCondLst>
+                                    <p:cond delay="0"/>
+                                  </p:stCondLst>
+                                  <p:childTnLst>
+                                    <p:set>
+                                      <p:cBhvr>
+                                        <p:cTn id="38" dur="1" fill="hold">
+                                          <p:stCondLst>
+                                            <p:cond delay="0"/>
+                                          </p:stCondLst>
+                                        </p:cTn>
+                                        <p:tgtEl>
+                                          <p:spTgt spid="4">
+                                            <p:txEl>
+                                              <p:pRg st="9" end="9"/>
+                                            </p:txEl>
+                                          </p:spTgt>
+                                        </p:tgtEl>
+                                        <p:attrNameLst>
+                                          <p:attrName>style.visibility</p:attrName>
+                                        </p:attrNameLst>
+                                      </p:cBhvr>
+                                      <p:to>
+                                        <p:strVal val="visible"/>
+                                      </p:to>
+                                    </p:set>
+                                    <p:animEffect transition="in" filter="fade">
+                                      <p:cBhvr>
+                                        <p:cTn id="39" dur="500"/>
+                                        <p:tgtEl>
+                                          <p:spTgt spid="4">
+                                            <p:txEl>
+                                              <p:pRg st="9" end="9"/>
+                                            </p:txEl>
+                                          </p:spTgt>
+                                        </p:tgtEl>
+                                      </p:cBhvr>
+                                    </p:animEffect>
+                                  </p:childTnLst>
+                                </p:cTn>
+                              </p:par>
+                              <p:par>
+                                <p:cTn id="40" presetID="10" presetClass="entr" presetSubtype="0" fill="hold" nodeType="withEffect">
+                                  <p:stCondLst>
+                                    <p:cond delay="0"/>
+                                  </p:stCondLst>
+                                  <p:childTnLst>
+                                    <p:set>
+                                      <p:cBhvr>
+                                        <p:cTn id="41" dur="1" fill="hold">
+                                          <p:stCondLst>
+                                            <p:cond delay="0"/>
+                                          </p:stCondLst>
+                                        </p:cTn>
+                                        <p:tgtEl>
+                                          <p:spTgt spid="4">
+                                            <p:txEl>
+                                              <p:pRg st="10" end="10"/>
+                                            </p:txEl>
+                                          </p:spTgt>
+                                        </p:tgtEl>
+                                        <p:attrNameLst>
+                                          <p:attrName>style.visibility</p:attrName>
+                                        </p:attrNameLst>
+                                      </p:cBhvr>
+                                      <p:to>
+                                        <p:strVal val="visible"/>
+                                      </p:to>
+                                    </p:set>
+                                    <p:animEffect transition="in" filter="fade">
+                                      <p:cBhvr>
+                                        <p:cTn id="42" dur="500"/>
+                                        <p:tgtEl>
+                                          <p:spTgt spid="4">
+                                            <p:txEl>
+                                              <p:pRg st="10" end="10"/>
+                                            </p:txEl>
+                                          </p:spTgt>
+                                        </p:tgtEl>
+                                      </p:cBhvr>
+                                    </p:animEffect>
+                                  </p:childTnLst>
+                                </p:cTn>
+                              </p:par>
+                              <p:par>
+                                <p:cTn id="43" presetID="10" presetClass="entr" presetSubtype="0" fill="hold" nodeType="withEffect">
+                                  <p:stCondLst>
+                                    <p:cond delay="0"/>
+                                  </p:stCondLst>
+                                  <p:childTnLst>
+                                    <p:set>
+                                      <p:cBhvr>
+                                        <p:cTn id="44" dur="1" fill="hold">
+                                          <p:stCondLst>
+                                            <p:cond delay="0"/>
+                                          </p:stCondLst>
+                                        </p:cTn>
+                                        <p:tgtEl>
+                                          <p:spTgt spid="4">
+                                            <p:txEl>
+                                              <p:pRg st="11" end="11"/>
+                                            </p:txEl>
+                                          </p:spTgt>
+                                        </p:tgtEl>
+                                        <p:attrNameLst>
+                                          <p:attrName>style.visibility</p:attrName>
+                                        </p:attrNameLst>
+                                      </p:cBhvr>
+                                      <p:to>
+                                        <p:strVal val="visible"/>
+                                      </p:to>
+                                    </p:set>
+                                    <p:animEffect transition="in" filter="fade">
+                                      <p:cBhvr>
+                                        <p:cTn id="45" dur="500"/>
+                                        <p:tgtEl>
+                                          <p:spTgt spid="4">
+                                            <p:txEl>
+                                              <p:pRg st="11" end="11"/>
+                                            </p:txEl>
+                                          </p:spTgt>
+                                        </p:tgtEl>
+                                      </p:cBhvr>
+                                    </p:animEffect>
+                                  </p:childTnLst>
+                                </p:cTn>
+                              </p:par>
+                            </p:childTnLst>
+                          </p:cTn>
+                        </p:par>
+                      </p:childTnLst>
+                    </p:cTn>
+                  </p:par>
+                </p:childTnLst>
+              </p:cTn>
+              <p:prevCondLst>
+                <p:cond evt="onPrev" delay="0">
+                  <p:tgtEl>
+                    <p:sldTgt/>
+                  </p:tgtEl>
+                </p:cond>
+              </p:prevCondLst>
+              <p:nextCondLst>
+                <p:cond evt="onNext" delay="0">
+                  <p:tgtEl>
+                    <p:sldTgt/>
+                  </p:tgtEl>
+                </p:cond>
+              </p:nextCondLst>
+            </p:seq>
+          </p:childTnLst>
+        </p:cTn>
       </p:par>
     </p:tnLst>
+    <p:bldLst>
+      <p:bldP spid="3" grpId="0"/>
+    </p:bldLst>
   </p:timing>
 </p:sld>
 </file>
@@ -8715,9 +9329,460 @@
   <p:timing>
     <p:tnLst>
       <p:par>
-        <p:cTn id="1" dur="indefinite" restart="never" nodeType="tmRoot"/>
+        <p:cTn id="1" dur="indefinite" restart="never" nodeType="tmRoot">
+          <p:childTnLst>
+            <p:seq concurrent="1" nextAc="seek">
+              <p:cTn id="2" dur="indefinite" nodeType="mainSeq">
+                <p:childTnLst>
+                  <p:par>
+                    <p:cTn id="3" fill="hold">
+                      <p:stCondLst>
+                        <p:cond delay="indefinite"/>
+                      </p:stCondLst>
+                      <p:childTnLst>
+                        <p:par>
+                          <p:cTn id="4" fill="hold">
+                            <p:stCondLst>
+                              <p:cond delay="0"/>
+                            </p:stCondLst>
+                            <p:childTnLst>
+                              <p:par>
+                                <p:cTn id="5" presetID="10" presetClass="entr" presetSubtype="0" fill="hold" grpId="0" nodeType="clickEffect">
+                                  <p:stCondLst>
+                                    <p:cond delay="0"/>
+                                  </p:stCondLst>
+                                  <p:childTnLst>
+                                    <p:set>
+                                      <p:cBhvr>
+                                        <p:cTn id="6" dur="1" fill="hold">
+                                          <p:stCondLst>
+                                            <p:cond delay="0"/>
+                                          </p:stCondLst>
+                                        </p:cTn>
+                                        <p:tgtEl>
+                                          <p:spTgt spid="4"/>
+                                        </p:tgtEl>
+                                        <p:attrNameLst>
+                                          <p:attrName>style.visibility</p:attrName>
+                                        </p:attrNameLst>
+                                      </p:cBhvr>
+                                      <p:to>
+                                        <p:strVal val="visible"/>
+                                      </p:to>
+                                    </p:set>
+                                    <p:animEffect transition="in" filter="fade">
+                                      <p:cBhvr>
+                                        <p:cTn id="7" dur="500"/>
+                                        <p:tgtEl>
+                                          <p:spTgt spid="4"/>
+                                        </p:tgtEl>
+                                      </p:cBhvr>
+                                    </p:animEffect>
+                                  </p:childTnLst>
+                                </p:cTn>
+                              </p:par>
+                            </p:childTnLst>
+                          </p:cTn>
+                        </p:par>
+                      </p:childTnLst>
+                    </p:cTn>
+                  </p:par>
+                  <p:par>
+                    <p:cTn id="8" fill="hold">
+                      <p:stCondLst>
+                        <p:cond delay="indefinite"/>
+                      </p:stCondLst>
+                      <p:childTnLst>
+                        <p:par>
+                          <p:cTn id="9" fill="hold">
+                            <p:stCondLst>
+                              <p:cond delay="0"/>
+                            </p:stCondLst>
+                            <p:childTnLst>
+                              <p:par>
+                                <p:cTn id="10" presetID="10" presetClass="entr" presetSubtype="0" fill="hold" nodeType="clickEffect">
+                                  <p:stCondLst>
+                                    <p:cond delay="0"/>
+                                  </p:stCondLst>
+                                  <p:childTnLst>
+                                    <p:set>
+                                      <p:cBhvr>
+                                        <p:cTn id="11" dur="1" fill="hold">
+                                          <p:stCondLst>
+                                            <p:cond delay="0"/>
+                                          </p:stCondLst>
+                                        </p:cTn>
+                                        <p:tgtEl>
+                                          <p:spTgt spid="6"/>
+                                        </p:tgtEl>
+                                        <p:attrNameLst>
+                                          <p:attrName>style.visibility</p:attrName>
+                                        </p:attrNameLst>
+                                      </p:cBhvr>
+                                      <p:to>
+                                        <p:strVal val="visible"/>
+                                      </p:to>
+                                    </p:set>
+                                    <p:animEffect transition="in" filter="fade">
+                                      <p:cBhvr>
+                                        <p:cTn id="12" dur="500"/>
+                                        <p:tgtEl>
+                                          <p:spTgt spid="6"/>
+                                        </p:tgtEl>
+                                      </p:cBhvr>
+                                    </p:animEffect>
+                                  </p:childTnLst>
+                                </p:cTn>
+                              </p:par>
+                            </p:childTnLst>
+                          </p:cTn>
+                        </p:par>
+                      </p:childTnLst>
+                    </p:cTn>
+                  </p:par>
+                  <p:par>
+                    <p:cTn id="13" fill="hold">
+                      <p:stCondLst>
+                        <p:cond delay="indefinite"/>
+                      </p:stCondLst>
+                      <p:childTnLst>
+                        <p:par>
+                          <p:cTn id="14" fill="hold">
+                            <p:stCondLst>
+                              <p:cond delay="0"/>
+                            </p:stCondLst>
+                            <p:childTnLst>
+                              <p:par>
+                                <p:cTn id="15" presetID="10" presetClass="entr" presetSubtype="0" fill="hold" nodeType="clickEffect">
+                                  <p:stCondLst>
+                                    <p:cond delay="0"/>
+                                  </p:stCondLst>
+                                  <p:childTnLst>
+                                    <p:set>
+                                      <p:cBhvr>
+                                        <p:cTn id="16" dur="1" fill="hold">
+                                          <p:stCondLst>
+                                            <p:cond delay="0"/>
+                                          </p:stCondLst>
+                                        </p:cTn>
+                                        <p:tgtEl>
+                                          <p:spTgt spid="9">
+                                            <p:txEl>
+                                              <p:pRg st="0" end="0"/>
+                                            </p:txEl>
+                                          </p:spTgt>
+                                        </p:tgtEl>
+                                        <p:attrNameLst>
+                                          <p:attrName>style.visibility</p:attrName>
+                                        </p:attrNameLst>
+                                      </p:cBhvr>
+                                      <p:to>
+                                        <p:strVal val="visible"/>
+                                      </p:to>
+                                    </p:set>
+                                    <p:animEffect transition="in" filter="fade">
+                                      <p:cBhvr>
+                                        <p:cTn id="17" dur="500"/>
+                                        <p:tgtEl>
+                                          <p:spTgt spid="9">
+                                            <p:txEl>
+                                              <p:pRg st="0" end="0"/>
+                                            </p:txEl>
+                                          </p:spTgt>
+                                        </p:tgtEl>
+                                      </p:cBhvr>
+                                    </p:animEffect>
+                                  </p:childTnLst>
+                                </p:cTn>
+                              </p:par>
+                              <p:par>
+                                <p:cTn id="18" presetID="10" presetClass="entr" presetSubtype="0" fill="hold" nodeType="withEffect">
+                                  <p:stCondLst>
+                                    <p:cond delay="0"/>
+                                  </p:stCondLst>
+                                  <p:childTnLst>
+                                    <p:set>
+                                      <p:cBhvr>
+                                        <p:cTn id="19" dur="1" fill="hold">
+                                          <p:stCondLst>
+                                            <p:cond delay="0"/>
+                                          </p:stCondLst>
+                                        </p:cTn>
+                                        <p:tgtEl>
+                                          <p:spTgt spid="9">
+                                            <p:txEl>
+                                              <p:pRg st="1" end="1"/>
+                                            </p:txEl>
+                                          </p:spTgt>
+                                        </p:tgtEl>
+                                        <p:attrNameLst>
+                                          <p:attrName>style.visibility</p:attrName>
+                                        </p:attrNameLst>
+                                      </p:cBhvr>
+                                      <p:to>
+                                        <p:strVal val="visible"/>
+                                      </p:to>
+                                    </p:set>
+                                    <p:animEffect transition="in" filter="fade">
+                                      <p:cBhvr>
+                                        <p:cTn id="20" dur="500"/>
+                                        <p:tgtEl>
+                                          <p:spTgt spid="9">
+                                            <p:txEl>
+                                              <p:pRg st="1" end="1"/>
+                                            </p:txEl>
+                                          </p:spTgt>
+                                        </p:tgtEl>
+                                      </p:cBhvr>
+                                    </p:animEffect>
+                                  </p:childTnLst>
+                                </p:cTn>
+                              </p:par>
+                              <p:par>
+                                <p:cTn id="21" presetID="10" presetClass="entr" presetSubtype="0" fill="hold" nodeType="withEffect">
+                                  <p:stCondLst>
+                                    <p:cond delay="0"/>
+                                  </p:stCondLst>
+                                  <p:childTnLst>
+                                    <p:set>
+                                      <p:cBhvr>
+                                        <p:cTn id="22" dur="1" fill="hold">
+                                          <p:stCondLst>
+                                            <p:cond delay="0"/>
+                                          </p:stCondLst>
+                                        </p:cTn>
+                                        <p:tgtEl>
+                                          <p:spTgt spid="9">
+                                            <p:txEl>
+                                              <p:pRg st="2" end="2"/>
+                                            </p:txEl>
+                                          </p:spTgt>
+                                        </p:tgtEl>
+                                        <p:attrNameLst>
+                                          <p:attrName>style.visibility</p:attrName>
+                                        </p:attrNameLst>
+                                      </p:cBhvr>
+                                      <p:to>
+                                        <p:strVal val="visible"/>
+                                      </p:to>
+                                    </p:set>
+                                    <p:animEffect transition="in" filter="fade">
+                                      <p:cBhvr>
+                                        <p:cTn id="23" dur="500"/>
+                                        <p:tgtEl>
+                                          <p:spTgt spid="9">
+                                            <p:txEl>
+                                              <p:pRg st="2" end="2"/>
+                                            </p:txEl>
+                                          </p:spTgt>
+                                        </p:tgtEl>
+                                      </p:cBhvr>
+                                    </p:animEffect>
+                                  </p:childTnLst>
+                                </p:cTn>
+                              </p:par>
+                              <p:par>
+                                <p:cTn id="24" presetID="10" presetClass="entr" presetSubtype="0" fill="hold" nodeType="withEffect">
+                                  <p:stCondLst>
+                                    <p:cond delay="0"/>
+                                  </p:stCondLst>
+                                  <p:childTnLst>
+                                    <p:set>
+                                      <p:cBhvr>
+                                        <p:cTn id="25" dur="1" fill="hold">
+                                          <p:stCondLst>
+                                            <p:cond delay="0"/>
+                                          </p:stCondLst>
+                                        </p:cTn>
+                                        <p:tgtEl>
+                                          <p:spTgt spid="9">
+                                            <p:txEl>
+                                              <p:pRg st="3" end="3"/>
+                                            </p:txEl>
+                                          </p:spTgt>
+                                        </p:tgtEl>
+                                        <p:attrNameLst>
+                                          <p:attrName>style.visibility</p:attrName>
+                                        </p:attrNameLst>
+                                      </p:cBhvr>
+                                      <p:to>
+                                        <p:strVal val="visible"/>
+                                      </p:to>
+                                    </p:set>
+                                    <p:animEffect transition="in" filter="fade">
+                                      <p:cBhvr>
+                                        <p:cTn id="26" dur="500"/>
+                                        <p:tgtEl>
+                                          <p:spTgt spid="9">
+                                            <p:txEl>
+                                              <p:pRg st="3" end="3"/>
+                                            </p:txEl>
+                                          </p:spTgt>
+                                        </p:tgtEl>
+                                      </p:cBhvr>
+                                    </p:animEffect>
+                                  </p:childTnLst>
+                                </p:cTn>
+                              </p:par>
+                              <p:par>
+                                <p:cTn id="27" presetID="10" presetClass="entr" presetSubtype="0" fill="hold" nodeType="withEffect">
+                                  <p:stCondLst>
+                                    <p:cond delay="0"/>
+                                  </p:stCondLst>
+                                  <p:childTnLst>
+                                    <p:set>
+                                      <p:cBhvr>
+                                        <p:cTn id="28" dur="1" fill="hold">
+                                          <p:stCondLst>
+                                            <p:cond delay="0"/>
+                                          </p:stCondLst>
+                                        </p:cTn>
+                                        <p:tgtEl>
+                                          <p:spTgt spid="9">
+                                            <p:txEl>
+                                              <p:pRg st="4" end="4"/>
+                                            </p:txEl>
+                                          </p:spTgt>
+                                        </p:tgtEl>
+                                        <p:attrNameLst>
+                                          <p:attrName>style.visibility</p:attrName>
+                                        </p:attrNameLst>
+                                      </p:cBhvr>
+                                      <p:to>
+                                        <p:strVal val="visible"/>
+                                      </p:to>
+                                    </p:set>
+                                    <p:animEffect transition="in" filter="fade">
+                                      <p:cBhvr>
+                                        <p:cTn id="29" dur="500"/>
+                                        <p:tgtEl>
+                                          <p:spTgt spid="9">
+                                            <p:txEl>
+                                              <p:pRg st="4" end="4"/>
+                                            </p:txEl>
+                                          </p:spTgt>
+                                        </p:tgtEl>
+                                      </p:cBhvr>
+                                    </p:animEffect>
+                                  </p:childTnLst>
+                                </p:cTn>
+                              </p:par>
+                              <p:par>
+                                <p:cTn id="30" presetID="10" presetClass="entr" presetSubtype="0" fill="hold" nodeType="withEffect">
+                                  <p:stCondLst>
+                                    <p:cond delay="0"/>
+                                  </p:stCondLst>
+                                  <p:childTnLst>
+                                    <p:set>
+                                      <p:cBhvr>
+                                        <p:cTn id="31" dur="1" fill="hold">
+                                          <p:stCondLst>
+                                            <p:cond delay="0"/>
+                                          </p:stCondLst>
+                                        </p:cTn>
+                                        <p:tgtEl>
+                                          <p:spTgt spid="9">
+                                            <p:txEl>
+                                              <p:pRg st="5" end="5"/>
+                                            </p:txEl>
+                                          </p:spTgt>
+                                        </p:tgtEl>
+                                        <p:attrNameLst>
+                                          <p:attrName>style.visibility</p:attrName>
+                                        </p:attrNameLst>
+                                      </p:cBhvr>
+                                      <p:to>
+                                        <p:strVal val="visible"/>
+                                      </p:to>
+                                    </p:set>
+                                    <p:animEffect transition="in" filter="fade">
+                                      <p:cBhvr>
+                                        <p:cTn id="32" dur="500"/>
+                                        <p:tgtEl>
+                                          <p:spTgt spid="9">
+                                            <p:txEl>
+                                              <p:pRg st="5" end="5"/>
+                                            </p:txEl>
+                                          </p:spTgt>
+                                        </p:tgtEl>
+                                      </p:cBhvr>
+                                    </p:animEffect>
+                                  </p:childTnLst>
+                                </p:cTn>
+                              </p:par>
+                              <p:par>
+                                <p:cTn id="33" presetID="10" presetClass="entr" presetSubtype="0" fill="hold" nodeType="withEffect">
+                                  <p:stCondLst>
+                                    <p:cond delay="0"/>
+                                  </p:stCondLst>
+                                  <p:childTnLst>
+                                    <p:set>
+                                      <p:cBhvr>
+                                        <p:cTn id="34" dur="1" fill="hold">
+                                          <p:stCondLst>
+                                            <p:cond delay="0"/>
+                                          </p:stCondLst>
+                                        </p:cTn>
+                                        <p:tgtEl>
+                                          <p:spTgt spid="9">
+                                            <p:txEl>
+                                              <p:pRg st="6" end="6"/>
+                                            </p:txEl>
+                                          </p:spTgt>
+                                        </p:tgtEl>
+                                        <p:attrNameLst>
+                                          <p:attrName>style.visibility</p:attrName>
+                                        </p:attrNameLst>
+                                      </p:cBhvr>
+                                      <p:to>
+                                        <p:strVal val="visible"/>
+                                      </p:to>
+                                    </p:set>
+                                    <p:animEffect transition="in" filter="fade">
+                                      <p:cBhvr>
+                                        <p:cTn id="35" dur="500"/>
+                                        <p:tgtEl>
+                                          <p:spTgt spid="9">
+                                            <p:txEl>
+                                              <p:pRg st="6" end="6"/>
+                                            </p:txEl>
+                                          </p:spTgt>
+                                        </p:tgtEl>
+                                      </p:cBhvr>
+                                    </p:animEffect>
+                                  </p:childTnLst>
+                                </p:cTn>
+                              </p:par>
+                            </p:childTnLst>
+                          </p:cTn>
+                        </p:par>
+                      </p:childTnLst>
+                    </p:cTn>
+                  </p:par>
+                </p:childTnLst>
+              </p:cTn>
+              <p:prevCondLst>
+                <p:cond evt="onPrev" delay="0">
+                  <p:tgtEl>
+                    <p:sldTgt/>
+                  </p:tgtEl>
+                </p:cond>
+              </p:prevCondLst>
+              <p:nextCondLst>
+                <p:cond evt="onNext" delay="0">
+                  <p:tgtEl>
+                    <p:sldTgt/>
+                  </p:tgtEl>
+                </p:cond>
+              </p:nextCondLst>
+            </p:seq>
+          </p:childTnLst>
+        </p:cTn>
       </p:par>
     </p:tnLst>
+    <p:bldLst>
+      <p:bldP spid="4" grpId="0"/>
+    </p:bldLst>
   </p:timing>
 </p:sld>
 </file>
@@ -8861,9 +9926,383 @@
   <p:timing>
     <p:tnLst>
       <p:par>
-        <p:cTn id="1" dur="indefinite" restart="never" nodeType="tmRoot"/>
+        <p:cTn id="1" dur="indefinite" restart="never" nodeType="tmRoot">
+          <p:childTnLst>
+            <p:seq concurrent="1" nextAc="seek">
+              <p:cTn id="2" dur="indefinite" nodeType="mainSeq">
+                <p:childTnLst>
+                  <p:par>
+                    <p:cTn id="3" fill="hold">
+                      <p:stCondLst>
+                        <p:cond delay="indefinite"/>
+                      </p:stCondLst>
+                      <p:childTnLst>
+                        <p:par>
+                          <p:cTn id="4" fill="hold">
+                            <p:stCondLst>
+                              <p:cond delay="0"/>
+                            </p:stCondLst>
+                            <p:childTnLst>
+                              <p:par>
+                                <p:cTn id="5" presetID="10" presetClass="entr" presetSubtype="0" fill="hold" grpId="0" nodeType="clickEffect">
+                                  <p:stCondLst>
+                                    <p:cond delay="0"/>
+                                  </p:stCondLst>
+                                  <p:childTnLst>
+                                    <p:set>
+                                      <p:cBhvr>
+                                        <p:cTn id="6" dur="1" fill="hold">
+                                          <p:stCondLst>
+                                            <p:cond delay="0"/>
+                                          </p:stCondLst>
+                                        </p:cTn>
+                                        <p:tgtEl>
+                                          <p:spTgt spid="3">
+                                            <p:txEl>
+                                              <p:pRg st="0" end="0"/>
+                                            </p:txEl>
+                                          </p:spTgt>
+                                        </p:tgtEl>
+                                        <p:attrNameLst>
+                                          <p:attrName>style.visibility</p:attrName>
+                                        </p:attrNameLst>
+                                      </p:cBhvr>
+                                      <p:to>
+                                        <p:strVal val="visible"/>
+                                      </p:to>
+                                    </p:set>
+                                    <p:animEffect transition="in" filter="fade">
+                                      <p:cBhvr>
+                                        <p:cTn id="7" dur="500"/>
+                                        <p:tgtEl>
+                                          <p:spTgt spid="3">
+                                            <p:txEl>
+                                              <p:pRg st="0" end="0"/>
+                                            </p:txEl>
+                                          </p:spTgt>
+                                        </p:tgtEl>
+                                      </p:cBhvr>
+                                    </p:animEffect>
+                                  </p:childTnLst>
+                                </p:cTn>
+                              </p:par>
+                            </p:childTnLst>
+                          </p:cTn>
+                        </p:par>
+                      </p:childTnLst>
+                    </p:cTn>
+                  </p:par>
+                  <p:par>
+                    <p:cTn id="8" fill="hold">
+                      <p:stCondLst>
+                        <p:cond delay="indefinite"/>
+                      </p:stCondLst>
+                      <p:childTnLst>
+                        <p:par>
+                          <p:cTn id="9" fill="hold">
+                            <p:stCondLst>
+                              <p:cond delay="0"/>
+                            </p:stCondLst>
+                            <p:childTnLst>
+                              <p:par>
+                                <p:cTn id="10" presetID="10" presetClass="entr" presetSubtype="0" fill="hold" grpId="0" nodeType="clickEffect">
+                                  <p:stCondLst>
+                                    <p:cond delay="0"/>
+                                  </p:stCondLst>
+                                  <p:childTnLst>
+                                    <p:set>
+                                      <p:cBhvr>
+                                        <p:cTn id="11" dur="1" fill="hold">
+                                          <p:stCondLst>
+                                            <p:cond delay="0"/>
+                                          </p:stCondLst>
+                                        </p:cTn>
+                                        <p:tgtEl>
+                                          <p:spTgt spid="3">
+                                            <p:txEl>
+                                              <p:pRg st="1" end="1"/>
+                                            </p:txEl>
+                                          </p:spTgt>
+                                        </p:tgtEl>
+                                        <p:attrNameLst>
+                                          <p:attrName>style.visibility</p:attrName>
+                                        </p:attrNameLst>
+                                      </p:cBhvr>
+                                      <p:to>
+                                        <p:strVal val="visible"/>
+                                      </p:to>
+                                    </p:set>
+                                    <p:animEffect transition="in" filter="fade">
+                                      <p:cBhvr>
+                                        <p:cTn id="12" dur="500"/>
+                                        <p:tgtEl>
+                                          <p:spTgt spid="3">
+                                            <p:txEl>
+                                              <p:pRg st="1" end="1"/>
+                                            </p:txEl>
+                                          </p:spTgt>
+                                        </p:tgtEl>
+                                      </p:cBhvr>
+                                    </p:animEffect>
+                                  </p:childTnLst>
+                                </p:cTn>
+                              </p:par>
+                            </p:childTnLst>
+                          </p:cTn>
+                        </p:par>
+                      </p:childTnLst>
+                    </p:cTn>
+                  </p:par>
+                  <p:par>
+                    <p:cTn id="13" fill="hold">
+                      <p:stCondLst>
+                        <p:cond delay="indefinite"/>
+                      </p:stCondLst>
+                      <p:childTnLst>
+                        <p:par>
+                          <p:cTn id="14" fill="hold">
+                            <p:stCondLst>
+                              <p:cond delay="0"/>
+                            </p:stCondLst>
+                            <p:childTnLst>
+                              <p:par>
+                                <p:cTn id="15" presetID="10" presetClass="entr" presetSubtype="0" fill="hold" grpId="0" nodeType="clickEffect">
+                                  <p:stCondLst>
+                                    <p:cond delay="0"/>
+                                  </p:stCondLst>
+                                  <p:childTnLst>
+                                    <p:set>
+                                      <p:cBhvr>
+                                        <p:cTn id="16" dur="1" fill="hold">
+                                          <p:stCondLst>
+                                            <p:cond delay="0"/>
+                                          </p:stCondLst>
+                                        </p:cTn>
+                                        <p:tgtEl>
+                                          <p:spTgt spid="3">
+                                            <p:txEl>
+                                              <p:pRg st="2" end="2"/>
+                                            </p:txEl>
+                                          </p:spTgt>
+                                        </p:tgtEl>
+                                        <p:attrNameLst>
+                                          <p:attrName>style.visibility</p:attrName>
+                                        </p:attrNameLst>
+                                      </p:cBhvr>
+                                      <p:to>
+                                        <p:strVal val="visible"/>
+                                      </p:to>
+                                    </p:set>
+                                    <p:animEffect transition="in" filter="fade">
+                                      <p:cBhvr>
+                                        <p:cTn id="17" dur="500"/>
+                                        <p:tgtEl>
+                                          <p:spTgt spid="3">
+                                            <p:txEl>
+                                              <p:pRg st="2" end="2"/>
+                                            </p:txEl>
+                                          </p:spTgt>
+                                        </p:tgtEl>
+                                      </p:cBhvr>
+                                    </p:animEffect>
+                                  </p:childTnLst>
+                                </p:cTn>
+                              </p:par>
+                              <p:par>
+                                <p:cTn id="18" presetID="10" presetClass="entr" presetSubtype="0" fill="hold" grpId="0" nodeType="withEffect">
+                                  <p:stCondLst>
+                                    <p:cond delay="0"/>
+                                  </p:stCondLst>
+                                  <p:childTnLst>
+                                    <p:set>
+                                      <p:cBhvr>
+                                        <p:cTn id="19" dur="1" fill="hold">
+                                          <p:stCondLst>
+                                            <p:cond delay="0"/>
+                                          </p:stCondLst>
+                                        </p:cTn>
+                                        <p:tgtEl>
+                                          <p:spTgt spid="3">
+                                            <p:txEl>
+                                              <p:pRg st="3" end="3"/>
+                                            </p:txEl>
+                                          </p:spTgt>
+                                        </p:tgtEl>
+                                        <p:attrNameLst>
+                                          <p:attrName>style.visibility</p:attrName>
+                                        </p:attrNameLst>
+                                      </p:cBhvr>
+                                      <p:to>
+                                        <p:strVal val="visible"/>
+                                      </p:to>
+                                    </p:set>
+                                    <p:animEffect transition="in" filter="fade">
+                                      <p:cBhvr>
+                                        <p:cTn id="20" dur="500"/>
+                                        <p:tgtEl>
+                                          <p:spTgt spid="3">
+                                            <p:txEl>
+                                              <p:pRg st="3" end="3"/>
+                                            </p:txEl>
+                                          </p:spTgt>
+                                        </p:tgtEl>
+                                      </p:cBhvr>
+                                    </p:animEffect>
+                                  </p:childTnLst>
+                                </p:cTn>
+                              </p:par>
+                            </p:childTnLst>
+                          </p:cTn>
+                        </p:par>
+                      </p:childTnLst>
+                    </p:cTn>
+                  </p:par>
+                  <p:par>
+                    <p:cTn id="21" fill="hold">
+                      <p:stCondLst>
+                        <p:cond delay="indefinite"/>
+                      </p:stCondLst>
+                      <p:childTnLst>
+                        <p:par>
+                          <p:cTn id="22" fill="hold">
+                            <p:stCondLst>
+                              <p:cond delay="0"/>
+                            </p:stCondLst>
+                            <p:childTnLst>
+                              <p:par>
+                                <p:cTn id="23" presetID="10" presetClass="entr" presetSubtype="0" fill="hold" grpId="0" nodeType="clickEffect">
+                                  <p:stCondLst>
+                                    <p:cond delay="0"/>
+                                  </p:stCondLst>
+                                  <p:childTnLst>
+                                    <p:set>
+                                      <p:cBhvr>
+                                        <p:cTn id="24" dur="1" fill="hold">
+                                          <p:stCondLst>
+                                            <p:cond delay="0"/>
+                                          </p:stCondLst>
+                                        </p:cTn>
+                                        <p:tgtEl>
+                                          <p:spTgt spid="3">
+                                            <p:txEl>
+                                              <p:pRg st="4" end="4"/>
+                                            </p:txEl>
+                                          </p:spTgt>
+                                        </p:tgtEl>
+                                        <p:attrNameLst>
+                                          <p:attrName>style.visibility</p:attrName>
+                                        </p:attrNameLst>
+                                      </p:cBhvr>
+                                      <p:to>
+                                        <p:strVal val="visible"/>
+                                      </p:to>
+                                    </p:set>
+                                    <p:animEffect transition="in" filter="fade">
+                                      <p:cBhvr>
+                                        <p:cTn id="25" dur="500"/>
+                                        <p:tgtEl>
+                                          <p:spTgt spid="3">
+                                            <p:txEl>
+                                              <p:pRg st="4" end="4"/>
+                                            </p:txEl>
+                                          </p:spTgt>
+                                        </p:tgtEl>
+                                      </p:cBhvr>
+                                    </p:animEffect>
+                                  </p:childTnLst>
+                                </p:cTn>
+                              </p:par>
+                            </p:childTnLst>
+                          </p:cTn>
+                        </p:par>
+                      </p:childTnLst>
+                    </p:cTn>
+                  </p:par>
+                  <p:par>
+                    <p:cTn id="26" fill="hold">
+                      <p:stCondLst>
+                        <p:cond delay="indefinite"/>
+                      </p:stCondLst>
+                      <p:childTnLst>
+                        <p:par>
+                          <p:cTn id="27" fill="hold">
+                            <p:stCondLst>
+                              <p:cond delay="0"/>
+                            </p:stCondLst>
+                            <p:childTnLst>
+                              <p:par>
+                                <p:cTn id="28" presetID="10" presetClass="entr" presetSubtype="0" fill="hold" grpId="0" nodeType="clickEffect">
+                                  <p:stCondLst>
+                                    <p:cond delay="0"/>
+                                  </p:stCondLst>
+                                  <p:childTnLst>
+                                    <p:set>
+                                      <p:cBhvr>
+                                        <p:cTn id="29" dur="1" fill="hold">
+                                          <p:stCondLst>
+                                            <p:cond delay="0"/>
+                                          </p:stCondLst>
+                                        </p:cTn>
+                                        <p:tgtEl>
+                                          <p:spTgt spid="3">
+                                            <p:txEl>
+                                              <p:pRg st="5" end="5"/>
+                                            </p:txEl>
+                                          </p:spTgt>
+                                        </p:tgtEl>
+                                        <p:attrNameLst>
+                                          <p:attrName>style.visibility</p:attrName>
+                                        </p:attrNameLst>
+                                      </p:cBhvr>
+                                      <p:to>
+                                        <p:strVal val="visible"/>
+                                      </p:to>
+                                    </p:set>
+                                    <p:animEffect transition="in" filter="fade">
+                                      <p:cBhvr>
+                                        <p:cTn id="30" dur="500"/>
+                                        <p:tgtEl>
+                                          <p:spTgt spid="3">
+                                            <p:txEl>
+                                              <p:pRg st="5" end="5"/>
+                                            </p:txEl>
+                                          </p:spTgt>
+                                        </p:tgtEl>
+                                      </p:cBhvr>
+                                    </p:animEffect>
+                                  </p:childTnLst>
+                                </p:cTn>
+                              </p:par>
+                            </p:childTnLst>
+                          </p:cTn>
+                        </p:par>
+                      </p:childTnLst>
+                    </p:cTn>
+                  </p:par>
+                </p:childTnLst>
+              </p:cTn>
+              <p:prevCondLst>
+                <p:cond evt="onPrev" delay="0">
+                  <p:tgtEl>
+                    <p:sldTgt/>
+                  </p:tgtEl>
+                </p:cond>
+              </p:prevCondLst>
+              <p:nextCondLst>
+                <p:cond evt="onNext" delay="0">
+                  <p:tgtEl>
+                    <p:sldTgt/>
+                  </p:tgtEl>
+                </p:cond>
+              </p:nextCondLst>
+            </p:seq>
+          </p:childTnLst>
+        </p:cTn>
       </p:par>
     </p:tnLst>
+    <p:bldLst>
+      <p:bldP spid="3" grpId="0" build="p"/>
+    </p:bldLst>
   </p:timing>
 </p:sld>
 </file>
@@ -8955,9 +10394,157 @@
   <p:timing>
     <p:tnLst>
       <p:par>
-        <p:cTn id="1" dur="indefinite" restart="never" nodeType="tmRoot"/>
+        <p:cTn id="1" dur="indefinite" restart="never" nodeType="tmRoot">
+          <p:childTnLst>
+            <p:seq concurrent="1" nextAc="seek">
+              <p:cTn id="2" dur="indefinite" nodeType="mainSeq">
+                <p:childTnLst>
+                  <p:par>
+                    <p:cTn id="3" fill="hold">
+                      <p:stCondLst>
+                        <p:cond delay="indefinite"/>
+                      </p:stCondLst>
+                      <p:childTnLst>
+                        <p:par>
+                          <p:cTn id="4" fill="hold">
+                            <p:stCondLst>
+                              <p:cond delay="0"/>
+                            </p:stCondLst>
+                            <p:childTnLst>
+                              <p:par>
+                                <p:cTn id="5" presetID="10" presetClass="entr" presetSubtype="0" fill="hold" grpId="0" nodeType="clickEffect">
+                                  <p:stCondLst>
+                                    <p:cond delay="0"/>
+                                  </p:stCondLst>
+                                  <p:childTnLst>
+                                    <p:set>
+                                      <p:cBhvr>
+                                        <p:cTn id="6" dur="1" fill="hold">
+                                          <p:stCondLst>
+                                            <p:cond delay="0"/>
+                                          </p:stCondLst>
+                                        </p:cTn>
+                                        <p:tgtEl>
+                                          <p:spTgt spid="3">
+                                            <p:txEl>
+                                              <p:pRg st="0" end="0"/>
+                                            </p:txEl>
+                                          </p:spTgt>
+                                        </p:tgtEl>
+                                        <p:attrNameLst>
+                                          <p:attrName>style.visibility</p:attrName>
+                                        </p:attrNameLst>
+                                      </p:cBhvr>
+                                      <p:to>
+                                        <p:strVal val="visible"/>
+                                      </p:to>
+                                    </p:set>
+                                    <p:animEffect transition="in" filter="fade">
+                                      <p:cBhvr>
+                                        <p:cTn id="7" dur="500"/>
+                                        <p:tgtEl>
+                                          <p:spTgt spid="3">
+                                            <p:txEl>
+                                              <p:pRg st="0" end="0"/>
+                                            </p:txEl>
+                                          </p:spTgt>
+                                        </p:tgtEl>
+                                      </p:cBhvr>
+                                    </p:animEffect>
+                                  </p:childTnLst>
+                                </p:cTn>
+                              </p:par>
+                            </p:childTnLst>
+                          </p:cTn>
+                        </p:par>
+                      </p:childTnLst>
+                    </p:cTn>
+                  </p:par>
+                  <p:par>
+                    <p:cTn id="8" fill="hold">
+                      <p:stCondLst>
+                        <p:cond delay="indefinite"/>
+                      </p:stCondLst>
+                      <p:childTnLst>
+                        <p:par>
+                          <p:cTn id="9" fill="hold">
+                            <p:stCondLst>
+                              <p:cond delay="0"/>
+                            </p:stCondLst>
+                            <p:childTnLst>
+                              <p:par>
+                                <p:cTn id="10" presetID="10" presetClass="entr" presetSubtype="0" fill="hold" grpId="0" nodeType="clickEffect">
+                                  <p:stCondLst>
+                                    <p:cond delay="0"/>
+                                  </p:stCondLst>
+                                  <p:childTnLst>
+                                    <p:set>
+                                      <p:cBhvr>
+                                        <p:cTn id="11" dur="1" fill="hold">
+                                          <p:stCondLst>
+                                            <p:cond delay="0"/>
+                                          </p:stCondLst>
+                                        </p:cTn>
+                                        <p:tgtEl>
+                                          <p:spTgt spid="3">
+                                            <p:txEl>
+                                              <p:pRg st="1" end="1"/>
+                                            </p:txEl>
+                                          </p:spTgt>
+                                        </p:tgtEl>
+                                        <p:attrNameLst>
+                                          <p:attrName>style.visibility</p:attrName>
+                                        </p:attrNameLst>
+                                      </p:cBhvr>
+                                      <p:to>
+                                        <p:strVal val="visible"/>
+                                      </p:to>
+                                    </p:set>
+                                    <p:animEffect transition="in" filter="fade">
+                                      <p:cBhvr>
+                                        <p:cTn id="12" dur="500"/>
+                                        <p:tgtEl>
+                                          <p:spTgt spid="3">
+                                            <p:txEl>
+                                              <p:pRg st="1" end="1"/>
+                                            </p:txEl>
+                                          </p:spTgt>
+                                        </p:tgtEl>
+                                      </p:cBhvr>
+                                    </p:animEffect>
+                                  </p:childTnLst>
+                                </p:cTn>
+                              </p:par>
+                            </p:childTnLst>
+                          </p:cTn>
+                        </p:par>
+                      </p:childTnLst>
+                    </p:cTn>
+                  </p:par>
+                </p:childTnLst>
+              </p:cTn>
+              <p:prevCondLst>
+                <p:cond evt="onPrev" delay="0">
+                  <p:tgtEl>
+                    <p:sldTgt/>
+                  </p:tgtEl>
+                </p:cond>
+              </p:prevCondLst>
+              <p:nextCondLst>
+                <p:cond evt="onNext" delay="0">
+                  <p:tgtEl>
+                    <p:sldTgt/>
+                  </p:tgtEl>
+                </p:cond>
+              </p:nextCondLst>
+            </p:seq>
+          </p:childTnLst>
+        </p:cTn>
       </p:par>
     </p:tnLst>
+    <p:bldLst>
+      <p:bldP spid="3" grpId="0" build="p"/>
+    </p:bldLst>
   </p:timing>
 </p:sld>
 </file>
@@ -9079,9 +10666,408 @@
   <p:timing>
     <p:tnLst>
       <p:par>
-        <p:cTn id="1" dur="indefinite" restart="never" nodeType="tmRoot"/>
+        <p:cTn id="1" dur="indefinite" restart="never" nodeType="tmRoot">
+          <p:childTnLst>
+            <p:seq concurrent="1" nextAc="seek">
+              <p:cTn id="2" dur="indefinite" nodeType="mainSeq">
+                <p:childTnLst>
+                  <p:par>
+                    <p:cTn id="3" fill="hold">
+                      <p:stCondLst>
+                        <p:cond delay="indefinite"/>
+                      </p:stCondLst>
+                      <p:childTnLst>
+                        <p:par>
+                          <p:cTn id="4" fill="hold">
+                            <p:stCondLst>
+                              <p:cond delay="0"/>
+                            </p:stCondLst>
+                            <p:childTnLst>
+                              <p:par>
+                                <p:cTn id="5" presetID="10" presetClass="entr" presetSubtype="0" fill="hold" grpId="0" nodeType="clickEffect">
+                                  <p:stCondLst>
+                                    <p:cond delay="0"/>
+                                  </p:stCondLst>
+                                  <p:childTnLst>
+                                    <p:set>
+                                      <p:cBhvr>
+                                        <p:cTn id="6" dur="1" fill="hold">
+                                          <p:stCondLst>
+                                            <p:cond delay="0"/>
+                                          </p:stCondLst>
+                                        </p:cTn>
+                                        <p:tgtEl>
+                                          <p:spTgt spid="3">
+                                            <p:txEl>
+                                              <p:pRg st="0" end="0"/>
+                                            </p:txEl>
+                                          </p:spTgt>
+                                        </p:tgtEl>
+                                        <p:attrNameLst>
+                                          <p:attrName>style.visibility</p:attrName>
+                                        </p:attrNameLst>
+                                      </p:cBhvr>
+                                      <p:to>
+                                        <p:strVal val="visible"/>
+                                      </p:to>
+                                    </p:set>
+                                    <p:animEffect transition="in" filter="fade">
+                                      <p:cBhvr>
+                                        <p:cTn id="7" dur="500"/>
+                                        <p:tgtEl>
+                                          <p:spTgt spid="3">
+                                            <p:txEl>
+                                              <p:pRg st="0" end="0"/>
+                                            </p:txEl>
+                                          </p:spTgt>
+                                        </p:tgtEl>
+                                      </p:cBhvr>
+                                    </p:animEffect>
+                                  </p:childTnLst>
+                                </p:cTn>
+                              </p:par>
+                              <p:par>
+                                <p:cTn id="8" presetID="10" presetClass="entr" presetSubtype="0" fill="hold" grpId="0" nodeType="withEffect">
+                                  <p:stCondLst>
+                                    <p:cond delay="0"/>
+                                  </p:stCondLst>
+                                  <p:childTnLst>
+                                    <p:set>
+                                      <p:cBhvr>
+                                        <p:cTn id="9" dur="1" fill="hold">
+                                          <p:stCondLst>
+                                            <p:cond delay="0"/>
+                                          </p:stCondLst>
+                                        </p:cTn>
+                                        <p:tgtEl>
+                                          <p:spTgt spid="3">
+                                            <p:txEl>
+                                              <p:pRg st="1" end="1"/>
+                                            </p:txEl>
+                                          </p:spTgt>
+                                        </p:tgtEl>
+                                        <p:attrNameLst>
+                                          <p:attrName>style.visibility</p:attrName>
+                                        </p:attrNameLst>
+                                      </p:cBhvr>
+                                      <p:to>
+                                        <p:strVal val="visible"/>
+                                      </p:to>
+                                    </p:set>
+                                    <p:animEffect transition="in" filter="fade">
+                                      <p:cBhvr>
+                                        <p:cTn id="10" dur="500"/>
+                                        <p:tgtEl>
+                                          <p:spTgt spid="3">
+                                            <p:txEl>
+                                              <p:pRg st="1" end="1"/>
+                                            </p:txEl>
+                                          </p:spTgt>
+                                        </p:tgtEl>
+                                      </p:cBhvr>
+                                    </p:animEffect>
+                                  </p:childTnLst>
+                                </p:cTn>
+                              </p:par>
+                            </p:childTnLst>
+                          </p:cTn>
+                        </p:par>
+                      </p:childTnLst>
+                    </p:cTn>
+                  </p:par>
+                  <p:par>
+                    <p:cTn id="11" fill="hold">
+                      <p:stCondLst>
+                        <p:cond delay="indefinite"/>
+                      </p:stCondLst>
+                      <p:childTnLst>
+                        <p:par>
+                          <p:cTn id="12" fill="hold">
+                            <p:stCondLst>
+                              <p:cond delay="0"/>
+                            </p:stCondLst>
+                            <p:childTnLst>
+                              <p:par>
+                                <p:cTn id="13" presetID="10" presetClass="entr" presetSubtype="0" fill="hold" grpId="0" nodeType="clickEffect">
+                                  <p:stCondLst>
+                                    <p:cond delay="0"/>
+                                  </p:stCondLst>
+                                  <p:childTnLst>
+                                    <p:set>
+                                      <p:cBhvr>
+                                        <p:cTn id="14" dur="1" fill="hold">
+                                          <p:stCondLst>
+                                            <p:cond delay="0"/>
+                                          </p:stCondLst>
+                                        </p:cTn>
+                                        <p:tgtEl>
+                                          <p:spTgt spid="3">
+                                            <p:txEl>
+                                              <p:pRg st="2" end="2"/>
+                                            </p:txEl>
+                                          </p:spTgt>
+                                        </p:tgtEl>
+                                        <p:attrNameLst>
+                                          <p:attrName>style.visibility</p:attrName>
+                                        </p:attrNameLst>
+                                      </p:cBhvr>
+                                      <p:to>
+                                        <p:strVal val="visible"/>
+                                      </p:to>
+                                    </p:set>
+                                    <p:animEffect transition="in" filter="fade">
+                                      <p:cBhvr>
+                                        <p:cTn id="15" dur="500"/>
+                                        <p:tgtEl>
+                                          <p:spTgt spid="3">
+                                            <p:txEl>
+                                              <p:pRg st="2" end="2"/>
+                                            </p:txEl>
+                                          </p:spTgt>
+                                        </p:tgtEl>
+                                      </p:cBhvr>
+                                    </p:animEffect>
+                                  </p:childTnLst>
+                                </p:cTn>
+                              </p:par>
+                              <p:par>
+                                <p:cTn id="16" presetID="10" presetClass="entr" presetSubtype="0" fill="hold" grpId="0" nodeType="withEffect">
+                                  <p:stCondLst>
+                                    <p:cond delay="0"/>
+                                  </p:stCondLst>
+                                  <p:childTnLst>
+                                    <p:set>
+                                      <p:cBhvr>
+                                        <p:cTn id="17" dur="1" fill="hold">
+                                          <p:stCondLst>
+                                            <p:cond delay="0"/>
+                                          </p:stCondLst>
+                                        </p:cTn>
+                                        <p:tgtEl>
+                                          <p:spTgt spid="3">
+                                            <p:txEl>
+                                              <p:pRg st="3" end="3"/>
+                                            </p:txEl>
+                                          </p:spTgt>
+                                        </p:tgtEl>
+                                        <p:attrNameLst>
+                                          <p:attrName>style.visibility</p:attrName>
+                                        </p:attrNameLst>
+                                      </p:cBhvr>
+                                      <p:to>
+                                        <p:strVal val="visible"/>
+                                      </p:to>
+                                    </p:set>
+                                    <p:animEffect transition="in" filter="fade">
+                                      <p:cBhvr>
+                                        <p:cTn id="18" dur="500"/>
+                                        <p:tgtEl>
+                                          <p:spTgt spid="3">
+                                            <p:txEl>
+                                              <p:pRg st="3" end="3"/>
+                                            </p:txEl>
+                                          </p:spTgt>
+                                        </p:tgtEl>
+                                      </p:cBhvr>
+                                    </p:animEffect>
+                                  </p:childTnLst>
+                                </p:cTn>
+                              </p:par>
+                            </p:childTnLst>
+                          </p:cTn>
+                        </p:par>
+                      </p:childTnLst>
+                    </p:cTn>
+                  </p:par>
+                  <p:par>
+                    <p:cTn id="19" fill="hold">
+                      <p:stCondLst>
+                        <p:cond delay="indefinite"/>
+                      </p:stCondLst>
+                      <p:childTnLst>
+                        <p:par>
+                          <p:cTn id="20" fill="hold">
+                            <p:stCondLst>
+                              <p:cond delay="0"/>
+                            </p:stCondLst>
+                            <p:childTnLst>
+                              <p:par>
+                                <p:cTn id="21" presetID="10" presetClass="entr" presetSubtype="0" fill="hold" grpId="0" nodeType="clickEffect">
+                                  <p:stCondLst>
+                                    <p:cond delay="0"/>
+                                  </p:stCondLst>
+                                  <p:childTnLst>
+                                    <p:set>
+                                      <p:cBhvr>
+                                        <p:cTn id="22" dur="1" fill="hold">
+                                          <p:stCondLst>
+                                            <p:cond delay="0"/>
+                                          </p:stCondLst>
+                                        </p:cTn>
+                                        <p:tgtEl>
+                                          <p:spTgt spid="3">
+                                            <p:txEl>
+                                              <p:pRg st="4" end="4"/>
+                                            </p:txEl>
+                                          </p:spTgt>
+                                        </p:tgtEl>
+                                        <p:attrNameLst>
+                                          <p:attrName>style.visibility</p:attrName>
+                                        </p:attrNameLst>
+                                      </p:cBhvr>
+                                      <p:to>
+                                        <p:strVal val="visible"/>
+                                      </p:to>
+                                    </p:set>
+                                    <p:animEffect transition="in" filter="fade">
+                                      <p:cBhvr>
+                                        <p:cTn id="23" dur="500"/>
+                                        <p:tgtEl>
+                                          <p:spTgt spid="3">
+                                            <p:txEl>
+                                              <p:pRg st="4" end="4"/>
+                                            </p:txEl>
+                                          </p:spTgt>
+                                        </p:tgtEl>
+                                      </p:cBhvr>
+                                    </p:animEffect>
+                                  </p:childTnLst>
+                                </p:cTn>
+                              </p:par>
+                              <p:par>
+                                <p:cTn id="24" presetID="10" presetClass="entr" presetSubtype="0" fill="hold" grpId="0" nodeType="withEffect">
+                                  <p:stCondLst>
+                                    <p:cond delay="0"/>
+                                  </p:stCondLst>
+                                  <p:childTnLst>
+                                    <p:set>
+                                      <p:cBhvr>
+                                        <p:cTn id="25" dur="1" fill="hold">
+                                          <p:stCondLst>
+                                            <p:cond delay="0"/>
+                                          </p:stCondLst>
+                                        </p:cTn>
+                                        <p:tgtEl>
+                                          <p:spTgt spid="3">
+                                            <p:txEl>
+                                              <p:pRg st="5" end="5"/>
+                                            </p:txEl>
+                                          </p:spTgt>
+                                        </p:tgtEl>
+                                        <p:attrNameLst>
+                                          <p:attrName>style.visibility</p:attrName>
+                                        </p:attrNameLst>
+                                      </p:cBhvr>
+                                      <p:to>
+                                        <p:strVal val="visible"/>
+                                      </p:to>
+                                    </p:set>
+                                    <p:animEffect transition="in" filter="fade">
+                                      <p:cBhvr>
+                                        <p:cTn id="26" dur="500"/>
+                                        <p:tgtEl>
+                                          <p:spTgt spid="3">
+                                            <p:txEl>
+                                              <p:pRg st="5" end="5"/>
+                                            </p:txEl>
+                                          </p:spTgt>
+                                        </p:tgtEl>
+                                      </p:cBhvr>
+                                    </p:animEffect>
+                                  </p:childTnLst>
+                                </p:cTn>
+                              </p:par>
+                            </p:childTnLst>
+                          </p:cTn>
+                        </p:par>
+                      </p:childTnLst>
+                    </p:cTn>
+                  </p:par>
+                  <p:par>
+                    <p:cTn id="27" fill="hold">
+                      <p:stCondLst>
+                        <p:cond delay="indefinite"/>
+                      </p:stCondLst>
+                      <p:childTnLst>
+                        <p:par>
+                          <p:cTn id="28" fill="hold">
+                            <p:stCondLst>
+                              <p:cond delay="0"/>
+                            </p:stCondLst>
+                            <p:childTnLst>
+                              <p:par>
+                                <p:cTn id="29" presetID="10" presetClass="entr" presetSubtype="0" fill="hold" grpId="0" nodeType="clickEffect">
+                                  <p:stCondLst>
+                                    <p:cond delay="0"/>
+                                  </p:stCondLst>
+                                  <p:childTnLst>
+                                    <p:set>
+                                      <p:cBhvr>
+                                        <p:cTn id="30" dur="1" fill="hold">
+                                          <p:stCondLst>
+                                            <p:cond delay="0"/>
+                                          </p:stCondLst>
+                                        </p:cTn>
+                                        <p:tgtEl>
+                                          <p:spTgt spid="3">
+                                            <p:txEl>
+                                              <p:pRg st="6" end="6"/>
+                                            </p:txEl>
+                                          </p:spTgt>
+                                        </p:tgtEl>
+                                        <p:attrNameLst>
+                                          <p:attrName>style.visibility</p:attrName>
+                                        </p:attrNameLst>
+                                      </p:cBhvr>
+                                      <p:to>
+                                        <p:strVal val="visible"/>
+                                      </p:to>
+                                    </p:set>
+                                    <p:animEffect transition="in" filter="fade">
+                                      <p:cBhvr>
+                                        <p:cTn id="31" dur="500"/>
+                                        <p:tgtEl>
+                                          <p:spTgt spid="3">
+                                            <p:txEl>
+                                              <p:pRg st="6" end="6"/>
+                                            </p:txEl>
+                                          </p:spTgt>
+                                        </p:tgtEl>
+                                      </p:cBhvr>
+                                    </p:animEffect>
+                                  </p:childTnLst>
+                                </p:cTn>
+                              </p:par>
+                            </p:childTnLst>
+                          </p:cTn>
+                        </p:par>
+                      </p:childTnLst>
+                    </p:cTn>
+                  </p:par>
+                </p:childTnLst>
+              </p:cTn>
+              <p:prevCondLst>
+                <p:cond evt="onPrev" delay="0">
+                  <p:tgtEl>
+                    <p:sldTgt/>
+                  </p:tgtEl>
+                </p:cond>
+              </p:prevCondLst>
+              <p:nextCondLst>
+                <p:cond evt="onNext" delay="0">
+                  <p:tgtEl>
+                    <p:sldTgt/>
+                  </p:tgtEl>
+                </p:cond>
+              </p:nextCondLst>
+            </p:seq>
+          </p:childTnLst>
+        </p:cTn>
       </p:par>
     </p:tnLst>
+    <p:bldLst>
+      <p:bldP spid="3" grpId="0" build="p"/>
+    </p:bldLst>
   </p:timing>
 </p:sld>
 </file>
@@ -11636,9 +13622,322 @@
   <p:timing>
     <p:tnLst>
       <p:par>
-        <p:cTn id="1" dur="indefinite" restart="never" nodeType="tmRoot"/>
+        <p:cTn id="1" dur="indefinite" restart="never" nodeType="tmRoot">
+          <p:childTnLst>
+            <p:seq concurrent="1" nextAc="seek">
+              <p:cTn id="2" dur="indefinite" nodeType="mainSeq">
+                <p:childTnLst>
+                  <p:par>
+                    <p:cTn id="3" fill="hold">
+                      <p:stCondLst>
+                        <p:cond delay="indefinite"/>
+                      </p:stCondLst>
+                      <p:childTnLst>
+                        <p:par>
+                          <p:cTn id="4" fill="hold">
+                            <p:stCondLst>
+                              <p:cond delay="0"/>
+                            </p:stCondLst>
+                            <p:childTnLst>
+                              <p:par>
+                                <p:cTn id="5" presetID="10" presetClass="entr" presetSubtype="0" fill="hold" grpId="0" nodeType="clickEffect">
+                                  <p:stCondLst>
+                                    <p:cond delay="0"/>
+                                  </p:stCondLst>
+                                  <p:childTnLst>
+                                    <p:set>
+                                      <p:cBhvr>
+                                        <p:cTn id="6" dur="1" fill="hold">
+                                          <p:stCondLst>
+                                            <p:cond delay="0"/>
+                                          </p:stCondLst>
+                                        </p:cTn>
+                                        <p:tgtEl>
+                                          <p:spTgt spid="3">
+                                            <p:txEl>
+                                              <p:pRg st="0" end="0"/>
+                                            </p:txEl>
+                                          </p:spTgt>
+                                        </p:tgtEl>
+                                        <p:attrNameLst>
+                                          <p:attrName>style.visibility</p:attrName>
+                                        </p:attrNameLst>
+                                      </p:cBhvr>
+                                      <p:to>
+                                        <p:strVal val="visible"/>
+                                      </p:to>
+                                    </p:set>
+                                    <p:animEffect transition="in" filter="fade">
+                                      <p:cBhvr>
+                                        <p:cTn id="7" dur="500"/>
+                                        <p:tgtEl>
+                                          <p:spTgt spid="3">
+                                            <p:txEl>
+                                              <p:pRg st="0" end="0"/>
+                                            </p:txEl>
+                                          </p:spTgt>
+                                        </p:tgtEl>
+                                      </p:cBhvr>
+                                    </p:animEffect>
+                                  </p:childTnLst>
+                                </p:cTn>
+                              </p:par>
+                              <p:par>
+                                <p:cTn id="8" presetID="10" presetClass="entr" presetSubtype="0" fill="hold" grpId="0" nodeType="withEffect">
+                                  <p:stCondLst>
+                                    <p:cond delay="0"/>
+                                  </p:stCondLst>
+                                  <p:childTnLst>
+                                    <p:set>
+                                      <p:cBhvr>
+                                        <p:cTn id="9" dur="1" fill="hold">
+                                          <p:stCondLst>
+                                            <p:cond delay="0"/>
+                                          </p:stCondLst>
+                                        </p:cTn>
+                                        <p:tgtEl>
+                                          <p:spTgt spid="3">
+                                            <p:txEl>
+                                              <p:pRg st="1" end="1"/>
+                                            </p:txEl>
+                                          </p:spTgt>
+                                        </p:tgtEl>
+                                        <p:attrNameLst>
+                                          <p:attrName>style.visibility</p:attrName>
+                                        </p:attrNameLst>
+                                      </p:cBhvr>
+                                      <p:to>
+                                        <p:strVal val="visible"/>
+                                      </p:to>
+                                    </p:set>
+                                    <p:animEffect transition="in" filter="fade">
+                                      <p:cBhvr>
+                                        <p:cTn id="10" dur="500"/>
+                                        <p:tgtEl>
+                                          <p:spTgt spid="3">
+                                            <p:txEl>
+                                              <p:pRg st="1" end="1"/>
+                                            </p:txEl>
+                                          </p:spTgt>
+                                        </p:tgtEl>
+                                      </p:cBhvr>
+                                    </p:animEffect>
+                                  </p:childTnLst>
+                                </p:cTn>
+                              </p:par>
+                            </p:childTnLst>
+                          </p:cTn>
+                        </p:par>
+                      </p:childTnLst>
+                    </p:cTn>
+                  </p:par>
+                  <p:par>
+                    <p:cTn id="11" fill="hold">
+                      <p:stCondLst>
+                        <p:cond delay="indefinite"/>
+                      </p:stCondLst>
+                      <p:childTnLst>
+                        <p:par>
+                          <p:cTn id="12" fill="hold">
+                            <p:stCondLst>
+                              <p:cond delay="0"/>
+                            </p:stCondLst>
+                            <p:childTnLst>
+                              <p:par>
+                                <p:cTn id="13" presetID="10" presetClass="entr" presetSubtype="0" fill="hold" grpId="0" nodeType="clickEffect">
+                                  <p:stCondLst>
+                                    <p:cond delay="0"/>
+                                  </p:stCondLst>
+                                  <p:childTnLst>
+                                    <p:set>
+                                      <p:cBhvr>
+                                        <p:cTn id="14" dur="1" fill="hold">
+                                          <p:stCondLst>
+                                            <p:cond delay="0"/>
+                                          </p:stCondLst>
+                                        </p:cTn>
+                                        <p:tgtEl>
+                                          <p:spTgt spid="3">
+                                            <p:txEl>
+                                              <p:pRg st="2" end="2"/>
+                                            </p:txEl>
+                                          </p:spTgt>
+                                        </p:tgtEl>
+                                        <p:attrNameLst>
+                                          <p:attrName>style.visibility</p:attrName>
+                                        </p:attrNameLst>
+                                      </p:cBhvr>
+                                      <p:to>
+                                        <p:strVal val="visible"/>
+                                      </p:to>
+                                    </p:set>
+                                    <p:animEffect transition="in" filter="fade">
+                                      <p:cBhvr>
+                                        <p:cTn id="15" dur="500"/>
+                                        <p:tgtEl>
+                                          <p:spTgt spid="3">
+                                            <p:txEl>
+                                              <p:pRg st="2" end="2"/>
+                                            </p:txEl>
+                                          </p:spTgt>
+                                        </p:tgtEl>
+                                      </p:cBhvr>
+                                    </p:animEffect>
+                                  </p:childTnLst>
+                                </p:cTn>
+                              </p:par>
+                            </p:childTnLst>
+                          </p:cTn>
+                        </p:par>
+                      </p:childTnLst>
+                    </p:cTn>
+                  </p:par>
+                  <p:par>
+                    <p:cTn id="16" fill="hold">
+                      <p:stCondLst>
+                        <p:cond delay="indefinite"/>
+                      </p:stCondLst>
+                      <p:childTnLst>
+                        <p:par>
+                          <p:cTn id="17" fill="hold">
+                            <p:stCondLst>
+                              <p:cond delay="0"/>
+                            </p:stCondLst>
+                            <p:childTnLst>
+                              <p:par>
+                                <p:cTn id="18" presetID="10" presetClass="entr" presetSubtype="0" fill="hold" grpId="0" nodeType="clickEffect">
+                                  <p:stCondLst>
+                                    <p:cond delay="0"/>
+                                  </p:stCondLst>
+                                  <p:childTnLst>
+                                    <p:set>
+                                      <p:cBhvr>
+                                        <p:cTn id="19" dur="1" fill="hold">
+                                          <p:stCondLst>
+                                            <p:cond delay="0"/>
+                                          </p:stCondLst>
+                                        </p:cTn>
+                                        <p:tgtEl>
+                                          <p:spTgt spid="3">
+                                            <p:txEl>
+                                              <p:pRg st="3" end="3"/>
+                                            </p:txEl>
+                                          </p:spTgt>
+                                        </p:tgtEl>
+                                        <p:attrNameLst>
+                                          <p:attrName>style.visibility</p:attrName>
+                                        </p:attrNameLst>
+                                      </p:cBhvr>
+                                      <p:to>
+                                        <p:strVal val="visible"/>
+                                      </p:to>
+                                    </p:set>
+                                    <p:animEffect transition="in" filter="fade">
+                                      <p:cBhvr>
+                                        <p:cTn id="20" dur="500"/>
+                                        <p:tgtEl>
+                                          <p:spTgt spid="3">
+                                            <p:txEl>
+                                              <p:pRg st="3" end="3"/>
+                                            </p:txEl>
+                                          </p:spTgt>
+                                        </p:tgtEl>
+                                      </p:cBhvr>
+                                    </p:animEffect>
+                                  </p:childTnLst>
+                                </p:cTn>
+                              </p:par>
+                            </p:childTnLst>
+                          </p:cTn>
+                        </p:par>
+                      </p:childTnLst>
+                    </p:cTn>
+                  </p:par>
+                  <p:par>
+                    <p:cTn id="21" fill="hold">
+                      <p:stCondLst>
+                        <p:cond delay="indefinite"/>
+                      </p:stCondLst>
+                      <p:childTnLst>
+                        <p:par>
+                          <p:cTn id="22" fill="hold">
+                            <p:stCondLst>
+                              <p:cond delay="0"/>
+                            </p:stCondLst>
+                            <p:childTnLst>
+                              <p:par>
+                                <p:cTn id="23" presetID="10" presetClass="entr" presetSubtype="0" fill="hold" grpId="0" nodeType="clickEffect">
+                                  <p:stCondLst>
+                                    <p:cond delay="0"/>
+                                  </p:stCondLst>
+                                  <p:childTnLst>
+                                    <p:set>
+                                      <p:cBhvr>
+                                        <p:cTn id="24" dur="1" fill="hold">
+                                          <p:stCondLst>
+                                            <p:cond delay="0"/>
+                                          </p:stCondLst>
+                                        </p:cTn>
+                                        <p:tgtEl>
+                                          <p:spTgt spid="3">
+                                            <p:txEl>
+                                              <p:pRg st="4" end="4"/>
+                                            </p:txEl>
+                                          </p:spTgt>
+                                        </p:tgtEl>
+                                        <p:attrNameLst>
+                                          <p:attrName>style.visibility</p:attrName>
+                                        </p:attrNameLst>
+                                      </p:cBhvr>
+                                      <p:to>
+                                        <p:strVal val="visible"/>
+                                      </p:to>
+                                    </p:set>
+                                    <p:animEffect transition="in" filter="fade">
+                                      <p:cBhvr>
+                                        <p:cTn id="25" dur="500"/>
+                                        <p:tgtEl>
+                                          <p:spTgt spid="3">
+                                            <p:txEl>
+                                              <p:pRg st="4" end="4"/>
+                                            </p:txEl>
+                                          </p:spTgt>
+                                        </p:tgtEl>
+                                      </p:cBhvr>
+                                    </p:animEffect>
+                                  </p:childTnLst>
+                                </p:cTn>
+                              </p:par>
+                            </p:childTnLst>
+                          </p:cTn>
+                        </p:par>
+                      </p:childTnLst>
+                    </p:cTn>
+                  </p:par>
+                </p:childTnLst>
+              </p:cTn>
+              <p:prevCondLst>
+                <p:cond evt="onPrev" delay="0">
+                  <p:tgtEl>
+                    <p:sldTgt/>
+                  </p:tgtEl>
+                </p:cond>
+              </p:prevCondLst>
+              <p:nextCondLst>
+                <p:cond evt="onNext" delay="0">
+                  <p:tgtEl>
+                    <p:sldTgt/>
+                  </p:tgtEl>
+                </p:cond>
+              </p:nextCondLst>
+            </p:seq>
+          </p:childTnLst>
+        </p:cTn>
       </p:par>
     </p:tnLst>
+    <p:bldLst>
+      <p:bldP spid="3" grpId="0" build="p"/>
+    </p:bldLst>
   </p:timing>
 </p:sld>
 </file>
@@ -11721,7 +14020,7 @@
         </p:nvSpPr>
         <p:spPr>
           <a:xfrm>
-            <a:off x="0" y="2564904"/>
+            <a:off x="0" y="2330296"/>
             <a:ext cx="2627784" cy="738664"/>
           </a:xfrm>
           <a:prstGeom prst="rect">
@@ -11877,9 +14176,304 @@
   <p:timing>
     <p:tnLst>
       <p:par>
-        <p:cTn id="1" dur="indefinite" restart="never" nodeType="tmRoot"/>
+        <p:cTn id="1" dur="indefinite" restart="never" nodeType="tmRoot">
+          <p:childTnLst>
+            <p:seq concurrent="1" nextAc="seek">
+              <p:cTn id="2" dur="indefinite" nodeType="mainSeq">
+                <p:childTnLst>
+                  <p:par>
+                    <p:cTn id="3" fill="hold">
+                      <p:stCondLst>
+                        <p:cond delay="indefinite"/>
+                      </p:stCondLst>
+                      <p:childTnLst>
+                        <p:par>
+                          <p:cTn id="4" fill="hold">
+                            <p:stCondLst>
+                              <p:cond delay="0"/>
+                            </p:stCondLst>
+                            <p:childTnLst>
+                              <p:par>
+                                <p:cTn id="5" presetID="10" presetClass="entr" presetSubtype="0" fill="hold" grpId="0" nodeType="clickEffect">
+                                  <p:stCondLst>
+                                    <p:cond delay="0"/>
+                                  </p:stCondLst>
+                                  <p:childTnLst>
+                                    <p:set>
+                                      <p:cBhvr>
+                                        <p:cTn id="6" dur="1" fill="hold">
+                                          <p:stCondLst>
+                                            <p:cond delay="0"/>
+                                          </p:stCondLst>
+                                        </p:cTn>
+                                        <p:tgtEl>
+                                          <p:spTgt spid="7"/>
+                                        </p:tgtEl>
+                                        <p:attrNameLst>
+                                          <p:attrName>style.visibility</p:attrName>
+                                        </p:attrNameLst>
+                                      </p:cBhvr>
+                                      <p:to>
+                                        <p:strVal val="visible"/>
+                                      </p:to>
+                                    </p:set>
+                                    <p:animEffect transition="in" filter="fade">
+                                      <p:cBhvr>
+                                        <p:cTn id="7" dur="500"/>
+                                        <p:tgtEl>
+                                          <p:spTgt spid="7"/>
+                                        </p:tgtEl>
+                                      </p:cBhvr>
+                                    </p:animEffect>
+                                  </p:childTnLst>
+                                </p:cTn>
+                              </p:par>
+                            </p:childTnLst>
+                          </p:cTn>
+                        </p:par>
+                      </p:childTnLst>
+                    </p:cTn>
+                  </p:par>
+                  <p:par>
+                    <p:cTn id="8" fill="hold">
+                      <p:stCondLst>
+                        <p:cond delay="indefinite"/>
+                      </p:stCondLst>
+                      <p:childTnLst>
+                        <p:par>
+                          <p:cTn id="9" fill="hold">
+                            <p:stCondLst>
+                              <p:cond delay="0"/>
+                            </p:stCondLst>
+                            <p:childTnLst>
+                              <p:par>
+                                <p:cTn id="10" presetID="10" presetClass="entr" presetSubtype="0" fill="hold" grpId="0" nodeType="clickEffect">
+                                  <p:stCondLst>
+                                    <p:cond delay="0"/>
+                                  </p:stCondLst>
+                                  <p:childTnLst>
+                                    <p:set>
+                                      <p:cBhvr>
+                                        <p:cTn id="11" dur="1" fill="hold">
+                                          <p:stCondLst>
+                                            <p:cond delay="0"/>
+                                          </p:stCondLst>
+                                        </p:cTn>
+                                        <p:tgtEl>
+                                          <p:spTgt spid="9"/>
+                                        </p:tgtEl>
+                                        <p:attrNameLst>
+                                          <p:attrName>style.visibility</p:attrName>
+                                        </p:attrNameLst>
+                                      </p:cBhvr>
+                                      <p:to>
+                                        <p:strVal val="visible"/>
+                                      </p:to>
+                                    </p:set>
+                                    <p:animEffect transition="in" filter="fade">
+                                      <p:cBhvr>
+                                        <p:cTn id="12" dur="500"/>
+                                        <p:tgtEl>
+                                          <p:spTgt spid="9"/>
+                                        </p:tgtEl>
+                                      </p:cBhvr>
+                                    </p:animEffect>
+                                  </p:childTnLst>
+                                </p:cTn>
+                              </p:par>
+                            </p:childTnLst>
+                          </p:cTn>
+                        </p:par>
+                      </p:childTnLst>
+                    </p:cTn>
+                  </p:par>
+                  <p:par>
+                    <p:cTn id="13" fill="hold">
+                      <p:stCondLst>
+                        <p:cond delay="indefinite"/>
+                      </p:stCondLst>
+                      <p:childTnLst>
+                        <p:par>
+                          <p:cTn id="14" fill="hold">
+                            <p:stCondLst>
+                              <p:cond delay="0"/>
+                            </p:stCondLst>
+                            <p:childTnLst>
+                              <p:par>
+                                <p:cTn id="15" presetID="10" presetClass="entr" presetSubtype="0" fill="hold" grpId="0" nodeType="clickEffect">
+                                  <p:stCondLst>
+                                    <p:cond delay="0"/>
+                                  </p:stCondLst>
+                                  <p:childTnLst>
+                                    <p:set>
+                                      <p:cBhvr>
+                                        <p:cTn id="16" dur="1" fill="hold">
+                                          <p:stCondLst>
+                                            <p:cond delay="0"/>
+                                          </p:stCondLst>
+                                        </p:cTn>
+                                        <p:tgtEl>
+                                          <p:spTgt spid="8"/>
+                                        </p:tgtEl>
+                                        <p:attrNameLst>
+                                          <p:attrName>style.visibility</p:attrName>
+                                        </p:attrNameLst>
+                                      </p:cBhvr>
+                                      <p:to>
+                                        <p:strVal val="visible"/>
+                                      </p:to>
+                                    </p:set>
+                                    <p:animEffect transition="in" filter="fade">
+                                      <p:cBhvr>
+                                        <p:cTn id="17" dur="500"/>
+                                        <p:tgtEl>
+                                          <p:spTgt spid="8"/>
+                                        </p:tgtEl>
+                                      </p:cBhvr>
+                                    </p:animEffect>
+                                  </p:childTnLst>
+                                </p:cTn>
+                              </p:par>
+                            </p:childTnLst>
+                          </p:cTn>
+                        </p:par>
+                      </p:childTnLst>
+                    </p:cTn>
+                  </p:par>
+                  <p:par>
+                    <p:cTn id="18" fill="hold">
+                      <p:stCondLst>
+                        <p:cond delay="indefinite"/>
+                      </p:stCondLst>
+                      <p:childTnLst>
+                        <p:par>
+                          <p:cTn id="19" fill="hold">
+                            <p:stCondLst>
+                              <p:cond delay="0"/>
+                            </p:stCondLst>
+                            <p:childTnLst>
+                              <p:par>
+                                <p:cTn id="20" presetID="10" presetClass="entr" presetSubtype="0" fill="hold" grpId="0" nodeType="clickEffect">
+                                  <p:stCondLst>
+                                    <p:cond delay="0"/>
+                                  </p:stCondLst>
+                                  <p:childTnLst>
+                                    <p:set>
+                                      <p:cBhvr>
+                                        <p:cTn id="21" dur="1" fill="hold">
+                                          <p:stCondLst>
+                                            <p:cond delay="0"/>
+                                          </p:stCondLst>
+                                        </p:cTn>
+                                        <p:tgtEl>
+                                          <p:spTgt spid="12"/>
+                                        </p:tgtEl>
+                                        <p:attrNameLst>
+                                          <p:attrName>style.visibility</p:attrName>
+                                        </p:attrNameLst>
+                                      </p:cBhvr>
+                                      <p:to>
+                                        <p:strVal val="visible"/>
+                                      </p:to>
+                                    </p:set>
+                                    <p:animEffect transition="in" filter="fade">
+                                      <p:cBhvr>
+                                        <p:cTn id="22" dur="500"/>
+                                        <p:tgtEl>
+                                          <p:spTgt spid="12"/>
+                                        </p:tgtEl>
+                                      </p:cBhvr>
+                                    </p:animEffect>
+                                  </p:childTnLst>
+                                </p:cTn>
+                              </p:par>
+                            </p:childTnLst>
+                          </p:cTn>
+                        </p:par>
+                      </p:childTnLst>
+                    </p:cTn>
+                  </p:par>
+                  <p:par>
+                    <p:cTn id="23" fill="hold">
+                      <p:stCondLst>
+                        <p:cond delay="indefinite"/>
+                      </p:stCondLst>
+                      <p:childTnLst>
+                        <p:par>
+                          <p:cTn id="24" fill="hold">
+                            <p:stCondLst>
+                              <p:cond delay="0"/>
+                            </p:stCondLst>
+                            <p:childTnLst>
+                              <p:par>
+                                <p:cTn id="25" presetID="10" presetClass="entr" presetSubtype="0" fill="hold" grpId="0" nodeType="clickEffect">
+                                  <p:stCondLst>
+                                    <p:cond delay="0"/>
+                                  </p:stCondLst>
+                                  <p:childTnLst>
+                                    <p:set>
+                                      <p:cBhvr>
+                                        <p:cTn id="26" dur="1" fill="hold">
+                                          <p:stCondLst>
+                                            <p:cond delay="0"/>
+                                          </p:stCondLst>
+                                        </p:cTn>
+                                        <p:tgtEl>
+                                          <p:spTgt spid="10"/>
+                                        </p:tgtEl>
+                                        <p:attrNameLst>
+                                          <p:attrName>style.visibility</p:attrName>
+                                        </p:attrNameLst>
+                                      </p:cBhvr>
+                                      <p:to>
+                                        <p:strVal val="visible"/>
+                                      </p:to>
+                                    </p:set>
+                                    <p:animEffect transition="in" filter="fade">
+                                      <p:cBhvr>
+                                        <p:cTn id="27" dur="500"/>
+                                        <p:tgtEl>
+                                          <p:spTgt spid="10"/>
+                                        </p:tgtEl>
+                                      </p:cBhvr>
+                                    </p:animEffect>
+                                  </p:childTnLst>
+                                </p:cTn>
+                              </p:par>
+                            </p:childTnLst>
+                          </p:cTn>
+                        </p:par>
+                      </p:childTnLst>
+                    </p:cTn>
+                  </p:par>
+                </p:childTnLst>
+              </p:cTn>
+              <p:prevCondLst>
+                <p:cond evt="onPrev" delay="0">
+                  <p:tgtEl>
+                    <p:sldTgt/>
+                  </p:tgtEl>
+                </p:cond>
+              </p:prevCondLst>
+              <p:nextCondLst>
+                <p:cond evt="onNext" delay="0">
+                  <p:tgtEl>
+                    <p:sldTgt/>
+                  </p:tgtEl>
+                </p:cond>
+              </p:nextCondLst>
+            </p:seq>
+          </p:childTnLst>
+        </p:cTn>
       </p:par>
     </p:tnLst>
+    <p:bldLst>
+      <p:bldP spid="7" grpId="0"/>
+      <p:bldP spid="8" grpId="0"/>
+      <p:bldP spid="9" grpId="0"/>
+      <p:bldP spid="10" grpId="0"/>
+      <p:bldP spid="12" grpId="0"/>
+    </p:bldLst>
   </p:timing>
 </p:sld>
 </file>
@@ -14411,9 +17005,124 @@
   <p:timing>
     <p:tnLst>
       <p:par>
-        <p:cTn id="1" dur="indefinite" restart="never" nodeType="tmRoot"/>
+        <p:cTn id="1" dur="indefinite" restart="never" nodeType="tmRoot">
+          <p:childTnLst>
+            <p:seq concurrent="1" nextAc="seek">
+              <p:cTn id="2" dur="indefinite" nodeType="mainSeq">
+                <p:childTnLst>
+                  <p:par>
+                    <p:cTn id="3" fill="hold">
+                      <p:stCondLst>
+                        <p:cond delay="indefinite"/>
+                      </p:stCondLst>
+                      <p:childTnLst>
+                        <p:par>
+                          <p:cTn id="4" fill="hold">
+                            <p:stCondLst>
+                              <p:cond delay="0"/>
+                            </p:stCondLst>
+                            <p:childTnLst>
+                              <p:par>
+                                <p:cTn id="5" presetID="10" presetClass="entr" presetSubtype="0" fill="hold" grpId="0" nodeType="clickEffect">
+                                  <p:stCondLst>
+                                    <p:cond delay="0"/>
+                                  </p:stCondLst>
+                                  <p:childTnLst>
+                                    <p:set>
+                                      <p:cBhvr>
+                                        <p:cTn id="6" dur="1" fill="hold">
+                                          <p:stCondLst>
+                                            <p:cond delay="0"/>
+                                          </p:stCondLst>
+                                        </p:cTn>
+                                        <p:tgtEl>
+                                          <p:spTgt spid="3"/>
+                                        </p:tgtEl>
+                                        <p:attrNameLst>
+                                          <p:attrName>style.visibility</p:attrName>
+                                        </p:attrNameLst>
+                                      </p:cBhvr>
+                                      <p:to>
+                                        <p:strVal val="visible"/>
+                                      </p:to>
+                                    </p:set>
+                                    <p:animEffect transition="in" filter="fade">
+                                      <p:cBhvr>
+                                        <p:cTn id="7" dur="500"/>
+                                        <p:tgtEl>
+                                          <p:spTgt spid="3"/>
+                                        </p:tgtEl>
+                                      </p:cBhvr>
+                                    </p:animEffect>
+                                  </p:childTnLst>
+                                </p:cTn>
+                              </p:par>
+                              <p:par>
+                                <p:cTn id="8" presetID="10" presetClass="entr" presetSubtype="0" fill="hold" grpId="0" nodeType="withEffect">
+                                  <p:stCondLst>
+                                    <p:cond delay="0"/>
+                                  </p:stCondLst>
+                                  <p:childTnLst>
+                                    <p:set>
+                                      <p:cBhvr>
+                                        <p:cTn id="9" dur="1" fill="hold">
+                                          <p:stCondLst>
+                                            <p:cond delay="0"/>
+                                          </p:stCondLst>
+                                        </p:cTn>
+                                        <p:tgtEl>
+                                          <p:spTgt spid="4"/>
+                                        </p:tgtEl>
+                                        <p:attrNameLst>
+                                          <p:attrName>style.visibility</p:attrName>
+                                        </p:attrNameLst>
+                                      </p:cBhvr>
+                                      <p:to>
+                                        <p:strVal val="visible"/>
+                                      </p:to>
+                                    </p:set>
+                                    <p:animEffect transition="in" filter="fade">
+                                      <p:cBhvr>
+                                        <p:cTn id="10" dur="500"/>
+                                        <p:tgtEl>
+                                          <p:spTgt spid="4"/>
+                                        </p:tgtEl>
+                                      </p:cBhvr>
+                                    </p:animEffect>
+                                  </p:childTnLst>
+                                </p:cTn>
+                              </p:par>
+                            </p:childTnLst>
+                          </p:cTn>
+                        </p:par>
+                      </p:childTnLst>
+                    </p:cTn>
+                  </p:par>
+                </p:childTnLst>
+              </p:cTn>
+              <p:prevCondLst>
+                <p:cond evt="onPrev" delay="0">
+                  <p:tgtEl>
+                    <p:sldTgt/>
+                  </p:tgtEl>
+                </p:cond>
+              </p:prevCondLst>
+              <p:nextCondLst>
+                <p:cond evt="onNext" delay="0">
+                  <p:tgtEl>
+                    <p:sldTgt/>
+                  </p:tgtEl>
+                </p:cond>
+              </p:nextCondLst>
+            </p:seq>
+          </p:childTnLst>
+        </p:cTn>
       </p:par>
     </p:tnLst>
+    <p:bldLst>
+      <p:bldP spid="3" grpId="0" animBg="1"/>
+      <p:bldP spid="4" grpId="0"/>
+    </p:bldLst>
   </p:timing>
 </p:sld>
 </file>
@@ -15983,9 +18692,891 @@
   <p:timing>
     <p:tnLst>
       <p:par>
-        <p:cTn id="1" dur="indefinite" restart="never" nodeType="tmRoot"/>
+        <p:cTn id="1" dur="indefinite" restart="never" nodeType="tmRoot">
+          <p:childTnLst>
+            <p:seq concurrent="1" nextAc="seek">
+              <p:cTn id="2" dur="indefinite" nodeType="mainSeq">
+                <p:childTnLst>
+                  <p:par>
+                    <p:cTn id="3" fill="hold">
+                      <p:stCondLst>
+                        <p:cond delay="indefinite"/>
+                      </p:stCondLst>
+                      <p:childTnLst>
+                        <p:par>
+                          <p:cTn id="4" fill="hold">
+                            <p:stCondLst>
+                              <p:cond delay="0"/>
+                            </p:stCondLst>
+                            <p:childTnLst>
+                              <p:par>
+                                <p:cTn id="5" presetID="10" presetClass="entr" presetSubtype="0" fill="hold" nodeType="clickEffect">
+                                  <p:stCondLst>
+                                    <p:cond delay="0"/>
+                                  </p:stCondLst>
+                                  <p:childTnLst>
+                                    <p:set>
+                                      <p:cBhvr>
+                                        <p:cTn id="6" dur="1" fill="hold">
+                                          <p:stCondLst>
+                                            <p:cond delay="0"/>
+                                          </p:stCondLst>
+                                        </p:cTn>
+                                        <p:tgtEl>
+                                          <p:spTgt spid="8">
+                                            <p:txEl>
+                                              <p:pRg st="0" end="0"/>
+                                            </p:txEl>
+                                          </p:spTgt>
+                                        </p:tgtEl>
+                                        <p:attrNameLst>
+                                          <p:attrName>style.visibility</p:attrName>
+                                        </p:attrNameLst>
+                                      </p:cBhvr>
+                                      <p:to>
+                                        <p:strVal val="visible"/>
+                                      </p:to>
+                                    </p:set>
+                                    <p:animEffect transition="in" filter="fade">
+                                      <p:cBhvr>
+                                        <p:cTn id="7" dur="500"/>
+                                        <p:tgtEl>
+                                          <p:spTgt spid="8">
+                                            <p:txEl>
+                                              <p:pRg st="0" end="0"/>
+                                            </p:txEl>
+                                          </p:spTgt>
+                                        </p:tgtEl>
+                                      </p:cBhvr>
+                                    </p:animEffect>
+                                  </p:childTnLst>
+                                </p:cTn>
+                              </p:par>
+                              <p:par>
+                                <p:cTn id="8" presetID="10" presetClass="entr" presetSubtype="0" fill="hold" nodeType="withEffect">
+                                  <p:stCondLst>
+                                    <p:cond delay="0"/>
+                                  </p:stCondLst>
+                                  <p:childTnLst>
+                                    <p:set>
+                                      <p:cBhvr>
+                                        <p:cTn id="9" dur="1" fill="hold">
+                                          <p:stCondLst>
+                                            <p:cond delay="0"/>
+                                          </p:stCondLst>
+                                        </p:cTn>
+                                        <p:tgtEl>
+                                          <p:spTgt spid="8">
+                                            <p:txEl>
+                                              <p:pRg st="1" end="1"/>
+                                            </p:txEl>
+                                          </p:spTgt>
+                                        </p:tgtEl>
+                                        <p:attrNameLst>
+                                          <p:attrName>style.visibility</p:attrName>
+                                        </p:attrNameLst>
+                                      </p:cBhvr>
+                                      <p:to>
+                                        <p:strVal val="visible"/>
+                                      </p:to>
+                                    </p:set>
+                                    <p:animEffect transition="in" filter="fade">
+                                      <p:cBhvr>
+                                        <p:cTn id="10" dur="500"/>
+                                        <p:tgtEl>
+                                          <p:spTgt spid="8">
+                                            <p:txEl>
+                                              <p:pRg st="1" end="1"/>
+                                            </p:txEl>
+                                          </p:spTgt>
+                                        </p:tgtEl>
+                                      </p:cBhvr>
+                                    </p:animEffect>
+                                  </p:childTnLst>
+                                </p:cTn>
+                              </p:par>
+                              <p:par>
+                                <p:cTn id="11" presetID="10" presetClass="entr" presetSubtype="0" fill="hold" nodeType="withEffect">
+                                  <p:stCondLst>
+                                    <p:cond delay="0"/>
+                                  </p:stCondLst>
+                                  <p:childTnLst>
+                                    <p:set>
+                                      <p:cBhvr>
+                                        <p:cTn id="12" dur="1" fill="hold">
+                                          <p:stCondLst>
+                                            <p:cond delay="0"/>
+                                          </p:stCondLst>
+                                        </p:cTn>
+                                        <p:tgtEl>
+                                          <p:spTgt spid="8">
+                                            <p:txEl>
+                                              <p:pRg st="2" end="2"/>
+                                            </p:txEl>
+                                          </p:spTgt>
+                                        </p:tgtEl>
+                                        <p:attrNameLst>
+                                          <p:attrName>style.visibility</p:attrName>
+                                        </p:attrNameLst>
+                                      </p:cBhvr>
+                                      <p:to>
+                                        <p:strVal val="visible"/>
+                                      </p:to>
+                                    </p:set>
+                                    <p:animEffect transition="in" filter="fade">
+                                      <p:cBhvr>
+                                        <p:cTn id="13" dur="500"/>
+                                        <p:tgtEl>
+                                          <p:spTgt spid="8">
+                                            <p:txEl>
+                                              <p:pRg st="2" end="2"/>
+                                            </p:txEl>
+                                          </p:spTgt>
+                                        </p:tgtEl>
+                                      </p:cBhvr>
+                                    </p:animEffect>
+                                  </p:childTnLst>
+                                </p:cTn>
+                              </p:par>
+                              <p:par>
+                                <p:cTn id="14" presetID="10" presetClass="entr" presetSubtype="0" fill="hold" nodeType="withEffect">
+                                  <p:stCondLst>
+                                    <p:cond delay="0"/>
+                                  </p:stCondLst>
+                                  <p:childTnLst>
+                                    <p:set>
+                                      <p:cBhvr>
+                                        <p:cTn id="15" dur="1" fill="hold">
+                                          <p:stCondLst>
+                                            <p:cond delay="0"/>
+                                          </p:stCondLst>
+                                        </p:cTn>
+                                        <p:tgtEl>
+                                          <p:spTgt spid="8">
+                                            <p:txEl>
+                                              <p:pRg st="3" end="3"/>
+                                            </p:txEl>
+                                          </p:spTgt>
+                                        </p:tgtEl>
+                                        <p:attrNameLst>
+                                          <p:attrName>style.visibility</p:attrName>
+                                        </p:attrNameLst>
+                                      </p:cBhvr>
+                                      <p:to>
+                                        <p:strVal val="visible"/>
+                                      </p:to>
+                                    </p:set>
+                                    <p:animEffect transition="in" filter="fade">
+                                      <p:cBhvr>
+                                        <p:cTn id="16" dur="500"/>
+                                        <p:tgtEl>
+                                          <p:spTgt spid="8">
+                                            <p:txEl>
+                                              <p:pRg st="3" end="3"/>
+                                            </p:txEl>
+                                          </p:spTgt>
+                                        </p:tgtEl>
+                                      </p:cBhvr>
+                                    </p:animEffect>
+                                  </p:childTnLst>
+                                </p:cTn>
+                              </p:par>
+                              <p:par>
+                                <p:cTn id="17" presetID="10" presetClass="entr" presetSubtype="0" fill="hold" nodeType="withEffect">
+                                  <p:stCondLst>
+                                    <p:cond delay="0"/>
+                                  </p:stCondLst>
+                                  <p:childTnLst>
+                                    <p:set>
+                                      <p:cBhvr>
+                                        <p:cTn id="18" dur="1" fill="hold">
+                                          <p:stCondLst>
+                                            <p:cond delay="0"/>
+                                          </p:stCondLst>
+                                        </p:cTn>
+                                        <p:tgtEl>
+                                          <p:spTgt spid="8">
+                                            <p:txEl>
+                                              <p:pRg st="4" end="4"/>
+                                            </p:txEl>
+                                          </p:spTgt>
+                                        </p:tgtEl>
+                                        <p:attrNameLst>
+                                          <p:attrName>style.visibility</p:attrName>
+                                        </p:attrNameLst>
+                                      </p:cBhvr>
+                                      <p:to>
+                                        <p:strVal val="visible"/>
+                                      </p:to>
+                                    </p:set>
+                                    <p:animEffect transition="in" filter="fade">
+                                      <p:cBhvr>
+                                        <p:cTn id="19" dur="500"/>
+                                        <p:tgtEl>
+                                          <p:spTgt spid="8">
+                                            <p:txEl>
+                                              <p:pRg st="4" end="4"/>
+                                            </p:txEl>
+                                          </p:spTgt>
+                                        </p:tgtEl>
+                                      </p:cBhvr>
+                                    </p:animEffect>
+                                  </p:childTnLst>
+                                </p:cTn>
+                              </p:par>
+                              <p:par>
+                                <p:cTn id="20" presetID="10" presetClass="entr" presetSubtype="0" fill="hold" nodeType="withEffect">
+                                  <p:stCondLst>
+                                    <p:cond delay="0"/>
+                                  </p:stCondLst>
+                                  <p:childTnLst>
+                                    <p:set>
+                                      <p:cBhvr>
+                                        <p:cTn id="21" dur="1" fill="hold">
+                                          <p:stCondLst>
+                                            <p:cond delay="0"/>
+                                          </p:stCondLst>
+                                        </p:cTn>
+                                        <p:tgtEl>
+                                          <p:spTgt spid="8">
+                                            <p:txEl>
+                                              <p:pRg st="5" end="5"/>
+                                            </p:txEl>
+                                          </p:spTgt>
+                                        </p:tgtEl>
+                                        <p:attrNameLst>
+                                          <p:attrName>style.visibility</p:attrName>
+                                        </p:attrNameLst>
+                                      </p:cBhvr>
+                                      <p:to>
+                                        <p:strVal val="visible"/>
+                                      </p:to>
+                                    </p:set>
+                                    <p:animEffect transition="in" filter="fade">
+                                      <p:cBhvr>
+                                        <p:cTn id="22" dur="500"/>
+                                        <p:tgtEl>
+                                          <p:spTgt spid="8">
+                                            <p:txEl>
+                                              <p:pRg st="5" end="5"/>
+                                            </p:txEl>
+                                          </p:spTgt>
+                                        </p:tgtEl>
+                                      </p:cBhvr>
+                                    </p:animEffect>
+                                  </p:childTnLst>
+                                </p:cTn>
+                              </p:par>
+                              <p:par>
+                                <p:cTn id="23" presetID="10" presetClass="entr" presetSubtype="0" fill="hold" nodeType="withEffect">
+                                  <p:stCondLst>
+                                    <p:cond delay="0"/>
+                                  </p:stCondLst>
+                                  <p:childTnLst>
+                                    <p:set>
+                                      <p:cBhvr>
+                                        <p:cTn id="24" dur="1" fill="hold">
+                                          <p:stCondLst>
+                                            <p:cond delay="0"/>
+                                          </p:stCondLst>
+                                        </p:cTn>
+                                        <p:tgtEl>
+                                          <p:spTgt spid="8">
+                                            <p:txEl>
+                                              <p:pRg st="6" end="6"/>
+                                            </p:txEl>
+                                          </p:spTgt>
+                                        </p:tgtEl>
+                                        <p:attrNameLst>
+                                          <p:attrName>style.visibility</p:attrName>
+                                        </p:attrNameLst>
+                                      </p:cBhvr>
+                                      <p:to>
+                                        <p:strVal val="visible"/>
+                                      </p:to>
+                                    </p:set>
+                                    <p:animEffect transition="in" filter="fade">
+                                      <p:cBhvr>
+                                        <p:cTn id="25" dur="500"/>
+                                        <p:tgtEl>
+                                          <p:spTgt spid="8">
+                                            <p:txEl>
+                                              <p:pRg st="6" end="6"/>
+                                            </p:txEl>
+                                          </p:spTgt>
+                                        </p:tgtEl>
+                                      </p:cBhvr>
+                                    </p:animEffect>
+                                  </p:childTnLst>
+                                </p:cTn>
+                              </p:par>
+                              <p:par>
+                                <p:cTn id="26" presetID="10" presetClass="entr" presetSubtype="0" fill="hold" nodeType="withEffect">
+                                  <p:stCondLst>
+                                    <p:cond delay="0"/>
+                                  </p:stCondLst>
+                                  <p:childTnLst>
+                                    <p:set>
+                                      <p:cBhvr>
+                                        <p:cTn id="27" dur="1" fill="hold">
+                                          <p:stCondLst>
+                                            <p:cond delay="0"/>
+                                          </p:stCondLst>
+                                        </p:cTn>
+                                        <p:tgtEl>
+                                          <p:spTgt spid="8">
+                                            <p:txEl>
+                                              <p:pRg st="7" end="7"/>
+                                            </p:txEl>
+                                          </p:spTgt>
+                                        </p:tgtEl>
+                                        <p:attrNameLst>
+                                          <p:attrName>style.visibility</p:attrName>
+                                        </p:attrNameLst>
+                                      </p:cBhvr>
+                                      <p:to>
+                                        <p:strVal val="visible"/>
+                                      </p:to>
+                                    </p:set>
+                                    <p:animEffect transition="in" filter="fade">
+                                      <p:cBhvr>
+                                        <p:cTn id="28" dur="500"/>
+                                        <p:tgtEl>
+                                          <p:spTgt spid="8">
+                                            <p:txEl>
+                                              <p:pRg st="7" end="7"/>
+                                            </p:txEl>
+                                          </p:spTgt>
+                                        </p:tgtEl>
+                                      </p:cBhvr>
+                                    </p:animEffect>
+                                  </p:childTnLst>
+                                </p:cTn>
+                              </p:par>
+                              <p:par>
+                                <p:cTn id="29" presetID="10" presetClass="entr" presetSubtype="0" fill="hold" nodeType="withEffect">
+                                  <p:stCondLst>
+                                    <p:cond delay="0"/>
+                                  </p:stCondLst>
+                                  <p:childTnLst>
+                                    <p:set>
+                                      <p:cBhvr>
+                                        <p:cTn id="30" dur="1" fill="hold">
+                                          <p:stCondLst>
+                                            <p:cond delay="0"/>
+                                          </p:stCondLst>
+                                        </p:cTn>
+                                        <p:tgtEl>
+                                          <p:spTgt spid="8">
+                                            <p:txEl>
+                                              <p:pRg st="8" end="8"/>
+                                            </p:txEl>
+                                          </p:spTgt>
+                                        </p:tgtEl>
+                                        <p:attrNameLst>
+                                          <p:attrName>style.visibility</p:attrName>
+                                        </p:attrNameLst>
+                                      </p:cBhvr>
+                                      <p:to>
+                                        <p:strVal val="visible"/>
+                                      </p:to>
+                                    </p:set>
+                                    <p:animEffect transition="in" filter="fade">
+                                      <p:cBhvr>
+                                        <p:cTn id="31" dur="500"/>
+                                        <p:tgtEl>
+                                          <p:spTgt spid="8">
+                                            <p:txEl>
+                                              <p:pRg st="8" end="8"/>
+                                            </p:txEl>
+                                          </p:spTgt>
+                                        </p:tgtEl>
+                                      </p:cBhvr>
+                                    </p:animEffect>
+                                  </p:childTnLst>
+                                </p:cTn>
+                              </p:par>
+                              <p:par>
+                                <p:cTn id="32" presetID="10" presetClass="entr" presetSubtype="0" fill="hold" nodeType="withEffect">
+                                  <p:stCondLst>
+                                    <p:cond delay="0"/>
+                                  </p:stCondLst>
+                                  <p:childTnLst>
+                                    <p:set>
+                                      <p:cBhvr>
+                                        <p:cTn id="33" dur="1" fill="hold">
+                                          <p:stCondLst>
+                                            <p:cond delay="0"/>
+                                          </p:stCondLst>
+                                        </p:cTn>
+                                        <p:tgtEl>
+                                          <p:spTgt spid="8">
+                                            <p:txEl>
+                                              <p:pRg st="9" end="9"/>
+                                            </p:txEl>
+                                          </p:spTgt>
+                                        </p:tgtEl>
+                                        <p:attrNameLst>
+                                          <p:attrName>style.visibility</p:attrName>
+                                        </p:attrNameLst>
+                                      </p:cBhvr>
+                                      <p:to>
+                                        <p:strVal val="visible"/>
+                                      </p:to>
+                                    </p:set>
+                                    <p:animEffect transition="in" filter="fade">
+                                      <p:cBhvr>
+                                        <p:cTn id="34" dur="500"/>
+                                        <p:tgtEl>
+                                          <p:spTgt spid="8">
+                                            <p:txEl>
+                                              <p:pRg st="9" end="9"/>
+                                            </p:txEl>
+                                          </p:spTgt>
+                                        </p:tgtEl>
+                                      </p:cBhvr>
+                                    </p:animEffect>
+                                  </p:childTnLst>
+                                </p:cTn>
+                              </p:par>
+                              <p:par>
+                                <p:cTn id="35" presetID="10" presetClass="entr" presetSubtype="0" fill="hold" nodeType="withEffect">
+                                  <p:stCondLst>
+                                    <p:cond delay="0"/>
+                                  </p:stCondLst>
+                                  <p:childTnLst>
+                                    <p:set>
+                                      <p:cBhvr>
+                                        <p:cTn id="36" dur="1" fill="hold">
+                                          <p:stCondLst>
+                                            <p:cond delay="0"/>
+                                          </p:stCondLst>
+                                        </p:cTn>
+                                        <p:tgtEl>
+                                          <p:spTgt spid="8">
+                                            <p:txEl>
+                                              <p:pRg st="10" end="10"/>
+                                            </p:txEl>
+                                          </p:spTgt>
+                                        </p:tgtEl>
+                                        <p:attrNameLst>
+                                          <p:attrName>style.visibility</p:attrName>
+                                        </p:attrNameLst>
+                                      </p:cBhvr>
+                                      <p:to>
+                                        <p:strVal val="visible"/>
+                                      </p:to>
+                                    </p:set>
+                                    <p:animEffect transition="in" filter="fade">
+                                      <p:cBhvr>
+                                        <p:cTn id="37" dur="500"/>
+                                        <p:tgtEl>
+                                          <p:spTgt spid="8">
+                                            <p:txEl>
+                                              <p:pRg st="10" end="10"/>
+                                            </p:txEl>
+                                          </p:spTgt>
+                                        </p:tgtEl>
+                                      </p:cBhvr>
+                                    </p:animEffect>
+                                  </p:childTnLst>
+                                </p:cTn>
+                              </p:par>
+                              <p:par>
+                                <p:cTn id="38" presetID="10" presetClass="entr" presetSubtype="0" fill="hold" nodeType="withEffect">
+                                  <p:stCondLst>
+                                    <p:cond delay="0"/>
+                                  </p:stCondLst>
+                                  <p:childTnLst>
+                                    <p:set>
+                                      <p:cBhvr>
+                                        <p:cTn id="39" dur="1" fill="hold">
+                                          <p:stCondLst>
+                                            <p:cond delay="0"/>
+                                          </p:stCondLst>
+                                        </p:cTn>
+                                        <p:tgtEl>
+                                          <p:spTgt spid="8">
+                                            <p:txEl>
+                                              <p:pRg st="11" end="11"/>
+                                            </p:txEl>
+                                          </p:spTgt>
+                                        </p:tgtEl>
+                                        <p:attrNameLst>
+                                          <p:attrName>style.visibility</p:attrName>
+                                        </p:attrNameLst>
+                                      </p:cBhvr>
+                                      <p:to>
+                                        <p:strVal val="visible"/>
+                                      </p:to>
+                                    </p:set>
+                                    <p:animEffect transition="in" filter="fade">
+                                      <p:cBhvr>
+                                        <p:cTn id="40" dur="500"/>
+                                        <p:tgtEl>
+                                          <p:spTgt spid="8">
+                                            <p:txEl>
+                                              <p:pRg st="11" end="11"/>
+                                            </p:txEl>
+                                          </p:spTgt>
+                                        </p:tgtEl>
+                                      </p:cBhvr>
+                                    </p:animEffect>
+                                  </p:childTnLst>
+                                </p:cTn>
+                              </p:par>
+                              <p:par>
+                                <p:cTn id="41" presetID="10" presetClass="entr" presetSubtype="0" fill="hold" nodeType="withEffect">
+                                  <p:stCondLst>
+                                    <p:cond delay="0"/>
+                                  </p:stCondLst>
+                                  <p:childTnLst>
+                                    <p:set>
+                                      <p:cBhvr>
+                                        <p:cTn id="42" dur="1" fill="hold">
+                                          <p:stCondLst>
+                                            <p:cond delay="0"/>
+                                          </p:stCondLst>
+                                        </p:cTn>
+                                        <p:tgtEl>
+                                          <p:spTgt spid="8">
+                                            <p:txEl>
+                                              <p:pRg st="12" end="12"/>
+                                            </p:txEl>
+                                          </p:spTgt>
+                                        </p:tgtEl>
+                                        <p:attrNameLst>
+                                          <p:attrName>style.visibility</p:attrName>
+                                        </p:attrNameLst>
+                                      </p:cBhvr>
+                                      <p:to>
+                                        <p:strVal val="visible"/>
+                                      </p:to>
+                                    </p:set>
+                                    <p:animEffect transition="in" filter="fade">
+                                      <p:cBhvr>
+                                        <p:cTn id="43" dur="500"/>
+                                        <p:tgtEl>
+                                          <p:spTgt spid="8">
+                                            <p:txEl>
+                                              <p:pRg st="12" end="12"/>
+                                            </p:txEl>
+                                          </p:spTgt>
+                                        </p:tgtEl>
+                                      </p:cBhvr>
+                                    </p:animEffect>
+                                  </p:childTnLst>
+                                </p:cTn>
+                              </p:par>
+                              <p:par>
+                                <p:cTn id="44" presetID="10" presetClass="entr" presetSubtype="0" fill="hold" nodeType="withEffect">
+                                  <p:stCondLst>
+                                    <p:cond delay="0"/>
+                                  </p:stCondLst>
+                                  <p:childTnLst>
+                                    <p:set>
+                                      <p:cBhvr>
+                                        <p:cTn id="45" dur="1" fill="hold">
+                                          <p:stCondLst>
+                                            <p:cond delay="0"/>
+                                          </p:stCondLst>
+                                        </p:cTn>
+                                        <p:tgtEl>
+                                          <p:spTgt spid="8">
+                                            <p:txEl>
+                                              <p:pRg st="13" end="13"/>
+                                            </p:txEl>
+                                          </p:spTgt>
+                                        </p:tgtEl>
+                                        <p:attrNameLst>
+                                          <p:attrName>style.visibility</p:attrName>
+                                        </p:attrNameLst>
+                                      </p:cBhvr>
+                                      <p:to>
+                                        <p:strVal val="visible"/>
+                                      </p:to>
+                                    </p:set>
+                                    <p:animEffect transition="in" filter="fade">
+                                      <p:cBhvr>
+                                        <p:cTn id="46" dur="500"/>
+                                        <p:tgtEl>
+                                          <p:spTgt spid="8">
+                                            <p:txEl>
+                                              <p:pRg st="13" end="13"/>
+                                            </p:txEl>
+                                          </p:spTgt>
+                                        </p:tgtEl>
+                                      </p:cBhvr>
+                                    </p:animEffect>
+                                  </p:childTnLst>
+                                </p:cTn>
+                              </p:par>
+                              <p:par>
+                                <p:cTn id="47" presetID="10" presetClass="entr" presetSubtype="0" fill="hold" nodeType="withEffect">
+                                  <p:stCondLst>
+                                    <p:cond delay="0"/>
+                                  </p:stCondLst>
+                                  <p:childTnLst>
+                                    <p:set>
+                                      <p:cBhvr>
+                                        <p:cTn id="48" dur="1" fill="hold">
+                                          <p:stCondLst>
+                                            <p:cond delay="0"/>
+                                          </p:stCondLst>
+                                        </p:cTn>
+                                        <p:tgtEl>
+                                          <p:spTgt spid="8">
+                                            <p:txEl>
+                                              <p:pRg st="14" end="14"/>
+                                            </p:txEl>
+                                          </p:spTgt>
+                                        </p:tgtEl>
+                                        <p:attrNameLst>
+                                          <p:attrName>style.visibility</p:attrName>
+                                        </p:attrNameLst>
+                                      </p:cBhvr>
+                                      <p:to>
+                                        <p:strVal val="visible"/>
+                                      </p:to>
+                                    </p:set>
+                                    <p:animEffect transition="in" filter="fade">
+                                      <p:cBhvr>
+                                        <p:cTn id="49" dur="500"/>
+                                        <p:tgtEl>
+                                          <p:spTgt spid="8">
+                                            <p:txEl>
+                                              <p:pRg st="14" end="14"/>
+                                            </p:txEl>
+                                          </p:spTgt>
+                                        </p:tgtEl>
+                                      </p:cBhvr>
+                                    </p:animEffect>
+                                  </p:childTnLst>
+                                </p:cTn>
+                              </p:par>
+                              <p:par>
+                                <p:cTn id="50" presetID="10" presetClass="entr" presetSubtype="0" fill="hold" nodeType="withEffect">
+                                  <p:stCondLst>
+                                    <p:cond delay="0"/>
+                                  </p:stCondLst>
+                                  <p:childTnLst>
+                                    <p:set>
+                                      <p:cBhvr>
+                                        <p:cTn id="51" dur="1" fill="hold">
+                                          <p:stCondLst>
+                                            <p:cond delay="0"/>
+                                          </p:stCondLst>
+                                        </p:cTn>
+                                        <p:tgtEl>
+                                          <p:spTgt spid="8">
+                                            <p:txEl>
+                                              <p:pRg st="15" end="15"/>
+                                            </p:txEl>
+                                          </p:spTgt>
+                                        </p:tgtEl>
+                                        <p:attrNameLst>
+                                          <p:attrName>style.visibility</p:attrName>
+                                        </p:attrNameLst>
+                                      </p:cBhvr>
+                                      <p:to>
+                                        <p:strVal val="visible"/>
+                                      </p:to>
+                                    </p:set>
+                                    <p:animEffect transition="in" filter="fade">
+                                      <p:cBhvr>
+                                        <p:cTn id="52" dur="500"/>
+                                        <p:tgtEl>
+                                          <p:spTgt spid="8">
+                                            <p:txEl>
+                                              <p:pRg st="15" end="15"/>
+                                            </p:txEl>
+                                          </p:spTgt>
+                                        </p:tgtEl>
+                                      </p:cBhvr>
+                                    </p:animEffect>
+                                  </p:childTnLst>
+                                </p:cTn>
+                              </p:par>
+                              <p:par>
+                                <p:cTn id="53" presetID="10" presetClass="entr" presetSubtype="0" fill="hold" nodeType="withEffect">
+                                  <p:stCondLst>
+                                    <p:cond delay="0"/>
+                                  </p:stCondLst>
+                                  <p:childTnLst>
+                                    <p:set>
+                                      <p:cBhvr>
+                                        <p:cTn id="54" dur="1" fill="hold">
+                                          <p:stCondLst>
+                                            <p:cond delay="0"/>
+                                          </p:stCondLst>
+                                        </p:cTn>
+                                        <p:tgtEl>
+                                          <p:spTgt spid="8">
+                                            <p:txEl>
+                                              <p:pRg st="16" end="16"/>
+                                            </p:txEl>
+                                          </p:spTgt>
+                                        </p:tgtEl>
+                                        <p:attrNameLst>
+                                          <p:attrName>style.visibility</p:attrName>
+                                        </p:attrNameLst>
+                                      </p:cBhvr>
+                                      <p:to>
+                                        <p:strVal val="visible"/>
+                                      </p:to>
+                                    </p:set>
+                                    <p:animEffect transition="in" filter="fade">
+                                      <p:cBhvr>
+                                        <p:cTn id="55" dur="500"/>
+                                        <p:tgtEl>
+                                          <p:spTgt spid="8">
+                                            <p:txEl>
+                                              <p:pRg st="16" end="16"/>
+                                            </p:txEl>
+                                          </p:spTgt>
+                                        </p:tgtEl>
+                                      </p:cBhvr>
+                                    </p:animEffect>
+                                  </p:childTnLst>
+                                </p:cTn>
+                              </p:par>
+                            </p:childTnLst>
+                          </p:cTn>
+                        </p:par>
+                      </p:childTnLst>
+                    </p:cTn>
+                  </p:par>
+                  <p:par>
+                    <p:cTn id="56" fill="hold">
+                      <p:stCondLst>
+                        <p:cond delay="indefinite"/>
+                      </p:stCondLst>
+                      <p:childTnLst>
+                        <p:par>
+                          <p:cTn id="57" fill="hold">
+                            <p:stCondLst>
+                              <p:cond delay="0"/>
+                            </p:stCondLst>
+                            <p:childTnLst>
+                              <p:par>
+                                <p:cTn id="58" presetID="10" presetClass="entr" presetSubtype="0" fill="hold" grpId="0" nodeType="clickEffect">
+                                  <p:stCondLst>
+                                    <p:cond delay="0"/>
+                                  </p:stCondLst>
+                                  <p:childTnLst>
+                                    <p:set>
+                                      <p:cBhvr>
+                                        <p:cTn id="59" dur="1" fill="hold">
+                                          <p:stCondLst>
+                                            <p:cond delay="0"/>
+                                          </p:stCondLst>
+                                        </p:cTn>
+                                        <p:tgtEl>
+                                          <p:spTgt spid="7"/>
+                                        </p:tgtEl>
+                                        <p:attrNameLst>
+                                          <p:attrName>style.visibility</p:attrName>
+                                        </p:attrNameLst>
+                                      </p:cBhvr>
+                                      <p:to>
+                                        <p:strVal val="visible"/>
+                                      </p:to>
+                                    </p:set>
+                                    <p:animEffect transition="in" filter="fade">
+                                      <p:cBhvr>
+                                        <p:cTn id="60" dur="500"/>
+                                        <p:tgtEl>
+                                          <p:spTgt spid="7"/>
+                                        </p:tgtEl>
+                                      </p:cBhvr>
+                                    </p:animEffect>
+                                  </p:childTnLst>
+                                </p:cTn>
+                              </p:par>
+                            </p:childTnLst>
+                          </p:cTn>
+                        </p:par>
+                      </p:childTnLst>
+                    </p:cTn>
+                  </p:par>
+                  <p:par>
+                    <p:cTn id="61" fill="hold">
+                      <p:stCondLst>
+                        <p:cond delay="indefinite"/>
+                      </p:stCondLst>
+                      <p:childTnLst>
+                        <p:par>
+                          <p:cTn id="62" fill="hold">
+                            <p:stCondLst>
+                              <p:cond delay="0"/>
+                            </p:stCondLst>
+                            <p:childTnLst>
+                              <p:par>
+                                <p:cTn id="63" presetID="10" presetClass="entr" presetSubtype="0" fill="hold" grpId="0" nodeType="clickEffect">
+                                  <p:stCondLst>
+                                    <p:cond delay="0"/>
+                                  </p:stCondLst>
+                                  <p:childTnLst>
+                                    <p:set>
+                                      <p:cBhvr>
+                                        <p:cTn id="64" dur="1" fill="hold">
+                                          <p:stCondLst>
+                                            <p:cond delay="0"/>
+                                          </p:stCondLst>
+                                        </p:cTn>
+                                        <p:tgtEl>
+                                          <p:spTgt spid="3"/>
+                                        </p:tgtEl>
+                                        <p:attrNameLst>
+                                          <p:attrName>style.visibility</p:attrName>
+                                        </p:attrNameLst>
+                                      </p:cBhvr>
+                                      <p:to>
+                                        <p:strVal val="visible"/>
+                                      </p:to>
+                                    </p:set>
+                                    <p:animEffect transition="in" filter="fade">
+                                      <p:cBhvr>
+                                        <p:cTn id="65" dur="500"/>
+                                        <p:tgtEl>
+                                          <p:spTgt spid="3"/>
+                                        </p:tgtEl>
+                                      </p:cBhvr>
+                                    </p:animEffect>
+                                  </p:childTnLst>
+                                </p:cTn>
+                              </p:par>
+                            </p:childTnLst>
+                          </p:cTn>
+                        </p:par>
+                      </p:childTnLst>
+                    </p:cTn>
+                  </p:par>
+                </p:childTnLst>
+              </p:cTn>
+              <p:prevCondLst>
+                <p:cond evt="onPrev" delay="0">
+                  <p:tgtEl>
+                    <p:sldTgt/>
+                  </p:tgtEl>
+                </p:cond>
+              </p:prevCondLst>
+              <p:nextCondLst>
+                <p:cond evt="onNext" delay="0">
+                  <p:tgtEl>
+                    <p:sldTgt/>
+                  </p:tgtEl>
+                </p:cond>
+              </p:nextCondLst>
+            </p:seq>
+          </p:childTnLst>
+        </p:cTn>
       </p:par>
     </p:tnLst>
+    <p:bldLst>
+      <p:bldP spid="7" grpId="0"/>
+      <p:bldP spid="3" grpId="0" animBg="1"/>
+    </p:bldLst>
   </p:timing>
 </p:sld>
 </file>
@@ -20565,18 +24156,7 @@
                 <a:ea typeface="Calibri"/>
                 <a:cs typeface="Times New Roman"/>
               </a:rPr>
-              <a:t>&gt;(</a:t>
-            </a:r>
-            <a:r>
-              <a:rPr lang="en-US" sz="1600" dirty="0" smtClean="0">
-                <a:solidFill>
-                  <a:srgbClr val="000000"/>
-                </a:solidFill>
-                <a:latin typeface="Consolas"/>
-                <a:ea typeface="Calibri"/>
-                <a:cs typeface="Times New Roman"/>
-              </a:rPr>
-              <a:t>forward&lt;</a:t>
+              <a:t>&gt;(forward&lt;</a:t>
             </a:r>
             <a:r>
               <a:rPr lang="en-US" sz="1600" dirty="0" err="1" smtClean="0">
@@ -21213,6 +24793,85 @@
     <p:extLst>
       <p:ext uri="{BB962C8B-B14F-4D97-AF65-F5344CB8AC3E}">
         <p14:creationId xmlns:p14="http://schemas.microsoft.com/office/powerpoint/2010/main" val="3398061260"/>
+      </p:ext>
+    </p:extLst>
+  </p:cSld>
+  <p:clrMapOvr>
+    <a:masterClrMapping/>
+  </p:clrMapOvr>
+  <p:timing>
+    <p:tnLst>
+      <p:par>
+        <p:cTn id="1" dur="indefinite" restart="never" nodeType="tmRoot"/>
+      </p:par>
+    </p:tnLst>
+  </p:timing>
+</p:sld>
+</file>
+
+<file path=ppt/slides/slide26.xml><?xml version="1.0" encoding="utf-8"?>
+<p:sld xmlns:a="http://schemas.openxmlformats.org/drawingml/2006/main" xmlns:r="http://schemas.openxmlformats.org/officeDocument/2006/relationships" xmlns:p="http://schemas.openxmlformats.org/presentationml/2006/main">
+  <p:cSld>
+    <p:spTree>
+      <p:nvGrpSpPr>
+        <p:cNvPr id="1" name=""/>
+        <p:cNvGrpSpPr/>
+        <p:nvPr/>
+      </p:nvGrpSpPr>
+      <p:grpSpPr>
+        <a:xfrm>
+          <a:off x="0" y="0"/>
+          <a:ext cx="0" cy="0"/>
+          <a:chOff x="0" y="0"/>
+          <a:chExt cx="0" cy="0"/>
+        </a:xfrm>
+      </p:grpSpPr>
+      <p:sp>
+        <p:nvSpPr>
+          <p:cNvPr id="2" name="Title 1"/>
+          <p:cNvSpPr>
+            <a:spLocks noGrp="1"/>
+          </p:cNvSpPr>
+          <p:nvPr>
+            <p:ph type="title"/>
+          </p:nvPr>
+        </p:nvSpPr>
+        <p:spPr/>
+        <p:txBody>
+          <a:bodyPr/>
+          <a:lstStyle/>
+          <a:p>
+            <a:r>
+              <a:rPr lang="ru-RU" dirty="0" smtClean="0"/>
+              <a:t>Вопросы?</a:t>
+            </a:r>
+            <a:endParaRPr lang="ru-RU" dirty="0"/>
+          </a:p>
+        </p:txBody>
+      </p:sp>
+      <p:sp>
+        <p:nvSpPr>
+          <p:cNvPr id="3" name="Text Placeholder 2"/>
+          <p:cNvSpPr>
+            <a:spLocks noGrp="1"/>
+          </p:cNvSpPr>
+          <p:nvPr>
+            <p:ph type="body" idx="1"/>
+          </p:nvPr>
+        </p:nvSpPr>
+        <p:spPr/>
+        <p:txBody>
+          <a:bodyPr/>
+          <a:lstStyle/>
+          <a:p>
+            <a:endParaRPr lang="ru-RU"/>
+          </a:p>
+        </p:txBody>
+      </p:sp>
+    </p:spTree>
+    <p:extLst>
+      <p:ext uri="{BB962C8B-B14F-4D97-AF65-F5344CB8AC3E}">
+        <p14:creationId xmlns:p14="http://schemas.microsoft.com/office/powerpoint/2010/main" val="2073285482"/>
       </p:ext>
     </p:extLst>
   </p:cSld>
@@ -25037,7 +28696,2116 @@
   <p:timing>
     <p:tnLst>
       <p:par>
-        <p:cTn id="1" dur="indefinite" restart="never" nodeType="tmRoot"/>
+        <p:cTn id="1" dur="indefinite" restart="never" nodeType="tmRoot">
+          <p:childTnLst>
+            <p:seq concurrent="1" nextAc="seek">
+              <p:cTn id="2" dur="indefinite" nodeType="mainSeq">
+                <p:childTnLst>
+                  <p:par>
+                    <p:cTn id="3" fill="hold">
+                      <p:stCondLst>
+                        <p:cond delay="indefinite"/>
+                      </p:stCondLst>
+                      <p:childTnLst>
+                        <p:par>
+                          <p:cTn id="4" fill="hold">
+                            <p:stCondLst>
+                              <p:cond delay="0"/>
+                            </p:stCondLst>
+                            <p:childTnLst>
+                              <p:par>
+                                <p:cTn id="5" presetID="10" presetClass="entr" presetSubtype="0" fill="hold" nodeType="clickEffect">
+                                  <p:stCondLst>
+                                    <p:cond delay="0"/>
+                                  </p:stCondLst>
+                                  <p:childTnLst>
+                                    <p:set>
+                                      <p:cBhvr>
+                                        <p:cTn id="6" dur="1" fill="hold">
+                                          <p:stCondLst>
+                                            <p:cond delay="0"/>
+                                          </p:stCondLst>
+                                        </p:cTn>
+                                        <p:tgtEl>
+                                          <p:spTgt spid="4">
+                                            <p:txEl>
+                                              <p:pRg st="0" end="0"/>
+                                            </p:txEl>
+                                          </p:spTgt>
+                                        </p:tgtEl>
+                                        <p:attrNameLst>
+                                          <p:attrName>style.visibility</p:attrName>
+                                        </p:attrNameLst>
+                                      </p:cBhvr>
+                                      <p:to>
+                                        <p:strVal val="visible"/>
+                                      </p:to>
+                                    </p:set>
+                                    <p:animEffect transition="in" filter="fade">
+                                      <p:cBhvr>
+                                        <p:cTn id="7" dur="500"/>
+                                        <p:tgtEl>
+                                          <p:spTgt spid="4">
+                                            <p:txEl>
+                                              <p:pRg st="0" end="0"/>
+                                            </p:txEl>
+                                          </p:spTgt>
+                                        </p:tgtEl>
+                                      </p:cBhvr>
+                                    </p:animEffect>
+                                  </p:childTnLst>
+                                </p:cTn>
+                              </p:par>
+                              <p:par>
+                                <p:cTn id="8" presetID="10" presetClass="entr" presetSubtype="0" fill="hold" nodeType="withEffect">
+                                  <p:stCondLst>
+                                    <p:cond delay="0"/>
+                                  </p:stCondLst>
+                                  <p:childTnLst>
+                                    <p:set>
+                                      <p:cBhvr>
+                                        <p:cTn id="9" dur="1" fill="hold">
+                                          <p:stCondLst>
+                                            <p:cond delay="0"/>
+                                          </p:stCondLst>
+                                        </p:cTn>
+                                        <p:tgtEl>
+                                          <p:spTgt spid="4">
+                                            <p:txEl>
+                                              <p:pRg st="1" end="1"/>
+                                            </p:txEl>
+                                          </p:spTgt>
+                                        </p:tgtEl>
+                                        <p:attrNameLst>
+                                          <p:attrName>style.visibility</p:attrName>
+                                        </p:attrNameLst>
+                                      </p:cBhvr>
+                                      <p:to>
+                                        <p:strVal val="visible"/>
+                                      </p:to>
+                                    </p:set>
+                                    <p:animEffect transition="in" filter="fade">
+                                      <p:cBhvr>
+                                        <p:cTn id="10" dur="500"/>
+                                        <p:tgtEl>
+                                          <p:spTgt spid="4">
+                                            <p:txEl>
+                                              <p:pRg st="1" end="1"/>
+                                            </p:txEl>
+                                          </p:spTgt>
+                                        </p:tgtEl>
+                                      </p:cBhvr>
+                                    </p:animEffect>
+                                  </p:childTnLst>
+                                </p:cTn>
+                              </p:par>
+                              <p:par>
+                                <p:cTn id="11" presetID="10" presetClass="entr" presetSubtype="0" fill="hold" nodeType="withEffect">
+                                  <p:stCondLst>
+                                    <p:cond delay="0"/>
+                                  </p:stCondLst>
+                                  <p:childTnLst>
+                                    <p:set>
+                                      <p:cBhvr>
+                                        <p:cTn id="12" dur="1" fill="hold">
+                                          <p:stCondLst>
+                                            <p:cond delay="0"/>
+                                          </p:stCondLst>
+                                        </p:cTn>
+                                        <p:tgtEl>
+                                          <p:spTgt spid="4">
+                                            <p:txEl>
+                                              <p:pRg st="2" end="2"/>
+                                            </p:txEl>
+                                          </p:spTgt>
+                                        </p:tgtEl>
+                                        <p:attrNameLst>
+                                          <p:attrName>style.visibility</p:attrName>
+                                        </p:attrNameLst>
+                                      </p:cBhvr>
+                                      <p:to>
+                                        <p:strVal val="visible"/>
+                                      </p:to>
+                                    </p:set>
+                                    <p:animEffect transition="in" filter="fade">
+                                      <p:cBhvr>
+                                        <p:cTn id="13" dur="500"/>
+                                        <p:tgtEl>
+                                          <p:spTgt spid="4">
+                                            <p:txEl>
+                                              <p:pRg st="2" end="2"/>
+                                            </p:txEl>
+                                          </p:spTgt>
+                                        </p:tgtEl>
+                                      </p:cBhvr>
+                                    </p:animEffect>
+                                  </p:childTnLst>
+                                </p:cTn>
+                              </p:par>
+                              <p:par>
+                                <p:cTn id="14" presetID="10" presetClass="entr" presetSubtype="0" fill="hold" nodeType="withEffect">
+                                  <p:stCondLst>
+                                    <p:cond delay="0"/>
+                                  </p:stCondLst>
+                                  <p:childTnLst>
+                                    <p:set>
+                                      <p:cBhvr>
+                                        <p:cTn id="15" dur="1" fill="hold">
+                                          <p:stCondLst>
+                                            <p:cond delay="0"/>
+                                          </p:stCondLst>
+                                        </p:cTn>
+                                        <p:tgtEl>
+                                          <p:spTgt spid="4">
+                                            <p:txEl>
+                                              <p:pRg st="3" end="3"/>
+                                            </p:txEl>
+                                          </p:spTgt>
+                                        </p:tgtEl>
+                                        <p:attrNameLst>
+                                          <p:attrName>style.visibility</p:attrName>
+                                        </p:attrNameLst>
+                                      </p:cBhvr>
+                                      <p:to>
+                                        <p:strVal val="visible"/>
+                                      </p:to>
+                                    </p:set>
+                                    <p:animEffect transition="in" filter="fade">
+                                      <p:cBhvr>
+                                        <p:cTn id="16" dur="500"/>
+                                        <p:tgtEl>
+                                          <p:spTgt spid="4">
+                                            <p:txEl>
+                                              <p:pRg st="3" end="3"/>
+                                            </p:txEl>
+                                          </p:spTgt>
+                                        </p:tgtEl>
+                                      </p:cBhvr>
+                                    </p:animEffect>
+                                  </p:childTnLst>
+                                </p:cTn>
+                              </p:par>
+                              <p:par>
+                                <p:cTn id="17" presetID="10" presetClass="entr" presetSubtype="0" fill="hold" nodeType="withEffect">
+                                  <p:stCondLst>
+                                    <p:cond delay="0"/>
+                                  </p:stCondLst>
+                                  <p:childTnLst>
+                                    <p:set>
+                                      <p:cBhvr>
+                                        <p:cTn id="18" dur="1" fill="hold">
+                                          <p:stCondLst>
+                                            <p:cond delay="0"/>
+                                          </p:stCondLst>
+                                        </p:cTn>
+                                        <p:tgtEl>
+                                          <p:spTgt spid="4">
+                                            <p:txEl>
+                                              <p:pRg st="4" end="4"/>
+                                            </p:txEl>
+                                          </p:spTgt>
+                                        </p:tgtEl>
+                                        <p:attrNameLst>
+                                          <p:attrName>style.visibility</p:attrName>
+                                        </p:attrNameLst>
+                                      </p:cBhvr>
+                                      <p:to>
+                                        <p:strVal val="visible"/>
+                                      </p:to>
+                                    </p:set>
+                                    <p:animEffect transition="in" filter="fade">
+                                      <p:cBhvr>
+                                        <p:cTn id="19" dur="500"/>
+                                        <p:tgtEl>
+                                          <p:spTgt spid="4">
+                                            <p:txEl>
+                                              <p:pRg st="4" end="4"/>
+                                            </p:txEl>
+                                          </p:spTgt>
+                                        </p:tgtEl>
+                                      </p:cBhvr>
+                                    </p:animEffect>
+                                  </p:childTnLst>
+                                </p:cTn>
+                              </p:par>
+                              <p:par>
+                                <p:cTn id="20" presetID="10" presetClass="entr" presetSubtype="0" fill="hold" nodeType="withEffect">
+                                  <p:stCondLst>
+                                    <p:cond delay="0"/>
+                                  </p:stCondLst>
+                                  <p:childTnLst>
+                                    <p:set>
+                                      <p:cBhvr>
+                                        <p:cTn id="21" dur="1" fill="hold">
+                                          <p:stCondLst>
+                                            <p:cond delay="0"/>
+                                          </p:stCondLst>
+                                        </p:cTn>
+                                        <p:tgtEl>
+                                          <p:spTgt spid="4">
+                                            <p:txEl>
+                                              <p:pRg st="5" end="5"/>
+                                            </p:txEl>
+                                          </p:spTgt>
+                                        </p:tgtEl>
+                                        <p:attrNameLst>
+                                          <p:attrName>style.visibility</p:attrName>
+                                        </p:attrNameLst>
+                                      </p:cBhvr>
+                                      <p:to>
+                                        <p:strVal val="visible"/>
+                                      </p:to>
+                                    </p:set>
+                                    <p:animEffect transition="in" filter="fade">
+                                      <p:cBhvr>
+                                        <p:cTn id="22" dur="500"/>
+                                        <p:tgtEl>
+                                          <p:spTgt spid="4">
+                                            <p:txEl>
+                                              <p:pRg st="5" end="5"/>
+                                            </p:txEl>
+                                          </p:spTgt>
+                                        </p:tgtEl>
+                                      </p:cBhvr>
+                                    </p:animEffect>
+                                  </p:childTnLst>
+                                </p:cTn>
+                              </p:par>
+                              <p:par>
+                                <p:cTn id="23" presetID="10" presetClass="entr" presetSubtype="0" fill="hold" nodeType="withEffect">
+                                  <p:stCondLst>
+                                    <p:cond delay="0"/>
+                                  </p:stCondLst>
+                                  <p:childTnLst>
+                                    <p:set>
+                                      <p:cBhvr>
+                                        <p:cTn id="24" dur="1" fill="hold">
+                                          <p:stCondLst>
+                                            <p:cond delay="0"/>
+                                          </p:stCondLst>
+                                        </p:cTn>
+                                        <p:tgtEl>
+                                          <p:spTgt spid="4">
+                                            <p:txEl>
+                                              <p:pRg st="6" end="6"/>
+                                            </p:txEl>
+                                          </p:spTgt>
+                                        </p:tgtEl>
+                                        <p:attrNameLst>
+                                          <p:attrName>style.visibility</p:attrName>
+                                        </p:attrNameLst>
+                                      </p:cBhvr>
+                                      <p:to>
+                                        <p:strVal val="visible"/>
+                                      </p:to>
+                                    </p:set>
+                                    <p:animEffect transition="in" filter="fade">
+                                      <p:cBhvr>
+                                        <p:cTn id="25" dur="500"/>
+                                        <p:tgtEl>
+                                          <p:spTgt spid="4">
+                                            <p:txEl>
+                                              <p:pRg st="6" end="6"/>
+                                            </p:txEl>
+                                          </p:spTgt>
+                                        </p:tgtEl>
+                                      </p:cBhvr>
+                                    </p:animEffect>
+                                  </p:childTnLst>
+                                </p:cTn>
+                              </p:par>
+                            </p:childTnLst>
+                          </p:cTn>
+                        </p:par>
+                      </p:childTnLst>
+                    </p:cTn>
+                  </p:par>
+                  <p:par>
+                    <p:cTn id="26" fill="hold">
+                      <p:stCondLst>
+                        <p:cond delay="indefinite"/>
+                      </p:stCondLst>
+                      <p:childTnLst>
+                        <p:par>
+                          <p:cTn id="27" fill="hold">
+                            <p:stCondLst>
+                              <p:cond delay="0"/>
+                            </p:stCondLst>
+                            <p:childTnLst>
+                              <p:par>
+                                <p:cTn id="28" presetID="10" presetClass="entr" presetSubtype="0" fill="hold" nodeType="clickEffect">
+                                  <p:stCondLst>
+                                    <p:cond delay="0"/>
+                                  </p:stCondLst>
+                                  <p:childTnLst>
+                                    <p:set>
+                                      <p:cBhvr>
+                                        <p:cTn id="29" dur="1" fill="hold">
+                                          <p:stCondLst>
+                                            <p:cond delay="0"/>
+                                          </p:stCondLst>
+                                        </p:cTn>
+                                        <p:tgtEl>
+                                          <p:spTgt spid="4">
+                                            <p:txEl>
+                                              <p:pRg st="8" end="8"/>
+                                            </p:txEl>
+                                          </p:spTgt>
+                                        </p:tgtEl>
+                                        <p:attrNameLst>
+                                          <p:attrName>style.visibility</p:attrName>
+                                        </p:attrNameLst>
+                                      </p:cBhvr>
+                                      <p:to>
+                                        <p:strVal val="visible"/>
+                                      </p:to>
+                                    </p:set>
+                                    <p:animEffect transition="in" filter="fade">
+                                      <p:cBhvr>
+                                        <p:cTn id="30" dur="500"/>
+                                        <p:tgtEl>
+                                          <p:spTgt spid="4">
+                                            <p:txEl>
+                                              <p:pRg st="8" end="8"/>
+                                            </p:txEl>
+                                          </p:spTgt>
+                                        </p:tgtEl>
+                                      </p:cBhvr>
+                                    </p:animEffect>
+                                  </p:childTnLst>
+                                </p:cTn>
+                              </p:par>
+                              <p:par>
+                                <p:cTn id="31" presetID="10" presetClass="entr" presetSubtype="0" fill="hold" nodeType="withEffect">
+                                  <p:stCondLst>
+                                    <p:cond delay="0"/>
+                                  </p:stCondLst>
+                                  <p:childTnLst>
+                                    <p:set>
+                                      <p:cBhvr>
+                                        <p:cTn id="32" dur="1" fill="hold">
+                                          <p:stCondLst>
+                                            <p:cond delay="0"/>
+                                          </p:stCondLst>
+                                        </p:cTn>
+                                        <p:tgtEl>
+                                          <p:spTgt spid="4">
+                                            <p:txEl>
+                                              <p:pRg st="9" end="9"/>
+                                            </p:txEl>
+                                          </p:spTgt>
+                                        </p:tgtEl>
+                                        <p:attrNameLst>
+                                          <p:attrName>style.visibility</p:attrName>
+                                        </p:attrNameLst>
+                                      </p:cBhvr>
+                                      <p:to>
+                                        <p:strVal val="visible"/>
+                                      </p:to>
+                                    </p:set>
+                                    <p:animEffect transition="in" filter="fade">
+                                      <p:cBhvr>
+                                        <p:cTn id="33" dur="500"/>
+                                        <p:tgtEl>
+                                          <p:spTgt spid="4">
+                                            <p:txEl>
+                                              <p:pRg st="9" end="9"/>
+                                            </p:txEl>
+                                          </p:spTgt>
+                                        </p:tgtEl>
+                                      </p:cBhvr>
+                                    </p:animEffect>
+                                  </p:childTnLst>
+                                </p:cTn>
+                              </p:par>
+                              <p:par>
+                                <p:cTn id="34" presetID="10" presetClass="entr" presetSubtype="0" fill="hold" nodeType="withEffect">
+                                  <p:stCondLst>
+                                    <p:cond delay="0"/>
+                                  </p:stCondLst>
+                                  <p:childTnLst>
+                                    <p:set>
+                                      <p:cBhvr>
+                                        <p:cTn id="35" dur="1" fill="hold">
+                                          <p:stCondLst>
+                                            <p:cond delay="0"/>
+                                          </p:stCondLst>
+                                        </p:cTn>
+                                        <p:tgtEl>
+                                          <p:spTgt spid="4">
+                                            <p:txEl>
+                                              <p:pRg st="10" end="10"/>
+                                            </p:txEl>
+                                          </p:spTgt>
+                                        </p:tgtEl>
+                                        <p:attrNameLst>
+                                          <p:attrName>style.visibility</p:attrName>
+                                        </p:attrNameLst>
+                                      </p:cBhvr>
+                                      <p:to>
+                                        <p:strVal val="visible"/>
+                                      </p:to>
+                                    </p:set>
+                                    <p:animEffect transition="in" filter="fade">
+                                      <p:cBhvr>
+                                        <p:cTn id="36" dur="500"/>
+                                        <p:tgtEl>
+                                          <p:spTgt spid="4">
+                                            <p:txEl>
+                                              <p:pRg st="10" end="10"/>
+                                            </p:txEl>
+                                          </p:spTgt>
+                                        </p:tgtEl>
+                                      </p:cBhvr>
+                                    </p:animEffect>
+                                  </p:childTnLst>
+                                </p:cTn>
+                              </p:par>
+                              <p:par>
+                                <p:cTn id="37" presetID="10" presetClass="entr" presetSubtype="0" fill="hold" nodeType="withEffect">
+                                  <p:stCondLst>
+                                    <p:cond delay="0"/>
+                                  </p:stCondLst>
+                                  <p:childTnLst>
+                                    <p:set>
+                                      <p:cBhvr>
+                                        <p:cTn id="38" dur="1" fill="hold">
+                                          <p:stCondLst>
+                                            <p:cond delay="0"/>
+                                          </p:stCondLst>
+                                        </p:cTn>
+                                        <p:tgtEl>
+                                          <p:spTgt spid="4">
+                                            <p:txEl>
+                                              <p:pRg st="11" end="11"/>
+                                            </p:txEl>
+                                          </p:spTgt>
+                                        </p:tgtEl>
+                                        <p:attrNameLst>
+                                          <p:attrName>style.visibility</p:attrName>
+                                        </p:attrNameLst>
+                                      </p:cBhvr>
+                                      <p:to>
+                                        <p:strVal val="visible"/>
+                                      </p:to>
+                                    </p:set>
+                                    <p:animEffect transition="in" filter="fade">
+                                      <p:cBhvr>
+                                        <p:cTn id="39" dur="500"/>
+                                        <p:tgtEl>
+                                          <p:spTgt spid="4">
+                                            <p:txEl>
+                                              <p:pRg st="11" end="11"/>
+                                            </p:txEl>
+                                          </p:spTgt>
+                                        </p:tgtEl>
+                                      </p:cBhvr>
+                                    </p:animEffect>
+                                  </p:childTnLst>
+                                </p:cTn>
+                              </p:par>
+                              <p:par>
+                                <p:cTn id="40" presetID="10" presetClass="entr" presetSubtype="0" fill="hold" nodeType="withEffect">
+                                  <p:stCondLst>
+                                    <p:cond delay="0"/>
+                                  </p:stCondLst>
+                                  <p:childTnLst>
+                                    <p:set>
+                                      <p:cBhvr>
+                                        <p:cTn id="41" dur="1" fill="hold">
+                                          <p:stCondLst>
+                                            <p:cond delay="0"/>
+                                          </p:stCondLst>
+                                        </p:cTn>
+                                        <p:tgtEl>
+                                          <p:spTgt spid="4">
+                                            <p:txEl>
+                                              <p:pRg st="12" end="12"/>
+                                            </p:txEl>
+                                          </p:spTgt>
+                                        </p:tgtEl>
+                                        <p:attrNameLst>
+                                          <p:attrName>style.visibility</p:attrName>
+                                        </p:attrNameLst>
+                                      </p:cBhvr>
+                                      <p:to>
+                                        <p:strVal val="visible"/>
+                                      </p:to>
+                                    </p:set>
+                                    <p:animEffect transition="in" filter="fade">
+                                      <p:cBhvr>
+                                        <p:cTn id="42" dur="500"/>
+                                        <p:tgtEl>
+                                          <p:spTgt spid="4">
+                                            <p:txEl>
+                                              <p:pRg st="12" end="12"/>
+                                            </p:txEl>
+                                          </p:spTgt>
+                                        </p:tgtEl>
+                                      </p:cBhvr>
+                                    </p:animEffect>
+                                  </p:childTnLst>
+                                </p:cTn>
+                              </p:par>
+                              <p:par>
+                                <p:cTn id="43" presetID="10" presetClass="entr" presetSubtype="0" fill="hold" nodeType="withEffect">
+                                  <p:stCondLst>
+                                    <p:cond delay="0"/>
+                                  </p:stCondLst>
+                                  <p:childTnLst>
+                                    <p:set>
+                                      <p:cBhvr>
+                                        <p:cTn id="44" dur="1" fill="hold">
+                                          <p:stCondLst>
+                                            <p:cond delay="0"/>
+                                          </p:stCondLst>
+                                        </p:cTn>
+                                        <p:tgtEl>
+                                          <p:spTgt spid="4">
+                                            <p:txEl>
+                                              <p:pRg st="13" end="13"/>
+                                            </p:txEl>
+                                          </p:spTgt>
+                                        </p:tgtEl>
+                                        <p:attrNameLst>
+                                          <p:attrName>style.visibility</p:attrName>
+                                        </p:attrNameLst>
+                                      </p:cBhvr>
+                                      <p:to>
+                                        <p:strVal val="visible"/>
+                                      </p:to>
+                                    </p:set>
+                                    <p:animEffect transition="in" filter="fade">
+                                      <p:cBhvr>
+                                        <p:cTn id="45" dur="500"/>
+                                        <p:tgtEl>
+                                          <p:spTgt spid="4">
+                                            <p:txEl>
+                                              <p:pRg st="13" end="13"/>
+                                            </p:txEl>
+                                          </p:spTgt>
+                                        </p:tgtEl>
+                                      </p:cBhvr>
+                                    </p:animEffect>
+                                  </p:childTnLst>
+                                </p:cTn>
+                              </p:par>
+                              <p:par>
+                                <p:cTn id="46" presetID="10" presetClass="entr" presetSubtype="0" fill="hold" nodeType="withEffect">
+                                  <p:stCondLst>
+                                    <p:cond delay="0"/>
+                                  </p:stCondLst>
+                                  <p:childTnLst>
+                                    <p:set>
+                                      <p:cBhvr>
+                                        <p:cTn id="47" dur="1" fill="hold">
+                                          <p:stCondLst>
+                                            <p:cond delay="0"/>
+                                          </p:stCondLst>
+                                        </p:cTn>
+                                        <p:tgtEl>
+                                          <p:spTgt spid="4">
+                                            <p:txEl>
+                                              <p:pRg st="14" end="14"/>
+                                            </p:txEl>
+                                          </p:spTgt>
+                                        </p:tgtEl>
+                                        <p:attrNameLst>
+                                          <p:attrName>style.visibility</p:attrName>
+                                        </p:attrNameLst>
+                                      </p:cBhvr>
+                                      <p:to>
+                                        <p:strVal val="visible"/>
+                                      </p:to>
+                                    </p:set>
+                                    <p:animEffect transition="in" filter="fade">
+                                      <p:cBhvr>
+                                        <p:cTn id="48" dur="500"/>
+                                        <p:tgtEl>
+                                          <p:spTgt spid="4">
+                                            <p:txEl>
+                                              <p:pRg st="14" end="14"/>
+                                            </p:txEl>
+                                          </p:spTgt>
+                                        </p:tgtEl>
+                                      </p:cBhvr>
+                                    </p:animEffect>
+                                  </p:childTnLst>
+                                </p:cTn>
+                              </p:par>
+                              <p:par>
+                                <p:cTn id="49" presetID="10" presetClass="entr" presetSubtype="0" fill="hold" nodeType="withEffect">
+                                  <p:stCondLst>
+                                    <p:cond delay="0"/>
+                                  </p:stCondLst>
+                                  <p:childTnLst>
+                                    <p:set>
+                                      <p:cBhvr>
+                                        <p:cTn id="50" dur="1" fill="hold">
+                                          <p:stCondLst>
+                                            <p:cond delay="0"/>
+                                          </p:stCondLst>
+                                        </p:cTn>
+                                        <p:tgtEl>
+                                          <p:spTgt spid="4">
+                                            <p:txEl>
+                                              <p:pRg st="15" end="15"/>
+                                            </p:txEl>
+                                          </p:spTgt>
+                                        </p:tgtEl>
+                                        <p:attrNameLst>
+                                          <p:attrName>style.visibility</p:attrName>
+                                        </p:attrNameLst>
+                                      </p:cBhvr>
+                                      <p:to>
+                                        <p:strVal val="visible"/>
+                                      </p:to>
+                                    </p:set>
+                                    <p:animEffect transition="in" filter="fade">
+                                      <p:cBhvr>
+                                        <p:cTn id="51" dur="500"/>
+                                        <p:tgtEl>
+                                          <p:spTgt spid="4">
+                                            <p:txEl>
+                                              <p:pRg st="15" end="15"/>
+                                            </p:txEl>
+                                          </p:spTgt>
+                                        </p:tgtEl>
+                                      </p:cBhvr>
+                                    </p:animEffect>
+                                  </p:childTnLst>
+                                </p:cTn>
+                              </p:par>
+                              <p:par>
+                                <p:cTn id="52" presetID="10" presetClass="entr" presetSubtype="0" fill="hold" nodeType="withEffect">
+                                  <p:stCondLst>
+                                    <p:cond delay="0"/>
+                                  </p:stCondLst>
+                                  <p:childTnLst>
+                                    <p:set>
+                                      <p:cBhvr>
+                                        <p:cTn id="53" dur="1" fill="hold">
+                                          <p:stCondLst>
+                                            <p:cond delay="0"/>
+                                          </p:stCondLst>
+                                        </p:cTn>
+                                        <p:tgtEl>
+                                          <p:spTgt spid="4">
+                                            <p:txEl>
+                                              <p:pRg st="16" end="16"/>
+                                            </p:txEl>
+                                          </p:spTgt>
+                                        </p:tgtEl>
+                                        <p:attrNameLst>
+                                          <p:attrName>style.visibility</p:attrName>
+                                        </p:attrNameLst>
+                                      </p:cBhvr>
+                                      <p:to>
+                                        <p:strVal val="visible"/>
+                                      </p:to>
+                                    </p:set>
+                                    <p:animEffect transition="in" filter="fade">
+                                      <p:cBhvr>
+                                        <p:cTn id="54" dur="500"/>
+                                        <p:tgtEl>
+                                          <p:spTgt spid="4">
+                                            <p:txEl>
+                                              <p:pRg st="16" end="16"/>
+                                            </p:txEl>
+                                          </p:spTgt>
+                                        </p:tgtEl>
+                                      </p:cBhvr>
+                                    </p:animEffect>
+                                  </p:childTnLst>
+                                </p:cTn>
+                              </p:par>
+                            </p:childTnLst>
+                          </p:cTn>
+                        </p:par>
+                      </p:childTnLst>
+                    </p:cTn>
+                  </p:par>
+                  <p:par>
+                    <p:cTn id="55" fill="hold">
+                      <p:stCondLst>
+                        <p:cond delay="indefinite"/>
+                      </p:stCondLst>
+                      <p:childTnLst>
+                        <p:par>
+                          <p:cTn id="56" fill="hold">
+                            <p:stCondLst>
+                              <p:cond delay="0"/>
+                            </p:stCondLst>
+                            <p:childTnLst>
+                              <p:par>
+                                <p:cTn id="57" presetID="10" presetClass="entr" presetSubtype="0" fill="hold" nodeType="clickEffect">
+                                  <p:stCondLst>
+                                    <p:cond delay="0"/>
+                                  </p:stCondLst>
+                                  <p:childTnLst>
+                                    <p:set>
+                                      <p:cBhvr>
+                                        <p:cTn id="58" dur="1" fill="hold">
+                                          <p:stCondLst>
+                                            <p:cond delay="0"/>
+                                          </p:stCondLst>
+                                        </p:cTn>
+                                        <p:tgtEl>
+                                          <p:spTgt spid="4">
+                                            <p:txEl>
+                                              <p:pRg st="17" end="17"/>
+                                            </p:txEl>
+                                          </p:spTgt>
+                                        </p:tgtEl>
+                                        <p:attrNameLst>
+                                          <p:attrName>style.visibility</p:attrName>
+                                        </p:attrNameLst>
+                                      </p:cBhvr>
+                                      <p:to>
+                                        <p:strVal val="visible"/>
+                                      </p:to>
+                                    </p:set>
+                                    <p:animEffect transition="in" filter="fade">
+                                      <p:cBhvr>
+                                        <p:cTn id="59" dur="500"/>
+                                        <p:tgtEl>
+                                          <p:spTgt spid="4">
+                                            <p:txEl>
+                                              <p:pRg st="17" end="17"/>
+                                            </p:txEl>
+                                          </p:spTgt>
+                                        </p:tgtEl>
+                                      </p:cBhvr>
+                                    </p:animEffect>
+                                  </p:childTnLst>
+                                </p:cTn>
+                              </p:par>
+                              <p:par>
+                                <p:cTn id="60" presetID="10" presetClass="entr" presetSubtype="0" fill="hold" nodeType="withEffect">
+                                  <p:stCondLst>
+                                    <p:cond delay="0"/>
+                                  </p:stCondLst>
+                                  <p:childTnLst>
+                                    <p:set>
+                                      <p:cBhvr>
+                                        <p:cTn id="61" dur="1" fill="hold">
+                                          <p:stCondLst>
+                                            <p:cond delay="0"/>
+                                          </p:stCondLst>
+                                        </p:cTn>
+                                        <p:tgtEl>
+                                          <p:spTgt spid="4">
+                                            <p:txEl>
+                                              <p:pRg st="18" end="18"/>
+                                            </p:txEl>
+                                          </p:spTgt>
+                                        </p:tgtEl>
+                                        <p:attrNameLst>
+                                          <p:attrName>style.visibility</p:attrName>
+                                        </p:attrNameLst>
+                                      </p:cBhvr>
+                                      <p:to>
+                                        <p:strVal val="visible"/>
+                                      </p:to>
+                                    </p:set>
+                                    <p:animEffect transition="in" filter="fade">
+                                      <p:cBhvr>
+                                        <p:cTn id="62" dur="500"/>
+                                        <p:tgtEl>
+                                          <p:spTgt spid="4">
+                                            <p:txEl>
+                                              <p:pRg st="18" end="18"/>
+                                            </p:txEl>
+                                          </p:spTgt>
+                                        </p:tgtEl>
+                                      </p:cBhvr>
+                                    </p:animEffect>
+                                  </p:childTnLst>
+                                </p:cTn>
+                              </p:par>
+                              <p:par>
+                                <p:cTn id="63" presetID="10" presetClass="entr" presetSubtype="0" fill="hold" nodeType="withEffect">
+                                  <p:stCondLst>
+                                    <p:cond delay="0"/>
+                                  </p:stCondLst>
+                                  <p:childTnLst>
+                                    <p:set>
+                                      <p:cBhvr>
+                                        <p:cTn id="64" dur="1" fill="hold">
+                                          <p:stCondLst>
+                                            <p:cond delay="0"/>
+                                          </p:stCondLst>
+                                        </p:cTn>
+                                        <p:tgtEl>
+                                          <p:spTgt spid="4">
+                                            <p:txEl>
+                                              <p:pRg st="19" end="19"/>
+                                            </p:txEl>
+                                          </p:spTgt>
+                                        </p:tgtEl>
+                                        <p:attrNameLst>
+                                          <p:attrName>style.visibility</p:attrName>
+                                        </p:attrNameLst>
+                                      </p:cBhvr>
+                                      <p:to>
+                                        <p:strVal val="visible"/>
+                                      </p:to>
+                                    </p:set>
+                                    <p:animEffect transition="in" filter="fade">
+                                      <p:cBhvr>
+                                        <p:cTn id="65" dur="500"/>
+                                        <p:tgtEl>
+                                          <p:spTgt spid="4">
+                                            <p:txEl>
+                                              <p:pRg st="19" end="19"/>
+                                            </p:txEl>
+                                          </p:spTgt>
+                                        </p:tgtEl>
+                                      </p:cBhvr>
+                                    </p:animEffect>
+                                  </p:childTnLst>
+                                </p:cTn>
+                              </p:par>
+                              <p:par>
+                                <p:cTn id="66" presetID="10" presetClass="entr" presetSubtype="0" fill="hold" nodeType="withEffect">
+                                  <p:stCondLst>
+                                    <p:cond delay="0"/>
+                                  </p:stCondLst>
+                                  <p:childTnLst>
+                                    <p:set>
+                                      <p:cBhvr>
+                                        <p:cTn id="67" dur="1" fill="hold">
+                                          <p:stCondLst>
+                                            <p:cond delay="0"/>
+                                          </p:stCondLst>
+                                        </p:cTn>
+                                        <p:tgtEl>
+                                          <p:spTgt spid="4">
+                                            <p:txEl>
+                                              <p:pRg st="20" end="20"/>
+                                            </p:txEl>
+                                          </p:spTgt>
+                                        </p:tgtEl>
+                                        <p:attrNameLst>
+                                          <p:attrName>style.visibility</p:attrName>
+                                        </p:attrNameLst>
+                                      </p:cBhvr>
+                                      <p:to>
+                                        <p:strVal val="visible"/>
+                                      </p:to>
+                                    </p:set>
+                                    <p:animEffect transition="in" filter="fade">
+                                      <p:cBhvr>
+                                        <p:cTn id="68" dur="500"/>
+                                        <p:tgtEl>
+                                          <p:spTgt spid="4">
+                                            <p:txEl>
+                                              <p:pRg st="20" end="20"/>
+                                            </p:txEl>
+                                          </p:spTgt>
+                                        </p:tgtEl>
+                                      </p:cBhvr>
+                                    </p:animEffect>
+                                  </p:childTnLst>
+                                </p:cTn>
+                              </p:par>
+                              <p:par>
+                                <p:cTn id="69" presetID="10" presetClass="entr" presetSubtype="0" fill="hold" nodeType="withEffect">
+                                  <p:stCondLst>
+                                    <p:cond delay="0"/>
+                                  </p:stCondLst>
+                                  <p:childTnLst>
+                                    <p:set>
+                                      <p:cBhvr>
+                                        <p:cTn id="70" dur="1" fill="hold">
+                                          <p:stCondLst>
+                                            <p:cond delay="0"/>
+                                          </p:stCondLst>
+                                        </p:cTn>
+                                        <p:tgtEl>
+                                          <p:spTgt spid="4">
+                                            <p:txEl>
+                                              <p:pRg st="21" end="21"/>
+                                            </p:txEl>
+                                          </p:spTgt>
+                                        </p:tgtEl>
+                                        <p:attrNameLst>
+                                          <p:attrName>style.visibility</p:attrName>
+                                        </p:attrNameLst>
+                                      </p:cBhvr>
+                                      <p:to>
+                                        <p:strVal val="visible"/>
+                                      </p:to>
+                                    </p:set>
+                                    <p:animEffect transition="in" filter="fade">
+                                      <p:cBhvr>
+                                        <p:cTn id="71" dur="500"/>
+                                        <p:tgtEl>
+                                          <p:spTgt spid="4">
+                                            <p:txEl>
+                                              <p:pRg st="21" end="21"/>
+                                            </p:txEl>
+                                          </p:spTgt>
+                                        </p:tgtEl>
+                                      </p:cBhvr>
+                                    </p:animEffect>
+                                  </p:childTnLst>
+                                </p:cTn>
+                              </p:par>
+                              <p:par>
+                                <p:cTn id="72" presetID="10" presetClass="entr" presetSubtype="0" fill="hold" nodeType="withEffect">
+                                  <p:stCondLst>
+                                    <p:cond delay="0"/>
+                                  </p:stCondLst>
+                                  <p:childTnLst>
+                                    <p:set>
+                                      <p:cBhvr>
+                                        <p:cTn id="73" dur="1" fill="hold">
+                                          <p:stCondLst>
+                                            <p:cond delay="0"/>
+                                          </p:stCondLst>
+                                        </p:cTn>
+                                        <p:tgtEl>
+                                          <p:spTgt spid="4">
+                                            <p:txEl>
+                                              <p:pRg st="22" end="22"/>
+                                            </p:txEl>
+                                          </p:spTgt>
+                                        </p:tgtEl>
+                                        <p:attrNameLst>
+                                          <p:attrName>style.visibility</p:attrName>
+                                        </p:attrNameLst>
+                                      </p:cBhvr>
+                                      <p:to>
+                                        <p:strVal val="visible"/>
+                                      </p:to>
+                                    </p:set>
+                                    <p:animEffect transition="in" filter="fade">
+                                      <p:cBhvr>
+                                        <p:cTn id="74" dur="500"/>
+                                        <p:tgtEl>
+                                          <p:spTgt spid="4">
+                                            <p:txEl>
+                                              <p:pRg st="22" end="22"/>
+                                            </p:txEl>
+                                          </p:spTgt>
+                                        </p:tgtEl>
+                                      </p:cBhvr>
+                                    </p:animEffect>
+                                  </p:childTnLst>
+                                </p:cTn>
+                              </p:par>
+                              <p:par>
+                                <p:cTn id="75" presetID="10" presetClass="entr" presetSubtype="0" fill="hold" nodeType="withEffect">
+                                  <p:stCondLst>
+                                    <p:cond delay="0"/>
+                                  </p:stCondLst>
+                                  <p:childTnLst>
+                                    <p:set>
+                                      <p:cBhvr>
+                                        <p:cTn id="76" dur="1" fill="hold">
+                                          <p:stCondLst>
+                                            <p:cond delay="0"/>
+                                          </p:stCondLst>
+                                        </p:cTn>
+                                        <p:tgtEl>
+                                          <p:spTgt spid="4">
+                                            <p:txEl>
+                                              <p:pRg st="23" end="23"/>
+                                            </p:txEl>
+                                          </p:spTgt>
+                                        </p:tgtEl>
+                                        <p:attrNameLst>
+                                          <p:attrName>style.visibility</p:attrName>
+                                        </p:attrNameLst>
+                                      </p:cBhvr>
+                                      <p:to>
+                                        <p:strVal val="visible"/>
+                                      </p:to>
+                                    </p:set>
+                                    <p:animEffect transition="in" filter="fade">
+                                      <p:cBhvr>
+                                        <p:cTn id="77" dur="500"/>
+                                        <p:tgtEl>
+                                          <p:spTgt spid="4">
+                                            <p:txEl>
+                                              <p:pRg st="23" end="23"/>
+                                            </p:txEl>
+                                          </p:spTgt>
+                                        </p:tgtEl>
+                                      </p:cBhvr>
+                                    </p:animEffect>
+                                  </p:childTnLst>
+                                </p:cTn>
+                              </p:par>
+                              <p:par>
+                                <p:cTn id="78" presetID="10" presetClass="entr" presetSubtype="0" fill="hold" nodeType="withEffect">
+                                  <p:stCondLst>
+                                    <p:cond delay="0"/>
+                                  </p:stCondLst>
+                                  <p:childTnLst>
+                                    <p:set>
+                                      <p:cBhvr>
+                                        <p:cTn id="79" dur="1" fill="hold">
+                                          <p:stCondLst>
+                                            <p:cond delay="0"/>
+                                          </p:stCondLst>
+                                        </p:cTn>
+                                        <p:tgtEl>
+                                          <p:spTgt spid="4">
+                                            <p:txEl>
+                                              <p:pRg st="24" end="24"/>
+                                            </p:txEl>
+                                          </p:spTgt>
+                                        </p:tgtEl>
+                                        <p:attrNameLst>
+                                          <p:attrName>style.visibility</p:attrName>
+                                        </p:attrNameLst>
+                                      </p:cBhvr>
+                                      <p:to>
+                                        <p:strVal val="visible"/>
+                                      </p:to>
+                                    </p:set>
+                                    <p:animEffect transition="in" filter="fade">
+                                      <p:cBhvr>
+                                        <p:cTn id="80" dur="500"/>
+                                        <p:tgtEl>
+                                          <p:spTgt spid="4">
+                                            <p:txEl>
+                                              <p:pRg st="24" end="24"/>
+                                            </p:txEl>
+                                          </p:spTgt>
+                                        </p:tgtEl>
+                                      </p:cBhvr>
+                                    </p:animEffect>
+                                  </p:childTnLst>
+                                </p:cTn>
+                              </p:par>
+                            </p:childTnLst>
+                          </p:cTn>
+                        </p:par>
+                      </p:childTnLst>
+                    </p:cTn>
+                  </p:par>
+                  <p:par>
+                    <p:cTn id="81" fill="hold">
+                      <p:stCondLst>
+                        <p:cond delay="indefinite"/>
+                      </p:stCondLst>
+                      <p:childTnLst>
+                        <p:par>
+                          <p:cTn id="82" fill="hold">
+                            <p:stCondLst>
+                              <p:cond delay="0"/>
+                            </p:stCondLst>
+                            <p:childTnLst>
+                              <p:par>
+                                <p:cTn id="83" presetID="10" presetClass="entr" presetSubtype="0" fill="hold" nodeType="clickEffect">
+                                  <p:stCondLst>
+                                    <p:cond delay="0"/>
+                                  </p:stCondLst>
+                                  <p:childTnLst>
+                                    <p:set>
+                                      <p:cBhvr>
+                                        <p:cTn id="84" dur="1" fill="hold">
+                                          <p:stCondLst>
+                                            <p:cond delay="0"/>
+                                          </p:stCondLst>
+                                        </p:cTn>
+                                        <p:tgtEl>
+                                          <p:spTgt spid="5">
+                                            <p:txEl>
+                                              <p:pRg st="0" end="0"/>
+                                            </p:txEl>
+                                          </p:spTgt>
+                                        </p:tgtEl>
+                                        <p:attrNameLst>
+                                          <p:attrName>style.visibility</p:attrName>
+                                        </p:attrNameLst>
+                                      </p:cBhvr>
+                                      <p:to>
+                                        <p:strVal val="visible"/>
+                                      </p:to>
+                                    </p:set>
+                                    <p:animEffect transition="in" filter="fade">
+                                      <p:cBhvr>
+                                        <p:cTn id="85" dur="500"/>
+                                        <p:tgtEl>
+                                          <p:spTgt spid="5">
+                                            <p:txEl>
+                                              <p:pRg st="0" end="0"/>
+                                            </p:txEl>
+                                          </p:spTgt>
+                                        </p:tgtEl>
+                                      </p:cBhvr>
+                                    </p:animEffect>
+                                  </p:childTnLst>
+                                </p:cTn>
+                              </p:par>
+                              <p:par>
+                                <p:cTn id="86" presetID="10" presetClass="entr" presetSubtype="0" fill="hold" nodeType="withEffect">
+                                  <p:stCondLst>
+                                    <p:cond delay="0"/>
+                                  </p:stCondLst>
+                                  <p:childTnLst>
+                                    <p:set>
+                                      <p:cBhvr>
+                                        <p:cTn id="87" dur="1" fill="hold">
+                                          <p:stCondLst>
+                                            <p:cond delay="0"/>
+                                          </p:stCondLst>
+                                        </p:cTn>
+                                        <p:tgtEl>
+                                          <p:spTgt spid="5">
+                                            <p:txEl>
+                                              <p:pRg st="1" end="1"/>
+                                            </p:txEl>
+                                          </p:spTgt>
+                                        </p:tgtEl>
+                                        <p:attrNameLst>
+                                          <p:attrName>style.visibility</p:attrName>
+                                        </p:attrNameLst>
+                                      </p:cBhvr>
+                                      <p:to>
+                                        <p:strVal val="visible"/>
+                                      </p:to>
+                                    </p:set>
+                                    <p:animEffect transition="in" filter="fade">
+                                      <p:cBhvr>
+                                        <p:cTn id="88" dur="500"/>
+                                        <p:tgtEl>
+                                          <p:spTgt spid="5">
+                                            <p:txEl>
+                                              <p:pRg st="1" end="1"/>
+                                            </p:txEl>
+                                          </p:spTgt>
+                                        </p:tgtEl>
+                                      </p:cBhvr>
+                                    </p:animEffect>
+                                  </p:childTnLst>
+                                </p:cTn>
+                              </p:par>
+                              <p:par>
+                                <p:cTn id="89" presetID="10" presetClass="entr" presetSubtype="0" fill="hold" nodeType="withEffect">
+                                  <p:stCondLst>
+                                    <p:cond delay="0"/>
+                                  </p:stCondLst>
+                                  <p:childTnLst>
+                                    <p:set>
+                                      <p:cBhvr>
+                                        <p:cTn id="90" dur="1" fill="hold">
+                                          <p:stCondLst>
+                                            <p:cond delay="0"/>
+                                          </p:stCondLst>
+                                        </p:cTn>
+                                        <p:tgtEl>
+                                          <p:spTgt spid="5">
+                                            <p:txEl>
+                                              <p:pRg st="2" end="2"/>
+                                            </p:txEl>
+                                          </p:spTgt>
+                                        </p:tgtEl>
+                                        <p:attrNameLst>
+                                          <p:attrName>style.visibility</p:attrName>
+                                        </p:attrNameLst>
+                                      </p:cBhvr>
+                                      <p:to>
+                                        <p:strVal val="visible"/>
+                                      </p:to>
+                                    </p:set>
+                                    <p:animEffect transition="in" filter="fade">
+                                      <p:cBhvr>
+                                        <p:cTn id="91" dur="500"/>
+                                        <p:tgtEl>
+                                          <p:spTgt spid="5">
+                                            <p:txEl>
+                                              <p:pRg st="2" end="2"/>
+                                            </p:txEl>
+                                          </p:spTgt>
+                                        </p:tgtEl>
+                                      </p:cBhvr>
+                                    </p:animEffect>
+                                  </p:childTnLst>
+                                </p:cTn>
+                              </p:par>
+                              <p:par>
+                                <p:cTn id="92" presetID="10" presetClass="entr" presetSubtype="0" fill="hold" nodeType="withEffect">
+                                  <p:stCondLst>
+                                    <p:cond delay="0"/>
+                                  </p:stCondLst>
+                                  <p:childTnLst>
+                                    <p:set>
+                                      <p:cBhvr>
+                                        <p:cTn id="93" dur="1" fill="hold">
+                                          <p:stCondLst>
+                                            <p:cond delay="0"/>
+                                          </p:stCondLst>
+                                        </p:cTn>
+                                        <p:tgtEl>
+                                          <p:spTgt spid="5">
+                                            <p:txEl>
+                                              <p:pRg st="3" end="3"/>
+                                            </p:txEl>
+                                          </p:spTgt>
+                                        </p:tgtEl>
+                                        <p:attrNameLst>
+                                          <p:attrName>style.visibility</p:attrName>
+                                        </p:attrNameLst>
+                                      </p:cBhvr>
+                                      <p:to>
+                                        <p:strVal val="visible"/>
+                                      </p:to>
+                                    </p:set>
+                                    <p:animEffect transition="in" filter="fade">
+                                      <p:cBhvr>
+                                        <p:cTn id="94" dur="500"/>
+                                        <p:tgtEl>
+                                          <p:spTgt spid="5">
+                                            <p:txEl>
+                                              <p:pRg st="3" end="3"/>
+                                            </p:txEl>
+                                          </p:spTgt>
+                                        </p:tgtEl>
+                                      </p:cBhvr>
+                                    </p:animEffect>
+                                  </p:childTnLst>
+                                </p:cTn>
+                              </p:par>
+                              <p:par>
+                                <p:cTn id="95" presetID="10" presetClass="entr" presetSubtype="0" fill="hold" nodeType="withEffect">
+                                  <p:stCondLst>
+                                    <p:cond delay="0"/>
+                                  </p:stCondLst>
+                                  <p:childTnLst>
+                                    <p:set>
+                                      <p:cBhvr>
+                                        <p:cTn id="96" dur="1" fill="hold">
+                                          <p:stCondLst>
+                                            <p:cond delay="0"/>
+                                          </p:stCondLst>
+                                        </p:cTn>
+                                        <p:tgtEl>
+                                          <p:spTgt spid="5">
+                                            <p:txEl>
+                                              <p:pRg st="4" end="4"/>
+                                            </p:txEl>
+                                          </p:spTgt>
+                                        </p:tgtEl>
+                                        <p:attrNameLst>
+                                          <p:attrName>style.visibility</p:attrName>
+                                        </p:attrNameLst>
+                                      </p:cBhvr>
+                                      <p:to>
+                                        <p:strVal val="visible"/>
+                                      </p:to>
+                                    </p:set>
+                                    <p:animEffect transition="in" filter="fade">
+                                      <p:cBhvr>
+                                        <p:cTn id="97" dur="500"/>
+                                        <p:tgtEl>
+                                          <p:spTgt spid="5">
+                                            <p:txEl>
+                                              <p:pRg st="4" end="4"/>
+                                            </p:txEl>
+                                          </p:spTgt>
+                                        </p:tgtEl>
+                                      </p:cBhvr>
+                                    </p:animEffect>
+                                  </p:childTnLst>
+                                </p:cTn>
+                              </p:par>
+                              <p:par>
+                                <p:cTn id="98" presetID="10" presetClass="entr" presetSubtype="0" fill="hold" nodeType="withEffect">
+                                  <p:stCondLst>
+                                    <p:cond delay="0"/>
+                                  </p:stCondLst>
+                                  <p:childTnLst>
+                                    <p:set>
+                                      <p:cBhvr>
+                                        <p:cTn id="99" dur="1" fill="hold">
+                                          <p:stCondLst>
+                                            <p:cond delay="0"/>
+                                          </p:stCondLst>
+                                        </p:cTn>
+                                        <p:tgtEl>
+                                          <p:spTgt spid="5">
+                                            <p:txEl>
+                                              <p:pRg st="5" end="5"/>
+                                            </p:txEl>
+                                          </p:spTgt>
+                                        </p:tgtEl>
+                                        <p:attrNameLst>
+                                          <p:attrName>style.visibility</p:attrName>
+                                        </p:attrNameLst>
+                                      </p:cBhvr>
+                                      <p:to>
+                                        <p:strVal val="visible"/>
+                                      </p:to>
+                                    </p:set>
+                                    <p:animEffect transition="in" filter="fade">
+                                      <p:cBhvr>
+                                        <p:cTn id="100" dur="500"/>
+                                        <p:tgtEl>
+                                          <p:spTgt spid="5">
+                                            <p:txEl>
+                                              <p:pRg st="5" end="5"/>
+                                            </p:txEl>
+                                          </p:spTgt>
+                                        </p:tgtEl>
+                                      </p:cBhvr>
+                                    </p:animEffect>
+                                  </p:childTnLst>
+                                </p:cTn>
+                              </p:par>
+                              <p:par>
+                                <p:cTn id="101" presetID="10" presetClass="entr" presetSubtype="0" fill="hold" nodeType="withEffect">
+                                  <p:stCondLst>
+                                    <p:cond delay="0"/>
+                                  </p:stCondLst>
+                                  <p:childTnLst>
+                                    <p:set>
+                                      <p:cBhvr>
+                                        <p:cTn id="102" dur="1" fill="hold">
+                                          <p:stCondLst>
+                                            <p:cond delay="0"/>
+                                          </p:stCondLst>
+                                        </p:cTn>
+                                        <p:tgtEl>
+                                          <p:spTgt spid="5">
+                                            <p:txEl>
+                                              <p:pRg st="6" end="6"/>
+                                            </p:txEl>
+                                          </p:spTgt>
+                                        </p:tgtEl>
+                                        <p:attrNameLst>
+                                          <p:attrName>style.visibility</p:attrName>
+                                        </p:attrNameLst>
+                                      </p:cBhvr>
+                                      <p:to>
+                                        <p:strVal val="visible"/>
+                                      </p:to>
+                                    </p:set>
+                                    <p:animEffect transition="in" filter="fade">
+                                      <p:cBhvr>
+                                        <p:cTn id="103" dur="500"/>
+                                        <p:tgtEl>
+                                          <p:spTgt spid="5">
+                                            <p:txEl>
+                                              <p:pRg st="6" end="6"/>
+                                            </p:txEl>
+                                          </p:spTgt>
+                                        </p:tgtEl>
+                                      </p:cBhvr>
+                                    </p:animEffect>
+                                  </p:childTnLst>
+                                </p:cTn>
+                              </p:par>
+                              <p:par>
+                                <p:cTn id="104" presetID="10" presetClass="entr" presetSubtype="0" fill="hold" nodeType="withEffect">
+                                  <p:stCondLst>
+                                    <p:cond delay="0"/>
+                                  </p:stCondLst>
+                                  <p:childTnLst>
+                                    <p:set>
+                                      <p:cBhvr>
+                                        <p:cTn id="105" dur="1" fill="hold">
+                                          <p:stCondLst>
+                                            <p:cond delay="0"/>
+                                          </p:stCondLst>
+                                        </p:cTn>
+                                        <p:tgtEl>
+                                          <p:spTgt spid="5">
+                                            <p:txEl>
+                                              <p:pRg st="7" end="7"/>
+                                            </p:txEl>
+                                          </p:spTgt>
+                                        </p:tgtEl>
+                                        <p:attrNameLst>
+                                          <p:attrName>style.visibility</p:attrName>
+                                        </p:attrNameLst>
+                                      </p:cBhvr>
+                                      <p:to>
+                                        <p:strVal val="visible"/>
+                                      </p:to>
+                                    </p:set>
+                                    <p:animEffect transition="in" filter="fade">
+                                      <p:cBhvr>
+                                        <p:cTn id="106" dur="500"/>
+                                        <p:tgtEl>
+                                          <p:spTgt spid="5">
+                                            <p:txEl>
+                                              <p:pRg st="7" end="7"/>
+                                            </p:txEl>
+                                          </p:spTgt>
+                                        </p:tgtEl>
+                                      </p:cBhvr>
+                                    </p:animEffect>
+                                  </p:childTnLst>
+                                </p:cTn>
+                              </p:par>
+                            </p:childTnLst>
+                          </p:cTn>
+                        </p:par>
+                      </p:childTnLst>
+                    </p:cTn>
+                  </p:par>
+                  <p:par>
+                    <p:cTn id="107" fill="hold">
+                      <p:stCondLst>
+                        <p:cond delay="indefinite"/>
+                      </p:stCondLst>
+                      <p:childTnLst>
+                        <p:par>
+                          <p:cTn id="108" fill="hold">
+                            <p:stCondLst>
+                              <p:cond delay="0"/>
+                            </p:stCondLst>
+                            <p:childTnLst>
+                              <p:par>
+                                <p:cTn id="109" presetID="10" presetClass="entr" presetSubtype="0" fill="hold" nodeType="clickEffect">
+                                  <p:stCondLst>
+                                    <p:cond delay="0"/>
+                                  </p:stCondLst>
+                                  <p:childTnLst>
+                                    <p:set>
+                                      <p:cBhvr>
+                                        <p:cTn id="110" dur="1" fill="hold">
+                                          <p:stCondLst>
+                                            <p:cond delay="0"/>
+                                          </p:stCondLst>
+                                        </p:cTn>
+                                        <p:tgtEl>
+                                          <p:spTgt spid="5">
+                                            <p:txEl>
+                                              <p:pRg st="9" end="9"/>
+                                            </p:txEl>
+                                          </p:spTgt>
+                                        </p:tgtEl>
+                                        <p:attrNameLst>
+                                          <p:attrName>style.visibility</p:attrName>
+                                        </p:attrNameLst>
+                                      </p:cBhvr>
+                                      <p:to>
+                                        <p:strVal val="visible"/>
+                                      </p:to>
+                                    </p:set>
+                                    <p:animEffect transition="in" filter="fade">
+                                      <p:cBhvr>
+                                        <p:cTn id="111" dur="500"/>
+                                        <p:tgtEl>
+                                          <p:spTgt spid="5">
+                                            <p:txEl>
+                                              <p:pRg st="9" end="9"/>
+                                            </p:txEl>
+                                          </p:spTgt>
+                                        </p:tgtEl>
+                                      </p:cBhvr>
+                                    </p:animEffect>
+                                  </p:childTnLst>
+                                </p:cTn>
+                              </p:par>
+                              <p:par>
+                                <p:cTn id="112" presetID="10" presetClass="entr" presetSubtype="0" fill="hold" nodeType="withEffect">
+                                  <p:stCondLst>
+                                    <p:cond delay="0"/>
+                                  </p:stCondLst>
+                                  <p:childTnLst>
+                                    <p:set>
+                                      <p:cBhvr>
+                                        <p:cTn id="113" dur="1" fill="hold">
+                                          <p:stCondLst>
+                                            <p:cond delay="0"/>
+                                          </p:stCondLst>
+                                        </p:cTn>
+                                        <p:tgtEl>
+                                          <p:spTgt spid="5">
+                                            <p:txEl>
+                                              <p:pRg st="10" end="10"/>
+                                            </p:txEl>
+                                          </p:spTgt>
+                                        </p:tgtEl>
+                                        <p:attrNameLst>
+                                          <p:attrName>style.visibility</p:attrName>
+                                        </p:attrNameLst>
+                                      </p:cBhvr>
+                                      <p:to>
+                                        <p:strVal val="visible"/>
+                                      </p:to>
+                                    </p:set>
+                                    <p:animEffect transition="in" filter="fade">
+                                      <p:cBhvr>
+                                        <p:cTn id="114" dur="500"/>
+                                        <p:tgtEl>
+                                          <p:spTgt spid="5">
+                                            <p:txEl>
+                                              <p:pRg st="10" end="10"/>
+                                            </p:txEl>
+                                          </p:spTgt>
+                                        </p:tgtEl>
+                                      </p:cBhvr>
+                                    </p:animEffect>
+                                  </p:childTnLst>
+                                </p:cTn>
+                              </p:par>
+                              <p:par>
+                                <p:cTn id="115" presetID="10" presetClass="entr" presetSubtype="0" fill="hold" nodeType="withEffect">
+                                  <p:stCondLst>
+                                    <p:cond delay="0"/>
+                                  </p:stCondLst>
+                                  <p:childTnLst>
+                                    <p:set>
+                                      <p:cBhvr>
+                                        <p:cTn id="116" dur="1" fill="hold">
+                                          <p:stCondLst>
+                                            <p:cond delay="0"/>
+                                          </p:stCondLst>
+                                        </p:cTn>
+                                        <p:tgtEl>
+                                          <p:spTgt spid="5">
+                                            <p:txEl>
+                                              <p:pRg st="11" end="11"/>
+                                            </p:txEl>
+                                          </p:spTgt>
+                                        </p:tgtEl>
+                                        <p:attrNameLst>
+                                          <p:attrName>style.visibility</p:attrName>
+                                        </p:attrNameLst>
+                                      </p:cBhvr>
+                                      <p:to>
+                                        <p:strVal val="visible"/>
+                                      </p:to>
+                                    </p:set>
+                                    <p:animEffect transition="in" filter="fade">
+                                      <p:cBhvr>
+                                        <p:cTn id="117" dur="500"/>
+                                        <p:tgtEl>
+                                          <p:spTgt spid="5">
+                                            <p:txEl>
+                                              <p:pRg st="11" end="11"/>
+                                            </p:txEl>
+                                          </p:spTgt>
+                                        </p:tgtEl>
+                                      </p:cBhvr>
+                                    </p:animEffect>
+                                  </p:childTnLst>
+                                </p:cTn>
+                              </p:par>
+                              <p:par>
+                                <p:cTn id="118" presetID="10" presetClass="entr" presetSubtype="0" fill="hold" nodeType="withEffect">
+                                  <p:stCondLst>
+                                    <p:cond delay="0"/>
+                                  </p:stCondLst>
+                                  <p:childTnLst>
+                                    <p:set>
+                                      <p:cBhvr>
+                                        <p:cTn id="119" dur="1" fill="hold">
+                                          <p:stCondLst>
+                                            <p:cond delay="0"/>
+                                          </p:stCondLst>
+                                        </p:cTn>
+                                        <p:tgtEl>
+                                          <p:spTgt spid="5">
+                                            <p:txEl>
+                                              <p:pRg st="12" end="12"/>
+                                            </p:txEl>
+                                          </p:spTgt>
+                                        </p:tgtEl>
+                                        <p:attrNameLst>
+                                          <p:attrName>style.visibility</p:attrName>
+                                        </p:attrNameLst>
+                                      </p:cBhvr>
+                                      <p:to>
+                                        <p:strVal val="visible"/>
+                                      </p:to>
+                                    </p:set>
+                                    <p:animEffect transition="in" filter="fade">
+                                      <p:cBhvr>
+                                        <p:cTn id="120" dur="500"/>
+                                        <p:tgtEl>
+                                          <p:spTgt spid="5">
+                                            <p:txEl>
+                                              <p:pRg st="12" end="12"/>
+                                            </p:txEl>
+                                          </p:spTgt>
+                                        </p:tgtEl>
+                                      </p:cBhvr>
+                                    </p:animEffect>
+                                  </p:childTnLst>
+                                </p:cTn>
+                              </p:par>
+                              <p:par>
+                                <p:cTn id="121" presetID="10" presetClass="entr" presetSubtype="0" fill="hold" nodeType="withEffect">
+                                  <p:stCondLst>
+                                    <p:cond delay="0"/>
+                                  </p:stCondLst>
+                                  <p:childTnLst>
+                                    <p:set>
+                                      <p:cBhvr>
+                                        <p:cTn id="122" dur="1" fill="hold">
+                                          <p:stCondLst>
+                                            <p:cond delay="0"/>
+                                          </p:stCondLst>
+                                        </p:cTn>
+                                        <p:tgtEl>
+                                          <p:spTgt spid="5">
+                                            <p:txEl>
+                                              <p:pRg st="13" end="13"/>
+                                            </p:txEl>
+                                          </p:spTgt>
+                                        </p:tgtEl>
+                                        <p:attrNameLst>
+                                          <p:attrName>style.visibility</p:attrName>
+                                        </p:attrNameLst>
+                                      </p:cBhvr>
+                                      <p:to>
+                                        <p:strVal val="visible"/>
+                                      </p:to>
+                                    </p:set>
+                                    <p:animEffect transition="in" filter="fade">
+                                      <p:cBhvr>
+                                        <p:cTn id="123" dur="500"/>
+                                        <p:tgtEl>
+                                          <p:spTgt spid="5">
+                                            <p:txEl>
+                                              <p:pRg st="13" end="13"/>
+                                            </p:txEl>
+                                          </p:spTgt>
+                                        </p:tgtEl>
+                                      </p:cBhvr>
+                                    </p:animEffect>
+                                  </p:childTnLst>
+                                </p:cTn>
+                              </p:par>
+                              <p:par>
+                                <p:cTn id="124" presetID="10" presetClass="entr" presetSubtype="0" fill="hold" nodeType="withEffect">
+                                  <p:stCondLst>
+                                    <p:cond delay="0"/>
+                                  </p:stCondLst>
+                                  <p:childTnLst>
+                                    <p:set>
+                                      <p:cBhvr>
+                                        <p:cTn id="125" dur="1" fill="hold">
+                                          <p:stCondLst>
+                                            <p:cond delay="0"/>
+                                          </p:stCondLst>
+                                        </p:cTn>
+                                        <p:tgtEl>
+                                          <p:spTgt spid="5">
+                                            <p:txEl>
+                                              <p:pRg st="14" end="14"/>
+                                            </p:txEl>
+                                          </p:spTgt>
+                                        </p:tgtEl>
+                                        <p:attrNameLst>
+                                          <p:attrName>style.visibility</p:attrName>
+                                        </p:attrNameLst>
+                                      </p:cBhvr>
+                                      <p:to>
+                                        <p:strVal val="visible"/>
+                                      </p:to>
+                                    </p:set>
+                                    <p:animEffect transition="in" filter="fade">
+                                      <p:cBhvr>
+                                        <p:cTn id="126" dur="500"/>
+                                        <p:tgtEl>
+                                          <p:spTgt spid="5">
+                                            <p:txEl>
+                                              <p:pRg st="14" end="14"/>
+                                            </p:txEl>
+                                          </p:spTgt>
+                                        </p:tgtEl>
+                                      </p:cBhvr>
+                                    </p:animEffect>
+                                  </p:childTnLst>
+                                </p:cTn>
+                              </p:par>
+                            </p:childTnLst>
+                          </p:cTn>
+                        </p:par>
+                      </p:childTnLst>
+                    </p:cTn>
+                  </p:par>
+                  <p:par>
+                    <p:cTn id="127" fill="hold">
+                      <p:stCondLst>
+                        <p:cond delay="indefinite"/>
+                      </p:stCondLst>
+                      <p:childTnLst>
+                        <p:par>
+                          <p:cTn id="128" fill="hold">
+                            <p:stCondLst>
+                              <p:cond delay="0"/>
+                            </p:stCondLst>
+                            <p:childTnLst>
+                              <p:par>
+                                <p:cTn id="129" presetID="10" presetClass="entr" presetSubtype="0" fill="hold" nodeType="clickEffect">
+                                  <p:stCondLst>
+                                    <p:cond delay="0"/>
+                                  </p:stCondLst>
+                                  <p:childTnLst>
+                                    <p:set>
+                                      <p:cBhvr>
+                                        <p:cTn id="130" dur="1" fill="hold">
+                                          <p:stCondLst>
+                                            <p:cond delay="0"/>
+                                          </p:stCondLst>
+                                        </p:cTn>
+                                        <p:tgtEl>
+                                          <p:spTgt spid="5">
+                                            <p:txEl>
+                                              <p:pRg st="16" end="16"/>
+                                            </p:txEl>
+                                          </p:spTgt>
+                                        </p:tgtEl>
+                                        <p:attrNameLst>
+                                          <p:attrName>style.visibility</p:attrName>
+                                        </p:attrNameLst>
+                                      </p:cBhvr>
+                                      <p:to>
+                                        <p:strVal val="visible"/>
+                                      </p:to>
+                                    </p:set>
+                                    <p:animEffect transition="in" filter="fade">
+                                      <p:cBhvr>
+                                        <p:cTn id="131" dur="500"/>
+                                        <p:tgtEl>
+                                          <p:spTgt spid="5">
+                                            <p:txEl>
+                                              <p:pRg st="16" end="16"/>
+                                            </p:txEl>
+                                          </p:spTgt>
+                                        </p:tgtEl>
+                                      </p:cBhvr>
+                                    </p:animEffect>
+                                  </p:childTnLst>
+                                </p:cTn>
+                              </p:par>
+                              <p:par>
+                                <p:cTn id="132" presetID="10" presetClass="entr" presetSubtype="0" fill="hold" nodeType="withEffect">
+                                  <p:stCondLst>
+                                    <p:cond delay="0"/>
+                                  </p:stCondLst>
+                                  <p:childTnLst>
+                                    <p:set>
+                                      <p:cBhvr>
+                                        <p:cTn id="133" dur="1" fill="hold">
+                                          <p:stCondLst>
+                                            <p:cond delay="0"/>
+                                          </p:stCondLst>
+                                        </p:cTn>
+                                        <p:tgtEl>
+                                          <p:spTgt spid="5">
+                                            <p:txEl>
+                                              <p:pRg st="17" end="17"/>
+                                            </p:txEl>
+                                          </p:spTgt>
+                                        </p:tgtEl>
+                                        <p:attrNameLst>
+                                          <p:attrName>style.visibility</p:attrName>
+                                        </p:attrNameLst>
+                                      </p:cBhvr>
+                                      <p:to>
+                                        <p:strVal val="visible"/>
+                                      </p:to>
+                                    </p:set>
+                                    <p:animEffect transition="in" filter="fade">
+                                      <p:cBhvr>
+                                        <p:cTn id="134" dur="500"/>
+                                        <p:tgtEl>
+                                          <p:spTgt spid="5">
+                                            <p:txEl>
+                                              <p:pRg st="17" end="17"/>
+                                            </p:txEl>
+                                          </p:spTgt>
+                                        </p:tgtEl>
+                                      </p:cBhvr>
+                                    </p:animEffect>
+                                  </p:childTnLst>
+                                </p:cTn>
+                              </p:par>
+                              <p:par>
+                                <p:cTn id="135" presetID="10" presetClass="entr" presetSubtype="0" fill="hold" nodeType="withEffect">
+                                  <p:stCondLst>
+                                    <p:cond delay="0"/>
+                                  </p:stCondLst>
+                                  <p:childTnLst>
+                                    <p:set>
+                                      <p:cBhvr>
+                                        <p:cTn id="136" dur="1" fill="hold">
+                                          <p:stCondLst>
+                                            <p:cond delay="0"/>
+                                          </p:stCondLst>
+                                        </p:cTn>
+                                        <p:tgtEl>
+                                          <p:spTgt spid="5">
+                                            <p:txEl>
+                                              <p:pRg st="18" end="18"/>
+                                            </p:txEl>
+                                          </p:spTgt>
+                                        </p:tgtEl>
+                                        <p:attrNameLst>
+                                          <p:attrName>style.visibility</p:attrName>
+                                        </p:attrNameLst>
+                                      </p:cBhvr>
+                                      <p:to>
+                                        <p:strVal val="visible"/>
+                                      </p:to>
+                                    </p:set>
+                                    <p:animEffect transition="in" filter="fade">
+                                      <p:cBhvr>
+                                        <p:cTn id="137" dur="500"/>
+                                        <p:tgtEl>
+                                          <p:spTgt spid="5">
+                                            <p:txEl>
+                                              <p:pRg st="18" end="18"/>
+                                            </p:txEl>
+                                          </p:spTgt>
+                                        </p:tgtEl>
+                                      </p:cBhvr>
+                                    </p:animEffect>
+                                  </p:childTnLst>
+                                </p:cTn>
+                              </p:par>
+                              <p:par>
+                                <p:cTn id="138" presetID="10" presetClass="entr" presetSubtype="0" fill="hold" nodeType="withEffect">
+                                  <p:stCondLst>
+                                    <p:cond delay="0"/>
+                                  </p:stCondLst>
+                                  <p:childTnLst>
+                                    <p:set>
+                                      <p:cBhvr>
+                                        <p:cTn id="139" dur="1" fill="hold">
+                                          <p:stCondLst>
+                                            <p:cond delay="0"/>
+                                          </p:stCondLst>
+                                        </p:cTn>
+                                        <p:tgtEl>
+                                          <p:spTgt spid="5">
+                                            <p:txEl>
+                                              <p:pRg st="19" end="19"/>
+                                            </p:txEl>
+                                          </p:spTgt>
+                                        </p:tgtEl>
+                                        <p:attrNameLst>
+                                          <p:attrName>style.visibility</p:attrName>
+                                        </p:attrNameLst>
+                                      </p:cBhvr>
+                                      <p:to>
+                                        <p:strVal val="visible"/>
+                                      </p:to>
+                                    </p:set>
+                                    <p:animEffect transition="in" filter="fade">
+                                      <p:cBhvr>
+                                        <p:cTn id="140" dur="500"/>
+                                        <p:tgtEl>
+                                          <p:spTgt spid="5">
+                                            <p:txEl>
+                                              <p:pRg st="19" end="19"/>
+                                            </p:txEl>
+                                          </p:spTgt>
+                                        </p:tgtEl>
+                                      </p:cBhvr>
+                                    </p:animEffect>
+                                  </p:childTnLst>
+                                </p:cTn>
+                              </p:par>
+                              <p:par>
+                                <p:cTn id="141" presetID="10" presetClass="entr" presetSubtype="0" fill="hold" nodeType="withEffect">
+                                  <p:stCondLst>
+                                    <p:cond delay="0"/>
+                                  </p:stCondLst>
+                                  <p:childTnLst>
+                                    <p:set>
+                                      <p:cBhvr>
+                                        <p:cTn id="142" dur="1" fill="hold">
+                                          <p:stCondLst>
+                                            <p:cond delay="0"/>
+                                          </p:stCondLst>
+                                        </p:cTn>
+                                        <p:tgtEl>
+                                          <p:spTgt spid="5">
+                                            <p:txEl>
+                                              <p:pRg st="20" end="20"/>
+                                            </p:txEl>
+                                          </p:spTgt>
+                                        </p:tgtEl>
+                                        <p:attrNameLst>
+                                          <p:attrName>style.visibility</p:attrName>
+                                        </p:attrNameLst>
+                                      </p:cBhvr>
+                                      <p:to>
+                                        <p:strVal val="visible"/>
+                                      </p:to>
+                                    </p:set>
+                                    <p:animEffect transition="in" filter="fade">
+                                      <p:cBhvr>
+                                        <p:cTn id="143" dur="500"/>
+                                        <p:tgtEl>
+                                          <p:spTgt spid="5">
+                                            <p:txEl>
+                                              <p:pRg st="20" end="20"/>
+                                            </p:txEl>
+                                          </p:spTgt>
+                                        </p:tgtEl>
+                                      </p:cBhvr>
+                                    </p:animEffect>
+                                  </p:childTnLst>
+                                </p:cTn>
+                              </p:par>
+                              <p:par>
+                                <p:cTn id="144" presetID="10" presetClass="entr" presetSubtype="0" fill="hold" nodeType="withEffect">
+                                  <p:stCondLst>
+                                    <p:cond delay="0"/>
+                                  </p:stCondLst>
+                                  <p:childTnLst>
+                                    <p:set>
+                                      <p:cBhvr>
+                                        <p:cTn id="145" dur="1" fill="hold">
+                                          <p:stCondLst>
+                                            <p:cond delay="0"/>
+                                          </p:stCondLst>
+                                        </p:cTn>
+                                        <p:tgtEl>
+                                          <p:spTgt spid="5">
+                                            <p:txEl>
+                                              <p:pRg st="21" end="21"/>
+                                            </p:txEl>
+                                          </p:spTgt>
+                                        </p:tgtEl>
+                                        <p:attrNameLst>
+                                          <p:attrName>style.visibility</p:attrName>
+                                        </p:attrNameLst>
+                                      </p:cBhvr>
+                                      <p:to>
+                                        <p:strVal val="visible"/>
+                                      </p:to>
+                                    </p:set>
+                                    <p:animEffect transition="in" filter="fade">
+                                      <p:cBhvr>
+                                        <p:cTn id="146" dur="500"/>
+                                        <p:tgtEl>
+                                          <p:spTgt spid="5">
+                                            <p:txEl>
+                                              <p:pRg st="21" end="21"/>
+                                            </p:txEl>
+                                          </p:spTgt>
+                                        </p:tgtEl>
+                                      </p:cBhvr>
+                                    </p:animEffect>
+                                  </p:childTnLst>
+                                </p:cTn>
+                              </p:par>
+                              <p:par>
+                                <p:cTn id="147" presetID="10" presetClass="entr" presetSubtype="0" fill="hold" nodeType="withEffect">
+                                  <p:stCondLst>
+                                    <p:cond delay="0"/>
+                                  </p:stCondLst>
+                                  <p:childTnLst>
+                                    <p:set>
+                                      <p:cBhvr>
+                                        <p:cTn id="148" dur="1" fill="hold">
+                                          <p:stCondLst>
+                                            <p:cond delay="0"/>
+                                          </p:stCondLst>
+                                        </p:cTn>
+                                        <p:tgtEl>
+                                          <p:spTgt spid="5">
+                                            <p:txEl>
+                                              <p:pRg st="22" end="22"/>
+                                            </p:txEl>
+                                          </p:spTgt>
+                                        </p:tgtEl>
+                                        <p:attrNameLst>
+                                          <p:attrName>style.visibility</p:attrName>
+                                        </p:attrNameLst>
+                                      </p:cBhvr>
+                                      <p:to>
+                                        <p:strVal val="visible"/>
+                                      </p:to>
+                                    </p:set>
+                                    <p:animEffect transition="in" filter="fade">
+                                      <p:cBhvr>
+                                        <p:cTn id="149" dur="500"/>
+                                        <p:tgtEl>
+                                          <p:spTgt spid="5">
+                                            <p:txEl>
+                                              <p:pRg st="22" end="22"/>
+                                            </p:txEl>
+                                          </p:spTgt>
+                                        </p:tgtEl>
+                                      </p:cBhvr>
+                                    </p:animEffect>
+                                  </p:childTnLst>
+                                </p:cTn>
+                              </p:par>
+                              <p:par>
+                                <p:cTn id="150" presetID="10" presetClass="entr" presetSubtype="0" fill="hold" nodeType="withEffect">
+                                  <p:stCondLst>
+                                    <p:cond delay="0"/>
+                                  </p:stCondLst>
+                                  <p:childTnLst>
+                                    <p:set>
+                                      <p:cBhvr>
+                                        <p:cTn id="151" dur="1" fill="hold">
+                                          <p:stCondLst>
+                                            <p:cond delay="0"/>
+                                          </p:stCondLst>
+                                        </p:cTn>
+                                        <p:tgtEl>
+                                          <p:spTgt spid="5">
+                                            <p:txEl>
+                                              <p:pRg st="23" end="23"/>
+                                            </p:txEl>
+                                          </p:spTgt>
+                                        </p:tgtEl>
+                                        <p:attrNameLst>
+                                          <p:attrName>style.visibility</p:attrName>
+                                        </p:attrNameLst>
+                                      </p:cBhvr>
+                                      <p:to>
+                                        <p:strVal val="visible"/>
+                                      </p:to>
+                                    </p:set>
+                                    <p:animEffect transition="in" filter="fade">
+                                      <p:cBhvr>
+                                        <p:cTn id="152" dur="500"/>
+                                        <p:tgtEl>
+                                          <p:spTgt spid="5">
+                                            <p:txEl>
+                                              <p:pRg st="23" end="23"/>
+                                            </p:txEl>
+                                          </p:spTgt>
+                                        </p:tgtEl>
+                                      </p:cBhvr>
+                                    </p:animEffect>
+                                  </p:childTnLst>
+                                </p:cTn>
+                              </p:par>
+                            </p:childTnLst>
+                          </p:cTn>
+                        </p:par>
+                      </p:childTnLst>
+                    </p:cTn>
+                  </p:par>
+                </p:childTnLst>
+              </p:cTn>
+              <p:prevCondLst>
+                <p:cond evt="onPrev" delay="0">
+                  <p:tgtEl>
+                    <p:sldTgt/>
+                  </p:tgtEl>
+                </p:cond>
+              </p:prevCondLst>
+              <p:nextCondLst>
+                <p:cond evt="onNext" delay="0">
+                  <p:tgtEl>
+                    <p:sldTgt/>
+                  </p:tgtEl>
+                </p:cond>
+              </p:nextCondLst>
+            </p:seq>
+          </p:childTnLst>
+        </p:cTn>
       </p:par>
     </p:tnLst>
   </p:timing>

--- a/lectures/03.decorator/decorator.pptx
+++ b/lectures/03.decorator/decorator.pptx
@@ -5,7 +5,7 @@
     <p:sldMasterId id="2147483672" r:id="rId1"/>
   </p:sldMasterIdLst>
   <p:notesMasterIdLst>
-    <p:notesMasterId r:id="rId28"/>
+    <p:notesMasterId r:id="rId32"/>
   </p:notesMasterIdLst>
   <p:sldIdLst>
     <p:sldId id="256" r:id="rId2"/>
@@ -33,12 +33,16 @@
     <p:sldId id="278" r:id="rId24"/>
     <p:sldId id="279" r:id="rId25"/>
     <p:sldId id="280" r:id="rId26"/>
-    <p:sldId id="281" r:id="rId27"/>
+    <p:sldId id="282" r:id="rId27"/>
+    <p:sldId id="283" r:id="rId28"/>
+    <p:sldId id="284" r:id="rId29"/>
+    <p:sldId id="285" r:id="rId30"/>
+    <p:sldId id="281" r:id="rId31"/>
   </p:sldIdLst>
   <p:sldSz cx="9144000" cy="6858000" type="screen4x3"/>
   <p:notesSz cx="6858000" cy="9144000"/>
   <p:custDataLst>
-    <p:tags r:id="rId29"/>
+    <p:tags r:id="rId33"/>
   </p:custDataLst>
   <p:defaultTextStyle>
     <a:defPPr>
@@ -236,7 +240,7 @@
           <a:p>
             <a:fld id="{2F3DCB6D-0B48-4A3D-B663-06C3F903A9D3}" type="datetimeFigureOut">
               <a:rPr lang="ru-RU" smtClean="0"/>
-              <a:t>19.09.2019</a:t>
+              <a:t>17.09.2020</a:t>
             </a:fld>
             <a:endParaRPr lang="ru-RU"/>
           </a:p>
@@ -523,6 +527,90 @@
       </p:grpSpPr>
       <p:sp>
         <p:nvSpPr>
+          <p:cNvPr id="2" name="Slide Image Placeholder 1"/>
+          <p:cNvSpPr>
+            <a:spLocks noGrp="1" noRot="1" noChangeAspect="1"/>
+          </p:cNvSpPr>
+          <p:nvPr>
+            <p:ph type="sldImg"/>
+          </p:nvPr>
+        </p:nvSpPr>
+        <p:spPr/>
+      </p:sp>
+      <p:sp>
+        <p:nvSpPr>
+          <p:cNvPr id="3" name="Notes Placeholder 2"/>
+          <p:cNvSpPr>
+            <a:spLocks noGrp="1"/>
+          </p:cNvSpPr>
+          <p:nvPr>
+            <p:ph type="body" idx="1"/>
+          </p:nvPr>
+        </p:nvSpPr>
+        <p:spPr/>
+        <p:txBody>
+          <a:bodyPr/>
+          <a:lstStyle/>
+          <a:p>
+            <a:endParaRPr lang="ru-RU"/>
+          </a:p>
+        </p:txBody>
+      </p:sp>
+      <p:sp>
+        <p:nvSpPr>
+          <p:cNvPr id="4" name="Slide Number Placeholder 3"/>
+          <p:cNvSpPr>
+            <a:spLocks noGrp="1"/>
+          </p:cNvSpPr>
+          <p:nvPr>
+            <p:ph type="sldNum" sz="quarter" idx="10"/>
+          </p:nvPr>
+        </p:nvSpPr>
+        <p:spPr/>
+        <p:txBody>
+          <a:bodyPr/>
+          <a:lstStyle/>
+          <a:p>
+            <a:fld id="{C72A1285-F988-4153-B7C5-B887A867730D}" type="slidenum">
+              <a:rPr lang="ru-RU" smtClean="0"/>
+              <a:t>17</a:t>
+            </a:fld>
+            <a:endParaRPr lang="ru-RU"/>
+          </a:p>
+        </p:txBody>
+      </p:sp>
+    </p:spTree>
+    <p:extLst>
+      <p:ext uri="{BB962C8B-B14F-4D97-AF65-F5344CB8AC3E}">
+        <p14:creationId xmlns:p14="http://schemas.microsoft.com/office/powerpoint/2010/main" val="4256821844"/>
+      </p:ext>
+    </p:extLst>
+  </p:cSld>
+  <p:clrMapOvr>
+    <a:masterClrMapping/>
+  </p:clrMapOvr>
+</p:notes>
+</file>
+
+<file path=ppt/notesSlides/notesSlide2.xml><?xml version="1.0" encoding="utf-8"?>
+<p:notes xmlns:a="http://schemas.openxmlformats.org/drawingml/2006/main" xmlns:r="http://schemas.openxmlformats.org/officeDocument/2006/relationships" xmlns:p="http://schemas.openxmlformats.org/presentationml/2006/main">
+  <p:cSld>
+    <p:spTree>
+      <p:nvGrpSpPr>
+        <p:cNvPr id="1" name=""/>
+        <p:cNvGrpSpPr/>
+        <p:nvPr/>
+      </p:nvGrpSpPr>
+      <p:grpSpPr>
+        <a:xfrm>
+          <a:off x="0" y="0"/>
+          <a:ext cx="0" cy="0"/>
+          <a:chOff x="0" y="0"/>
+          <a:chExt cx="0" cy="0"/>
+        </a:xfrm>
+      </p:grpSpPr>
+      <p:sp>
+        <p:nvSpPr>
           <p:cNvPr id="2" name="Образ слайда 1"/>
           <p:cNvSpPr>
             <a:spLocks noGrp="1" noRot="1" noChangeAspect="1"/>
@@ -834,7 +922,7 @@
           <a:p>
             <a:fld id="{2590F9C9-AB92-4E86-B698-DEC9BF4350FF}" type="datetimeFigureOut">
               <a:rPr lang="ru-RU" smtClean="0"/>
-              <a:t>19.09.2019</a:t>
+              <a:t>17.09.2020</a:t>
             </a:fld>
             <a:endParaRPr lang="ru-RU"/>
           </a:p>
@@ -1058,7 +1146,7 @@
           <a:p>
             <a:fld id="{2590F9C9-AB92-4E86-B698-DEC9BF4350FF}" type="datetimeFigureOut">
               <a:rPr lang="ru-RU" smtClean="0"/>
-              <a:t>19.09.2019</a:t>
+              <a:t>17.09.2020</a:t>
             </a:fld>
             <a:endParaRPr lang="ru-RU"/>
           </a:p>
@@ -1330,7 +1418,7 @@
           <a:p>
             <a:fld id="{2590F9C9-AB92-4E86-B698-DEC9BF4350FF}" type="datetimeFigureOut">
               <a:rPr lang="ru-RU" smtClean="0"/>
-              <a:t>19.09.2019</a:t>
+              <a:t>17.09.2020</a:t>
             </a:fld>
             <a:endParaRPr lang="ru-RU"/>
           </a:p>
@@ -1505,7 +1593,7 @@
           <a:p>
             <a:fld id="{2590F9C9-AB92-4E86-B698-DEC9BF4350FF}" type="datetimeFigureOut">
               <a:rPr lang="ru-RU" smtClean="0"/>
-              <a:t>19.09.2019</a:t>
+              <a:t>17.09.2020</a:t>
             </a:fld>
             <a:endParaRPr lang="ru-RU"/>
           </a:p>
@@ -1866,7 +1954,7 @@
           <a:p>
             <a:fld id="{2590F9C9-AB92-4E86-B698-DEC9BF4350FF}" type="datetimeFigureOut">
               <a:rPr lang="ru-RU" smtClean="0"/>
-              <a:t>19.09.2019</a:t>
+              <a:t>17.09.2020</a:t>
             </a:fld>
             <a:endParaRPr lang="ru-RU"/>
           </a:p>
@@ -2158,7 +2246,7 @@
           <a:p>
             <a:fld id="{2590F9C9-AB92-4E86-B698-DEC9BF4350FF}" type="datetimeFigureOut">
               <a:rPr lang="ru-RU" smtClean="0"/>
-              <a:t>19.09.2019</a:t>
+              <a:t>17.09.2020</a:t>
             </a:fld>
             <a:endParaRPr lang="ru-RU"/>
           </a:p>
@@ -2580,7 +2668,7 @@
           <a:p>
             <a:fld id="{2590F9C9-AB92-4E86-B698-DEC9BF4350FF}" type="datetimeFigureOut">
               <a:rPr lang="ru-RU" smtClean="0"/>
-              <a:t>19.09.2019</a:t>
+              <a:t>17.09.2020</a:t>
             </a:fld>
             <a:endParaRPr lang="ru-RU"/>
           </a:p>
@@ -2693,7 +2781,7 @@
           <a:p>
             <a:fld id="{2590F9C9-AB92-4E86-B698-DEC9BF4350FF}" type="datetimeFigureOut">
               <a:rPr lang="ru-RU" smtClean="0"/>
-              <a:t>19.09.2019</a:t>
+              <a:t>17.09.2020</a:t>
             </a:fld>
             <a:endParaRPr lang="ru-RU"/>
           </a:p>
@@ -2790,7 +2878,7 @@
           <a:p>
             <a:fld id="{2590F9C9-AB92-4E86-B698-DEC9BF4350FF}" type="datetimeFigureOut">
               <a:rPr lang="ru-RU" smtClean="0"/>
-              <a:t>19.09.2019</a:t>
+              <a:t>17.09.2020</a:t>
             </a:fld>
             <a:endParaRPr lang="ru-RU"/>
           </a:p>
@@ -3075,7 +3163,7 @@
           <a:p>
             <a:fld id="{2590F9C9-AB92-4E86-B698-DEC9BF4350FF}" type="datetimeFigureOut">
               <a:rPr lang="ru-RU" smtClean="0"/>
-              <a:t>19.09.2019</a:t>
+              <a:t>17.09.2020</a:t>
             </a:fld>
             <a:endParaRPr lang="ru-RU"/>
           </a:p>
@@ -3437,7 +3525,7 @@
           <a:p>
             <a:fld id="{2590F9C9-AB92-4E86-B698-DEC9BF4350FF}" type="datetimeFigureOut">
               <a:rPr lang="ru-RU" smtClean="0"/>
-              <a:t>19.09.2019</a:t>
+              <a:t>17.09.2020</a:t>
             </a:fld>
             <a:endParaRPr lang="ru-RU"/>
           </a:p>
@@ -3862,7 +3950,7 @@
           <a:p>
             <a:fld id="{2590F9C9-AB92-4E86-B698-DEC9BF4350FF}" type="datetimeFigureOut">
               <a:rPr lang="ru-RU" smtClean="0"/>
-              <a:t>19.09.2019</a:t>
+              <a:t>17.09.2020</a:t>
             </a:fld>
             <a:endParaRPr lang="ru-RU"/>
           </a:p>
@@ -9842,13 +9930,21 @@
         <p:spPr/>
         <p:txBody>
           <a:bodyPr>
-            <a:normAutofit lnSpcReduction="10000"/>
+            <a:normAutofit/>
           </a:bodyPr>
           <a:lstStyle/>
           <a:p>
             <a:r>
               <a:rPr lang="ru-RU" dirty="0" smtClean="0"/>
-              <a:t>Изменение цены приведет к необходимости модификации существующего кода</a:t>
+              <a:t>Изменение цены приведет к </a:t>
+            </a:r>
+            <a:r>
+              <a:rPr lang="ru-RU" dirty="0" smtClean="0"/>
+              <a:t>модификации </a:t>
+            </a:r>
+            <a:r>
+              <a:rPr lang="ru-RU" dirty="0" smtClean="0"/>
+              <a:t>существующего кода</a:t>
             </a:r>
           </a:p>
           <a:p>
@@ -13986,32 +14082,6 @@
           </a:p>
         </p:txBody>
       </p:sp>
-      <p:pic>
-        <p:nvPicPr>
-          <p:cNvPr id="5" name="Content Placeholder 4"/>
-          <p:cNvPicPr>
-            <a:picLocks noGrp="1" noChangeAspect="1"/>
-          </p:cNvPicPr>
-          <p:nvPr>
-            <p:ph idx="4294967295"/>
-          </p:nvPr>
-        </p:nvPicPr>
-        <p:blipFill>
-          <a:blip r:embed="rId2"/>
-          <a:stretch>
-            <a:fillRect/>
-          </a:stretch>
-        </p:blipFill>
-        <p:spPr>
-          <a:xfrm>
-            <a:off x="107504" y="1700808"/>
-            <a:ext cx="8686800" cy="4986867"/>
-          </a:xfrm>
-          <a:prstGeom prst="rect">
-            <a:avLst/>
-          </a:prstGeom>
-        </p:spPr>
-      </p:pic>
       <p:sp>
         <p:nvSpPr>
           <p:cNvPr id="7" name="TextBox 6"/>
@@ -14163,6 +14233,30 @@
           </a:p>
         </p:txBody>
       </p:sp>
+      <p:pic>
+        <p:nvPicPr>
+          <p:cNvPr id="3" name="Picture 2"/>
+          <p:cNvPicPr>
+            <a:picLocks noChangeAspect="1"/>
+          </p:cNvPicPr>
+          <p:nvPr/>
+        </p:nvPicPr>
+        <p:blipFill>
+          <a:blip r:embed="rId3"/>
+          <a:stretch>
+            <a:fillRect/>
+          </a:stretch>
+        </p:blipFill>
+        <p:spPr>
+          <a:xfrm>
+            <a:off x="83344" y="1647852"/>
+            <a:ext cx="8913863" cy="5081267"/>
+          </a:xfrm>
+          <a:prstGeom prst="rect">
+            <a:avLst/>
+          </a:prstGeom>
+        </p:spPr>
+      </p:pic>
     </p:spTree>
     <p:extLst>
       <p:ext uri="{BB962C8B-B14F-4D97-AF65-F5344CB8AC3E}">
@@ -14588,66 +14682,26 @@
       </p:grpSpPr>
       <p:pic>
         <p:nvPicPr>
-          <p:cNvPr id="1026" name="Picture 2"/>
+          <p:cNvPr id="2" name="Picture 1"/>
           <p:cNvPicPr>
-            <a:picLocks noChangeAspect="1" noChangeArrowheads="1"/>
+            <a:picLocks noChangeAspect="1"/>
           </p:cNvPicPr>
           <p:nvPr/>
         </p:nvPicPr>
         <p:blipFill>
-          <a:blip r:embed="rId2">
-            <a:extLst>
-              <a:ext uri="{28A0092B-C50C-407E-A947-70E740481C1C}">
-                <a14:useLocalDpi xmlns:a14="http://schemas.microsoft.com/office/drawing/2010/main" val="0"/>
-              </a:ext>
-            </a:extLst>
-          </a:blip>
-          <a:srcRect/>
+          <a:blip r:embed="rId2"/>
           <a:stretch>
             <a:fillRect/>
           </a:stretch>
         </p:blipFill>
-        <p:spPr bwMode="auto">
+        <p:spPr>
           <a:xfrm>
-            <a:off x="-1" y="64254"/>
-            <a:ext cx="9150829" cy="6858834"/>
+            <a:off x="107504" y="95682"/>
+            <a:ext cx="8928992" cy="6666635"/>
           </a:xfrm>
           <a:prstGeom prst="rect">
             <a:avLst/>
           </a:prstGeom>
-          <a:noFill/>
-          <a:ln>
-            <a:noFill/>
-          </a:ln>
-          <a:effectLst/>
-          <a:extLst>
-            <a:ext uri="{909E8E84-426E-40DD-AFC4-6F175D3DCCD1}">
-              <a14:hiddenFill xmlns:a14="http://schemas.microsoft.com/office/drawing/2010/main">
-                <a:solidFill>
-                  <a:schemeClr val="accent1"/>
-                </a:solidFill>
-              </a14:hiddenFill>
-            </a:ext>
-            <a:ext uri="{91240B29-F687-4F45-9708-019B960494DF}">
-              <a14:hiddenLine xmlns:a14="http://schemas.microsoft.com/office/drawing/2010/main" w="9525">
-                <a:solidFill>
-                  <a:schemeClr val="tx1"/>
-                </a:solidFill>
-                <a:miter lim="800000"/>
-                <a:headEnd/>
-                <a:tailEnd/>
-              </a14:hiddenLine>
-            </a:ext>
-            <a:ext uri="{AF507438-7753-43E0-B8FC-AC1667EBCBE1}">
-              <a14:hiddenEffects xmlns:a14="http://schemas.microsoft.com/office/drawing/2010/main">
-                <a:effectLst>
-                  <a:outerShdw dist="35921" dir="2700000" algn="ctr" rotWithShape="0">
-                    <a:schemeClr val="bg2"/>
-                  </a:outerShdw>
-                </a:effectLst>
-              </a14:hiddenEffects>
-            </a:ext>
-          </a:extLst>
         </p:spPr>
       </p:pic>
     </p:spTree>
@@ -24826,6 +24880,67 @@
           <a:chExt cx="0" cy="0"/>
         </a:xfrm>
       </p:grpSpPr>
+      <p:pic>
+        <p:nvPicPr>
+          <p:cNvPr id="4" name="Picture 3"/>
+          <p:cNvPicPr>
+            <a:picLocks noChangeAspect="1"/>
+          </p:cNvPicPr>
+          <p:nvPr/>
+        </p:nvPicPr>
+        <p:blipFill>
+          <a:blip r:embed="rId2"/>
+          <a:stretch>
+            <a:fillRect/>
+          </a:stretch>
+        </p:blipFill>
+        <p:spPr>
+          <a:xfrm>
+            <a:off x="100985" y="404665"/>
+            <a:ext cx="8942032" cy="6048671"/>
+          </a:xfrm>
+          <a:prstGeom prst="rect">
+            <a:avLst/>
+          </a:prstGeom>
+        </p:spPr>
+      </p:pic>
+    </p:spTree>
+    <p:extLst>
+      <p:ext uri="{BB962C8B-B14F-4D97-AF65-F5344CB8AC3E}">
+        <p14:creationId xmlns:p14="http://schemas.microsoft.com/office/powerpoint/2010/main" val="1858737223"/>
+      </p:ext>
+    </p:extLst>
+  </p:cSld>
+  <p:clrMapOvr>
+    <a:masterClrMapping/>
+  </p:clrMapOvr>
+  <p:timing>
+    <p:tnLst>
+      <p:par>
+        <p:cTn id="1" dur="indefinite" restart="never" nodeType="tmRoot"/>
+      </p:par>
+    </p:tnLst>
+  </p:timing>
+</p:sld>
+</file>
+
+<file path=ppt/slides/slide27.xml><?xml version="1.0" encoding="utf-8"?>
+<p:sld xmlns:a="http://schemas.openxmlformats.org/drawingml/2006/main" xmlns:r="http://schemas.openxmlformats.org/officeDocument/2006/relationships" xmlns:p="http://schemas.openxmlformats.org/presentationml/2006/main">
+  <p:cSld>
+    <p:spTree>
+      <p:nvGrpSpPr>
+        <p:cNvPr id="1" name=""/>
+        <p:cNvGrpSpPr/>
+        <p:nvPr/>
+      </p:nvGrpSpPr>
+      <p:grpSpPr>
+        <a:xfrm>
+          <a:off x="0" y="0"/>
+          <a:ext cx="0" cy="0"/>
+          <a:chOff x="0" y="0"/>
+          <a:chExt cx="0" cy="0"/>
+        </a:xfrm>
+      </p:grpSpPr>
       <p:sp>
         <p:nvSpPr>
           <p:cNvPr id="2" name="Title 1"/>
@@ -24843,7 +24958,7 @@
           <a:p>
             <a:r>
               <a:rPr lang="ru-RU" dirty="0" smtClean="0"/>
-              <a:t>Вопросы?</a:t>
+              <a:t>Задача: добавить авторизацию</a:t>
             </a:r>
             <a:endParaRPr lang="ru-RU" dirty="0"/>
           </a:p>
@@ -24851,12 +24966,12 @@
       </p:sp>
       <p:sp>
         <p:nvSpPr>
-          <p:cNvPr id="3" name="Text Placeholder 2"/>
+          <p:cNvPr id="3" name="Content Placeholder 2"/>
           <p:cNvSpPr>
             <a:spLocks noGrp="1"/>
           </p:cNvSpPr>
           <p:nvPr>
-            <p:ph type="body" idx="1"/>
+            <p:ph idx="1"/>
           </p:nvPr>
         </p:nvSpPr>
         <p:spPr/>
@@ -24864,14 +24979,155 @@
           <a:bodyPr/>
           <a:lstStyle/>
           <a:p>
-            <a:endParaRPr lang="ru-RU"/>
+            <a:r>
+              <a:rPr lang="ru-RU" dirty="0" smtClean="0"/>
+              <a:t>Код </a:t>
+            </a:r>
+            <a:r>
+              <a:rPr lang="en-US" dirty="0" err="1" smtClean="0"/>
+              <a:t>HTTPClient</a:t>
+            </a:r>
+            <a:r>
+              <a:rPr lang="en-US" dirty="0" smtClean="0"/>
+              <a:t> </a:t>
+            </a:r>
+            <a:r>
+              <a:rPr lang="ru-RU" dirty="0" smtClean="0"/>
+              <a:t>менять не</a:t>
+            </a:r>
+          </a:p>
+          <a:p>
+            <a:pPr lvl="1"/>
+            <a:endParaRPr lang="ru-RU" dirty="0"/>
           </a:p>
         </p:txBody>
       </p:sp>
     </p:spTree>
     <p:extLst>
       <p:ext uri="{BB962C8B-B14F-4D97-AF65-F5344CB8AC3E}">
-        <p14:creationId xmlns:p14="http://schemas.microsoft.com/office/powerpoint/2010/main" val="2073285482"/>
+        <p14:creationId xmlns:p14="http://schemas.microsoft.com/office/powerpoint/2010/main" val="1459150694"/>
+      </p:ext>
+    </p:extLst>
+  </p:cSld>
+  <p:clrMapOvr>
+    <a:masterClrMapping/>
+  </p:clrMapOvr>
+  <p:timing>
+    <p:tnLst>
+      <p:par>
+        <p:cTn id="1" dur="indefinite" restart="never" nodeType="tmRoot"/>
+      </p:par>
+    </p:tnLst>
+  </p:timing>
+</p:sld>
+</file>
+
+<file path=ppt/slides/slide28.xml><?xml version="1.0" encoding="utf-8"?>
+<p:sld xmlns:a="http://schemas.openxmlformats.org/drawingml/2006/main" xmlns:r="http://schemas.openxmlformats.org/officeDocument/2006/relationships" xmlns:p="http://schemas.openxmlformats.org/presentationml/2006/main">
+  <p:cSld>
+    <p:spTree>
+      <p:nvGrpSpPr>
+        <p:cNvPr id="1" name=""/>
+        <p:cNvGrpSpPr/>
+        <p:nvPr/>
+      </p:nvGrpSpPr>
+      <p:grpSpPr>
+        <a:xfrm>
+          <a:off x="0" y="0"/>
+          <a:ext cx="0" cy="0"/>
+          <a:chOff x="0" y="0"/>
+          <a:chExt cx="0" cy="0"/>
+        </a:xfrm>
+      </p:grpSpPr>
+      <p:pic>
+        <p:nvPicPr>
+          <p:cNvPr id="5" name="Picture 4"/>
+          <p:cNvPicPr>
+            <a:picLocks noChangeAspect="1"/>
+          </p:cNvPicPr>
+          <p:nvPr/>
+        </p:nvPicPr>
+        <p:blipFill>
+          <a:blip r:embed="rId2"/>
+          <a:stretch>
+            <a:fillRect/>
+          </a:stretch>
+        </p:blipFill>
+        <p:spPr>
+          <a:xfrm>
+            <a:off x="103777" y="620688"/>
+            <a:ext cx="8932720" cy="5614280"/>
+          </a:xfrm>
+          <a:prstGeom prst="rect">
+            <a:avLst/>
+          </a:prstGeom>
+        </p:spPr>
+      </p:pic>
+    </p:spTree>
+    <p:extLst>
+      <p:ext uri="{BB962C8B-B14F-4D97-AF65-F5344CB8AC3E}">
+        <p14:creationId xmlns:p14="http://schemas.microsoft.com/office/powerpoint/2010/main" val="1597029612"/>
+      </p:ext>
+    </p:extLst>
+  </p:cSld>
+  <p:clrMapOvr>
+    <a:masterClrMapping/>
+  </p:clrMapOvr>
+  <p:timing>
+    <p:tnLst>
+      <p:par>
+        <p:cTn id="1" dur="indefinite" restart="never" nodeType="tmRoot"/>
+      </p:par>
+    </p:tnLst>
+  </p:timing>
+</p:sld>
+</file>
+
+<file path=ppt/slides/slide29.xml><?xml version="1.0" encoding="utf-8"?>
+<p:sld xmlns:a="http://schemas.openxmlformats.org/drawingml/2006/main" xmlns:r="http://schemas.openxmlformats.org/officeDocument/2006/relationships" xmlns:p="http://schemas.openxmlformats.org/presentationml/2006/main">
+  <p:cSld>
+    <p:spTree>
+      <p:nvGrpSpPr>
+        <p:cNvPr id="1" name=""/>
+        <p:cNvGrpSpPr/>
+        <p:nvPr/>
+      </p:nvGrpSpPr>
+      <p:grpSpPr>
+        <a:xfrm>
+          <a:off x="0" y="0"/>
+          <a:ext cx="0" cy="0"/>
+          <a:chOff x="0" y="0"/>
+          <a:chExt cx="0" cy="0"/>
+        </a:xfrm>
+      </p:grpSpPr>
+      <p:pic>
+        <p:nvPicPr>
+          <p:cNvPr id="2" name="Picture 1"/>
+          <p:cNvPicPr>
+            <a:picLocks noChangeAspect="1"/>
+          </p:cNvPicPr>
+          <p:nvPr/>
+        </p:nvPicPr>
+        <p:blipFill>
+          <a:blip r:embed="rId2"/>
+          <a:stretch>
+            <a:fillRect/>
+          </a:stretch>
+        </p:blipFill>
+        <p:spPr>
+          <a:xfrm>
+            <a:off x="107504" y="604624"/>
+            <a:ext cx="8903600" cy="5632688"/>
+          </a:xfrm>
+          <a:prstGeom prst="rect">
+            <a:avLst/>
+          </a:prstGeom>
+        </p:spPr>
+      </p:pic>
+    </p:spTree>
+    <p:extLst>
+      <p:ext uri="{BB962C8B-B14F-4D97-AF65-F5344CB8AC3E}">
+        <p14:creationId xmlns:p14="http://schemas.microsoft.com/office/powerpoint/2010/main" val="3004322313"/>
       </p:ext>
     </p:extLst>
   </p:cSld>
@@ -24930,70 +25186,6 @@
       </p:sp>
       <p:pic>
         <p:nvPicPr>
-          <p:cNvPr id="2049" name="Picture 1"/>
-          <p:cNvPicPr>
-            <a:picLocks noChangeAspect="1" noChangeArrowheads="1"/>
-          </p:cNvPicPr>
-          <p:nvPr/>
-        </p:nvPicPr>
-        <p:blipFill>
-          <a:blip r:embed="rId2">
-            <a:extLst>
-              <a:ext uri="{28A0092B-C50C-407E-A947-70E740481C1C}">
-                <a14:useLocalDpi xmlns:a14="http://schemas.microsoft.com/office/drawing/2010/main" val="0"/>
-              </a:ext>
-            </a:extLst>
-          </a:blip>
-          <a:srcRect/>
-          <a:stretch>
-            <a:fillRect/>
-          </a:stretch>
-        </p:blipFill>
-        <p:spPr bwMode="auto">
-          <a:xfrm>
-            <a:off x="323528" y="1844824"/>
-            <a:ext cx="7932737" cy="4368800"/>
-          </a:xfrm>
-          <a:prstGeom prst="rect">
-            <a:avLst/>
-          </a:prstGeom>
-          <a:noFill/>
-          <a:ln>
-            <a:noFill/>
-          </a:ln>
-          <a:effectLst/>
-          <a:extLst>
-            <a:ext uri="{909E8E84-426E-40DD-AFC4-6F175D3DCCD1}">
-              <a14:hiddenFill xmlns:a14="http://schemas.microsoft.com/office/drawing/2010/main">
-                <a:solidFill>
-                  <a:schemeClr val="accent1"/>
-                </a:solidFill>
-              </a14:hiddenFill>
-            </a:ext>
-            <a:ext uri="{91240B29-F687-4F45-9708-019B960494DF}">
-              <a14:hiddenLine xmlns:a14="http://schemas.microsoft.com/office/drawing/2010/main" w="9525">
-                <a:solidFill>
-                  <a:schemeClr val="tx1"/>
-                </a:solidFill>
-                <a:miter lim="800000"/>
-                <a:headEnd/>
-                <a:tailEnd/>
-              </a14:hiddenLine>
-            </a:ext>
-            <a:ext uri="{AF507438-7753-43E0-B8FC-AC1667EBCBE1}">
-              <a14:hiddenEffects xmlns:a14="http://schemas.microsoft.com/office/drawing/2010/main">
-                <a:effectLst>
-                  <a:outerShdw dist="35921" dir="2700000" algn="ctr" rotWithShape="0">
-                    <a:schemeClr val="bg2"/>
-                  </a:outerShdw>
-                </a:effectLst>
-              </a14:hiddenEffects>
-            </a:ext>
-          </a:extLst>
-        </p:spPr>
-      </p:pic>
-      <p:pic>
-        <p:nvPicPr>
           <p:cNvPr id="6" name="Picture 3"/>
           <p:cNvPicPr>
             <a:picLocks noChangeAspect="1" noChangeArrowheads="1"/>
@@ -25001,7 +25193,7 @@
           <p:nvPr/>
         </p:nvPicPr>
         <p:blipFill>
-          <a:blip r:embed="rId3" cstate="print">
+          <a:blip r:embed="rId2" cstate="print">
             <a:extLst>
               <a:ext uri="{28A0092B-C50C-407E-A947-70E740481C1C}">
                 <a14:useLocalDpi xmlns:a14="http://schemas.microsoft.com/office/drawing/2010/main" val="0"/>
@@ -25065,7 +25257,7 @@
           <p:nvPr/>
         </p:nvPicPr>
         <p:blipFill>
-          <a:blip r:embed="rId4" cstate="print">
+          <a:blip r:embed="rId3" cstate="print">
             <a:extLst>
               <a:ext uri="{28A0092B-C50C-407E-A947-70E740481C1C}">
                 <a14:useLocalDpi xmlns:a14="http://schemas.microsoft.com/office/drawing/2010/main" val="0"/>
@@ -25129,7 +25321,7 @@
           <p:nvPr/>
         </p:nvPicPr>
         <p:blipFill>
-          <a:blip r:embed="rId5" cstate="print">
+          <a:blip r:embed="rId4" cstate="print">
             <a:extLst>
               <a:ext uri="{28A0092B-C50C-407E-A947-70E740481C1C}">
                 <a14:useLocalDpi xmlns:a14="http://schemas.microsoft.com/office/drawing/2010/main" val="0"/>
@@ -25193,7 +25385,7 @@
           <p:nvPr/>
         </p:nvPicPr>
         <p:blipFill>
-          <a:blip r:embed="rId6" cstate="print">
+          <a:blip r:embed="rId5" cstate="print">
             <a:extLst>
               <a:ext uri="{28A0092B-C50C-407E-A947-70E740481C1C}">
                 <a14:useLocalDpi xmlns:a14="http://schemas.microsoft.com/office/drawing/2010/main" val="0"/>
@@ -25257,7 +25449,7 @@
           <p:nvPr/>
         </p:nvPicPr>
         <p:blipFill>
-          <a:blip r:embed="rId7" cstate="print">
+          <a:blip r:embed="rId6" cstate="print">
             <a:extLst>
               <a:ext uri="{28A0092B-C50C-407E-A947-70E740481C1C}">
                 <a14:useLocalDpi xmlns:a14="http://schemas.microsoft.com/office/drawing/2010/main" val="0"/>
@@ -25321,7 +25513,7 @@
           <p:nvPr/>
         </p:nvPicPr>
         <p:blipFill>
-          <a:blip r:embed="rId8" cstate="print">
+          <a:blip r:embed="rId7" cstate="print">
             <a:extLst>
               <a:ext uri="{28A0092B-C50C-407E-A947-70E740481C1C}">
                 <a14:useLocalDpi xmlns:a14="http://schemas.microsoft.com/office/drawing/2010/main" val="0"/>
@@ -25376,10 +25568,113 @@
           </a:extLst>
         </p:spPr>
       </p:pic>
+      <p:pic>
+        <p:nvPicPr>
+          <p:cNvPr id="3" name="Picture 2"/>
+          <p:cNvPicPr>
+            <a:picLocks noChangeAspect="1"/>
+          </p:cNvPicPr>
+          <p:nvPr/>
+        </p:nvPicPr>
+        <p:blipFill>
+          <a:blip r:embed="rId8"/>
+          <a:stretch>
+            <a:fillRect/>
+          </a:stretch>
+        </p:blipFill>
+        <p:spPr>
+          <a:xfrm>
+            <a:off x="311981" y="1940771"/>
+            <a:ext cx="7940401" cy="4347200"/>
+          </a:xfrm>
+          <a:prstGeom prst="rect">
+            <a:avLst/>
+          </a:prstGeom>
+        </p:spPr>
+      </p:pic>
     </p:spTree>
     <p:extLst>
       <p:ext uri="{BB962C8B-B14F-4D97-AF65-F5344CB8AC3E}">
         <p14:creationId xmlns:p14="http://schemas.microsoft.com/office/powerpoint/2010/main" val="1597914528"/>
+      </p:ext>
+    </p:extLst>
+  </p:cSld>
+  <p:clrMapOvr>
+    <a:masterClrMapping/>
+  </p:clrMapOvr>
+  <p:timing>
+    <p:tnLst>
+      <p:par>
+        <p:cTn id="1" dur="indefinite" restart="never" nodeType="tmRoot"/>
+      </p:par>
+    </p:tnLst>
+  </p:timing>
+</p:sld>
+</file>
+
+<file path=ppt/slides/slide30.xml><?xml version="1.0" encoding="utf-8"?>
+<p:sld xmlns:a="http://schemas.openxmlformats.org/drawingml/2006/main" xmlns:r="http://schemas.openxmlformats.org/officeDocument/2006/relationships" xmlns:p="http://schemas.openxmlformats.org/presentationml/2006/main">
+  <p:cSld>
+    <p:spTree>
+      <p:nvGrpSpPr>
+        <p:cNvPr id="1" name=""/>
+        <p:cNvGrpSpPr/>
+        <p:nvPr/>
+      </p:nvGrpSpPr>
+      <p:grpSpPr>
+        <a:xfrm>
+          <a:off x="0" y="0"/>
+          <a:ext cx="0" cy="0"/>
+          <a:chOff x="0" y="0"/>
+          <a:chExt cx="0" cy="0"/>
+        </a:xfrm>
+      </p:grpSpPr>
+      <p:sp>
+        <p:nvSpPr>
+          <p:cNvPr id="2" name="Title 1"/>
+          <p:cNvSpPr>
+            <a:spLocks noGrp="1"/>
+          </p:cNvSpPr>
+          <p:nvPr>
+            <p:ph type="title"/>
+          </p:nvPr>
+        </p:nvSpPr>
+        <p:spPr/>
+        <p:txBody>
+          <a:bodyPr/>
+          <a:lstStyle/>
+          <a:p>
+            <a:r>
+              <a:rPr lang="ru-RU" dirty="0" smtClean="0"/>
+              <a:t>Вопросы?</a:t>
+            </a:r>
+            <a:endParaRPr lang="ru-RU" dirty="0"/>
+          </a:p>
+        </p:txBody>
+      </p:sp>
+      <p:sp>
+        <p:nvSpPr>
+          <p:cNvPr id="3" name="Text Placeholder 2"/>
+          <p:cNvSpPr>
+            <a:spLocks noGrp="1"/>
+          </p:cNvSpPr>
+          <p:nvPr>
+            <p:ph type="body" idx="1"/>
+          </p:nvPr>
+        </p:nvSpPr>
+        <p:spPr/>
+        <p:txBody>
+          <a:bodyPr/>
+          <a:lstStyle/>
+          <a:p>
+            <a:endParaRPr lang="ru-RU"/>
+          </a:p>
+        </p:txBody>
+      </p:sp>
+    </p:spTree>
+    <p:extLst>
+      <p:ext uri="{BB962C8B-B14F-4D97-AF65-F5344CB8AC3E}">
+        <p14:creationId xmlns:p14="http://schemas.microsoft.com/office/powerpoint/2010/main" val="2073285482"/>
       </p:ext>
     </p:extLst>
   </p:cSld>
@@ -32304,66 +32599,26 @@
       </p:sp>
       <p:pic>
         <p:nvPicPr>
-          <p:cNvPr id="3076" name="Picture 4"/>
+          <p:cNvPr id="2" name="Picture 1"/>
           <p:cNvPicPr>
-            <a:picLocks noChangeAspect="1" noChangeArrowheads="1"/>
+            <a:picLocks noChangeAspect="1"/>
           </p:cNvPicPr>
           <p:nvPr/>
         </p:nvPicPr>
         <p:blipFill>
-          <a:blip r:embed="rId2">
-            <a:extLst>
-              <a:ext uri="{28A0092B-C50C-407E-A947-70E740481C1C}">
-                <a14:useLocalDpi xmlns:a14="http://schemas.microsoft.com/office/drawing/2010/main" val="0"/>
-              </a:ext>
-            </a:extLst>
-          </a:blip>
-          <a:srcRect/>
+          <a:blip r:embed="rId2"/>
           <a:stretch>
             <a:fillRect/>
           </a:stretch>
         </p:blipFill>
-        <p:spPr bwMode="auto">
+        <p:spPr>
           <a:xfrm>
-            <a:off x="1" y="1925638"/>
-            <a:ext cx="9144000" cy="4835814"/>
+            <a:off x="107504" y="1985743"/>
+            <a:ext cx="8928992" cy="4696740"/>
           </a:xfrm>
           <a:prstGeom prst="rect">
             <a:avLst/>
           </a:prstGeom>
-          <a:noFill/>
-          <a:ln>
-            <a:noFill/>
-          </a:ln>
-          <a:effectLst/>
-          <a:extLst>
-            <a:ext uri="{909E8E84-426E-40DD-AFC4-6F175D3DCCD1}">
-              <a14:hiddenFill xmlns:a14="http://schemas.microsoft.com/office/drawing/2010/main">
-                <a:solidFill>
-                  <a:schemeClr val="accent1"/>
-                </a:solidFill>
-              </a14:hiddenFill>
-            </a:ext>
-            <a:ext uri="{91240B29-F687-4F45-9708-019B960494DF}">
-              <a14:hiddenLine xmlns:a14="http://schemas.microsoft.com/office/drawing/2010/main" w="9525">
-                <a:solidFill>
-                  <a:schemeClr val="tx1"/>
-                </a:solidFill>
-                <a:miter lim="800000"/>
-                <a:headEnd/>
-                <a:tailEnd/>
-              </a14:hiddenLine>
-            </a:ext>
-            <a:ext uri="{AF507438-7753-43E0-B8FC-AC1667EBCBE1}">
-              <a14:hiddenEffects xmlns:a14="http://schemas.microsoft.com/office/drawing/2010/main">
-                <a:effectLst>
-                  <a:outerShdw dist="35921" dir="2700000" algn="ctr" rotWithShape="0">
-                    <a:schemeClr val="bg2"/>
-                  </a:outerShdw>
-                </a:effectLst>
-              </a14:hiddenEffects>
-            </a:ext>
-          </a:extLst>
         </p:spPr>
       </p:pic>
     </p:spTree>

--- a/lectures/03.decorator/decorator.pptx
+++ b/lectures/03.decorator/decorator.pptx
@@ -240,7 +240,7 @@
           <a:p>
             <a:fld id="{2F3DCB6D-0B48-4A3D-B663-06C3F903A9D3}" type="datetimeFigureOut">
               <a:rPr lang="ru-RU" smtClean="0"/>
-              <a:t>17.09.2020</a:t>
+              <a:t>23.09.2021</a:t>
             </a:fld>
             <a:endParaRPr lang="ru-RU"/>
           </a:p>
@@ -304,38 +304,37 @@
           <a:p>
             <a:pPr lvl="0"/>
             <a:r>
-              <a:rPr lang="ru-RU" smtClean="0"/>
+              <a:rPr lang="ru-RU"/>
               <a:t>Образец текста</a:t>
             </a:r>
           </a:p>
           <a:p>
             <a:pPr lvl="1"/>
             <a:r>
-              <a:rPr lang="ru-RU" smtClean="0"/>
+              <a:rPr lang="ru-RU"/>
               <a:t>Второй уровень</a:t>
             </a:r>
           </a:p>
           <a:p>
             <a:pPr lvl="2"/>
             <a:r>
-              <a:rPr lang="ru-RU" smtClean="0"/>
+              <a:rPr lang="ru-RU"/>
               <a:t>Третий уровень</a:t>
             </a:r>
           </a:p>
           <a:p>
             <a:pPr lvl="3"/>
             <a:r>
-              <a:rPr lang="ru-RU" smtClean="0"/>
+              <a:rPr lang="ru-RU"/>
               <a:t>Четвертый уровень</a:t>
             </a:r>
           </a:p>
           <a:p>
             <a:pPr lvl="4"/>
             <a:r>
-              <a:rPr lang="ru-RU" smtClean="0"/>
+              <a:rPr lang="ru-RU"/>
               <a:t>Пятый уровень</a:t>
             </a:r>
-            <a:endParaRPr lang="ru-RU"/>
           </a:p>
         </p:txBody>
       </p:sp>
@@ -780,7 +779,7 @@
           </a:lstStyle>
           <a:p>
             <a:r>
-              <a:rPr kumimoji="0" lang="ru-RU" smtClean="0"/>
+              <a:rPr kumimoji="0" lang="ru-RU"/>
               <a:t>Образец заголовка</a:t>
             </a:r>
             <a:endParaRPr kumimoji="0" lang="en-US"/>
@@ -898,7 +897,7 @@
           </a:lstStyle>
           <a:p>
             <a:r>
-              <a:rPr kumimoji="0" lang="ru-RU" smtClean="0"/>
+              <a:rPr kumimoji="0" lang="ru-RU"/>
               <a:t>Образец подзаголовка</a:t>
             </a:r>
             <a:endParaRPr kumimoji="0" lang="en-US"/>
@@ -922,7 +921,7 @@
           <a:p>
             <a:fld id="{2590F9C9-AB92-4E86-B698-DEC9BF4350FF}" type="datetimeFigureOut">
               <a:rPr lang="ru-RU" smtClean="0"/>
-              <a:t>17.09.2020</a:t>
+              <a:t>23.09.2021</a:t>
             </a:fld>
             <a:endParaRPr lang="ru-RU"/>
           </a:p>
@@ -1027,13 +1026,6 @@
   <p:clrMapOvr>
     <a:overrideClrMapping bg1="dk1" tx1="lt1" bg2="dk2" tx2="lt2" accent1="accent1" accent2="accent2" accent3="accent3" accent4="accent4" accent5="accent5" accent6="accent6" hlink="hlink" folHlink="folHlink"/>
   </p:clrMapOvr>
-  <p:timing>
-    <p:tnLst>
-      <p:par>
-        <p:cTn id="1" dur="indefinite" restart="never" nodeType="tmRoot"/>
-      </p:par>
-    </p:tnLst>
-  </p:timing>
 </p:sldLayout>
 </file>
 
@@ -1070,7 +1062,7 @@
           <a:lstStyle/>
           <a:p>
             <a:r>
-              <a:rPr kumimoji="0" lang="ru-RU" smtClean="0"/>
+              <a:rPr kumimoji="0" lang="ru-RU"/>
               <a:t>Образец заголовка</a:t>
             </a:r>
             <a:endParaRPr kumimoji="0" lang="en-US"/>
@@ -1094,35 +1086,35 @@
           <a:p>
             <a:pPr lvl="0" eaLnBrk="1" latinLnBrk="0" hangingPunct="1"/>
             <a:r>
-              <a:rPr lang="ru-RU" smtClean="0"/>
+              <a:rPr lang="ru-RU"/>
               <a:t>Образец текста</a:t>
             </a:r>
           </a:p>
           <a:p>
             <a:pPr lvl="1" eaLnBrk="1" latinLnBrk="0" hangingPunct="1"/>
             <a:r>
-              <a:rPr lang="ru-RU" smtClean="0"/>
+              <a:rPr lang="ru-RU"/>
               <a:t>Второй уровень</a:t>
             </a:r>
           </a:p>
           <a:p>
             <a:pPr lvl="2" eaLnBrk="1" latinLnBrk="0" hangingPunct="1"/>
             <a:r>
-              <a:rPr lang="ru-RU" smtClean="0"/>
+              <a:rPr lang="ru-RU"/>
               <a:t>Третий уровень</a:t>
             </a:r>
           </a:p>
           <a:p>
             <a:pPr lvl="3" eaLnBrk="1" latinLnBrk="0" hangingPunct="1"/>
             <a:r>
-              <a:rPr lang="ru-RU" smtClean="0"/>
+              <a:rPr lang="ru-RU"/>
               <a:t>Четвертый уровень</a:t>
             </a:r>
           </a:p>
           <a:p>
             <a:pPr lvl="4" eaLnBrk="1" latinLnBrk="0" hangingPunct="1"/>
             <a:r>
-              <a:rPr lang="ru-RU" smtClean="0"/>
+              <a:rPr lang="ru-RU"/>
               <a:t>Пятый уровень</a:t>
             </a:r>
             <a:endParaRPr kumimoji="0" lang="en-US"/>
@@ -1146,7 +1138,7 @@
           <a:p>
             <a:fld id="{2590F9C9-AB92-4E86-B698-DEC9BF4350FF}" type="datetimeFigureOut">
               <a:rPr lang="ru-RU" smtClean="0"/>
-              <a:t>17.09.2020</a:t>
+              <a:t>23.09.2021</a:t>
             </a:fld>
             <a:endParaRPr lang="ru-RU"/>
           </a:p>
@@ -1337,7 +1329,7 @@
           <a:lstStyle/>
           <a:p>
             <a:r>
-              <a:rPr kumimoji="0" lang="ru-RU" smtClean="0"/>
+              <a:rPr kumimoji="0" lang="ru-RU"/>
               <a:t>Образец заголовка</a:t>
             </a:r>
             <a:endParaRPr kumimoji="0" lang="en-US"/>
@@ -1366,35 +1358,35 @@
           <a:p>
             <a:pPr lvl="0" eaLnBrk="1" latinLnBrk="0" hangingPunct="1"/>
             <a:r>
-              <a:rPr lang="ru-RU" smtClean="0"/>
+              <a:rPr lang="ru-RU"/>
               <a:t>Образец текста</a:t>
             </a:r>
           </a:p>
           <a:p>
             <a:pPr lvl="1" eaLnBrk="1" latinLnBrk="0" hangingPunct="1"/>
             <a:r>
-              <a:rPr lang="ru-RU" smtClean="0"/>
+              <a:rPr lang="ru-RU"/>
               <a:t>Второй уровень</a:t>
             </a:r>
           </a:p>
           <a:p>
             <a:pPr lvl="2" eaLnBrk="1" latinLnBrk="0" hangingPunct="1"/>
             <a:r>
-              <a:rPr lang="ru-RU" smtClean="0"/>
+              <a:rPr lang="ru-RU"/>
               <a:t>Третий уровень</a:t>
             </a:r>
           </a:p>
           <a:p>
             <a:pPr lvl="3" eaLnBrk="1" latinLnBrk="0" hangingPunct="1"/>
             <a:r>
-              <a:rPr lang="ru-RU" smtClean="0"/>
+              <a:rPr lang="ru-RU"/>
               <a:t>Четвертый уровень</a:t>
             </a:r>
           </a:p>
           <a:p>
             <a:pPr lvl="4" eaLnBrk="1" latinLnBrk="0" hangingPunct="1"/>
             <a:r>
-              <a:rPr lang="ru-RU" smtClean="0"/>
+              <a:rPr lang="ru-RU"/>
               <a:t>Пятый уровень</a:t>
             </a:r>
             <a:endParaRPr kumimoji="0" lang="en-US"/>
@@ -1418,7 +1410,7 @@
           <a:p>
             <a:fld id="{2590F9C9-AB92-4E86-B698-DEC9BF4350FF}" type="datetimeFigureOut">
               <a:rPr lang="ru-RU" smtClean="0"/>
-              <a:t>17.09.2020</a:t>
+              <a:t>23.09.2021</a:t>
             </a:fld>
             <a:endParaRPr lang="ru-RU"/>
           </a:p>
@@ -1517,7 +1509,7 @@
           <a:lstStyle/>
           <a:p>
             <a:r>
-              <a:rPr kumimoji="0" lang="ru-RU" smtClean="0"/>
+              <a:rPr kumimoji="0" lang="ru-RU"/>
               <a:t>Образец заголовка</a:t>
             </a:r>
             <a:endParaRPr kumimoji="0" lang="en-US"/>
@@ -1541,35 +1533,35 @@
           <a:p>
             <a:pPr lvl="0" eaLnBrk="1" latinLnBrk="0" hangingPunct="1"/>
             <a:r>
-              <a:rPr lang="ru-RU" smtClean="0"/>
+              <a:rPr lang="ru-RU"/>
               <a:t>Образец текста</a:t>
             </a:r>
           </a:p>
           <a:p>
             <a:pPr lvl="1" eaLnBrk="1" latinLnBrk="0" hangingPunct="1"/>
             <a:r>
-              <a:rPr lang="ru-RU" smtClean="0"/>
+              <a:rPr lang="ru-RU"/>
               <a:t>Второй уровень</a:t>
             </a:r>
           </a:p>
           <a:p>
             <a:pPr lvl="2" eaLnBrk="1" latinLnBrk="0" hangingPunct="1"/>
             <a:r>
-              <a:rPr lang="ru-RU" smtClean="0"/>
+              <a:rPr lang="ru-RU"/>
               <a:t>Третий уровень</a:t>
             </a:r>
           </a:p>
           <a:p>
             <a:pPr lvl="3" eaLnBrk="1" latinLnBrk="0" hangingPunct="1"/>
             <a:r>
-              <a:rPr lang="ru-RU" smtClean="0"/>
+              <a:rPr lang="ru-RU"/>
               <a:t>Четвертый уровень</a:t>
             </a:r>
           </a:p>
           <a:p>
             <a:pPr lvl="4" eaLnBrk="1" latinLnBrk="0" hangingPunct="1"/>
             <a:r>
-              <a:rPr lang="ru-RU" smtClean="0"/>
+              <a:rPr lang="ru-RU"/>
               <a:t>Пятый уровень</a:t>
             </a:r>
             <a:endParaRPr kumimoji="0" lang="en-US"/>
@@ -1593,7 +1585,7 @@
           <a:p>
             <a:fld id="{2590F9C9-AB92-4E86-B698-DEC9BF4350FF}" type="datetimeFigureOut">
               <a:rPr lang="ru-RU" smtClean="0"/>
-              <a:t>17.09.2020</a:t>
+              <a:t>23.09.2021</a:t>
             </a:fld>
             <a:endParaRPr lang="ru-RU"/>
           </a:p>
@@ -1646,13 +1638,6 @@
   <p:clrMapOvr>
     <a:masterClrMapping/>
   </p:clrMapOvr>
-  <p:timing>
-    <p:tnLst>
-      <p:par>
-        <p:cTn id="1" dur="indefinite" restart="never" nodeType="tmRoot"/>
-      </p:par>
-    </p:tnLst>
-  </p:timing>
 </p:sldLayout>
 </file>
 
@@ -1812,7 +1797,7 @@
           </a:lstStyle>
           <a:p>
             <a:r>
-              <a:rPr kumimoji="0" lang="ru-RU" smtClean="0"/>
+              <a:rPr kumimoji="0" lang="ru-RU"/>
               <a:t>Образец заголовка</a:t>
             </a:r>
             <a:endParaRPr kumimoji="0" lang="en-US"/>
@@ -1931,7 +1916,7 @@
           <a:p>
             <a:pPr lvl="0" eaLnBrk="1" latinLnBrk="0" hangingPunct="1"/>
             <a:r>
-              <a:rPr kumimoji="0" lang="ru-RU" smtClean="0"/>
+              <a:rPr kumimoji="0" lang="ru-RU"/>
               <a:t>Образец текста</a:t>
             </a:r>
           </a:p>
@@ -1954,7 +1939,7 @@
           <a:p>
             <a:fld id="{2590F9C9-AB92-4E86-B698-DEC9BF4350FF}" type="datetimeFigureOut">
               <a:rPr lang="ru-RU" smtClean="0"/>
-              <a:t>17.09.2020</a:t>
+              <a:t>23.09.2021</a:t>
             </a:fld>
             <a:endParaRPr lang="ru-RU"/>
           </a:p>
@@ -2007,13 +1992,6 @@
   <p:clrMapOvr>
     <a:overrideClrMapping bg1="dk1" tx1="lt1" bg2="dk2" tx2="lt2" accent1="accent1" accent2="accent2" accent3="accent3" accent4="accent4" accent5="accent5" accent6="accent6" hlink="hlink" folHlink="folHlink"/>
   </p:clrMapOvr>
-  <p:timing>
-    <p:tnLst>
-      <p:par>
-        <p:cTn id="1" dur="indefinite" restart="never" nodeType="tmRoot"/>
-      </p:par>
-    </p:tnLst>
-  </p:timing>
 </p:sldLayout>
 </file>
 
@@ -2050,7 +2028,7 @@
           <a:lstStyle/>
           <a:p>
             <a:r>
-              <a:rPr kumimoji="0" lang="ru-RU" smtClean="0"/>
+              <a:rPr kumimoji="0" lang="ru-RU"/>
               <a:t>Образец заголовка</a:t>
             </a:r>
             <a:endParaRPr kumimoji="0" lang="en-US"/>
@@ -2108,35 +2086,35 @@
           <a:p>
             <a:pPr lvl="0" eaLnBrk="1" latinLnBrk="0" hangingPunct="1"/>
             <a:r>
-              <a:rPr lang="ru-RU" smtClean="0"/>
+              <a:rPr lang="ru-RU"/>
               <a:t>Образец текста</a:t>
             </a:r>
           </a:p>
           <a:p>
             <a:pPr lvl="1" eaLnBrk="1" latinLnBrk="0" hangingPunct="1"/>
             <a:r>
-              <a:rPr lang="ru-RU" smtClean="0"/>
+              <a:rPr lang="ru-RU"/>
               <a:t>Второй уровень</a:t>
             </a:r>
           </a:p>
           <a:p>
             <a:pPr lvl="2" eaLnBrk="1" latinLnBrk="0" hangingPunct="1"/>
             <a:r>
-              <a:rPr lang="ru-RU" smtClean="0"/>
+              <a:rPr lang="ru-RU"/>
               <a:t>Третий уровень</a:t>
             </a:r>
           </a:p>
           <a:p>
             <a:pPr lvl="3" eaLnBrk="1" latinLnBrk="0" hangingPunct="1"/>
             <a:r>
-              <a:rPr lang="ru-RU" smtClean="0"/>
+              <a:rPr lang="ru-RU"/>
               <a:t>Четвертый уровень</a:t>
             </a:r>
           </a:p>
           <a:p>
             <a:pPr lvl="4" eaLnBrk="1" latinLnBrk="0" hangingPunct="1"/>
             <a:r>
-              <a:rPr lang="ru-RU" smtClean="0"/>
+              <a:rPr lang="ru-RU"/>
               <a:t>Пятый уровень</a:t>
             </a:r>
             <a:endParaRPr kumimoji="0" lang="en-US"/>
@@ -2194,35 +2172,35 @@
           <a:p>
             <a:pPr lvl="0" eaLnBrk="1" latinLnBrk="0" hangingPunct="1"/>
             <a:r>
-              <a:rPr lang="ru-RU" smtClean="0"/>
+              <a:rPr lang="ru-RU"/>
               <a:t>Образец текста</a:t>
             </a:r>
           </a:p>
           <a:p>
             <a:pPr lvl="1" eaLnBrk="1" latinLnBrk="0" hangingPunct="1"/>
             <a:r>
-              <a:rPr lang="ru-RU" smtClean="0"/>
+              <a:rPr lang="ru-RU"/>
               <a:t>Второй уровень</a:t>
             </a:r>
           </a:p>
           <a:p>
             <a:pPr lvl="2" eaLnBrk="1" latinLnBrk="0" hangingPunct="1"/>
             <a:r>
-              <a:rPr lang="ru-RU" smtClean="0"/>
+              <a:rPr lang="ru-RU"/>
               <a:t>Третий уровень</a:t>
             </a:r>
           </a:p>
           <a:p>
             <a:pPr lvl="3" eaLnBrk="1" latinLnBrk="0" hangingPunct="1"/>
             <a:r>
-              <a:rPr lang="ru-RU" smtClean="0"/>
+              <a:rPr lang="ru-RU"/>
               <a:t>Четвертый уровень</a:t>
             </a:r>
           </a:p>
           <a:p>
             <a:pPr lvl="4" eaLnBrk="1" latinLnBrk="0" hangingPunct="1"/>
             <a:r>
-              <a:rPr lang="ru-RU" smtClean="0"/>
+              <a:rPr lang="ru-RU"/>
               <a:t>Пятый уровень</a:t>
             </a:r>
             <a:endParaRPr kumimoji="0" lang="en-US"/>
@@ -2246,7 +2224,7 @@
           <a:p>
             <a:fld id="{2590F9C9-AB92-4E86-B698-DEC9BF4350FF}" type="datetimeFigureOut">
               <a:rPr lang="ru-RU" smtClean="0"/>
-              <a:t>17.09.2020</a:t>
+              <a:t>23.09.2021</a:t>
             </a:fld>
             <a:endParaRPr lang="ru-RU"/>
           </a:p>
@@ -2340,7 +2318,7 @@
           </a:lstStyle>
           <a:p>
             <a:r>
-              <a:rPr kumimoji="0" lang="ru-RU" smtClean="0"/>
+              <a:rPr kumimoji="0" lang="ru-RU"/>
               <a:t>Образец заголовка</a:t>
             </a:r>
             <a:endParaRPr kumimoji="0" lang="en-US"/>
@@ -2407,7 +2385,7 @@
           <a:p>
             <a:pPr lvl="0" eaLnBrk="1" latinLnBrk="0" hangingPunct="1"/>
             <a:r>
-              <a:rPr kumimoji="0" lang="ru-RU" smtClean="0"/>
+              <a:rPr kumimoji="0" lang="ru-RU"/>
               <a:t>Образец текста</a:t>
             </a:r>
           </a:p>
@@ -2464,35 +2442,35 @@
           <a:p>
             <a:pPr lvl="0" eaLnBrk="1" latinLnBrk="0" hangingPunct="1"/>
             <a:r>
-              <a:rPr lang="ru-RU" smtClean="0"/>
+              <a:rPr lang="ru-RU"/>
               <a:t>Образец текста</a:t>
             </a:r>
           </a:p>
           <a:p>
             <a:pPr lvl="1" eaLnBrk="1" latinLnBrk="0" hangingPunct="1"/>
             <a:r>
-              <a:rPr lang="ru-RU" smtClean="0"/>
+              <a:rPr lang="ru-RU"/>
               <a:t>Второй уровень</a:t>
             </a:r>
           </a:p>
           <a:p>
             <a:pPr lvl="2" eaLnBrk="1" latinLnBrk="0" hangingPunct="1"/>
             <a:r>
-              <a:rPr lang="ru-RU" smtClean="0"/>
+              <a:rPr lang="ru-RU"/>
               <a:t>Третий уровень</a:t>
             </a:r>
           </a:p>
           <a:p>
             <a:pPr lvl="3" eaLnBrk="1" latinLnBrk="0" hangingPunct="1"/>
             <a:r>
-              <a:rPr lang="ru-RU" smtClean="0"/>
+              <a:rPr lang="ru-RU"/>
               <a:t>Четвертый уровень</a:t>
             </a:r>
           </a:p>
           <a:p>
             <a:pPr lvl="4" eaLnBrk="1" latinLnBrk="0" hangingPunct="1"/>
             <a:r>
-              <a:rPr lang="ru-RU" smtClean="0"/>
+              <a:rPr lang="ru-RU"/>
               <a:t>Пятый уровень</a:t>
             </a:r>
             <a:endParaRPr kumimoji="0" lang="en-US"/>
@@ -2559,7 +2537,7 @@
           <a:p>
             <a:pPr lvl="0" eaLnBrk="1" latinLnBrk="0" hangingPunct="1"/>
             <a:r>
-              <a:rPr kumimoji="0" lang="ru-RU" smtClean="0"/>
+              <a:rPr kumimoji="0" lang="ru-RU"/>
               <a:t>Образец текста</a:t>
             </a:r>
           </a:p>
@@ -2616,35 +2594,35 @@
           <a:p>
             <a:pPr lvl="0" eaLnBrk="1" latinLnBrk="0" hangingPunct="1"/>
             <a:r>
-              <a:rPr lang="ru-RU" smtClean="0"/>
+              <a:rPr lang="ru-RU"/>
               <a:t>Образец текста</a:t>
             </a:r>
           </a:p>
           <a:p>
             <a:pPr lvl="1" eaLnBrk="1" latinLnBrk="0" hangingPunct="1"/>
             <a:r>
-              <a:rPr lang="ru-RU" smtClean="0"/>
+              <a:rPr lang="ru-RU"/>
               <a:t>Второй уровень</a:t>
             </a:r>
           </a:p>
           <a:p>
             <a:pPr lvl="2" eaLnBrk="1" latinLnBrk="0" hangingPunct="1"/>
             <a:r>
-              <a:rPr lang="ru-RU" smtClean="0"/>
+              <a:rPr lang="ru-RU"/>
               <a:t>Третий уровень</a:t>
             </a:r>
           </a:p>
           <a:p>
             <a:pPr lvl="3" eaLnBrk="1" latinLnBrk="0" hangingPunct="1"/>
             <a:r>
-              <a:rPr lang="ru-RU" smtClean="0"/>
+              <a:rPr lang="ru-RU"/>
               <a:t>Четвертый уровень</a:t>
             </a:r>
           </a:p>
           <a:p>
             <a:pPr lvl="4" eaLnBrk="1" latinLnBrk="0" hangingPunct="1"/>
             <a:r>
-              <a:rPr lang="ru-RU" smtClean="0"/>
+              <a:rPr lang="ru-RU"/>
               <a:t>Пятый уровень</a:t>
             </a:r>
             <a:endParaRPr kumimoji="0" lang="en-US"/>
@@ -2668,7 +2646,7 @@
           <a:p>
             <a:fld id="{2590F9C9-AB92-4E86-B698-DEC9BF4350FF}" type="datetimeFigureOut">
               <a:rPr lang="ru-RU" smtClean="0"/>
-              <a:t>17.09.2020</a:t>
+              <a:t>23.09.2021</a:t>
             </a:fld>
             <a:endParaRPr lang="ru-RU"/>
           </a:p>
@@ -2757,7 +2735,7 @@
           <a:lstStyle/>
           <a:p>
             <a:r>
-              <a:rPr kumimoji="0" lang="ru-RU" smtClean="0"/>
+              <a:rPr kumimoji="0" lang="ru-RU"/>
               <a:t>Образец заголовка</a:t>
             </a:r>
             <a:endParaRPr kumimoji="0" lang="en-US"/>
@@ -2781,7 +2759,7 @@
           <a:p>
             <a:fld id="{2590F9C9-AB92-4E86-B698-DEC9BF4350FF}" type="datetimeFigureOut">
               <a:rPr lang="ru-RU" smtClean="0"/>
-              <a:t>17.09.2020</a:t>
+              <a:t>23.09.2021</a:t>
             </a:fld>
             <a:endParaRPr lang="ru-RU"/>
           </a:p>
@@ -2834,13 +2812,6 @@
   <p:clrMapOvr>
     <a:masterClrMapping/>
   </p:clrMapOvr>
-  <p:timing>
-    <p:tnLst>
-      <p:par>
-        <p:cTn id="1" dur="indefinite" restart="never" nodeType="tmRoot"/>
-      </p:par>
-    </p:tnLst>
-  </p:timing>
 </p:sldLayout>
 </file>
 
@@ -2878,7 +2849,7 @@
           <a:p>
             <a:fld id="{2590F9C9-AB92-4E86-B698-DEC9BF4350FF}" type="datetimeFigureOut">
               <a:rPr lang="ru-RU" smtClean="0"/>
-              <a:t>17.09.2020</a:t>
+              <a:t>23.09.2021</a:t>
             </a:fld>
             <a:endParaRPr lang="ru-RU"/>
           </a:p>
@@ -2931,13 +2902,6 @@
   <p:clrMapOvr>
     <a:masterClrMapping/>
   </p:clrMapOvr>
-  <p:timing>
-    <p:tnLst>
-      <p:par>
-        <p:cTn id="1" dur="indefinite" restart="never" nodeType="tmRoot"/>
-      </p:par>
-    </p:tnLst>
-  </p:timing>
 </p:sldLayout>
 </file>
 
@@ -2987,7 +2951,7 @@
           </a:lstStyle>
           <a:p>
             <a:r>
-              <a:rPr kumimoji="0" lang="ru-RU" smtClean="0"/>
+              <a:rPr kumimoji="0" lang="ru-RU"/>
               <a:t>Образец заголовка</a:t>
             </a:r>
             <a:endParaRPr kumimoji="0" lang="en-US"/>
@@ -3045,35 +3009,35 @@
           <a:p>
             <a:pPr lvl="0" eaLnBrk="1" latinLnBrk="0" hangingPunct="1"/>
             <a:r>
-              <a:rPr lang="ru-RU" smtClean="0"/>
+              <a:rPr lang="ru-RU"/>
               <a:t>Образец текста</a:t>
             </a:r>
           </a:p>
           <a:p>
             <a:pPr lvl="1" eaLnBrk="1" latinLnBrk="0" hangingPunct="1"/>
             <a:r>
-              <a:rPr lang="ru-RU" smtClean="0"/>
+              <a:rPr lang="ru-RU"/>
               <a:t>Второй уровень</a:t>
             </a:r>
           </a:p>
           <a:p>
             <a:pPr lvl="2" eaLnBrk="1" latinLnBrk="0" hangingPunct="1"/>
             <a:r>
-              <a:rPr lang="ru-RU" smtClean="0"/>
+              <a:rPr lang="ru-RU"/>
               <a:t>Третий уровень</a:t>
             </a:r>
           </a:p>
           <a:p>
             <a:pPr lvl="3" eaLnBrk="1" latinLnBrk="0" hangingPunct="1"/>
             <a:r>
-              <a:rPr lang="ru-RU" smtClean="0"/>
+              <a:rPr lang="ru-RU"/>
               <a:t>Четвертый уровень</a:t>
             </a:r>
           </a:p>
           <a:p>
             <a:pPr lvl="4" eaLnBrk="1" latinLnBrk="0" hangingPunct="1"/>
             <a:r>
-              <a:rPr lang="ru-RU" smtClean="0"/>
+              <a:rPr lang="ru-RU"/>
               <a:t>Пятый уровень</a:t>
             </a:r>
             <a:endParaRPr kumimoji="0" lang="en-US"/>
@@ -3140,7 +3104,7 @@
           <a:p>
             <a:pPr lvl="0" eaLnBrk="1" latinLnBrk="0" hangingPunct="1"/>
             <a:r>
-              <a:rPr kumimoji="0" lang="ru-RU" smtClean="0"/>
+              <a:rPr kumimoji="0" lang="ru-RU"/>
               <a:t>Образец текста</a:t>
             </a:r>
           </a:p>
@@ -3163,7 +3127,7 @@
           <a:p>
             <a:fld id="{2590F9C9-AB92-4E86-B698-DEC9BF4350FF}" type="datetimeFigureOut">
               <a:rPr lang="ru-RU" smtClean="0"/>
-              <a:t>17.09.2020</a:t>
+              <a:t>23.09.2021</a:t>
             </a:fld>
             <a:endParaRPr lang="ru-RU"/>
           </a:p>
@@ -3359,7 +3323,7 @@
           </a:lstStyle>
           <a:p>
             <a:r>
-              <a:rPr kumimoji="0" lang="ru-RU" smtClean="0"/>
+              <a:rPr kumimoji="0" lang="ru-RU"/>
               <a:t>Образец заголовка</a:t>
             </a:r>
             <a:endParaRPr kumimoji="0" lang="en-US"/>
@@ -3430,7 +3394,7 @@
           </a:lstStyle>
           <a:p>
             <a:r>
-              <a:rPr kumimoji="0" lang="ru-RU" smtClean="0"/>
+              <a:rPr kumimoji="0" lang="ru-RU"/>
               <a:t>Вставка рисунка</a:t>
             </a:r>
             <a:endParaRPr kumimoji="0" lang="en-US" dirty="0"/>
@@ -3497,7 +3461,7 @@
           <a:p>
             <a:pPr lvl="0" eaLnBrk="1" latinLnBrk="0" hangingPunct="1"/>
             <a:r>
-              <a:rPr kumimoji="0" lang="ru-RU" smtClean="0"/>
+              <a:rPr kumimoji="0" lang="ru-RU"/>
               <a:t>Образец текста</a:t>
             </a:r>
           </a:p>
@@ -3525,7 +3489,7 @@
           <a:p>
             <a:fld id="{2590F9C9-AB92-4E86-B698-DEC9BF4350FF}" type="datetimeFigureOut">
               <a:rPr lang="ru-RU" smtClean="0"/>
-              <a:t>17.09.2020</a:t>
+              <a:t>23.09.2021</a:t>
             </a:fld>
             <a:endParaRPr lang="ru-RU"/>
           </a:p>
@@ -3845,7 +3809,7 @@
           <a:lstStyle/>
           <a:p>
             <a:r>
-              <a:rPr kumimoji="0" lang="ru-RU" smtClean="0"/>
+              <a:rPr kumimoji="0" lang="ru-RU"/>
               <a:t>Образец заголовка</a:t>
             </a:r>
             <a:endParaRPr kumimoji="0" lang="en-US"/>
@@ -3879,35 +3843,35 @@
           <a:p>
             <a:pPr lvl="0" eaLnBrk="1" latinLnBrk="0" hangingPunct="1"/>
             <a:r>
-              <a:rPr kumimoji="0" lang="ru-RU" smtClean="0"/>
+              <a:rPr kumimoji="0" lang="ru-RU"/>
               <a:t>Образец текста</a:t>
             </a:r>
           </a:p>
           <a:p>
             <a:pPr lvl="1" eaLnBrk="1" latinLnBrk="0" hangingPunct="1"/>
             <a:r>
-              <a:rPr kumimoji="0" lang="ru-RU" smtClean="0"/>
+              <a:rPr kumimoji="0" lang="ru-RU"/>
               <a:t>Второй уровень</a:t>
             </a:r>
           </a:p>
           <a:p>
             <a:pPr lvl="2" eaLnBrk="1" latinLnBrk="0" hangingPunct="1"/>
             <a:r>
-              <a:rPr kumimoji="0" lang="ru-RU" smtClean="0"/>
+              <a:rPr kumimoji="0" lang="ru-RU"/>
               <a:t>Третий уровень</a:t>
             </a:r>
           </a:p>
           <a:p>
             <a:pPr lvl="3" eaLnBrk="1" latinLnBrk="0" hangingPunct="1"/>
             <a:r>
-              <a:rPr kumimoji="0" lang="ru-RU" smtClean="0"/>
+              <a:rPr kumimoji="0" lang="ru-RU"/>
               <a:t>Четвертый уровень</a:t>
             </a:r>
           </a:p>
           <a:p>
             <a:pPr lvl="4" eaLnBrk="1" latinLnBrk="0" hangingPunct="1"/>
             <a:r>
-              <a:rPr kumimoji="0" lang="ru-RU" smtClean="0"/>
+              <a:rPr kumimoji="0" lang="ru-RU"/>
               <a:t>Пятый уровень</a:t>
             </a:r>
             <a:endParaRPr kumimoji="0" lang="en-US"/>
@@ -3950,7 +3914,7 @@
           <a:p>
             <a:fld id="{2590F9C9-AB92-4E86-B698-DEC9BF4350FF}" type="datetimeFigureOut">
               <a:rPr lang="ru-RU" smtClean="0"/>
-              <a:t>17.09.2020</a:t>
+              <a:t>23.09.2021</a:t>
             </a:fld>
             <a:endParaRPr lang="ru-RU"/>
           </a:p>
@@ -4052,13 +4016,6 @@
     <p:sldLayoutId id="2147483682" r:id="rId10"/>
     <p:sldLayoutId id="2147483683" r:id="rId11"/>
   </p:sldLayoutIdLst>
-  <p:timing>
-    <p:tnLst>
-      <p:par>
-        <p:cTn id="1" dur="indefinite" restart="never" nodeType="tmRoot"/>
-      </p:par>
-    </p:tnLst>
-  </p:timing>
   <p:txStyles>
     <p:titleStyle>
       <a:lvl1pPr algn="l" rtl="0" eaLnBrk="1" latinLnBrk="0" hangingPunct="1">
@@ -4379,10 +4336,9 @@
           <a:lstStyle/>
           <a:p>
             <a:r>
-              <a:rPr lang="ru-RU" dirty="0" smtClean="0"/>
+              <a:rPr lang="ru-RU" dirty="0"/>
               <a:t>Декоратор (обертка)</a:t>
             </a:r>
-            <a:endParaRPr lang="ru-RU" dirty="0"/>
           </a:p>
         </p:txBody>
       </p:sp>
@@ -4402,11 +4358,11 @@
           <a:lstStyle/>
           <a:p>
             <a:r>
-              <a:rPr lang="ru-RU" dirty="0" smtClean="0"/>
+              <a:rPr lang="ru-RU" dirty="0"/>
               <a:t>Лекция </a:t>
             </a:r>
             <a:r>
-              <a:rPr lang="en-US" dirty="0" smtClean="0"/>
+              <a:rPr lang="en-US" dirty="0"/>
               <a:t>3</a:t>
             </a:r>
             <a:endParaRPr lang="ru-RU" dirty="0"/>
@@ -4423,13 +4379,6 @@
   <p:clrMapOvr>
     <a:masterClrMapping/>
   </p:clrMapOvr>
-  <p:timing>
-    <p:tnLst>
-      <p:par>
-        <p:cTn id="1" dur="indefinite" restart="never" nodeType="tmRoot"/>
-      </p:par>
-    </p:tnLst>
-  </p:timing>
 </p:sld>
 </file>
 
@@ -4468,10 +4417,9 @@
           <a:lstStyle/>
           <a:p>
             <a:r>
-              <a:rPr lang="ru-RU" dirty="0" smtClean="0"/>
+              <a:rPr lang="ru-RU" dirty="0"/>
               <a:t>Примерная реализация (начало)</a:t>
             </a:r>
-            <a:endParaRPr lang="ru-RU" dirty="0"/>
           </a:p>
         </p:txBody>
       </p:sp>
@@ -4709,20 +4657,9 @@
                 <a:ea typeface="Calibri"/>
                 <a:cs typeface="Times New Roman"/>
               </a:rPr>
-              <a:t> = 0</a:t>
-            </a:r>
-            <a:r>
-              <a:rPr lang="en-US" sz="1400" dirty="0" smtClean="0">
-                <a:solidFill>
-                  <a:srgbClr val="000000"/>
-                </a:solidFill>
-                <a:latin typeface="Consolas"/>
-                <a:ea typeface="Calibri"/>
-                <a:cs typeface="Times New Roman"/>
-              </a:rPr>
-              <a:t>;</a:t>
-            </a:r>
-            <a:endParaRPr lang="ru-RU" sz="1400" dirty="0" smtClean="0">
+              <a:t> = 0;</a:t>
+            </a:r>
+            <a:endParaRPr lang="ru-RU" sz="1400" dirty="0">
               <a:ea typeface="Calibri"/>
               <a:cs typeface="Times New Roman"/>
             </a:endParaRPr>
@@ -4737,7 +4674,7 @@
               </a:spcAft>
             </a:pPr>
             <a:r>
-              <a:rPr lang="en-US" sz="1400" dirty="0" smtClean="0">
+              <a:rPr lang="en-US" sz="1400" dirty="0">
                 <a:solidFill>
                   <a:srgbClr val="000000"/>
                 </a:solidFill>
@@ -4748,7 +4685,7 @@
               <a:t>	</a:t>
             </a:r>
             <a:r>
-              <a:rPr lang="en-US" sz="1400" dirty="0" smtClean="0">
+              <a:rPr lang="en-US" sz="1400" dirty="0">
                 <a:solidFill>
                   <a:srgbClr val="0000FF"/>
                 </a:solidFill>
@@ -4759,7 +4696,7 @@
               <a:t>virtual</a:t>
             </a:r>
             <a:r>
-              <a:rPr lang="en-US" sz="1400" dirty="0" smtClean="0">
+              <a:rPr lang="en-US" sz="1400" dirty="0">
                 <a:solidFill>
                   <a:srgbClr val="000000"/>
                 </a:solidFill>
@@ -4770,7 +4707,7 @@
               <a:t> </a:t>
             </a:r>
             <a:r>
-              <a:rPr lang="en-US" sz="1400" dirty="0" smtClean="0">
+              <a:rPr lang="en-US" sz="1400" dirty="0">
                 <a:solidFill>
                   <a:srgbClr val="0000FF"/>
                 </a:solidFill>
@@ -4781,7 +4718,7 @@
               <a:t>double</a:t>
             </a:r>
             <a:r>
-              <a:rPr lang="en-US" sz="1400" dirty="0" smtClean="0">
+              <a:rPr lang="en-US" sz="1400" dirty="0">
                 <a:solidFill>
                   <a:srgbClr val="000000"/>
                 </a:solidFill>
@@ -4792,7 +4729,7 @@
               <a:t> </a:t>
             </a:r>
             <a:r>
-              <a:rPr lang="en-US" sz="1400" dirty="0" err="1" smtClean="0">
+              <a:rPr lang="en-US" sz="1400" dirty="0" err="1">
                 <a:solidFill>
                   <a:srgbClr val="000000"/>
                 </a:solidFill>
@@ -4803,7 +4740,7 @@
               <a:t>GetCost</a:t>
             </a:r>
             <a:r>
-              <a:rPr lang="en-US" sz="1400" dirty="0" smtClean="0">
+              <a:rPr lang="en-US" sz="1400" dirty="0">
                 <a:solidFill>
                   <a:srgbClr val="000000"/>
                 </a:solidFill>
@@ -4814,7 +4751,7 @@
               <a:t>()</a:t>
             </a:r>
             <a:r>
-              <a:rPr lang="en-US" sz="1400" dirty="0" err="1" smtClean="0">
+              <a:rPr lang="en-US" sz="1400" dirty="0" err="1">
                 <a:solidFill>
                   <a:srgbClr val="0000FF"/>
                 </a:solidFill>
@@ -4825,7 +4762,7 @@
               <a:t>const</a:t>
             </a:r>
             <a:r>
-              <a:rPr lang="en-US" sz="1400" dirty="0" smtClean="0">
+              <a:rPr lang="en-US" sz="1400" dirty="0">
                 <a:solidFill>
                   <a:srgbClr val="000000"/>
                 </a:solidFill>
@@ -4835,7 +4772,7 @@
               </a:rPr>
               <a:t> = 0;</a:t>
             </a:r>
-            <a:endParaRPr lang="ru-RU" sz="1400" dirty="0" smtClean="0">
+            <a:endParaRPr lang="ru-RU" sz="1400" dirty="0">
               <a:ea typeface="Calibri"/>
               <a:cs typeface="Times New Roman"/>
             </a:endParaRPr>
@@ -5189,7 +5126,7 @@
               </a:spcAft>
             </a:pPr>
             <a:r>
-              <a:rPr lang="en-US" sz="1400" dirty="0" smtClean="0">
+              <a:rPr lang="en-US" sz="1400" dirty="0">
                 <a:solidFill>
                   <a:srgbClr val="000000"/>
                 </a:solidFill>
@@ -5440,7 +5377,7 @@
               <a:t> </a:t>
             </a:r>
             <a:r>
-              <a:rPr lang="en-US" sz="1400" dirty="0" err="1" smtClean="0">
+              <a:rPr lang="en-US" sz="1400" dirty="0" err="1">
                 <a:solidFill>
                   <a:srgbClr val="000000"/>
                 </a:solidFill>
@@ -5451,7 +5388,7 @@
               <a:t>SetChocolateSyrup</a:t>
             </a:r>
             <a:r>
-              <a:rPr lang="en-US" sz="1400" dirty="0" smtClean="0">
+              <a:rPr lang="en-US" sz="1400" dirty="0">
                 <a:solidFill>
                   <a:srgbClr val="000000"/>
                 </a:solidFill>
@@ -5462,7 +5399,7 @@
               <a:t>(</a:t>
             </a:r>
             <a:r>
-              <a:rPr lang="en-US" sz="1400" dirty="0" smtClean="0">
+              <a:rPr lang="en-US" sz="1400" dirty="0">
                 <a:solidFill>
                   <a:srgbClr val="0000FF"/>
                 </a:solidFill>
@@ -5473,7 +5410,7 @@
               <a:t>bool</a:t>
             </a:r>
             <a:r>
-              <a:rPr lang="en-US" sz="1400" dirty="0" smtClean="0">
+              <a:rPr lang="en-US" sz="1400" dirty="0">
                 <a:solidFill>
                   <a:srgbClr val="000000"/>
                 </a:solidFill>
@@ -5970,7 +5907,7 @@
               <a:t>остальные </a:t>
             </a:r>
             <a:r>
-              <a:rPr lang="en-US" sz="1400" dirty="0" smtClean="0">
+              <a:rPr lang="en-US" sz="1400" dirty="0">
                 <a:solidFill>
                   <a:srgbClr val="008000"/>
                 </a:solidFill>
@@ -5981,7 +5918,7 @@
               <a:t>Set/Has </a:t>
             </a:r>
             <a:r>
-              <a:rPr lang="ru-RU" sz="1400" dirty="0" smtClean="0">
+              <a:rPr lang="ru-RU" sz="1400" dirty="0">
                 <a:solidFill>
                   <a:srgbClr val="008000"/>
                 </a:solidFill>
@@ -5992,7 +5929,7 @@
               <a:t>методы</a:t>
             </a:r>
             <a:r>
-              <a:rPr lang="en-US" sz="1400" dirty="0" smtClean="0">
+              <a:rPr lang="en-US" sz="1400" dirty="0">
                 <a:solidFill>
                   <a:srgbClr val="008000"/>
                 </a:solidFill>
@@ -6680,10 +6617,9 @@
           <a:lstStyle/>
           <a:p>
             <a:r>
-              <a:rPr lang="ru-RU" dirty="0" smtClean="0"/>
+              <a:rPr lang="ru-RU" dirty="0"/>
               <a:t>Примерная реализация (продолжение)</a:t>
             </a:r>
-            <a:endParaRPr lang="ru-RU" dirty="0"/>
           </a:p>
         </p:txBody>
       </p:sp>
@@ -6725,7 +6661,7 @@
               <a:t>/*  </a:t>
             </a:r>
             <a:r>
-              <a:rPr lang="ru-RU" sz="1400" dirty="0" smtClean="0">
+              <a:rPr lang="ru-RU" sz="1400" dirty="0">
                 <a:solidFill>
                   <a:srgbClr val="008000"/>
                 </a:solidFill>
@@ -6736,7 +6672,7 @@
               <a:t>Продолжение класса </a:t>
             </a:r>
             <a:r>
-              <a:rPr lang="en-US" sz="1400" dirty="0" err="1" smtClean="0">
+              <a:rPr lang="en-US" sz="1400" dirty="0" err="1">
                 <a:solidFill>
                   <a:srgbClr val="008000"/>
                 </a:solidFill>
@@ -6747,7 +6683,7 @@
               <a:t>CBeverage</a:t>
             </a:r>
             <a:r>
-              <a:rPr lang="en-US" sz="1400" dirty="0" smtClean="0">
+              <a:rPr lang="en-US" sz="1400" dirty="0">
                 <a:solidFill>
                   <a:srgbClr val="008000"/>
                 </a:solidFill>
@@ -6757,7 +6693,7 @@
               </a:rPr>
               <a:t> */</a:t>
             </a:r>
-            <a:endParaRPr lang="ru-RU" sz="1400" dirty="0" smtClean="0">
+            <a:endParaRPr lang="ru-RU" sz="1400" dirty="0">
               <a:solidFill>
                 <a:srgbClr val="000000"/>
               </a:solidFill>
@@ -7005,7 +6941,7 @@
               <a:t> (</a:t>
             </a:r>
             <a:r>
-              <a:rPr lang="en-US" sz="1400" dirty="0" err="1" smtClean="0">
+              <a:rPr lang="en-US" sz="1400" dirty="0" err="1">
                 <a:solidFill>
                   <a:srgbClr val="000000"/>
                 </a:solidFill>
@@ -7016,7 +6952,7 @@
               <a:t>m_hasChocolateSyrup</a:t>
             </a:r>
             <a:r>
-              <a:rPr lang="en-US" sz="1400" dirty="0" smtClean="0">
+              <a:rPr lang="en-US" sz="1400" dirty="0">
                 <a:solidFill>
                   <a:srgbClr val="000000"/>
                 </a:solidFill>
@@ -7026,7 +6962,7 @@
               </a:rPr>
               <a:t>) </a:t>
             </a:r>
-            <a:endParaRPr lang="ru-RU" sz="1400" dirty="0" smtClean="0">
+            <a:endParaRPr lang="ru-RU" sz="1400" dirty="0">
               <a:solidFill>
                 <a:srgbClr val="000000"/>
               </a:solidFill>
@@ -7053,21 +6989,10 @@
                 <a:ea typeface="Calibri"/>
                 <a:cs typeface="Times New Roman"/>
               </a:rPr>
-              <a:t>	</a:t>
-            </a:r>
-            <a:r>
-              <a:rPr lang="ru-RU" sz="1400" dirty="0" smtClean="0">
-                <a:solidFill>
-                  <a:srgbClr val="000000"/>
-                </a:solidFill>
-                <a:latin typeface="Consolas"/>
-                <a:ea typeface="Calibri"/>
-                <a:cs typeface="Times New Roman"/>
-              </a:rPr>
-              <a:t>		</a:t>
-            </a:r>
-            <a:r>
-              <a:rPr lang="en-US" sz="1400" dirty="0" err="1" smtClean="0">
+              <a:t>			</a:t>
+            </a:r>
+            <a:r>
+              <a:rPr lang="en-US" sz="1400" dirty="0" err="1">
                 <a:solidFill>
                   <a:srgbClr val="000000"/>
                 </a:solidFill>
@@ -7078,7 +7003,7 @@
               <a:t>desc</a:t>
             </a:r>
             <a:r>
-              <a:rPr lang="en-US" sz="1400" dirty="0" smtClean="0">
+              <a:rPr lang="en-US" sz="1400" dirty="0">
                 <a:solidFill>
                   <a:srgbClr val="000000"/>
                 </a:solidFill>
@@ -7119,21 +7044,10 @@
                 <a:ea typeface="Calibri"/>
                 <a:cs typeface="Times New Roman"/>
               </a:rPr>
-              <a:t>", chocolate </a:t>
-            </a:r>
-            <a:r>
-              <a:rPr lang="en-US" sz="1400" dirty="0" smtClean="0">
-                <a:solidFill>
-                  <a:srgbClr val="A31515"/>
-                </a:solidFill>
-                <a:latin typeface="Consolas"/>
-                <a:ea typeface="Calibri"/>
-                <a:cs typeface="Times New Roman"/>
-              </a:rPr>
-              <a:t>syrup"</a:t>
-            </a:r>
-            <a:r>
-              <a:rPr lang="en-US" sz="1400" dirty="0" smtClean="0">
+              <a:t>", chocolate syrup"</a:t>
+            </a:r>
+            <a:r>
+              <a:rPr lang="en-US" sz="1400" dirty="0">
                 <a:solidFill>
                   <a:srgbClr val="000000"/>
                 </a:solidFill>
@@ -7143,7 +7057,7 @@
               </a:rPr>
               <a:t>;</a:t>
             </a:r>
-            <a:endParaRPr lang="ru-RU" sz="1400" dirty="0" smtClean="0">
+            <a:endParaRPr lang="ru-RU" sz="1400" dirty="0">
               <a:solidFill>
                 <a:srgbClr val="000000"/>
               </a:solidFill>
@@ -7499,7 +7413,7 @@
               <a:t> (</a:t>
             </a:r>
             <a:r>
-              <a:rPr lang="en-US" sz="1400" dirty="0" err="1" smtClean="0">
+              <a:rPr lang="en-US" sz="1400" dirty="0" err="1">
                 <a:solidFill>
                   <a:srgbClr val="000000"/>
                 </a:solidFill>
@@ -7510,7 +7424,7 @@
               <a:t>m_hasChocolateSyrup</a:t>
             </a:r>
             <a:r>
-              <a:rPr lang="en-US" sz="1400" dirty="0" smtClean="0">
+              <a:rPr lang="en-US" sz="1400" dirty="0">
                 <a:solidFill>
                   <a:srgbClr val="000000"/>
                 </a:solidFill>
@@ -7520,7 +7434,7 @@
               </a:rPr>
               <a:t>)</a:t>
             </a:r>
-            <a:endParaRPr lang="ru-RU" sz="1400" dirty="0" smtClean="0">
+            <a:endParaRPr lang="ru-RU" sz="1400" dirty="0">
               <a:solidFill>
                 <a:srgbClr val="000000"/>
               </a:solidFill>
@@ -7547,40 +7461,18 @@
                 <a:ea typeface="Calibri"/>
                 <a:cs typeface="Times New Roman"/>
               </a:rPr>
-              <a:t>	</a:t>
-            </a:r>
-            <a:r>
-              <a:rPr lang="ru-RU" sz="1400" dirty="0" smtClean="0">
-                <a:solidFill>
-                  <a:srgbClr val="000000"/>
-                </a:solidFill>
-                <a:latin typeface="Consolas"/>
-                <a:ea typeface="Calibri"/>
-                <a:cs typeface="Times New Roman"/>
-              </a:rPr>
-              <a:t>		</a:t>
-            </a:r>
-            <a:r>
-              <a:rPr lang="en-US" sz="1400" dirty="0" smtClean="0">
-                <a:solidFill>
-                  <a:srgbClr val="000000"/>
-                </a:solidFill>
-                <a:latin typeface="Consolas"/>
-                <a:ea typeface="Calibri"/>
-                <a:cs typeface="Times New Roman"/>
-              </a:rPr>
-              <a:t>cost </a:t>
-            </a:r>
-            <a:r>
-              <a:rPr lang="en-US" sz="1400" dirty="0">
-                <a:solidFill>
-                  <a:srgbClr val="000000"/>
-                </a:solidFill>
-                <a:latin typeface="Consolas"/>
-                <a:ea typeface="Calibri"/>
-                <a:cs typeface="Times New Roman"/>
-              </a:rPr>
-              <a:t>+= 30;</a:t>
+              <a:t>			</a:t>
+            </a:r>
+            <a:r>
+              <a:rPr lang="en-US" sz="1400" dirty="0">
+                <a:solidFill>
+                  <a:srgbClr val="000000"/>
+                </a:solidFill>
+                <a:latin typeface="Consolas"/>
+                <a:ea typeface="Calibri"/>
+                <a:cs typeface="Times New Roman"/>
+              </a:rPr>
+              <a:t>cost += 30;</a:t>
             </a:r>
             <a:endParaRPr lang="ru-RU" sz="1400" dirty="0">
               <a:ea typeface="Calibri"/>
@@ -7702,7 +7594,7 @@
               </a:lnSpc>
             </a:pPr>
             <a:r>
-              <a:rPr lang="en-US" sz="1400" dirty="0" smtClean="0">
+              <a:rPr lang="en-US" sz="1400" dirty="0">
                 <a:solidFill>
                   <a:srgbClr val="0000FF"/>
                 </a:solidFill>
@@ -7804,7 +7696,7 @@
               <a:t>false</a:t>
             </a:r>
             <a:r>
-              <a:rPr lang="en-US" sz="1400" dirty="0" smtClean="0">
+              <a:rPr lang="en-US" sz="1400" dirty="0">
                 <a:solidFill>
                   <a:srgbClr val="000000"/>
                 </a:solidFill>
@@ -7822,7 +7714,7 @@
               </a:lnSpc>
             </a:pPr>
             <a:r>
-              <a:rPr lang="en-US" sz="1400" dirty="0" smtClean="0">
+              <a:rPr lang="en-US" sz="1400" dirty="0">
                 <a:solidFill>
                   <a:srgbClr val="008000"/>
                 </a:solidFill>
@@ -7833,7 +7725,7 @@
               <a:t>	/*</a:t>
             </a:r>
             <a:r>
-              <a:rPr lang="ru-RU" sz="1400" dirty="0" smtClean="0">
+              <a:rPr lang="ru-RU" sz="1400" dirty="0">
                 <a:solidFill>
                   <a:srgbClr val="008000"/>
                 </a:solidFill>
@@ -7859,21 +7751,10 @@
                 <a:ea typeface="Calibri"/>
                 <a:cs typeface="Times New Roman"/>
               </a:rPr>
-              <a:t>	</a:t>
-            </a:r>
-            <a:r>
-              <a:rPr lang="ru-RU" sz="1400" dirty="0" smtClean="0">
-                <a:solidFill>
-                  <a:srgbClr val="008000"/>
-                </a:solidFill>
-                <a:latin typeface="Consolas"/>
-                <a:ea typeface="Calibri"/>
-                <a:cs typeface="Times New Roman"/>
-              </a:rPr>
-              <a:t>	 дополнений </a:t>
-            </a:r>
-            <a:r>
-              <a:rPr lang="en-US" sz="1400" dirty="0" smtClean="0">
+              <a:t>		 дополнений </a:t>
+            </a:r>
+            <a:r>
+              <a:rPr lang="en-US" sz="1400" dirty="0">
                 <a:solidFill>
                   <a:srgbClr val="008000"/>
                 </a:solidFill>
@@ -7898,7 +7779,7 @@
               </a:lnSpc>
             </a:pPr>
             <a:r>
-              <a:rPr lang="en-US" sz="1400" dirty="0" smtClean="0">
+              <a:rPr lang="en-US" sz="1400" dirty="0">
                 <a:solidFill>
                   <a:srgbClr val="000000"/>
                 </a:solidFill>
@@ -7973,7 +7854,7 @@
                 <a:t>// </a:t>
               </a:r>
               <a:r>
-                <a:rPr lang="ru-RU" sz="1400" dirty="0" smtClean="0">
+                <a:rPr lang="ru-RU" sz="1400" dirty="0">
                   <a:solidFill>
                     <a:srgbClr val="008000"/>
                   </a:solidFill>
@@ -8227,7 +8108,7 @@
                 <a:t> </a:t>
               </a:r>
               <a:r>
-                <a:rPr lang="en-US" sz="1400" dirty="0" smtClean="0">
+                <a:rPr lang="en-US" sz="1400" dirty="0">
                   <a:solidFill>
                     <a:srgbClr val="0000FF"/>
                   </a:solidFill>
@@ -8237,7 +8118,7 @@
                 </a:rPr>
                 <a:t>override</a:t>
               </a:r>
-              <a:endParaRPr lang="en-US" sz="1400" dirty="0" smtClean="0">
+              <a:endParaRPr lang="en-US" sz="1400" dirty="0">
                 <a:solidFill>
                   <a:srgbClr val="000000"/>
                 </a:solidFill>
@@ -8264,18 +8145,7 @@
                   <a:ea typeface="Calibri"/>
                   <a:cs typeface="Times New Roman"/>
                 </a:rPr>
-                <a:t>	</a:t>
-              </a:r>
-              <a:r>
-                <a:rPr lang="en-US" sz="1400" dirty="0" smtClean="0">
-                  <a:solidFill>
-                    <a:srgbClr val="000000"/>
-                  </a:solidFill>
-                  <a:latin typeface="Consolas"/>
-                  <a:ea typeface="Calibri"/>
-                  <a:cs typeface="Times New Roman"/>
-                </a:rPr>
-                <a:t>{</a:t>
+                <a:t>	{</a:t>
               </a:r>
             </a:p>
             <a:p>
@@ -8296,21 +8166,10 @@
                   <a:ea typeface="Calibri"/>
                   <a:cs typeface="Times New Roman"/>
                 </a:rPr>
-                <a:t>	</a:t>
+                <a:t>		</a:t>
               </a:r>
               <a:r>
-                <a:rPr lang="en-US" sz="1400" dirty="0" smtClean="0">
-                  <a:solidFill>
-                    <a:srgbClr val="000000"/>
-                  </a:solidFill>
-                  <a:latin typeface="Consolas"/>
-                  <a:ea typeface="Calibri"/>
-                  <a:cs typeface="Times New Roman"/>
-                </a:rPr>
-                <a:t>	</a:t>
-              </a:r>
-              <a:r>
-                <a:rPr lang="en-US" sz="1400" dirty="0" smtClean="0">
+                <a:rPr lang="en-US" sz="1400" dirty="0">
                   <a:solidFill>
                     <a:srgbClr val="0000FF"/>
                   </a:solidFill>
@@ -8321,7 +8180,7 @@
                 <a:t>return</a:t>
               </a:r>
               <a:r>
-                <a:rPr lang="en-US" sz="1400" dirty="0" smtClean="0">
+                <a:rPr lang="en-US" sz="1400" dirty="0">
                   <a:solidFill>
                     <a:srgbClr val="000000"/>
                   </a:solidFill>
@@ -8419,14 +8278,6 @@
                 </a:rPr>
                 <a:t>(); </a:t>
               </a:r>
-              <a:endParaRPr lang="en-US" sz="1400" dirty="0" smtClean="0">
-                <a:solidFill>
-                  <a:srgbClr val="000000"/>
-                </a:solidFill>
-                <a:latin typeface="Consolas"/>
-                <a:ea typeface="Calibri"/>
-                <a:cs typeface="Times New Roman"/>
-              </a:endParaRPr>
             </a:p>
             <a:p>
               <a:pPr defTabSz="180975">
@@ -8446,18 +8297,7 @@
                   <a:ea typeface="Calibri"/>
                   <a:cs typeface="Times New Roman"/>
                 </a:rPr>
-                <a:t>	</a:t>
-              </a:r>
-              <a:r>
-                <a:rPr lang="en-US" sz="1400" dirty="0" smtClean="0">
-                  <a:solidFill>
-                    <a:srgbClr val="000000"/>
-                  </a:solidFill>
-                  <a:latin typeface="Consolas"/>
-                  <a:ea typeface="Calibri"/>
-                  <a:cs typeface="Times New Roman"/>
-                </a:rPr>
-                <a:t>}</a:t>
+                <a:t>	}</a:t>
               </a:r>
               <a:endParaRPr lang="ru-RU" sz="1400" dirty="0">
                 <a:ea typeface="Calibri"/>
@@ -8550,14 +8390,6 @@
                 </a:rPr>
                 <a:t> </a:t>
               </a:r>
-              <a:endParaRPr lang="en-US" sz="1400" dirty="0" smtClean="0">
-                <a:solidFill>
-                  <a:srgbClr val="000000"/>
-                </a:solidFill>
-                <a:latin typeface="Consolas"/>
-                <a:ea typeface="Calibri"/>
-                <a:cs typeface="Times New Roman"/>
-              </a:endParaRPr>
             </a:p>
             <a:p>
               <a:pPr defTabSz="180975">
@@ -8577,18 +8409,7 @@
                   <a:ea typeface="Calibri"/>
                   <a:cs typeface="Times New Roman"/>
                 </a:rPr>
-                <a:t>	</a:t>
-              </a:r>
-              <a:r>
-                <a:rPr lang="en-US" sz="1400" dirty="0" smtClean="0">
-                  <a:solidFill>
-                    <a:srgbClr val="000000"/>
-                  </a:solidFill>
-                  <a:latin typeface="Consolas"/>
-                  <a:ea typeface="Calibri"/>
-                  <a:cs typeface="Times New Roman"/>
-                </a:rPr>
-                <a:t>{</a:t>
+                <a:t>	{</a:t>
               </a:r>
             </a:p>
             <a:p>
@@ -8609,21 +8430,10 @@
                   <a:ea typeface="Calibri"/>
                   <a:cs typeface="Times New Roman"/>
                 </a:rPr>
-                <a:t>	</a:t>
+                <a:t>		</a:t>
               </a:r>
               <a:r>
-                <a:rPr lang="en-US" sz="1400" dirty="0" smtClean="0">
-                  <a:solidFill>
-                    <a:srgbClr val="000000"/>
-                  </a:solidFill>
-                  <a:latin typeface="Consolas"/>
-                  <a:ea typeface="Calibri"/>
-                  <a:cs typeface="Times New Roman"/>
-                </a:rPr>
-                <a:t>	</a:t>
-              </a:r>
-              <a:r>
-                <a:rPr lang="en-US" sz="1400" dirty="0" smtClean="0">
+                <a:rPr lang="en-US" sz="1400" dirty="0">
                   <a:solidFill>
                     <a:srgbClr val="0000FF"/>
                   </a:solidFill>
@@ -8634,17 +8444,6 @@
                 <a:t>return</a:t>
               </a:r>
               <a:r>
-                <a:rPr lang="en-US" sz="1400" dirty="0" smtClean="0">
-                  <a:solidFill>
-                    <a:srgbClr val="000000"/>
-                  </a:solidFill>
-                  <a:latin typeface="Consolas"/>
-                  <a:ea typeface="Calibri"/>
-                  <a:cs typeface="Times New Roman"/>
-                </a:rPr>
-                <a:t> </a:t>
-              </a:r>
-              <a:r>
                 <a:rPr lang="en-US" sz="1400" dirty="0">
                   <a:solidFill>
                     <a:srgbClr val="000000"/>
@@ -8653,7 +8452,7 @@
                   <a:ea typeface="Calibri"/>
                   <a:cs typeface="Times New Roman"/>
                 </a:rPr>
-                <a:t>60 + </a:t>
+                <a:t> 60 + </a:t>
               </a:r>
               <a:r>
                 <a:rPr lang="en-US" sz="1400" dirty="0" err="1">
@@ -8699,14 +8498,6 @@
                 </a:rPr>
                 <a:t>(); </a:t>
               </a:r>
-              <a:endParaRPr lang="en-US" sz="1400" dirty="0" smtClean="0">
-                <a:solidFill>
-                  <a:srgbClr val="000000"/>
-                </a:solidFill>
-                <a:latin typeface="Consolas"/>
-                <a:ea typeface="Calibri"/>
-                <a:cs typeface="Times New Roman"/>
-              </a:endParaRPr>
             </a:p>
             <a:p>
               <a:pPr defTabSz="180975">
@@ -8726,18 +8517,7 @@
                   <a:ea typeface="Calibri"/>
                   <a:cs typeface="Times New Roman"/>
                 </a:rPr>
-                <a:t>	</a:t>
-              </a:r>
-              <a:r>
-                <a:rPr lang="en-US" sz="1400" dirty="0" smtClean="0">
-                  <a:solidFill>
-                    <a:srgbClr val="000000"/>
-                  </a:solidFill>
-                  <a:latin typeface="Consolas"/>
-                  <a:ea typeface="Calibri"/>
-                  <a:cs typeface="Times New Roman"/>
-                </a:rPr>
-                <a:t>}</a:t>
+                <a:t>	}</a:t>
               </a:r>
               <a:endParaRPr lang="ru-RU" sz="1400" dirty="0">
                 <a:ea typeface="Calibri"/>
@@ -9205,17 +8985,6 @@
               </a:rPr>
               <a:t>() </a:t>
             </a:r>
-            <a:endParaRPr lang="en-US" sz="1400" dirty="0" smtClean="0">
-              <a:solidFill>
-                <a:srgbClr val="000000"/>
-              </a:solidFill>
-              <a:highlight>
-                <a:srgbClr val="FFFFFF"/>
-              </a:highlight>
-              <a:latin typeface="Consolas" panose="020B0609020204030204" pitchFamily="49" charset="0"/>
-              <a:ea typeface="Calibri" panose="020F0502020204030204" pitchFamily="34" charset="0"/>
-              <a:cs typeface="Times New Roman" panose="02020603050405020304" pitchFamily="18" charset="0"/>
-            </a:endParaRPr>
           </a:p>
           <a:p>
             <a:pPr defTabSz="179388">
@@ -9238,12 +9007,12 @@
                 <a:ea typeface="Calibri" panose="020F0502020204030204" pitchFamily="34" charset="0"/>
                 <a:cs typeface="Times New Roman" panose="02020603050405020304" pitchFamily="18" charset="0"/>
               </a:rPr>
-              <a:t>	 </a:t>
-            </a:r>
-            <a:r>
-              <a:rPr lang="en-US" sz="1400" dirty="0" smtClean="0">
-                <a:solidFill>
-                  <a:srgbClr val="000000"/>
+              <a:t>	     </a:t>
+            </a:r>
+            <a:r>
+              <a:rPr lang="en-US" sz="1400" dirty="0">
+                <a:solidFill>
+                  <a:srgbClr val="008080"/>
                 </a:solidFill>
                 <a:highlight>
                   <a:srgbClr val="FFFFFF"/>
@@ -9252,24 +9021,10 @@
                 <a:ea typeface="Calibri" panose="020F0502020204030204" pitchFamily="34" charset="0"/>
                 <a:cs typeface="Times New Roman" panose="02020603050405020304" pitchFamily="18" charset="0"/>
               </a:rPr>
-              <a:t>    </a:t>
-            </a:r>
-            <a:r>
-              <a:rPr lang="en-US" sz="1400" dirty="0" smtClean="0">
-                <a:solidFill>
-                  <a:srgbClr val="008080"/>
-                </a:solidFill>
-                <a:highlight>
-                  <a:srgbClr val="FFFFFF"/>
-                </a:highlight>
-                <a:latin typeface="Consolas" panose="020B0609020204030204" pitchFamily="49" charset="0"/>
-                <a:ea typeface="Calibri" panose="020F0502020204030204" pitchFamily="34" charset="0"/>
-                <a:cs typeface="Times New Roman" panose="02020603050405020304" pitchFamily="18" charset="0"/>
-              </a:rPr>
               <a:t>&lt;&lt;</a:t>
             </a:r>
             <a:r>
-              <a:rPr lang="en-US" sz="1400" dirty="0" smtClean="0">
+              <a:rPr lang="en-US" sz="1400" dirty="0">
                 <a:solidFill>
                   <a:srgbClr val="000000"/>
                 </a:solidFill>
@@ -9910,10 +9665,9 @@
           <a:lstStyle/>
           <a:p>
             <a:r>
-              <a:rPr lang="ru-RU" dirty="0" smtClean="0"/>
+              <a:rPr lang="ru-RU" dirty="0"/>
               <a:t>Критика архитектурного решения</a:t>
             </a:r>
-            <a:endParaRPr lang="ru-RU" dirty="0"/>
           </a:p>
         </p:txBody>
       </p:sp>
@@ -9935,58 +9689,42 @@
           <a:lstStyle/>
           <a:p>
             <a:r>
-              <a:rPr lang="ru-RU" dirty="0" smtClean="0"/>
-              <a:t>Изменение цены приведет к </a:t>
-            </a:r>
-            <a:r>
-              <a:rPr lang="ru-RU" dirty="0" smtClean="0"/>
-              <a:t>модификации </a:t>
-            </a:r>
-            <a:r>
-              <a:rPr lang="ru-RU" dirty="0" smtClean="0"/>
-              <a:t>существующего кода</a:t>
-            </a:r>
-          </a:p>
-          <a:p>
-            <a:r>
-              <a:rPr lang="ru-RU" dirty="0" smtClean="0"/>
+              <a:rPr lang="ru-RU" dirty="0"/>
+              <a:t>Изменение цены приведет к модификации существующего кода</a:t>
+            </a:r>
+          </a:p>
+          <a:p>
+            <a:r>
+              <a:rPr lang="ru-RU" dirty="0"/>
               <a:t>При добавлении дополнений придется модифицировать родительский класс</a:t>
             </a:r>
           </a:p>
           <a:p>
             <a:r>
-              <a:rPr lang="ru-RU" dirty="0" smtClean="0"/>
-              <a:t>Некоторые возможн</a:t>
-            </a:r>
-            <a:r>
               <a:rPr lang="ru-RU" dirty="0"/>
-              <a:t>ы</a:t>
-            </a:r>
-            <a:r>
-              <a:rPr lang="ru-RU" dirty="0" smtClean="0"/>
-              <a:t>е комбинации могут быть нежелательными</a:t>
+              <a:t>Некоторые возможные комбинации могут быть нежелательными</a:t>
             </a:r>
           </a:p>
           <a:p>
             <a:pPr lvl="1"/>
             <a:r>
-              <a:rPr lang="ru-RU" dirty="0" smtClean="0"/>
+              <a:rPr lang="ru-RU" dirty="0"/>
               <a:t>Молочный коктейль со льдом</a:t>
             </a:r>
           </a:p>
           <a:p>
             <a:r>
-              <a:rPr lang="ru-RU" dirty="0" smtClean="0"/>
+              <a:rPr lang="ru-RU" dirty="0"/>
               <a:t>Как добавить двойную порцию шоколада</a:t>
             </a:r>
             <a:r>
-              <a:rPr lang="en-US" dirty="0" smtClean="0"/>
+              <a:rPr lang="en-US" dirty="0"/>
               <a:t>?</a:t>
             </a:r>
           </a:p>
           <a:p>
             <a:r>
-              <a:rPr lang="ru-RU" dirty="0" smtClean="0">
+              <a:rPr lang="ru-RU" dirty="0">
                 <a:solidFill>
                   <a:srgbClr val="FF0000"/>
                 </a:solidFill>
@@ -9994,7 +9732,7 @@
               <a:t>Что еще</a:t>
             </a:r>
             <a:r>
-              <a:rPr lang="en-US" dirty="0" smtClean="0">
+              <a:rPr lang="en-US" dirty="0">
                 <a:solidFill>
                   <a:srgbClr val="FF0000"/>
                 </a:solidFill>
@@ -10438,11 +10176,11 @@
           <a:lstStyle/>
           <a:p>
             <a:r>
-              <a:rPr lang="ru-RU" dirty="0" smtClean="0"/>
+              <a:rPr lang="ru-RU" dirty="0"/>
               <a:t>Принцип открытости/закрытости (</a:t>
             </a:r>
             <a:r>
-              <a:rPr lang="en-US" dirty="0" smtClean="0"/>
+              <a:rPr lang="en-US" dirty="0"/>
               <a:t>Open/Closed principle)</a:t>
             </a:r>
             <a:endParaRPr lang="ru-RU" dirty="0"/>
@@ -10465,13 +10203,13 @@
           <a:lstStyle/>
           <a:p>
             <a:r>
-              <a:rPr lang="ru-RU" dirty="0" smtClean="0"/>
+              <a:rPr lang="ru-RU" dirty="0"/>
               <a:t>Классы должны быть открытыми для расширения, но закрытыми для изменения</a:t>
             </a:r>
           </a:p>
           <a:p>
             <a:r>
-              <a:rPr lang="ru-RU" dirty="0" smtClean="0"/>
+              <a:rPr lang="ru-RU" dirty="0"/>
               <a:t>Построить архитектуру, устойчивую к изменениям, при этом гибкую для поддержки нового функционала</a:t>
             </a:r>
           </a:p>
@@ -10678,10 +10416,9 @@
           <a:lstStyle/>
           <a:p>
             <a:r>
-              <a:rPr lang="ru-RU" dirty="0" smtClean="0"/>
+              <a:rPr lang="ru-RU" dirty="0"/>
               <a:t>Последовательность действий</a:t>
             </a:r>
-            <a:endParaRPr lang="ru-RU" dirty="0"/>
           </a:p>
         </p:txBody>
       </p:sp>
@@ -10703,49 +10440,48 @@
           <a:lstStyle/>
           <a:p>
             <a:r>
-              <a:rPr lang="ru-RU" dirty="0" smtClean="0"/>
+              <a:rPr lang="ru-RU" dirty="0"/>
               <a:t>Берем обычный кофе</a:t>
             </a:r>
           </a:p>
           <a:p>
             <a:pPr lvl="1"/>
             <a:r>
-              <a:rPr lang="ru-RU" dirty="0" smtClean="0"/>
+              <a:rPr lang="ru-RU" dirty="0"/>
               <a:t>Это обычный напиток</a:t>
             </a:r>
           </a:p>
           <a:p>
             <a:r>
-              <a:rPr lang="ru-RU" dirty="0" smtClean="0"/>
+              <a:rPr lang="ru-RU" dirty="0"/>
               <a:t>Создаем объект Корица и «оборачиваем» им Кофе</a:t>
             </a:r>
           </a:p>
           <a:p>
             <a:pPr lvl="1"/>
             <a:r>
-              <a:rPr lang="ru-RU" dirty="0" smtClean="0"/>
+              <a:rPr lang="ru-RU" dirty="0"/>
               <a:t>Корица является декоратором. Его тип повторяет тип декорируемого объекта (напиток)</a:t>
             </a:r>
           </a:p>
           <a:p>
             <a:r>
-              <a:rPr lang="ru-RU" dirty="0" smtClean="0"/>
+              <a:rPr lang="ru-RU" dirty="0"/>
               <a:t>Создаем объект «Шоколадный сироп» и оборачиваем им корицу</a:t>
             </a:r>
           </a:p>
           <a:p>
             <a:pPr lvl="1"/>
             <a:r>
-              <a:rPr lang="ru-RU" dirty="0" smtClean="0"/>
+              <a:rPr lang="ru-RU" dirty="0"/>
               <a:t>«Шоколадный сироп» также является декоратором</a:t>
             </a:r>
           </a:p>
           <a:p>
             <a:r>
-              <a:rPr lang="ru-RU" dirty="0" smtClean="0"/>
+              <a:rPr lang="ru-RU" dirty="0"/>
               <a:t>Кофе, «завернутый» в шоколадный сироп и корицу сохраняет признаки напитка</a:t>
             </a:r>
-            <a:endParaRPr lang="ru-RU" dirty="0"/>
           </a:p>
         </p:txBody>
       </p:sp>
@@ -11201,10 +10937,9 @@
           <a:lstStyle/>
           <a:p>
             <a:r>
-              <a:rPr lang="ru-RU" dirty="0" smtClean="0"/>
+              <a:rPr lang="ru-RU" dirty="0"/>
               <a:t>Вычисление стоимости напитка</a:t>
             </a:r>
-            <a:endParaRPr lang="ru-RU" dirty="0"/>
           </a:p>
         </p:txBody>
       </p:sp>
@@ -11231,11 +10966,11 @@
           <a:lstStyle/>
           <a:p>
             <a:r>
-              <a:rPr lang="en-US" dirty="0" err="1" smtClean="0"/>
+              <a:rPr lang="en-US" dirty="0" err="1"/>
               <a:t>GetCost</a:t>
             </a:r>
             <a:r>
-              <a:rPr lang="en-US" dirty="0" smtClean="0"/>
+              <a:rPr lang="en-US" dirty="0"/>
               <a:t>()</a:t>
             </a:r>
             <a:endParaRPr lang="ru-RU" dirty="0"/>
@@ -11265,11 +11000,11 @@
           <a:lstStyle/>
           <a:p>
             <a:r>
-              <a:rPr lang="en-US" dirty="0" err="1" smtClean="0"/>
+              <a:rPr lang="en-US" dirty="0" err="1"/>
               <a:t>GetCost</a:t>
             </a:r>
             <a:r>
-              <a:rPr lang="en-US" dirty="0" smtClean="0"/>
+              <a:rPr lang="en-US" dirty="0"/>
               <a:t>()</a:t>
             </a:r>
             <a:endParaRPr lang="ru-RU" dirty="0"/>
@@ -11299,11 +11034,11 @@
           <a:lstStyle/>
           <a:p>
             <a:r>
-              <a:rPr lang="en-US" dirty="0" err="1" smtClean="0"/>
+              <a:rPr lang="en-US" dirty="0" err="1"/>
               <a:t>GetCost</a:t>
             </a:r>
             <a:r>
-              <a:rPr lang="en-US" dirty="0" smtClean="0"/>
+              <a:rPr lang="en-US" dirty="0"/>
               <a:t>()</a:t>
             </a:r>
             <a:endParaRPr lang="ru-RU" dirty="0"/>
@@ -12236,7 +11971,7 @@
           <a:lstStyle/>
           <a:p>
             <a:r>
-              <a:rPr lang="en-US" dirty="0" smtClean="0"/>
+              <a:rPr lang="en-US" dirty="0"/>
               <a:t>60.0</a:t>
             </a:r>
             <a:endParaRPr lang="ru-RU" dirty="0"/>
@@ -12267,7 +12002,7 @@
           <a:p>
             <a:pPr algn="ctr"/>
             <a:r>
-              <a:rPr lang="en-US" dirty="0" smtClean="0"/>
+              <a:rPr lang="en-US" dirty="0"/>
               <a:t>20.0</a:t>
             </a:r>
             <a:endParaRPr lang="ru-RU" dirty="0"/>
@@ -12298,7 +12033,7 @@
           <a:p>
             <a:pPr algn="ctr"/>
             <a:r>
-              <a:rPr lang="en-US" dirty="0" smtClean="0"/>
+              <a:rPr lang="en-US" dirty="0"/>
               <a:t>30.0</a:t>
             </a:r>
             <a:endParaRPr lang="ru-RU" dirty="0"/>
@@ -12329,7 +12064,7 @@
           <a:p>
             <a:pPr algn="ctr"/>
             <a:r>
-              <a:rPr lang="en-US" dirty="0" smtClean="0"/>
+              <a:rPr lang="en-US" dirty="0"/>
               <a:t>110.0</a:t>
             </a:r>
             <a:endParaRPr lang="ru-RU" dirty="0"/>
@@ -12359,23 +12094,23 @@
           <a:lstStyle/>
           <a:p>
             <a:r>
-              <a:rPr lang="en-US" dirty="0" smtClean="0"/>
+              <a:rPr lang="en-US" dirty="0"/>
               <a:t>1. </a:t>
             </a:r>
             <a:r>
-              <a:rPr lang="en-US" dirty="0" err="1" smtClean="0"/>
+              <a:rPr lang="en-US" dirty="0" err="1"/>
               <a:t>GetCost</a:t>
             </a:r>
             <a:r>
-              <a:rPr lang="en-US" dirty="0" smtClean="0"/>
+              <a:rPr lang="en-US" dirty="0"/>
               <a:t>()</a:t>
             </a:r>
             <a:r>
-              <a:rPr lang="ru-RU" dirty="0" smtClean="0"/>
+              <a:rPr lang="ru-RU" dirty="0"/>
               <a:t> вызывается у внешнего декоратора </a:t>
             </a:r>
             <a:r>
-              <a:rPr lang="en-US" dirty="0" err="1" smtClean="0"/>
+              <a:rPr lang="en-US" dirty="0" err="1"/>
               <a:t>ChocolateSyrup</a:t>
             </a:r>
             <a:endParaRPr lang="ru-RU" dirty="0"/>
@@ -12405,11 +12140,11 @@
           <a:lstStyle/>
           <a:p>
             <a:r>
-              <a:rPr lang="en-US" dirty="0" err="1" smtClean="0"/>
+              <a:rPr lang="en-US" dirty="0" err="1"/>
               <a:t>GetCost</a:t>
             </a:r>
             <a:r>
-              <a:rPr lang="en-US" dirty="0" smtClean="0"/>
+              <a:rPr lang="en-US" dirty="0"/>
               <a:t>()</a:t>
             </a:r>
             <a:endParaRPr lang="ru-RU" dirty="0"/>
@@ -12439,11 +12174,11 @@
           <a:lstStyle/>
           <a:p>
             <a:r>
-              <a:rPr lang="en-US" dirty="0" err="1" smtClean="0"/>
+              <a:rPr lang="en-US" dirty="0" err="1"/>
               <a:t>GetCost</a:t>
             </a:r>
             <a:r>
-              <a:rPr lang="en-US" dirty="0" smtClean="0"/>
+              <a:rPr lang="en-US" dirty="0"/>
               <a:t>()</a:t>
             </a:r>
             <a:endParaRPr lang="ru-RU" dirty="0"/>
@@ -12473,11 +12208,11 @@
           <a:lstStyle/>
           <a:p>
             <a:r>
-              <a:rPr lang="en-US" dirty="0" err="1" smtClean="0"/>
+              <a:rPr lang="en-US" dirty="0" err="1"/>
               <a:t>GetCost</a:t>
             </a:r>
             <a:r>
-              <a:rPr lang="en-US" dirty="0" smtClean="0"/>
+              <a:rPr lang="en-US" dirty="0"/>
               <a:t>()</a:t>
             </a:r>
             <a:endParaRPr lang="ru-RU" dirty="0"/>
@@ -12507,39 +12242,39 @@
           <a:lstStyle/>
           <a:p>
             <a:r>
-              <a:rPr lang="en-US" dirty="0" smtClean="0"/>
+              <a:rPr lang="en-US" dirty="0"/>
               <a:t>2.</a:t>
             </a:r>
             <a:r>
-              <a:rPr lang="ru-RU" dirty="0" smtClean="0"/>
+              <a:rPr lang="ru-RU" dirty="0"/>
               <a:t> </a:t>
             </a:r>
             <a:r>
-              <a:rPr lang="en-US" dirty="0" err="1" smtClean="0"/>
+              <a:rPr lang="en-US" dirty="0" err="1"/>
               <a:t>ChocolateSyrup</a:t>
             </a:r>
             <a:r>
-              <a:rPr lang="ru-RU" dirty="0" smtClean="0"/>
+              <a:rPr lang="ru-RU" dirty="0"/>
               <a:t> вызывает</a:t>
             </a:r>
             <a:r>
-              <a:rPr lang="en-US" dirty="0" smtClean="0"/>
+              <a:rPr lang="en-US" dirty="0"/>
               <a:t> </a:t>
             </a:r>
             <a:r>
-              <a:rPr lang="en-US" dirty="0" err="1" smtClean="0"/>
+              <a:rPr lang="en-US" dirty="0" err="1"/>
               <a:t>GetCost</a:t>
             </a:r>
             <a:r>
-              <a:rPr lang="en-US" dirty="0" smtClean="0"/>
+              <a:rPr lang="en-US" dirty="0"/>
               <a:t>()</a:t>
             </a:r>
             <a:r>
-              <a:rPr lang="ru-RU" dirty="0" smtClean="0"/>
+              <a:rPr lang="ru-RU" dirty="0"/>
               <a:t> у декоратора </a:t>
             </a:r>
             <a:r>
-              <a:rPr lang="en-US" dirty="0" smtClean="0"/>
+              <a:rPr lang="en-US" dirty="0"/>
               <a:t>Cinnamon</a:t>
             </a:r>
             <a:endParaRPr lang="ru-RU" dirty="0"/>
@@ -12569,11 +12304,11 @@
           <a:lstStyle/>
           <a:p>
             <a:r>
-              <a:rPr lang="en-US" dirty="0" smtClean="0"/>
+              <a:rPr lang="en-US" dirty="0"/>
               <a:t>3.</a:t>
             </a:r>
             <a:r>
-              <a:rPr lang="ru-RU" dirty="0" smtClean="0"/>
+              <a:rPr lang="ru-RU" dirty="0"/>
               <a:t> </a:t>
             </a:r>
             <a:r>
@@ -12581,27 +12316,27 @@
               <a:t>Cinnamon </a:t>
             </a:r>
             <a:r>
-              <a:rPr lang="ru-RU" dirty="0" smtClean="0"/>
+              <a:rPr lang="ru-RU" dirty="0"/>
               <a:t>вызывает</a:t>
             </a:r>
             <a:r>
-              <a:rPr lang="en-US" dirty="0" smtClean="0"/>
+              <a:rPr lang="en-US" dirty="0"/>
               <a:t> </a:t>
             </a:r>
             <a:r>
-              <a:rPr lang="en-US" dirty="0" err="1" smtClean="0"/>
+              <a:rPr lang="en-US" dirty="0" err="1"/>
               <a:t>GetCost</a:t>
             </a:r>
             <a:r>
-              <a:rPr lang="en-US" dirty="0" smtClean="0"/>
+              <a:rPr lang="en-US" dirty="0"/>
               <a:t>()</a:t>
             </a:r>
             <a:r>
-              <a:rPr lang="ru-RU" dirty="0" smtClean="0"/>
+              <a:rPr lang="ru-RU" dirty="0"/>
               <a:t> у</a:t>
             </a:r>
             <a:r>
-              <a:rPr lang="en-US" dirty="0" smtClean="0"/>
+              <a:rPr lang="en-US" dirty="0"/>
               <a:t> Coffee</a:t>
             </a:r>
             <a:endParaRPr lang="ru-RU" dirty="0"/>
@@ -12632,33 +12367,28 @@
           <a:p>
             <a:r>
               <a:rPr lang="en-US" dirty="0"/>
-              <a:t>4</a:t>
-            </a:r>
-            <a:r>
-              <a:rPr lang="en-US" dirty="0" smtClean="0"/>
-              <a:t>.</a:t>
-            </a:r>
-            <a:r>
-              <a:rPr lang="ru-RU" dirty="0" smtClean="0"/>
+              <a:t>4.</a:t>
+            </a:r>
+            <a:r>
+              <a:rPr lang="ru-RU" dirty="0"/>
               <a:t> </a:t>
             </a:r>
             <a:r>
-              <a:rPr lang="en-US" dirty="0" smtClean="0"/>
+              <a:rPr lang="en-US" dirty="0"/>
               <a:t>Coffee </a:t>
             </a:r>
             <a:r>
-              <a:rPr lang="ru-RU" dirty="0" smtClean="0"/>
+              <a:rPr lang="ru-RU" dirty="0"/>
               <a:t>возвращает свою стоимость – </a:t>
             </a:r>
             <a:r>
-              <a:rPr lang="en-US" b="1" dirty="0" smtClean="0"/>
+              <a:rPr lang="en-US" b="1" dirty="0"/>
               <a:t>60</a:t>
             </a:r>
             <a:r>
-              <a:rPr lang="ru-RU" b="1" dirty="0" smtClean="0"/>
+              <a:rPr lang="ru-RU" b="1" dirty="0"/>
               <a:t>р.</a:t>
             </a:r>
-            <a:endParaRPr lang="ru-RU" b="1" dirty="0"/>
           </a:p>
         </p:txBody>
       </p:sp>
@@ -12685,38 +12415,37 @@
           <a:lstStyle/>
           <a:p>
             <a:r>
-              <a:rPr lang="ru-RU" dirty="0" smtClean="0"/>
+              <a:rPr lang="ru-RU" dirty="0"/>
               <a:t>5</a:t>
             </a:r>
             <a:r>
-              <a:rPr lang="en-US" dirty="0" smtClean="0"/>
+              <a:rPr lang="en-US" dirty="0"/>
               <a:t>.</a:t>
             </a:r>
             <a:r>
-              <a:rPr lang="ru-RU" dirty="0" smtClean="0"/>
+              <a:rPr lang="ru-RU" dirty="0"/>
               <a:t> </a:t>
             </a:r>
             <a:r>
-              <a:rPr lang="en-US" dirty="0" smtClean="0"/>
+              <a:rPr lang="en-US" dirty="0"/>
               <a:t>Cinnamon </a:t>
             </a:r>
             <a:r>
-              <a:rPr lang="ru-RU" dirty="0" smtClean="0"/>
+              <a:rPr lang="ru-RU" dirty="0"/>
               <a:t>прибавляет свою стоимость (20р.) к стоимости, полученной от </a:t>
             </a:r>
             <a:r>
-              <a:rPr lang="en-US" dirty="0" smtClean="0"/>
+              <a:rPr lang="en-US" dirty="0"/>
               <a:t>Coffee </a:t>
             </a:r>
             <a:r>
-              <a:rPr lang="ru-RU" dirty="0" smtClean="0"/>
+              <a:rPr lang="ru-RU" dirty="0"/>
               <a:t>и возвращает сумму – </a:t>
             </a:r>
             <a:r>
-              <a:rPr lang="ru-RU" b="1" dirty="0" smtClean="0"/>
+              <a:rPr lang="ru-RU" b="1" dirty="0"/>
               <a:t>80р.</a:t>
             </a:r>
-            <a:endParaRPr lang="ru-RU" b="1" dirty="0"/>
           </a:p>
         </p:txBody>
       </p:sp>
@@ -12743,38 +12472,37 @@
           <a:lstStyle/>
           <a:p>
             <a:r>
-              <a:rPr lang="ru-RU" dirty="0" smtClean="0"/>
+              <a:rPr lang="ru-RU" dirty="0"/>
               <a:t>6</a:t>
             </a:r>
             <a:r>
-              <a:rPr lang="en-US" dirty="0" smtClean="0"/>
+              <a:rPr lang="en-US" dirty="0"/>
               <a:t>.</a:t>
             </a:r>
             <a:r>
-              <a:rPr lang="ru-RU" dirty="0" smtClean="0"/>
+              <a:rPr lang="ru-RU" dirty="0"/>
               <a:t> </a:t>
             </a:r>
             <a:r>
-              <a:rPr lang="en-US" dirty="0" err="1" smtClean="0"/>
+              <a:rPr lang="en-US" dirty="0" err="1"/>
               <a:t>ChocolateSyrup</a:t>
             </a:r>
             <a:r>
-              <a:rPr lang="ru-RU" dirty="0" smtClean="0"/>
+              <a:rPr lang="ru-RU" dirty="0"/>
               <a:t> прибавляет свою стоимость (30р.) к стоимости, полученной от </a:t>
             </a:r>
             <a:r>
-              <a:rPr lang="en-US" dirty="0" smtClean="0"/>
+              <a:rPr lang="en-US" dirty="0"/>
               <a:t>Cinnamon </a:t>
             </a:r>
             <a:r>
-              <a:rPr lang="ru-RU" dirty="0" smtClean="0"/>
+              <a:rPr lang="ru-RU" dirty="0"/>
               <a:t>и возвращает сумму – </a:t>
             </a:r>
             <a:r>
-              <a:rPr lang="ru-RU" b="1" dirty="0" smtClean="0"/>
+              <a:rPr lang="ru-RU" b="1" dirty="0"/>
               <a:t>110р.</a:t>
             </a:r>
-            <a:endParaRPr lang="ru-RU" b="1" dirty="0"/>
           </a:p>
         </p:txBody>
       </p:sp>
@@ -13648,10 +13376,9 @@
           <a:lstStyle/>
           <a:p>
             <a:r>
-              <a:rPr lang="ru-RU" dirty="0" smtClean="0"/>
+              <a:rPr lang="ru-RU" dirty="0"/>
               <a:t>Декоратор</a:t>
             </a:r>
-            <a:endParaRPr lang="ru-RU" dirty="0"/>
           </a:p>
         </p:txBody>
       </p:sp>
@@ -13673,35 +13400,34 @@
           <a:lstStyle/>
           <a:p>
             <a:r>
-              <a:rPr lang="ru-RU" dirty="0" smtClean="0"/>
+              <a:rPr lang="ru-RU" dirty="0"/>
               <a:t>Имеет тот же тип, что и декорируемый объект</a:t>
             </a:r>
           </a:p>
           <a:p>
             <a:pPr lvl="1"/>
             <a:r>
-              <a:rPr lang="ru-RU" dirty="0" smtClean="0"/>
+              <a:rPr lang="ru-RU" dirty="0"/>
               <a:t>Декорированный объект можно использовать вместо исходного</a:t>
             </a:r>
           </a:p>
           <a:p>
             <a:r>
-              <a:rPr lang="ru-RU" dirty="0" smtClean="0"/>
+              <a:rPr lang="ru-RU" dirty="0"/>
               <a:t>Объект можно завернуть в один или несколько декораторов</a:t>
             </a:r>
           </a:p>
           <a:p>
             <a:r>
-              <a:rPr lang="ru-RU" dirty="0" smtClean="0"/>
+              <a:rPr lang="ru-RU" dirty="0"/>
               <a:t>Декоратор может добавить свое поведение до и (или) после делегирования операций декорируемому объекту</a:t>
             </a:r>
           </a:p>
           <a:p>
             <a:r>
-              <a:rPr lang="ru-RU" dirty="0" smtClean="0"/>
+              <a:rPr lang="ru-RU" dirty="0"/>
               <a:t>Объект может быть декорирован в любой момент времени</a:t>
             </a:r>
-            <a:endParaRPr lang="ru-RU" dirty="0"/>
           </a:p>
         </p:txBody>
       </p:sp>
@@ -14071,11 +13797,11 @@
           <a:lstStyle/>
           <a:p>
             <a:r>
-              <a:rPr lang="ru-RU" dirty="0" smtClean="0"/>
+              <a:rPr lang="ru-RU" dirty="0"/>
               <a:t>Структура паттерна </a:t>
             </a:r>
             <a:r>
-              <a:rPr lang="en-US" dirty="0" smtClean="0"/>
+              <a:rPr lang="en-US" dirty="0"/>
               <a:t>Decorator</a:t>
             </a:r>
             <a:endParaRPr lang="ru-RU" dirty="0"/>
@@ -14105,10 +13831,9 @@
           <a:lstStyle/>
           <a:p>
             <a:r>
-              <a:rPr lang="ru-RU" sz="1400" dirty="0" smtClean="0"/>
+              <a:rPr lang="ru-RU" sz="1400" dirty="0"/>
               <a:t>Объект, чье поведение мы собираемся расширять динамически</a:t>
             </a:r>
-            <a:endParaRPr lang="ru-RU" sz="1400" dirty="0"/>
           </a:p>
         </p:txBody>
       </p:sp>
@@ -14135,10 +13860,9 @@
           <a:lstStyle/>
           <a:p>
             <a:r>
-              <a:rPr lang="ru-RU" sz="1400" dirty="0" smtClean="0"/>
+              <a:rPr lang="ru-RU" sz="1400" dirty="0"/>
               <a:t>Декоратор СОДЕРЖИТ декорируемый компонент</a:t>
             </a:r>
-            <a:endParaRPr lang="ru-RU" sz="1400" dirty="0"/>
           </a:p>
         </p:txBody>
       </p:sp>
@@ -14165,13 +13889,8 @@
           <a:p>
             <a:r>
               <a:rPr lang="ru-RU" sz="1400" dirty="0"/>
-              <a:t>Декоратор реализует тот же интерфейс, либо расширяет абстрактный </a:t>
-            </a:r>
-            <a:r>
-              <a:rPr lang="ru-RU" sz="1400" dirty="0" smtClean="0"/>
-              <a:t>класс, что и  декорируемый компонент</a:t>
-            </a:r>
-            <a:endParaRPr lang="ru-RU" sz="1400" dirty="0"/>
+              <a:t>Декоратор реализует тот же интерфейс, либо расширяет абстрактный класс, что и  декорируемый компонент</a:t>
+            </a:r>
           </a:p>
         </p:txBody>
       </p:sp>
@@ -14197,10 +13916,9 @@
           <a:lstStyle/>
           <a:p>
             <a:r>
-              <a:rPr lang="ru-RU" sz="1400" dirty="0" smtClean="0"/>
+              <a:rPr lang="ru-RU" sz="1400" dirty="0"/>
               <a:t>Декоратор может добавлять новые методы, но новое поведение добавляется до или после вызова существующего метода компонента</a:t>
             </a:r>
-            <a:endParaRPr lang="ru-RU" sz="1400" dirty="0"/>
           </a:p>
         </p:txBody>
       </p:sp>
@@ -14226,10 +13944,9 @@
           <a:lstStyle/>
           <a:p>
             <a:r>
-              <a:rPr lang="ru-RU" sz="1400" dirty="0" smtClean="0"/>
+              <a:rPr lang="ru-RU" sz="1400" dirty="0"/>
               <a:t>Декораторы могут расширять состояние компонента</a:t>
             </a:r>
-            <a:endParaRPr lang="ru-RU" sz="1400" dirty="0"/>
           </a:p>
         </p:txBody>
       </p:sp>
@@ -14605,10 +14322,9 @@
           <a:lstStyle/>
           <a:p>
             <a:r>
-              <a:rPr lang="ru-RU" dirty="0" smtClean="0"/>
+              <a:rPr lang="ru-RU" dirty="0"/>
               <a:t>Паттерн Декоратор</a:t>
             </a:r>
-            <a:endParaRPr lang="ru-RU" dirty="0"/>
           </a:p>
         </p:txBody>
       </p:sp>
@@ -14628,18 +14344,17 @@
           <a:lstStyle/>
           <a:p>
             <a:r>
-              <a:rPr lang="ru-RU" dirty="0" smtClean="0"/>
+              <a:rPr lang="ru-RU" dirty="0"/>
               <a:t>Динамически наделяет объект новыми возможностями и является гибкой альтернативой </a:t>
             </a:r>
             <a:r>
-              <a:rPr lang="ru-RU" dirty="0" err="1" smtClean="0"/>
+              <a:rPr lang="ru-RU" dirty="0" err="1"/>
               <a:t>субклассированию</a:t>
             </a:r>
             <a:r>
-              <a:rPr lang="ru-RU" dirty="0" smtClean="0"/>
+              <a:rPr lang="ru-RU" dirty="0"/>
               <a:t> в области расширения функциональности</a:t>
             </a:r>
-            <a:endParaRPr lang="ru-RU" dirty="0"/>
           </a:p>
         </p:txBody>
       </p:sp>
@@ -14653,13 +14368,6 @@
   <p:clrMapOvr>
     <a:masterClrMapping/>
   </p:clrMapOvr>
-  <p:timing>
-    <p:tnLst>
-      <p:par>
-        <p:cTn id="1" dur="indefinite" restart="never" nodeType="tmRoot"/>
-      </p:par>
-    </p:tnLst>
-  </p:timing>
 </p:sld>
 </file>
 
@@ -14714,13 +14422,6 @@
   <p:clrMapOvr>
     <a:masterClrMapping/>
   </p:clrMapOvr>
-  <p:timing>
-    <p:tnLst>
-      <p:par>
-        <p:cTn id="1" dur="indefinite" restart="never" nodeType="tmRoot"/>
-      </p:par>
-    </p:tnLst>
-  </p:timing>
 </p:sld>
 </file>
 
@@ -14757,10 +14458,9 @@
           <a:lstStyle/>
           <a:p>
             <a:r>
-              <a:rPr lang="ru-RU" dirty="0" smtClean="0"/>
+              <a:rPr lang="ru-RU" dirty="0"/>
               <a:t>Кофейня. Начало</a:t>
             </a:r>
-            <a:endParaRPr lang="ru-RU" dirty="0"/>
           </a:p>
         </p:txBody>
       </p:sp>
@@ -15094,13 +14794,6 @@
   <p:clrMapOvr>
     <a:masterClrMapping/>
   </p:clrMapOvr>
-  <p:timing>
-    <p:tnLst>
-      <p:par>
-        <p:cTn id="1" dur="indefinite" restart="never" nodeType="tmRoot"/>
-      </p:par>
-    </p:tnLst>
-  </p:timing>
 </p:sld>
 </file>
 
@@ -15139,11 +14832,11 @@
           <a:lstStyle/>
           <a:p>
             <a:r>
-              <a:rPr lang="ru-RU" dirty="0" smtClean="0"/>
+              <a:rPr lang="ru-RU" dirty="0"/>
               <a:t>Реализация класса </a:t>
             </a:r>
             <a:r>
-              <a:rPr lang="en-US" dirty="0" err="1" smtClean="0"/>
+              <a:rPr lang="en-US" dirty="0" err="1"/>
               <a:t>CCondimentDecorator</a:t>
             </a:r>
             <a:endParaRPr lang="ru-RU" dirty="0"/>
@@ -17039,10 +16732,9 @@
           <a:lstStyle/>
           <a:p>
             <a:r>
-              <a:rPr lang="ru-RU" sz="1600" dirty="0" smtClean="0"/>
+              <a:rPr lang="ru-RU" sz="1600" dirty="0"/>
               <a:t>Эти методы должны быть переопределены  в подклассах</a:t>
             </a:r>
-            <a:endParaRPr lang="ru-RU" sz="1600" dirty="0"/>
           </a:p>
         </p:txBody>
       </p:sp>
@@ -17214,10 +16906,9 @@
           <a:lstStyle/>
           <a:p>
             <a:r>
-              <a:rPr lang="ru-RU" dirty="0" smtClean="0"/>
+              <a:rPr lang="ru-RU" dirty="0"/>
               <a:t>Дополнение «Корица»</a:t>
             </a:r>
-            <a:endParaRPr lang="ru-RU" dirty="0"/>
           </a:p>
         </p:txBody>
       </p:sp>
@@ -18726,10 +18417,9 @@
           <a:p>
             <a:pPr algn="ctr"/>
             <a:r>
-              <a:rPr lang="ru-RU" dirty="0" smtClean="0"/>
+              <a:rPr lang="ru-RU" dirty="0"/>
               <a:t>Берем кофе,  «заворачиваем» в корицу и подаём к столу</a:t>
             </a:r>
-            <a:endParaRPr lang="ru-RU" dirty="0"/>
           </a:p>
         </p:txBody>
       </p:sp>
@@ -19670,10 +19360,9 @@
           <a:lstStyle/>
           <a:p>
             <a:r>
-              <a:rPr lang="ru-RU" dirty="0" smtClean="0"/>
+              <a:rPr lang="ru-RU" dirty="0"/>
               <a:t>Ленивое декорирование напитков</a:t>
             </a:r>
-            <a:endParaRPr lang="ru-RU" dirty="0"/>
           </a:p>
         </p:txBody>
       </p:sp>
@@ -20097,7 +19786,7 @@
               </a:spcAft>
             </a:pPr>
             <a:r>
-              <a:rPr lang="en-US" sz="1400" dirty="0" smtClean="0">
+              <a:rPr lang="en-US" sz="1400" dirty="0">
                 <a:solidFill>
                   <a:srgbClr val="0000FF"/>
                 </a:solidFill>
@@ -20108,7 +19797,7 @@
               <a:t>auto</a:t>
             </a:r>
             <a:r>
-              <a:rPr lang="en-US" sz="1400" dirty="0" smtClean="0">
+              <a:rPr lang="en-US" sz="1400" dirty="0">
                 <a:solidFill>
                   <a:srgbClr val="000000"/>
                 </a:solidFill>
@@ -20395,18 +20084,7 @@
                 <a:ea typeface="Calibri"/>
                 <a:cs typeface="Times New Roman"/>
               </a:rPr>
-              <a:t> </a:t>
-            </a:r>
-            <a:r>
-              <a:rPr lang="ru-RU" sz="1400" dirty="0" smtClean="0">
-                <a:solidFill>
-                  <a:srgbClr val="000000"/>
-                </a:solidFill>
-                <a:latin typeface="Consolas"/>
-                <a:ea typeface="Calibri"/>
-                <a:cs typeface="Times New Roman"/>
-              </a:rPr>
-              <a:t>[=](</a:t>
+              <a:t> [=](</a:t>
             </a:r>
             <a:r>
               <a:rPr lang="en-US" sz="1400" dirty="0">
@@ -20420,17 +20098,6 @@
               <a:t>auto</a:t>
             </a:r>
             <a:r>
-              <a:rPr lang="ru-RU" sz="1400" dirty="0" smtClean="0">
-                <a:solidFill>
-                  <a:srgbClr val="000000"/>
-                </a:solidFill>
-                <a:latin typeface="Consolas"/>
-                <a:ea typeface="Calibri"/>
-                <a:cs typeface="Times New Roman"/>
-              </a:rPr>
-              <a:t> </a:t>
-            </a:r>
-            <a:r>
               <a:rPr lang="ru-RU" sz="1400" dirty="0">
                 <a:solidFill>
                   <a:srgbClr val="000000"/>
@@ -20439,7 +20106,7 @@
                 <a:ea typeface="Calibri"/>
                 <a:cs typeface="Times New Roman"/>
               </a:rPr>
-              <a:t>&amp;&amp; </a:t>
+              <a:t> &amp;&amp; </a:t>
             </a:r>
             <a:r>
               <a:rPr lang="ru-RU" sz="1400" dirty="0">
@@ -20602,7 +20269,7 @@
               <a:t>Condiment</a:t>
             </a:r>
             <a:r>
-              <a:rPr lang="en-US" sz="1400" dirty="0" smtClean="0">
+              <a:rPr lang="en-US" sz="1400" dirty="0">
                 <a:solidFill>
                   <a:srgbClr val="000000"/>
                 </a:solidFill>
@@ -20613,7 +20280,7 @@
               <a:t>&gt;(forward&lt;</a:t>
             </a:r>
             <a:r>
-              <a:rPr lang="en-US" sz="1400" dirty="0" err="1" smtClean="0">
+              <a:rPr lang="en-US" sz="1400" dirty="0" err="1">
                 <a:solidFill>
                   <a:srgbClr val="0000FF"/>
                 </a:solidFill>
@@ -20624,7 +20291,7 @@
               <a:t>decltype</a:t>
             </a:r>
             <a:r>
-              <a:rPr lang="en-US" sz="1400" dirty="0" smtClean="0">
+              <a:rPr lang="en-US" sz="1400" dirty="0">
                 <a:solidFill>
                   <a:srgbClr val="000000"/>
                 </a:solidFill>
@@ -20635,7 +20302,7 @@
               <a:t>(</a:t>
             </a:r>
             <a:r>
-              <a:rPr lang="en-US" sz="1400" dirty="0" smtClean="0">
+              <a:rPr lang="en-US" sz="1400" dirty="0">
                 <a:solidFill>
                   <a:srgbClr val="808080"/>
                 </a:solidFill>
@@ -20646,7 +20313,7 @@
               <a:t>b</a:t>
             </a:r>
             <a:r>
-              <a:rPr lang="en-US" sz="1400" dirty="0" smtClean="0">
+              <a:rPr lang="en-US" sz="1400" dirty="0">
                 <a:solidFill>
                   <a:srgbClr val="000000"/>
                 </a:solidFill>
@@ -20657,7 +20324,7 @@
               <a:t>)&gt;(</a:t>
             </a:r>
             <a:r>
-              <a:rPr lang="en-US" sz="1400" dirty="0" smtClean="0">
+              <a:rPr lang="en-US" sz="1400" dirty="0">
                 <a:solidFill>
                   <a:srgbClr val="808080"/>
                 </a:solidFill>
@@ -20778,13 +20445,6 @@
   <p:clrMapOvr>
     <a:masterClrMapping/>
   </p:clrMapOvr>
-  <p:timing>
-    <p:tnLst>
-      <p:par>
-        <p:cTn id="1" dur="indefinite" restart="never" nodeType="tmRoot"/>
-      </p:par>
-    </p:tnLst>
-  </p:timing>
 </p:sld>
 </file>
 
@@ -20823,15 +20483,15 @@
           <a:lstStyle/>
           <a:p>
             <a:r>
-              <a:rPr lang="ru-RU" dirty="0" smtClean="0"/>
+              <a:rPr lang="ru-RU" dirty="0"/>
               <a:t>Пример использования</a:t>
             </a:r>
             <a:r>
-              <a:rPr lang="en-US" dirty="0" smtClean="0"/>
+              <a:rPr lang="en-US" dirty="0"/>
               <a:t> </a:t>
             </a:r>
             <a:r>
-              <a:rPr lang="en-US" dirty="0" err="1" smtClean="0"/>
+              <a:rPr lang="en-US" dirty="0" err="1"/>
               <a:t>MakeCondiment</a:t>
             </a:r>
             <a:endParaRPr lang="ru-RU" dirty="0"/>
@@ -21456,7 +21116,7 @@
               <a:t>/* </a:t>
             </a:r>
             <a:r>
-              <a:rPr lang="ru-RU" sz="1600" dirty="0" err="1" smtClean="0">
+              <a:rPr lang="ru-RU" sz="1600" dirty="0" err="1">
                 <a:solidFill>
                   <a:srgbClr val="008000"/>
                 </a:solidFill>
@@ -21467,7 +21127,7 @@
               <a:t>Предыдуащя</a:t>
             </a:r>
             <a:r>
-              <a:rPr lang="ru-RU" sz="1600" dirty="0" smtClean="0">
+              <a:rPr lang="ru-RU" sz="1600" dirty="0">
                 <a:solidFill>
                   <a:srgbClr val="008000"/>
                 </a:solidFill>
@@ -21475,18 +21135,7 @@
                 <a:ea typeface="Calibri"/>
                 <a:cs typeface="Times New Roman"/>
               </a:rPr>
-              <a:t> строка </a:t>
-            </a:r>
-            <a:r>
-              <a:rPr lang="ru-RU" sz="1600" dirty="0">
-                <a:solidFill>
-                  <a:srgbClr val="008000"/>
-                </a:solidFill>
-                <a:latin typeface="Consolas"/>
-                <a:ea typeface="Calibri"/>
-                <a:cs typeface="Times New Roman"/>
-              </a:rPr>
-              <a:t>выполняет те же действия, что и следующий код:</a:t>
+              <a:t> строка выполняет те же действия, что и следующий код:</a:t>
             </a:r>
             <a:endParaRPr lang="ru-RU" sz="1600" dirty="0">
               <a:ea typeface="Calibri"/>
@@ -21845,13 +21494,6 @@
   <p:clrMapOvr>
     <a:masterClrMapping/>
   </p:clrMapOvr>
-  <p:timing>
-    <p:tnLst>
-      <p:par>
-        <p:cTn id="1" dur="indefinite" restart="never" nodeType="tmRoot"/>
-      </p:par>
-    </p:tnLst>
-  </p:timing>
 </p:sld>
 </file>
 
@@ -21890,10 +21532,9 @@
           <a:lstStyle/>
           <a:p>
             <a:r>
-              <a:rPr lang="ru-RU" dirty="0" smtClean="0"/>
+              <a:rPr lang="ru-RU" dirty="0"/>
               <a:t>Синтаксический сахар для упрощения декорирования</a:t>
             </a:r>
-            <a:endParaRPr lang="ru-RU" dirty="0"/>
           </a:p>
         </p:txBody>
       </p:sp>
@@ -21927,7 +21568,7 @@
               </a:spcAft>
             </a:pPr>
             <a:r>
-              <a:rPr lang="ru-RU" sz="1500" dirty="0" smtClean="0">
+              <a:rPr lang="ru-RU" sz="1500" dirty="0">
                 <a:solidFill>
                   <a:srgbClr val="008000"/>
                 </a:solidFill>
@@ -21938,7 +21579,7 @@
               <a:t>// Декорирует</a:t>
             </a:r>
             <a:r>
-              <a:rPr lang="en-US" sz="1500" dirty="0" smtClean="0">
+              <a:rPr lang="en-US" sz="1500" dirty="0">
                 <a:solidFill>
                   <a:srgbClr val="008000"/>
                 </a:solidFill>
@@ -21949,7 +21590,7 @@
               <a:t> component</a:t>
             </a:r>
             <a:r>
-              <a:rPr lang="ru-RU" sz="1500" dirty="0" smtClean="0">
+              <a:rPr lang="ru-RU" sz="1500" dirty="0">
                 <a:solidFill>
                   <a:srgbClr val="008000"/>
                 </a:solidFill>
@@ -21968,20 +21609,9 @@
                 <a:ea typeface="Calibri"/>
                 <a:cs typeface="Times New Roman"/>
               </a:rPr>
-              <a:t> </a:t>
-            </a:r>
-            <a:r>
-              <a:rPr lang="en-US" sz="1500" dirty="0" smtClean="0">
-                <a:solidFill>
-                  <a:srgbClr val="008000"/>
-                </a:solidFill>
-                <a:latin typeface="Consolas"/>
-                <a:ea typeface="Calibri"/>
-                <a:cs typeface="Times New Roman"/>
-              </a:rPr>
-              <a:t>decorate</a:t>
-            </a:r>
-            <a:endParaRPr lang="en-US" sz="1500" dirty="0" smtClean="0">
+              <a:t> decorate</a:t>
+            </a:r>
+            <a:endParaRPr lang="en-US" sz="1500" dirty="0">
               <a:solidFill>
                 <a:srgbClr val="0000FF"/>
               </a:solidFill>
@@ -22000,7 +21630,7 @@
               </a:spcAft>
             </a:pPr>
             <a:r>
-              <a:rPr lang="en-US" sz="1500" dirty="0" smtClean="0">
+              <a:rPr lang="en-US" sz="1500" dirty="0">
                 <a:solidFill>
                   <a:srgbClr val="0000FF"/>
                 </a:solidFill>
@@ -22011,7 +21641,7 @@
               <a:t>template</a:t>
             </a:r>
             <a:r>
-              <a:rPr lang="en-US" sz="1500" dirty="0" smtClean="0">
+              <a:rPr lang="en-US" sz="1500" dirty="0">
                 <a:solidFill>
                   <a:srgbClr val="000000"/>
                 </a:solidFill>
@@ -22022,7 +21652,7 @@
               <a:t> &lt;</a:t>
             </a:r>
             <a:r>
-              <a:rPr lang="en-US" sz="1500" dirty="0" err="1" smtClean="0">
+              <a:rPr lang="en-US" sz="1500" dirty="0" err="1">
                 <a:solidFill>
                   <a:srgbClr val="0000FF"/>
                 </a:solidFill>
@@ -22033,7 +21663,7 @@
               <a:t>typename</a:t>
             </a:r>
             <a:r>
-              <a:rPr lang="en-US" sz="1500" dirty="0" smtClean="0">
+              <a:rPr lang="en-US" sz="1500" dirty="0">
                 <a:solidFill>
                   <a:srgbClr val="000000"/>
                 </a:solidFill>
@@ -22044,7 +21674,7 @@
               <a:t> </a:t>
             </a:r>
             <a:r>
-              <a:rPr lang="en-US" sz="1500" dirty="0" smtClean="0">
+              <a:rPr lang="en-US" sz="1500" dirty="0">
                 <a:solidFill>
                   <a:srgbClr val="2B91AF"/>
                 </a:solidFill>
@@ -22055,7 +21685,7 @@
               <a:t>Component</a:t>
             </a:r>
             <a:r>
-              <a:rPr lang="en-US" sz="1500" dirty="0" smtClean="0">
+              <a:rPr lang="en-US" sz="1500" dirty="0">
                 <a:solidFill>
                   <a:srgbClr val="000000"/>
                 </a:solidFill>
@@ -22066,7 +21696,7 @@
               <a:t>,</a:t>
             </a:r>
             <a:r>
-              <a:rPr lang="en-US" sz="1500" dirty="0" smtClean="0">
+              <a:rPr lang="en-US" sz="1500" dirty="0">
                 <a:solidFill>
                   <a:srgbClr val="2B91AF"/>
                 </a:solidFill>
@@ -22077,7 +21707,7 @@
               <a:t> </a:t>
             </a:r>
             <a:r>
-              <a:rPr lang="en-US" sz="1500" dirty="0" err="1" smtClean="0">
+              <a:rPr lang="en-US" sz="1500" dirty="0" err="1">
                 <a:solidFill>
                   <a:srgbClr val="0000FF"/>
                 </a:solidFill>
@@ -22088,7 +21718,7 @@
               <a:t>typename</a:t>
             </a:r>
             <a:r>
-              <a:rPr lang="en-US" sz="1500" dirty="0" smtClean="0">
+              <a:rPr lang="en-US" sz="1500" dirty="0">
                 <a:solidFill>
                   <a:srgbClr val="000000"/>
                 </a:solidFill>
@@ -22099,7 +21729,7 @@
               <a:t> </a:t>
             </a:r>
             <a:r>
-              <a:rPr lang="en-US" sz="1500" dirty="0" smtClean="0">
+              <a:rPr lang="en-US" sz="1500" dirty="0">
                 <a:solidFill>
                   <a:srgbClr val="2B91AF"/>
                 </a:solidFill>
@@ -22110,7 +21740,7 @@
               <a:t>Decorator</a:t>
             </a:r>
             <a:r>
-              <a:rPr lang="en-US" sz="1500" dirty="0" smtClean="0">
+              <a:rPr lang="en-US" sz="1500" dirty="0">
                 <a:solidFill>
                   <a:srgbClr val="000000"/>
                 </a:solidFill>
@@ -22154,21 +21784,10 @@
                 <a:ea typeface="Calibri"/>
                 <a:cs typeface="Times New Roman"/>
               </a:rPr>
-              <a:t> operator &lt;&lt; </a:t>
-            </a:r>
-            <a:r>
-              <a:rPr lang="en-US" sz="1500" dirty="0" smtClean="0">
-                <a:solidFill>
-                  <a:srgbClr val="000000"/>
-                </a:solidFill>
-                <a:latin typeface="Consolas"/>
-                <a:ea typeface="Calibri"/>
-                <a:cs typeface="Times New Roman"/>
-              </a:rPr>
-              <a:t>(</a:t>
-            </a:r>
-            <a:r>
-              <a:rPr lang="en-US" sz="1500" dirty="0" smtClean="0">
+              <a:t> operator &lt;&lt; (</a:t>
+            </a:r>
+            <a:r>
+              <a:rPr lang="en-US" sz="1500" dirty="0">
                 <a:solidFill>
                   <a:srgbClr val="2B91AF"/>
                 </a:solidFill>
@@ -22179,7 +21798,7 @@
               <a:t>Component </a:t>
             </a:r>
             <a:r>
-              <a:rPr lang="en-US" sz="1500" dirty="0" smtClean="0">
+              <a:rPr lang="en-US" sz="1500" dirty="0">
                 <a:solidFill>
                   <a:srgbClr val="000000"/>
                 </a:solidFill>
@@ -22190,7 +21809,7 @@
               <a:t>&amp;&amp; </a:t>
             </a:r>
             <a:r>
-              <a:rPr lang="en-US" sz="1500" dirty="0" smtClean="0">
+              <a:rPr lang="en-US" sz="1500" dirty="0">
                 <a:solidFill>
                   <a:srgbClr val="808080"/>
                 </a:solidFill>
@@ -22201,7 +21820,7 @@
               <a:t>component</a:t>
             </a:r>
             <a:r>
-              <a:rPr lang="en-US" sz="1500" dirty="0" smtClean="0">
+              <a:rPr lang="en-US" sz="1500" dirty="0">
                 <a:solidFill>
                   <a:srgbClr val="000000"/>
                 </a:solidFill>
@@ -22242,21 +21861,10 @@
                 <a:ea typeface="Calibri"/>
                 <a:cs typeface="Times New Roman"/>
               </a:rPr>
-              <a:t>Decorator</a:t>
-            </a:r>
-            <a:r>
-              <a:rPr lang="en-US" sz="1500" dirty="0" smtClean="0">
-                <a:solidFill>
-                  <a:srgbClr val="2B91AF"/>
-                </a:solidFill>
-                <a:latin typeface="Consolas"/>
-                <a:ea typeface="Calibri"/>
-                <a:cs typeface="Times New Roman"/>
-              </a:rPr>
-              <a:t> </a:t>
-            </a:r>
-            <a:r>
-              <a:rPr lang="en-US" sz="1500" dirty="0" smtClean="0">
+              <a:t>Decorator </a:t>
+            </a:r>
+            <a:r>
+              <a:rPr lang="en-US" sz="1500" dirty="0">
                 <a:solidFill>
                   <a:srgbClr val="000000"/>
                 </a:solidFill>
@@ -22267,7 +21875,7 @@
               <a:t>&amp; </a:t>
             </a:r>
             <a:r>
-              <a:rPr lang="en-US" sz="1500" dirty="0" smtClean="0">
+              <a:rPr lang="en-US" sz="1500" dirty="0">
                 <a:solidFill>
                   <a:srgbClr val="808080"/>
                 </a:solidFill>
@@ -22278,7 +21886,7 @@
               <a:t>decorate</a:t>
             </a:r>
             <a:r>
-              <a:rPr lang="en-US" sz="1500" dirty="0" smtClean="0">
+              <a:rPr lang="en-US" sz="1500" dirty="0">
                 <a:solidFill>
                   <a:srgbClr val="000000"/>
                 </a:solidFill>
@@ -22372,7 +21980,7 @@
               <a:t>decorate</a:t>
             </a:r>
             <a:r>
-              <a:rPr lang="ru-RU" sz="1500" dirty="0" smtClean="0">
+              <a:rPr lang="ru-RU" sz="1500" dirty="0">
                 <a:solidFill>
                   <a:srgbClr val="000000"/>
                 </a:solidFill>
@@ -22383,7 +21991,7 @@
               <a:t>(</a:t>
             </a:r>
             <a:r>
-              <a:rPr lang="en-US" sz="1500" dirty="0" smtClean="0">
+              <a:rPr lang="en-US" sz="1500" dirty="0">
                 <a:solidFill>
                   <a:srgbClr val="000000"/>
                 </a:solidFill>
@@ -22394,7 +22002,7 @@
               <a:t>forward&lt;</a:t>
             </a:r>
             <a:r>
-              <a:rPr lang="en-US" sz="1500" dirty="0" smtClean="0">
+              <a:rPr lang="en-US" sz="1500" dirty="0">
                 <a:solidFill>
                   <a:srgbClr val="2B91AF"/>
                 </a:solidFill>
@@ -22405,7 +22013,7 @@
               <a:t>Component</a:t>
             </a:r>
             <a:r>
-              <a:rPr lang="en-US" sz="1500" dirty="0" smtClean="0">
+              <a:rPr lang="en-US" sz="1500" dirty="0">
                 <a:solidFill>
                   <a:srgbClr val="000000"/>
                 </a:solidFill>
@@ -22416,7 +22024,7 @@
               <a:t>&gt;</a:t>
             </a:r>
             <a:r>
-              <a:rPr lang="ru-RU" sz="1500" dirty="0" smtClean="0">
+              <a:rPr lang="ru-RU" sz="1500" dirty="0">
                 <a:solidFill>
                   <a:srgbClr val="000000"/>
                 </a:solidFill>
@@ -22438,7 +22046,7 @@
               <a:t>component</a:t>
             </a:r>
             <a:r>
-              <a:rPr lang="ru-RU" sz="1500" dirty="0" smtClean="0">
+              <a:rPr lang="ru-RU" sz="1500" dirty="0">
                 <a:solidFill>
                   <a:srgbClr val="000000"/>
                 </a:solidFill>
@@ -23218,20 +22826,9 @@
                 <a:ea typeface="Calibri"/>
                 <a:cs typeface="Times New Roman"/>
               </a:rPr>
-              <a:t>&gt;(2</a:t>
-            </a:r>
-            <a:r>
-              <a:rPr lang="en-US" sz="1500" dirty="0" smtClean="0">
-                <a:solidFill>
-                  <a:srgbClr val="008000"/>
-                </a:solidFill>
-                <a:latin typeface="Consolas"/>
-                <a:ea typeface="Calibri"/>
-                <a:cs typeface="Times New Roman"/>
-              </a:rPr>
-              <a:t>)(</a:t>
-            </a:r>
-            <a:endParaRPr lang="ru-RU" sz="1500" dirty="0" smtClean="0">
+              <a:t>&gt;(2)(</a:t>
+            </a:r>
+            <a:endParaRPr lang="ru-RU" sz="1500" dirty="0">
               <a:solidFill>
                 <a:srgbClr val="008000"/>
               </a:solidFill>
@@ -23261,10 +22858,10 @@
                 <a:ea typeface="Calibri"/>
                 <a:cs typeface="Times New Roman"/>
               </a:rPr>
-              <a:t>	</a:t>
-            </a:r>
-            <a:r>
-              <a:rPr lang="ru-RU" sz="1500" dirty="0" smtClean="0">
+              <a:t>			</a:t>
+            </a:r>
+            <a:r>
+              <a:rPr lang="en-US" sz="1500" dirty="0" err="1">
                 <a:solidFill>
                   <a:srgbClr val="008000"/>
                 </a:solidFill>
@@ -23272,10 +22869,10 @@
                 <a:ea typeface="Calibri"/>
                 <a:cs typeface="Times New Roman"/>
               </a:rPr>
-              <a:t>		</a:t>
-            </a:r>
-            <a:r>
-              <a:rPr lang="en-US" sz="1500" dirty="0" err="1" smtClean="0">
+              <a:t>make_unique</a:t>
+            </a:r>
+            <a:r>
+              <a:rPr lang="en-US" sz="1500" dirty="0">
                 <a:solidFill>
                   <a:srgbClr val="008000"/>
                 </a:solidFill>
@@ -23283,10 +22880,10 @@
                 <a:ea typeface="Calibri"/>
                 <a:cs typeface="Times New Roman"/>
               </a:rPr>
-              <a:t>make_unique</a:t>
-            </a:r>
-            <a:r>
-              <a:rPr lang="en-US" sz="1500" dirty="0" smtClean="0">
+              <a:t>&lt;</a:t>
+            </a:r>
+            <a:r>
+              <a:rPr lang="en-US" sz="1500" dirty="0" err="1">
                 <a:solidFill>
                   <a:srgbClr val="008000"/>
                 </a:solidFill>
@@ -23294,10 +22891,10 @@
                 <a:ea typeface="Calibri"/>
                 <a:cs typeface="Times New Roman"/>
               </a:rPr>
-              <a:t>&lt;</a:t>
-            </a:r>
-            <a:r>
-              <a:rPr lang="en-US" sz="1500" dirty="0" err="1" smtClean="0">
+              <a:t>CTea</a:t>
+            </a:r>
+            <a:r>
+              <a:rPr lang="en-US" sz="1500" dirty="0">
                 <a:solidFill>
                   <a:srgbClr val="008000"/>
                 </a:solidFill>
@@ -23305,20 +22902,9 @@
                 <a:ea typeface="Calibri"/>
                 <a:cs typeface="Times New Roman"/>
               </a:rPr>
-              <a:t>CTea</a:t>
-            </a:r>
-            <a:r>
-              <a:rPr lang="en-US" sz="1500" dirty="0" smtClean="0">
-                <a:solidFill>
-                  <a:srgbClr val="008000"/>
-                </a:solidFill>
-                <a:latin typeface="Consolas"/>
-                <a:ea typeface="Calibri"/>
-                <a:cs typeface="Times New Roman"/>
-              </a:rPr>
               <a:t>&gt;()</a:t>
             </a:r>
-            <a:endParaRPr lang="ru-RU" sz="1500" dirty="0" smtClean="0">
+            <a:endParaRPr lang="ru-RU" sz="1500" dirty="0">
               <a:solidFill>
                 <a:srgbClr val="008000"/>
               </a:solidFill>
@@ -23348,21 +22934,10 @@
                 <a:ea typeface="Calibri"/>
                 <a:cs typeface="Times New Roman"/>
               </a:rPr>
-              <a:t>	</a:t>
-            </a:r>
-            <a:r>
-              <a:rPr lang="ru-RU" sz="1500" dirty="0" smtClean="0">
-                <a:solidFill>
-                  <a:srgbClr val="008000"/>
-                </a:solidFill>
-                <a:latin typeface="Consolas"/>
-                <a:ea typeface="Calibri"/>
-                <a:cs typeface="Times New Roman"/>
-              </a:rPr>
-              <a:t>		</a:t>
-            </a:r>
-            <a:r>
-              <a:rPr lang="en-US" sz="1500" dirty="0" smtClean="0">
+              <a:t>			</a:t>
+            </a:r>
+            <a:r>
+              <a:rPr lang="en-US" sz="1500" dirty="0">
                 <a:solidFill>
                   <a:srgbClr val="008000"/>
                 </a:solidFill>
@@ -23456,13 +23031,6 @@
   <p:clrMapOvr>
     <a:masterClrMapping/>
   </p:clrMapOvr>
-  <p:timing>
-    <p:tnLst>
-      <p:par>
-        <p:cTn id="1" dur="indefinite" restart="never" nodeType="tmRoot"/>
-      </p:par>
-    </p:tnLst>
-  </p:timing>
 </p:sld>
 </file>
 
@@ -23501,22 +23069,21 @@
           <a:lstStyle/>
           <a:p>
             <a:r>
-              <a:rPr lang="ru-RU" dirty="0" smtClean="0"/>
+              <a:rPr lang="ru-RU" dirty="0"/>
               <a:t>Делаем функцию </a:t>
             </a:r>
             <a:r>
-              <a:rPr lang="en-US" dirty="0" err="1" smtClean="0"/>
+              <a:rPr lang="en-US" dirty="0" err="1"/>
               <a:t>MakeCondiment</a:t>
             </a:r>
             <a:r>
-              <a:rPr lang="en-US" dirty="0" smtClean="0"/>
+              <a:rPr lang="en-US" dirty="0"/>
               <a:t> </a:t>
             </a:r>
             <a:r>
-              <a:rPr lang="ru-RU" dirty="0" smtClean="0"/>
+              <a:rPr lang="ru-RU" dirty="0"/>
               <a:t>более абстрактной</a:t>
             </a:r>
-            <a:endParaRPr lang="ru-RU" dirty="0"/>
           </a:p>
         </p:txBody>
       </p:sp>
@@ -23550,7 +23117,7 @@
               </a:spcAft>
             </a:pPr>
             <a:r>
-              <a:rPr lang="en-US" sz="1600" dirty="0" smtClean="0">
+              <a:rPr lang="en-US" sz="1600" dirty="0">
                 <a:solidFill>
                   <a:srgbClr val="0000FF"/>
                 </a:solidFill>
@@ -23561,7 +23128,29 @@
               <a:t>template</a:t>
             </a:r>
             <a:r>
-              <a:rPr lang="en-US" sz="1600" dirty="0" smtClean="0">
+              <a:rPr lang="en-US" sz="1600" dirty="0">
+                <a:solidFill>
+                  <a:srgbClr val="000000"/>
+                </a:solidFill>
+                <a:latin typeface="Consolas"/>
+                <a:ea typeface="Calibri"/>
+                <a:cs typeface="Times New Roman"/>
+              </a:rPr>
+              <a:t> &lt;</a:t>
+            </a:r>
+            <a:r>
+              <a:rPr lang="en-US" sz="1600" dirty="0" err="1">
+                <a:solidFill>
+                  <a:srgbClr val="0000FF"/>
+                </a:solidFill>
+                <a:latin typeface="Consolas"/>
+                <a:ea typeface="Calibri"/>
+                <a:cs typeface="Times New Roman"/>
+              </a:rPr>
+              <a:t>typename</a:t>
+            </a:r>
+            <a:r>
+              <a:rPr lang="en-US" sz="1600" dirty="0">
                 <a:solidFill>
                   <a:srgbClr val="000000"/>
                 </a:solidFill>
@@ -23574,49 +23163,16 @@
             <a:r>
               <a:rPr lang="en-US" sz="1600" dirty="0">
                 <a:solidFill>
-                  <a:srgbClr val="000000"/>
-                </a:solidFill>
-                <a:latin typeface="Consolas"/>
-                <a:ea typeface="Calibri"/>
-                <a:cs typeface="Times New Roman"/>
-              </a:rPr>
-              <a:t>&lt;</a:t>
-            </a:r>
-            <a:r>
-              <a:rPr lang="en-US" sz="1600" dirty="0" err="1">
-                <a:solidFill>
-                  <a:srgbClr val="0000FF"/>
-                </a:solidFill>
-                <a:latin typeface="Consolas"/>
-                <a:ea typeface="Calibri"/>
-                <a:cs typeface="Times New Roman"/>
-              </a:rPr>
-              <a:t>typename</a:t>
+                  <a:srgbClr val="2B91AF"/>
+                </a:solidFill>
+                <a:latin typeface="Consolas"/>
+                <a:ea typeface="Calibri"/>
+                <a:cs typeface="Times New Roman"/>
+              </a:rPr>
+              <a:t>Decorator</a:t>
             </a:r>
             <a:r>
               <a:rPr lang="en-US" sz="1600" dirty="0">
-                <a:solidFill>
-                  <a:srgbClr val="000000"/>
-                </a:solidFill>
-                <a:latin typeface="Consolas"/>
-                <a:ea typeface="Calibri"/>
-                <a:cs typeface="Times New Roman"/>
-              </a:rPr>
-              <a:t> </a:t>
-            </a:r>
-            <a:r>
-              <a:rPr lang="en-US" sz="1600" dirty="0" smtClean="0">
-                <a:solidFill>
-                  <a:srgbClr val="2B91AF"/>
-                </a:solidFill>
-                <a:latin typeface="Consolas"/>
-                <a:ea typeface="Calibri"/>
-                <a:cs typeface="Times New Roman"/>
-              </a:rPr>
-              <a:t>Decorator</a:t>
-            </a:r>
-            <a:r>
-              <a:rPr lang="en-US" sz="1600" dirty="0" smtClean="0">
                 <a:solidFill>
                   <a:srgbClr val="000000"/>
                 </a:solidFill>
@@ -23685,7 +23241,7 @@
               </a:spcAft>
             </a:pPr>
             <a:r>
-              <a:rPr lang="en-US" sz="1600" dirty="0" smtClean="0">
+              <a:rPr lang="en-US" sz="1600" dirty="0">
                 <a:solidFill>
                   <a:srgbClr val="0000FF"/>
                 </a:solidFill>
@@ -23696,7 +23252,7 @@
               <a:t>auto</a:t>
             </a:r>
             <a:r>
-              <a:rPr lang="en-US" sz="1600" dirty="0" smtClean="0">
+              <a:rPr lang="en-US" sz="1600" dirty="0">
                 <a:solidFill>
                   <a:srgbClr val="000000"/>
                 </a:solidFill>
@@ -23707,7 +23263,7 @@
               <a:t> </a:t>
             </a:r>
             <a:r>
-              <a:rPr lang="en-US" sz="1600" dirty="0" err="1" smtClean="0">
+              <a:rPr lang="en-US" sz="1600" dirty="0" err="1">
                 <a:solidFill>
                   <a:srgbClr val="000000"/>
                 </a:solidFill>
@@ -23718,7 +23274,7 @@
               <a:t>DecorateWith</a:t>
             </a:r>
             <a:r>
-              <a:rPr lang="en-US" sz="1600" dirty="0" smtClean="0">
+              <a:rPr lang="en-US" sz="1600" dirty="0">
                 <a:solidFill>
                   <a:srgbClr val="000000"/>
                 </a:solidFill>
@@ -23729,7 +23285,7 @@
               <a:t>(</a:t>
             </a:r>
             <a:r>
-              <a:rPr lang="en-US" sz="1600" dirty="0" err="1" smtClean="0">
+              <a:rPr lang="en-US" sz="1600" dirty="0" err="1">
                 <a:solidFill>
                   <a:srgbClr val="0000FF"/>
                 </a:solidFill>
@@ -23740,7 +23296,7 @@
               <a:t>const</a:t>
             </a:r>
             <a:r>
-              <a:rPr lang="en-US" sz="1600" dirty="0" smtClean="0">
+              <a:rPr lang="en-US" sz="1600" dirty="0">
                 <a:solidFill>
                   <a:srgbClr val="000000"/>
                 </a:solidFill>
@@ -23853,18 +23409,7 @@
                 <a:ea typeface="Calibri"/>
                 <a:cs typeface="Times New Roman"/>
               </a:rPr>
-              <a:t>// Возвращаем функцию, </a:t>
-            </a:r>
-            <a:r>
-              <a:rPr lang="ru-RU" sz="1600" dirty="0" smtClean="0">
-                <a:solidFill>
-                  <a:srgbClr val="008000"/>
-                </a:solidFill>
-                <a:latin typeface="Consolas"/>
-                <a:ea typeface="Calibri"/>
-                <a:cs typeface="Times New Roman"/>
-              </a:rPr>
-              <a:t>декорирующую переданный ей компонент</a:t>
+              <a:t>// Возвращаем функцию, декорирующую переданный ей компонент</a:t>
             </a:r>
             <a:endParaRPr lang="ru-RU" sz="1600" dirty="0">
               <a:ea typeface="Calibri"/>
@@ -23911,18 +23456,7 @@
                 <a:ea typeface="Calibri"/>
                 <a:cs typeface="Times New Roman"/>
               </a:rPr>
-              <a:t> </a:t>
-            </a:r>
-            <a:r>
-              <a:rPr lang="ru-RU" sz="1600" dirty="0" smtClean="0">
-                <a:solidFill>
-                  <a:srgbClr val="000000"/>
-                </a:solidFill>
-                <a:latin typeface="Consolas"/>
-                <a:ea typeface="Calibri"/>
-                <a:cs typeface="Times New Roman"/>
-              </a:rPr>
-              <a:t>[=](</a:t>
+              <a:t> [=](</a:t>
             </a:r>
             <a:r>
               <a:rPr lang="en-US" sz="1600" dirty="0">
@@ -23936,17 +23470,6 @@
               <a:t>auto</a:t>
             </a:r>
             <a:r>
-              <a:rPr lang="ru-RU" sz="1600" dirty="0" smtClean="0">
-                <a:solidFill>
-                  <a:srgbClr val="000000"/>
-                </a:solidFill>
-                <a:latin typeface="Consolas"/>
-                <a:ea typeface="Calibri"/>
-                <a:cs typeface="Times New Roman"/>
-              </a:rPr>
-              <a:t> </a:t>
-            </a:r>
-            <a:r>
               <a:rPr lang="ru-RU" sz="1600" dirty="0">
                 <a:solidFill>
                   <a:srgbClr val="000000"/>
@@ -23955,10 +23478,10 @@
                 <a:ea typeface="Calibri"/>
                 <a:cs typeface="Times New Roman"/>
               </a:rPr>
-              <a:t>&amp;&amp; </a:t>
-            </a:r>
-            <a:r>
-              <a:rPr lang="en-US" sz="1600" dirty="0" smtClean="0">
+              <a:t> &amp;&amp; </a:t>
+            </a:r>
+            <a:r>
+              <a:rPr lang="en-US" sz="1600" dirty="0">
                 <a:solidFill>
                   <a:srgbClr val="808080"/>
                 </a:solidFill>
@@ -23969,17 +23492,6 @@
               <a:t>comp</a:t>
             </a:r>
             <a:r>
-              <a:rPr lang="ru-RU" sz="1600" dirty="0" smtClean="0">
-                <a:solidFill>
-                  <a:srgbClr val="000000"/>
-                </a:solidFill>
-                <a:latin typeface="Consolas"/>
-                <a:ea typeface="Calibri"/>
-                <a:cs typeface="Times New Roman"/>
-              </a:rPr>
-              <a:t>) </a:t>
-            </a:r>
-            <a:r>
               <a:rPr lang="ru-RU" sz="1600" dirty="0">
                 <a:solidFill>
                   <a:srgbClr val="000000"/>
@@ -23988,7 +23500,7 @@
                 <a:ea typeface="Calibri"/>
                 <a:cs typeface="Times New Roman"/>
               </a:rPr>
-              <a:t>{</a:t>
+              <a:t>) {</a:t>
             </a:r>
             <a:endParaRPr lang="ru-RU" sz="1600" dirty="0">
               <a:ea typeface="Calibri"/>
@@ -24046,20 +23558,9 @@
                 <a:ea typeface="Calibri"/>
                 <a:cs typeface="Times New Roman"/>
               </a:rPr>
-              <a:t> передаем b вместе со </a:t>
-            </a:r>
-            <a:r>
-              <a:rPr lang="ru-RU" sz="1600" dirty="0" smtClean="0">
-                <a:solidFill>
-                  <a:srgbClr val="008000"/>
-                </a:solidFill>
-                <a:latin typeface="Consolas"/>
-                <a:ea typeface="Calibri"/>
-                <a:cs typeface="Times New Roman"/>
-              </a:rPr>
-              <a:t>списком</a:t>
-            </a:r>
-            <a:endParaRPr lang="en-US" sz="1600" dirty="0" smtClean="0">
+              <a:t> передаем b вместе со списком</a:t>
+            </a:r>
+            <a:endParaRPr lang="en-US" sz="1600" dirty="0">
               <a:solidFill>
                 <a:srgbClr val="008000"/>
               </a:solidFill>
@@ -24089,7 +23590,7 @@
               <a:t>		</a:t>
             </a:r>
             <a:r>
-              <a:rPr lang="en-US" sz="1600" dirty="0" smtClean="0">
+              <a:rPr lang="en-US" sz="1600" dirty="0">
                 <a:solidFill>
                   <a:srgbClr val="008000"/>
                 </a:solidFill>
@@ -24100,7 +23601,7 @@
               <a:t>// </a:t>
             </a:r>
             <a:r>
-              <a:rPr lang="ru-RU" sz="1600" dirty="0" smtClean="0">
+              <a:rPr lang="ru-RU" sz="1600" dirty="0">
                 <a:solidFill>
                   <a:srgbClr val="008000"/>
                 </a:solidFill>
@@ -24108,18 +23609,7 @@
                 <a:ea typeface="Calibri"/>
                 <a:cs typeface="Times New Roman"/>
               </a:rPr>
-              <a:t>аргументов </a:t>
-            </a:r>
-            <a:r>
-              <a:rPr lang="ru-RU" sz="1600" dirty="0">
-                <a:solidFill>
-                  <a:srgbClr val="008000"/>
-                </a:solidFill>
-                <a:latin typeface="Consolas"/>
-                <a:ea typeface="Calibri"/>
-                <a:cs typeface="Times New Roman"/>
-              </a:rPr>
-              <a:t>внешней функции</a:t>
+              <a:t>аргументов внешней функции</a:t>
             </a:r>
             <a:endParaRPr lang="ru-RU" sz="1600" dirty="0">
               <a:ea typeface="Calibri"/>
@@ -24169,7 +23659,7 @@
               <a:t> </a:t>
             </a:r>
             <a:r>
-              <a:rPr lang="en-US" sz="1600" dirty="0" err="1" smtClean="0">
+              <a:rPr lang="en-US" sz="1600" dirty="0" err="1">
                 <a:solidFill>
                   <a:srgbClr val="000000"/>
                 </a:solidFill>
@@ -24180,7 +23670,7 @@
               <a:t>make_unique</a:t>
             </a:r>
             <a:r>
-              <a:rPr lang="en-US" sz="1600" dirty="0" smtClean="0">
+              <a:rPr lang="en-US" sz="1600" dirty="0">
                 <a:solidFill>
                   <a:srgbClr val="000000"/>
                 </a:solidFill>
@@ -24191,7 +23681,7 @@
               <a:t>&lt;</a:t>
             </a:r>
             <a:r>
-              <a:rPr lang="en-US" sz="1600" dirty="0" smtClean="0">
+              <a:rPr lang="en-US" sz="1600" dirty="0">
                 <a:solidFill>
                   <a:srgbClr val="2B91AF"/>
                 </a:solidFill>
@@ -24202,7 +23692,7 @@
               <a:t>Decorator</a:t>
             </a:r>
             <a:r>
-              <a:rPr lang="en-US" sz="1600" dirty="0" smtClean="0">
+              <a:rPr lang="en-US" sz="1600" dirty="0">
                 <a:solidFill>
                   <a:srgbClr val="000000"/>
                 </a:solidFill>
@@ -24213,7 +23703,7 @@
               <a:t>&gt;(forward&lt;</a:t>
             </a:r>
             <a:r>
-              <a:rPr lang="en-US" sz="1600" dirty="0" err="1" smtClean="0">
+              <a:rPr lang="en-US" sz="1600" dirty="0" err="1">
                 <a:solidFill>
                   <a:srgbClr val="0000FF"/>
                 </a:solidFill>
@@ -24224,7 +23714,7 @@
               <a:t>decltype</a:t>
             </a:r>
             <a:r>
-              <a:rPr lang="en-US" sz="1600" dirty="0" smtClean="0">
+              <a:rPr lang="en-US" sz="1600" dirty="0">
                 <a:solidFill>
                   <a:srgbClr val="000000"/>
                 </a:solidFill>
@@ -24235,7 +23725,7 @@
               <a:t>(</a:t>
             </a:r>
             <a:r>
-              <a:rPr lang="en-US" sz="1600" dirty="0" smtClean="0">
+              <a:rPr lang="en-US" sz="1600" dirty="0">
                 <a:solidFill>
                   <a:srgbClr val="808080"/>
                 </a:solidFill>
@@ -24246,7 +23736,7 @@
               <a:t>comp</a:t>
             </a:r>
             <a:r>
-              <a:rPr lang="en-US" sz="1600" dirty="0" smtClean="0">
+              <a:rPr lang="en-US" sz="1600" dirty="0">
                 <a:solidFill>
                   <a:srgbClr val="000000"/>
                 </a:solidFill>
@@ -24257,7 +23747,7 @@
               <a:t>)&gt;(</a:t>
             </a:r>
             <a:r>
-              <a:rPr lang="en-US" sz="1600" dirty="0" smtClean="0">
+              <a:rPr lang="en-US" sz="1600" dirty="0">
                 <a:solidFill>
                   <a:srgbClr val="808080"/>
                 </a:solidFill>
@@ -24268,7 +23758,7 @@
               <a:t>comp</a:t>
             </a:r>
             <a:r>
-              <a:rPr lang="en-US" sz="1600" dirty="0" smtClean="0">
+              <a:rPr lang="en-US" sz="1600" dirty="0">
                 <a:solidFill>
                   <a:srgbClr val="000000"/>
                 </a:solidFill>
@@ -24600,7 +24090,7 @@
               <a:t>DecorateWith</a:t>
             </a:r>
             <a:r>
-              <a:rPr lang="en-US" sz="1600" dirty="0" smtClean="0">
+              <a:rPr lang="en-US" sz="1600" dirty="0">
                 <a:solidFill>
                   <a:srgbClr val="000000"/>
                 </a:solidFill>
@@ -24611,7 +24101,7 @@
               <a:t>&lt;</a:t>
             </a:r>
             <a:r>
-              <a:rPr lang="en-US" sz="1600" dirty="0" err="1" smtClean="0">
+              <a:rPr lang="en-US" sz="1600" dirty="0" err="1">
                 <a:solidFill>
                   <a:srgbClr val="2B91AF"/>
                 </a:solidFill>
@@ -24716,7 +24206,7 @@
               <a:t>DecorateWith</a:t>
             </a:r>
             <a:r>
-              <a:rPr lang="en-US" sz="1600" dirty="0" smtClean="0">
+              <a:rPr lang="en-US" sz="1600" dirty="0">
                 <a:solidFill>
                   <a:srgbClr val="000000"/>
                 </a:solidFill>
@@ -24727,7 +24217,7 @@
               <a:t>&lt;</a:t>
             </a:r>
             <a:r>
-              <a:rPr lang="en-US" sz="1600" dirty="0" err="1" smtClean="0">
+              <a:rPr lang="en-US" sz="1600" dirty="0" err="1">
                 <a:solidFill>
                   <a:srgbClr val="2B91AF"/>
                 </a:solidFill>
@@ -24853,13 +24343,6 @@
   <p:clrMapOvr>
     <a:masterClrMapping/>
   </p:clrMapOvr>
-  <p:timing>
-    <p:tnLst>
-      <p:par>
-        <p:cTn id="1" dur="indefinite" restart="never" nodeType="tmRoot"/>
-      </p:par>
-    </p:tnLst>
-  </p:timing>
 </p:sld>
 </file>
 
@@ -24914,13 +24397,6 @@
   <p:clrMapOvr>
     <a:masterClrMapping/>
   </p:clrMapOvr>
-  <p:timing>
-    <p:tnLst>
-      <p:par>
-        <p:cTn id="1" dur="indefinite" restart="never" nodeType="tmRoot"/>
-      </p:par>
-    </p:tnLst>
-  </p:timing>
 </p:sld>
 </file>
 
@@ -24953,25 +24429,40 @@
         </p:nvSpPr>
         <p:spPr/>
         <p:txBody>
-          <a:bodyPr/>
+          <a:bodyPr>
+            <a:normAutofit/>
+          </a:bodyPr>
           <a:lstStyle/>
           <a:p>
             <a:r>
-              <a:rPr lang="ru-RU" dirty="0" smtClean="0"/>
-              <a:t>Задача: добавить авторизацию</a:t>
-            </a:r>
-            <a:endParaRPr lang="ru-RU" dirty="0"/>
+              <a:rPr lang="ru-RU" dirty="0"/>
+              <a:t>Пример – авторизация </a:t>
+            </a:r>
+            <a:r>
+              <a:rPr lang="en-US" dirty="0"/>
+              <a:t>HTTP</a:t>
+            </a:r>
+            <a:r>
+              <a:rPr lang="ru-RU" dirty="0"/>
+              <a:t> запросов</a:t>
+            </a:r>
           </a:p>
         </p:txBody>
       </p:sp>
       <p:sp>
         <p:nvSpPr>
-          <p:cNvPr id="3" name="Content Placeholder 2"/>
+          <p:cNvPr id="4" name="Текст 3">
+            <a:extLst>
+              <a:ext uri="{FF2B5EF4-FFF2-40B4-BE49-F238E27FC236}">
+                <a16:creationId xmlns:a16="http://schemas.microsoft.com/office/drawing/2014/main" id="{01254C95-55B0-4A9C-BD73-73EC0311F039}"/>
+              </a:ext>
+            </a:extLst>
+          </p:cNvPr>
           <p:cNvSpPr>
             <a:spLocks noGrp="1"/>
           </p:cNvSpPr>
           <p:nvPr>
-            <p:ph idx="1"/>
+            <p:ph type="body" idx="1"/>
           </p:nvPr>
         </p:nvSpPr>
         <p:spPr/>
@@ -24979,26 +24470,7 @@
           <a:bodyPr/>
           <a:lstStyle/>
           <a:p>
-            <a:r>
-              <a:rPr lang="ru-RU" dirty="0" smtClean="0"/>
-              <a:t>Код </a:t>
-            </a:r>
-            <a:r>
-              <a:rPr lang="en-US" dirty="0" err="1" smtClean="0"/>
-              <a:t>HTTPClient</a:t>
-            </a:r>
-            <a:r>
-              <a:rPr lang="en-US" dirty="0" smtClean="0"/>
-              <a:t> </a:t>
-            </a:r>
-            <a:r>
-              <a:rPr lang="ru-RU" dirty="0" smtClean="0"/>
-              <a:t>менять не</a:t>
-            </a:r>
-          </a:p>
-          <a:p>
-            <a:pPr lvl="1"/>
-            <a:endParaRPr lang="ru-RU" dirty="0"/>
+            <a:endParaRPr lang="ru-RU"/>
           </a:p>
         </p:txBody>
       </p:sp>
@@ -25012,13 +24484,6 @@
   <p:clrMapOvr>
     <a:masterClrMapping/>
   </p:clrMapOvr>
-  <p:timing>
-    <p:tnLst>
-      <p:par>
-        <p:cTn id="1" dur="indefinite" restart="never" nodeType="tmRoot"/>
-      </p:par>
-    </p:tnLst>
-  </p:timing>
 </p:sld>
 </file>
 
@@ -25073,13 +24538,6 @@
   <p:clrMapOvr>
     <a:masterClrMapping/>
   </p:clrMapOvr>
-  <p:timing>
-    <p:tnLst>
-      <p:par>
-        <p:cTn id="1" dur="indefinite" restart="never" nodeType="tmRoot"/>
-      </p:par>
-    </p:tnLst>
-  </p:timing>
 </p:sld>
 </file>
 
@@ -25134,13 +24592,6 @@
   <p:clrMapOvr>
     <a:masterClrMapping/>
   </p:clrMapOvr>
-  <p:timing>
-    <p:tnLst>
-      <p:par>
-        <p:cTn id="1" dur="indefinite" restart="never" nodeType="tmRoot"/>
-      </p:par>
-    </p:tnLst>
-  </p:timing>
 </p:sld>
 </file>
 
@@ -25177,10 +24628,9 @@
           <a:lstStyle/>
           <a:p>
             <a:r>
-              <a:rPr lang="ru-RU" dirty="0" smtClean="0"/>
+              <a:rPr lang="ru-RU" dirty="0"/>
               <a:t>Базовые типы напитков</a:t>
             </a:r>
-            <a:endParaRPr lang="ru-RU" dirty="0"/>
           </a:p>
         </p:txBody>
       </p:sp>
@@ -25602,13 +25052,6 @@
   <p:clrMapOvr>
     <a:masterClrMapping/>
   </p:clrMapOvr>
-  <p:timing>
-    <p:tnLst>
-      <p:par>
-        <p:cTn id="1" dur="indefinite" restart="never" nodeType="tmRoot"/>
-      </p:par>
-    </p:tnLst>
-  </p:timing>
 </p:sld>
 </file>
 
@@ -25645,10 +25088,9 @@
           <a:lstStyle/>
           <a:p>
             <a:r>
-              <a:rPr lang="ru-RU" dirty="0" smtClean="0"/>
+              <a:rPr lang="ru-RU" dirty="0"/>
               <a:t>Вопросы?</a:t>
             </a:r>
-            <a:endParaRPr lang="ru-RU" dirty="0"/>
           </a:p>
         </p:txBody>
       </p:sp>
@@ -25681,13 +25123,6 @@
   <p:clrMapOvr>
     <a:masterClrMapping/>
   </p:clrMapOvr>
-  <p:timing>
-    <p:tnLst>
-      <p:par>
-        <p:cTn id="1" dur="indefinite" restart="never" nodeType="tmRoot"/>
-      </p:par>
-    </p:tnLst>
-  </p:timing>
 </p:sld>
 </file>
 
@@ -25724,10 +25159,9 @@
           <a:lstStyle/>
           <a:p>
             <a:r>
-              <a:rPr lang="ru-RU" dirty="0" smtClean="0"/>
+              <a:rPr lang="ru-RU" dirty="0"/>
               <a:t>Примерная реализация</a:t>
             </a:r>
-            <a:endParaRPr lang="ru-RU" dirty="0"/>
           </a:p>
         </p:txBody>
       </p:sp>
@@ -25761,7 +25195,7 @@
               </a:spcAft>
             </a:pPr>
             <a:r>
-              <a:rPr lang="en-US" sz="1200" dirty="0" smtClean="0">
+              <a:rPr lang="en-US" sz="1200" dirty="0">
                 <a:solidFill>
                   <a:srgbClr val="0000FF"/>
                 </a:solidFill>
@@ -25772,7 +25206,7 @@
               <a:t>class</a:t>
             </a:r>
             <a:r>
-              <a:rPr lang="en-US" sz="1200" dirty="0" smtClean="0">
+              <a:rPr lang="en-US" sz="1200" dirty="0">
                 <a:solidFill>
                   <a:srgbClr val="000000"/>
                 </a:solidFill>
@@ -25965,20 +25399,9 @@
                 <a:ea typeface="Calibri"/>
                 <a:cs typeface="Times New Roman"/>
               </a:rPr>
-              <a:t> = 0</a:t>
-            </a:r>
-            <a:r>
-              <a:rPr lang="en-US" sz="1200" dirty="0" smtClean="0">
-                <a:solidFill>
-                  <a:srgbClr val="000000"/>
-                </a:solidFill>
-                <a:latin typeface="Consolas"/>
-                <a:ea typeface="Calibri"/>
-                <a:cs typeface="Times New Roman"/>
-              </a:rPr>
-              <a:t>;</a:t>
-            </a:r>
-            <a:endParaRPr lang="ru-RU" sz="1200" dirty="0" smtClean="0">
+              <a:t> = 0;</a:t>
+            </a:r>
+            <a:endParaRPr lang="ru-RU" sz="1200" dirty="0">
               <a:ea typeface="Calibri"/>
               <a:cs typeface="Times New Roman"/>
             </a:endParaRPr>
@@ -25993,7 +25416,7 @@
               </a:spcAft>
             </a:pPr>
             <a:r>
-              <a:rPr lang="en-US" sz="1200" dirty="0" smtClean="0">
+              <a:rPr lang="en-US" sz="1200" dirty="0">
                 <a:solidFill>
                   <a:srgbClr val="000000"/>
                 </a:solidFill>
@@ -26004,7 +25427,7 @@
               <a:t>	</a:t>
             </a:r>
             <a:r>
-              <a:rPr lang="en-US" sz="1200" dirty="0" smtClean="0">
+              <a:rPr lang="en-US" sz="1200" dirty="0">
                 <a:solidFill>
                   <a:srgbClr val="0000FF"/>
                 </a:solidFill>
@@ -26015,7 +25438,7 @@
               <a:t>virtual</a:t>
             </a:r>
             <a:r>
-              <a:rPr lang="en-US" sz="1200" dirty="0" smtClean="0">
+              <a:rPr lang="en-US" sz="1200" dirty="0">
                 <a:solidFill>
                   <a:srgbClr val="000000"/>
                 </a:solidFill>
@@ -26026,7 +25449,7 @@
               <a:t> </a:t>
             </a:r>
             <a:r>
-              <a:rPr lang="en-US" sz="1200" dirty="0" smtClean="0">
+              <a:rPr lang="en-US" sz="1200" dirty="0">
                 <a:solidFill>
                   <a:srgbClr val="0000FF"/>
                 </a:solidFill>
@@ -26037,7 +25460,7 @@
               <a:t>double</a:t>
             </a:r>
             <a:r>
-              <a:rPr lang="en-US" sz="1200" dirty="0" smtClean="0">
+              <a:rPr lang="en-US" sz="1200" dirty="0">
                 <a:solidFill>
                   <a:srgbClr val="000000"/>
                 </a:solidFill>
@@ -26048,7 +25471,7 @@
               <a:t> </a:t>
             </a:r>
             <a:r>
-              <a:rPr lang="en-US" sz="1200" dirty="0" err="1" smtClean="0">
+              <a:rPr lang="en-US" sz="1200" dirty="0" err="1">
                 <a:solidFill>
                   <a:srgbClr val="000000"/>
                 </a:solidFill>
@@ -26059,7 +25482,7 @@
               <a:t>GetCost</a:t>
             </a:r>
             <a:r>
-              <a:rPr lang="en-US" sz="1200" dirty="0" smtClean="0">
+              <a:rPr lang="en-US" sz="1200" dirty="0">
                 <a:solidFill>
                   <a:srgbClr val="000000"/>
                 </a:solidFill>
@@ -26070,7 +25493,7 @@
               <a:t>()</a:t>
             </a:r>
             <a:r>
-              <a:rPr lang="en-US" sz="1200" dirty="0" err="1" smtClean="0">
+              <a:rPr lang="en-US" sz="1200" dirty="0" err="1">
                 <a:solidFill>
                   <a:srgbClr val="0000FF"/>
                 </a:solidFill>
@@ -26081,7 +25504,7 @@
               <a:t>const</a:t>
             </a:r>
             <a:r>
-              <a:rPr lang="en-US" sz="1200" dirty="0" smtClean="0">
+              <a:rPr lang="en-US" sz="1200" dirty="0">
                 <a:solidFill>
                   <a:srgbClr val="000000"/>
                 </a:solidFill>
@@ -26091,7 +25514,7 @@
               </a:rPr>
               <a:t> = 0;</a:t>
             </a:r>
-            <a:endParaRPr lang="ru-RU" sz="1200" dirty="0" smtClean="0">
+            <a:endParaRPr lang="ru-RU" sz="1200" dirty="0">
               <a:ea typeface="Calibri"/>
               <a:cs typeface="Times New Roman"/>
             </a:endParaRPr>
@@ -26247,7 +25670,7 @@
               </a:spcAft>
             </a:pPr>
             <a:r>
-              <a:rPr lang="en-US" sz="1200" dirty="0" smtClean="0">
+              <a:rPr lang="en-US" sz="1200" dirty="0">
                 <a:solidFill>
                   <a:srgbClr val="0000FF"/>
                 </a:solidFill>
@@ -26258,7 +25681,7 @@
               <a:t>class</a:t>
             </a:r>
             <a:r>
-              <a:rPr lang="en-US" sz="1200" dirty="0" smtClean="0">
+              <a:rPr lang="en-US" sz="1200" dirty="0">
                 <a:solidFill>
                   <a:srgbClr val="000000"/>
                 </a:solidFill>
@@ -26495,18 +25918,7 @@
                 <a:ea typeface="Calibri"/>
                 <a:cs typeface="Times New Roman"/>
               </a:rPr>
-              <a:t> </a:t>
-            </a:r>
-            <a:r>
-              <a:rPr lang="en-US" sz="1200" dirty="0" smtClean="0">
-                <a:solidFill>
-                  <a:srgbClr val="000000"/>
-                </a:solidFill>
-                <a:latin typeface="Consolas"/>
-                <a:ea typeface="Calibri"/>
-                <a:cs typeface="Times New Roman"/>
-              </a:rPr>
-              <a:t>{</a:t>
+              <a:t> {</a:t>
             </a:r>
           </a:p>
           <a:p>
@@ -26527,21 +25939,10 @@
                 <a:ea typeface="Calibri"/>
                 <a:cs typeface="Times New Roman"/>
               </a:rPr>
-              <a:t>	</a:t>
-            </a:r>
-            <a:r>
-              <a:rPr lang="en-US" sz="1200" dirty="0" smtClean="0">
-                <a:solidFill>
-                  <a:srgbClr val="000000"/>
-                </a:solidFill>
-                <a:latin typeface="Consolas"/>
-                <a:ea typeface="Calibri"/>
-                <a:cs typeface="Times New Roman"/>
-              </a:rPr>
-              <a:t>	</a:t>
-            </a:r>
-            <a:r>
-              <a:rPr lang="en-US" sz="1200" dirty="0" smtClean="0">
+              <a:t>		</a:t>
+            </a:r>
+            <a:r>
+              <a:rPr lang="en-US" sz="1200" dirty="0">
                 <a:solidFill>
                   <a:srgbClr val="0000FF"/>
                 </a:solidFill>
@@ -26552,7 +25953,7 @@
               <a:t>return</a:t>
             </a:r>
             <a:r>
-              <a:rPr lang="en-US" sz="1200" dirty="0" smtClean="0">
+              <a:rPr lang="en-US" sz="1200" dirty="0">
                 <a:solidFill>
                   <a:srgbClr val="000000"/>
                 </a:solidFill>
@@ -26563,7 +25964,7 @@
               <a:t> </a:t>
             </a:r>
             <a:r>
-              <a:rPr lang="en-US" sz="1200" dirty="0" smtClean="0">
+              <a:rPr lang="en-US" sz="1200" dirty="0">
                 <a:solidFill>
                   <a:srgbClr val="A31515"/>
                 </a:solidFill>
@@ -26574,7 +25975,7 @@
               <a:t>"Coffee"</a:t>
             </a:r>
             <a:r>
-              <a:rPr lang="en-US" sz="1200" dirty="0" smtClean="0">
+              <a:rPr lang="en-US" sz="1200" dirty="0">
                 <a:solidFill>
                   <a:srgbClr val="000000"/>
                 </a:solidFill>
@@ -26603,18 +26004,7 @@
                 <a:ea typeface="Calibri"/>
                 <a:cs typeface="Times New Roman"/>
               </a:rPr>
-              <a:t>	</a:t>
-            </a:r>
-            <a:r>
-              <a:rPr lang="en-US" sz="1200" dirty="0" smtClean="0">
-                <a:solidFill>
-                  <a:srgbClr val="000000"/>
-                </a:solidFill>
-                <a:latin typeface="Consolas"/>
-                <a:ea typeface="Calibri"/>
-                <a:cs typeface="Times New Roman"/>
-              </a:rPr>
-              <a:t>}</a:t>
+              <a:t>	}</a:t>
             </a:r>
             <a:endParaRPr lang="ru-RU" sz="1200" dirty="0">
               <a:ea typeface="Calibri"/>
@@ -26642,7 +26032,7 @@
               <a:t>	</a:t>
             </a:r>
             <a:r>
-              <a:rPr lang="en-US" sz="1200" dirty="0" smtClean="0">
+              <a:rPr lang="en-US" sz="1200" dirty="0">
                 <a:solidFill>
                   <a:srgbClr val="0000FF"/>
                 </a:solidFill>
@@ -26653,7 +26043,7 @@
               <a:t>double</a:t>
             </a:r>
             <a:r>
-              <a:rPr lang="en-US" sz="1200" dirty="0" smtClean="0">
+              <a:rPr lang="en-US" sz="1200" dirty="0">
                 <a:solidFill>
                   <a:srgbClr val="000000"/>
                 </a:solidFill>
@@ -26686,7 +26076,7 @@
               <a:t>() </a:t>
             </a:r>
             <a:r>
-              <a:rPr lang="en-US" sz="1200" dirty="0" err="1" smtClean="0">
+              <a:rPr lang="en-US" sz="1200" dirty="0" err="1">
                 <a:solidFill>
                   <a:srgbClr val="0000FF"/>
                 </a:solidFill>
@@ -26697,7 +26087,7 @@
               <a:t>const</a:t>
             </a:r>
             <a:r>
-              <a:rPr lang="en-US" sz="1200" dirty="0" smtClean="0">
+              <a:rPr lang="en-US" sz="1200" dirty="0">
                 <a:solidFill>
                   <a:srgbClr val="0000FF"/>
                 </a:solidFill>
@@ -26708,7 +26098,7 @@
               <a:t> </a:t>
             </a:r>
             <a:r>
-              <a:rPr lang="en-US" sz="1200" dirty="0" smtClean="0">
+              <a:rPr lang="en-US" sz="1200" dirty="0">
                 <a:solidFill>
                   <a:srgbClr val="000000"/>
                 </a:solidFill>
@@ -26805,7 +26195,7 @@
               </a:spcAft>
             </a:pPr>
             <a:r>
-              <a:rPr lang="en-US" sz="1200" dirty="0" smtClean="0">
+              <a:rPr lang="en-US" sz="1200" dirty="0">
                 <a:solidFill>
                   <a:srgbClr val="0000FF"/>
                 </a:solidFill>
@@ -26816,7 +26206,7 @@
               <a:t>class</a:t>
             </a:r>
             <a:r>
-              <a:rPr lang="en-US" sz="1200" dirty="0" smtClean="0">
+              <a:rPr lang="en-US" sz="1200" dirty="0">
                 <a:solidFill>
                   <a:srgbClr val="000000"/>
                 </a:solidFill>
@@ -27053,18 +26443,7 @@
                 <a:ea typeface="Calibri"/>
                 <a:cs typeface="Times New Roman"/>
               </a:rPr>
-              <a:t> </a:t>
-            </a:r>
-            <a:r>
-              <a:rPr lang="en-US" sz="1200" dirty="0" smtClean="0">
-                <a:solidFill>
-                  <a:srgbClr val="000000"/>
-                </a:solidFill>
-                <a:latin typeface="Consolas"/>
-                <a:ea typeface="Calibri"/>
-                <a:cs typeface="Times New Roman"/>
-              </a:rPr>
-              <a:t>{</a:t>
+              <a:t> {</a:t>
             </a:r>
           </a:p>
           <a:p>
@@ -27085,21 +26464,10 @@
                 <a:ea typeface="Calibri"/>
                 <a:cs typeface="Times New Roman"/>
               </a:rPr>
-              <a:t>	</a:t>
-            </a:r>
-            <a:r>
-              <a:rPr lang="en-US" sz="1200" dirty="0" smtClean="0">
-                <a:solidFill>
-                  <a:srgbClr val="000000"/>
-                </a:solidFill>
-                <a:latin typeface="Consolas"/>
-                <a:ea typeface="Calibri"/>
-                <a:cs typeface="Times New Roman"/>
-              </a:rPr>
-              <a:t>	</a:t>
-            </a:r>
-            <a:r>
-              <a:rPr lang="en-US" sz="1200" dirty="0" smtClean="0">
+              <a:t>		</a:t>
+            </a:r>
+            <a:r>
+              <a:rPr lang="en-US" sz="1200" dirty="0">
                 <a:solidFill>
                   <a:srgbClr val="0000FF"/>
                 </a:solidFill>
@@ -27110,7 +26478,7 @@
               <a:t>return</a:t>
             </a:r>
             <a:r>
-              <a:rPr lang="en-US" sz="1200" dirty="0" smtClean="0">
+              <a:rPr lang="en-US" sz="1200" dirty="0">
                 <a:solidFill>
                   <a:srgbClr val="000000"/>
                 </a:solidFill>
@@ -27132,7 +26500,7 @@
               <a:t>"</a:t>
             </a:r>
             <a:r>
-              <a:rPr lang="en-US" sz="1200" dirty="0" err="1" smtClean="0">
+              <a:rPr lang="en-US" sz="1200" dirty="0" err="1">
                 <a:solidFill>
                   <a:srgbClr val="A31515"/>
                 </a:solidFill>
@@ -27143,7 +26511,7 @@
               <a:t>Capuccino</a:t>
             </a:r>
             <a:r>
-              <a:rPr lang="en-US" sz="1200" dirty="0" smtClean="0">
+              <a:rPr lang="en-US" sz="1200" dirty="0">
                 <a:solidFill>
                   <a:srgbClr val="A31515"/>
                 </a:solidFill>
@@ -27154,7 +26522,7 @@
               <a:t>"</a:t>
             </a:r>
             <a:r>
-              <a:rPr lang="en-US" sz="1200" dirty="0" smtClean="0">
+              <a:rPr lang="en-US" sz="1200" dirty="0">
                 <a:solidFill>
                   <a:srgbClr val="000000"/>
                 </a:solidFill>
@@ -27183,18 +26551,7 @@
                 <a:ea typeface="Calibri"/>
                 <a:cs typeface="Times New Roman"/>
               </a:rPr>
-              <a:t>	</a:t>
-            </a:r>
-            <a:r>
-              <a:rPr lang="en-US" sz="1200" dirty="0" smtClean="0">
-                <a:solidFill>
-                  <a:srgbClr val="000000"/>
-                </a:solidFill>
-                <a:latin typeface="Consolas"/>
-                <a:ea typeface="Calibri"/>
-                <a:cs typeface="Times New Roman"/>
-              </a:rPr>
-              <a:t>}</a:t>
+              <a:t>	}</a:t>
             </a:r>
             <a:endParaRPr lang="ru-RU" sz="1200" dirty="0">
               <a:ea typeface="Calibri"/>
@@ -27222,7 +26579,7 @@
               <a:t>	</a:t>
             </a:r>
             <a:r>
-              <a:rPr lang="en-US" sz="1200" dirty="0" smtClean="0">
+              <a:rPr lang="en-US" sz="1200" dirty="0">
                 <a:solidFill>
                   <a:srgbClr val="0000FF"/>
                 </a:solidFill>
@@ -27233,7 +26590,7 @@
               <a:t>double</a:t>
             </a:r>
             <a:r>
-              <a:rPr lang="en-US" sz="1200" dirty="0" smtClean="0">
+              <a:rPr lang="en-US" sz="1200" dirty="0">
                 <a:solidFill>
                   <a:srgbClr val="000000"/>
                 </a:solidFill>
@@ -27324,7 +26681,7 @@
               </a:spcAft>
             </a:pPr>
             <a:r>
-              <a:rPr lang="en-US" sz="1200" dirty="0" smtClean="0">
+              <a:rPr lang="en-US" sz="1200" dirty="0">
                 <a:solidFill>
                   <a:srgbClr val="000000"/>
                 </a:solidFill>
@@ -27371,7 +26728,7 @@
               </a:spcAft>
             </a:pPr>
             <a:r>
-              <a:rPr lang="en-US" sz="1200" dirty="0" smtClean="0">
+              <a:rPr lang="en-US" sz="1200" dirty="0">
                 <a:solidFill>
                   <a:srgbClr val="0000FF"/>
                 </a:solidFill>
@@ -27382,7 +26739,7 @@
               <a:t>class</a:t>
             </a:r>
             <a:r>
-              <a:rPr lang="en-US" sz="1200" dirty="0" smtClean="0">
+              <a:rPr lang="en-US" sz="1200" dirty="0">
                 <a:solidFill>
                   <a:srgbClr val="000000"/>
                 </a:solidFill>
@@ -27619,18 +26976,7 @@
                 <a:ea typeface="Calibri"/>
                 <a:cs typeface="Times New Roman"/>
               </a:rPr>
-              <a:t> </a:t>
-            </a:r>
-            <a:r>
-              <a:rPr lang="en-US" sz="1200" dirty="0" smtClean="0">
-                <a:solidFill>
-                  <a:srgbClr val="000000"/>
-                </a:solidFill>
-                <a:latin typeface="Consolas"/>
-                <a:ea typeface="Calibri"/>
-                <a:cs typeface="Times New Roman"/>
-              </a:rPr>
-              <a:t>{</a:t>
+              <a:t> {</a:t>
             </a:r>
           </a:p>
           <a:p>
@@ -27651,21 +26997,10 @@
                 <a:ea typeface="Calibri"/>
                 <a:cs typeface="Times New Roman"/>
               </a:rPr>
-              <a:t>	</a:t>
-            </a:r>
-            <a:r>
-              <a:rPr lang="en-US" sz="1200" dirty="0" smtClean="0">
-                <a:solidFill>
-                  <a:srgbClr val="000000"/>
-                </a:solidFill>
-                <a:latin typeface="Consolas"/>
-                <a:ea typeface="Calibri"/>
-                <a:cs typeface="Times New Roman"/>
-              </a:rPr>
-              <a:t>	</a:t>
-            </a:r>
-            <a:r>
-              <a:rPr lang="en-US" sz="1200" dirty="0" smtClean="0">
+              <a:t>		</a:t>
+            </a:r>
+            <a:r>
+              <a:rPr lang="en-US" sz="1200" dirty="0">
                 <a:solidFill>
                   <a:srgbClr val="0000FF"/>
                 </a:solidFill>
@@ -27676,7 +27011,7 @@
               <a:t>return</a:t>
             </a:r>
             <a:r>
-              <a:rPr lang="en-US" sz="1200" dirty="0" smtClean="0">
+              <a:rPr lang="en-US" sz="1200" dirty="0">
                 <a:solidFill>
                   <a:srgbClr val="000000"/>
                 </a:solidFill>
@@ -27687,7 +27022,7 @@
               <a:t> </a:t>
             </a:r>
             <a:r>
-              <a:rPr lang="en-US" sz="1200" dirty="0" smtClean="0">
+              <a:rPr lang="en-US" sz="1200" dirty="0">
                 <a:solidFill>
                   <a:srgbClr val="A31515"/>
                 </a:solidFill>
@@ -27698,7 +27033,7 @@
               <a:t>"Latte"</a:t>
             </a:r>
             <a:r>
-              <a:rPr lang="en-US" sz="1200" dirty="0" smtClean="0">
+              <a:rPr lang="en-US" sz="1200" dirty="0">
                 <a:solidFill>
                   <a:srgbClr val="000000"/>
                 </a:solidFill>
@@ -27727,18 +27062,7 @@
                 <a:ea typeface="Calibri"/>
                 <a:cs typeface="Times New Roman"/>
               </a:rPr>
-              <a:t>	</a:t>
-            </a:r>
-            <a:r>
-              <a:rPr lang="en-US" sz="1200" dirty="0" smtClean="0">
-                <a:solidFill>
-                  <a:srgbClr val="000000"/>
-                </a:solidFill>
-                <a:latin typeface="Consolas"/>
-                <a:ea typeface="Calibri"/>
-                <a:cs typeface="Times New Roman"/>
-              </a:rPr>
-              <a:t>}</a:t>
+              <a:t>	}</a:t>
             </a:r>
             <a:endParaRPr lang="ru-RU" sz="1200" dirty="0">
               <a:ea typeface="Calibri"/>
@@ -27766,7 +27090,7 @@
               <a:t>	</a:t>
             </a:r>
             <a:r>
-              <a:rPr lang="en-US" sz="1200" dirty="0" smtClean="0">
+              <a:rPr lang="en-US" sz="1200" dirty="0">
                 <a:solidFill>
                   <a:srgbClr val="0000FF"/>
                 </a:solidFill>
@@ -27777,7 +27101,7 @@
               <a:t>double</a:t>
             </a:r>
             <a:r>
-              <a:rPr lang="en-US" sz="1200" dirty="0" smtClean="0">
+              <a:rPr lang="en-US" sz="1200" dirty="0">
                 <a:solidFill>
                   <a:srgbClr val="000000"/>
                 </a:solidFill>
@@ -27918,7 +27242,7 @@
               </a:spcAft>
             </a:pPr>
             <a:r>
-              <a:rPr lang="en-US" sz="1200" dirty="0" smtClean="0">
+              <a:rPr lang="en-US" sz="1200" dirty="0">
                 <a:solidFill>
                   <a:srgbClr val="0000FF"/>
                 </a:solidFill>
@@ -27929,7 +27253,7 @@
               <a:t>class</a:t>
             </a:r>
             <a:r>
-              <a:rPr lang="en-US" sz="1200" dirty="0" smtClean="0">
+              <a:rPr lang="en-US" sz="1200" dirty="0">
                 <a:solidFill>
                   <a:srgbClr val="000000"/>
                 </a:solidFill>
@@ -28166,42 +27490,31 @@
                 <a:ea typeface="Calibri"/>
                 <a:cs typeface="Times New Roman"/>
               </a:rPr>
+              <a:t> {	</a:t>
+            </a:r>
+            <a:r>
+              <a:rPr lang="en-US" sz="1200" dirty="0">
+                <a:solidFill>
+                  <a:srgbClr val="0000FF"/>
+                </a:solidFill>
+                <a:latin typeface="Consolas"/>
+                <a:ea typeface="Calibri"/>
+                <a:cs typeface="Times New Roman"/>
+              </a:rPr>
+              <a:t>return</a:t>
+            </a:r>
+            <a:r>
+              <a:rPr lang="en-US" sz="1200" dirty="0">
+                <a:solidFill>
+                  <a:srgbClr val="000000"/>
+                </a:solidFill>
+                <a:latin typeface="Consolas"/>
+                <a:ea typeface="Calibri"/>
+                <a:cs typeface="Times New Roman"/>
+              </a:rPr>
               <a:t> </a:t>
             </a:r>
             <a:r>
-              <a:rPr lang="en-US" sz="1200" dirty="0" smtClean="0">
-                <a:solidFill>
-                  <a:srgbClr val="000000"/>
-                </a:solidFill>
-                <a:latin typeface="Consolas"/>
-                <a:ea typeface="Calibri"/>
-                <a:cs typeface="Times New Roman"/>
-              </a:rPr>
-              <a:t>{	</a:t>
-            </a:r>
-            <a:r>
-              <a:rPr lang="en-US" sz="1200" dirty="0" smtClean="0">
-                <a:solidFill>
-                  <a:srgbClr val="0000FF"/>
-                </a:solidFill>
-                <a:latin typeface="Consolas"/>
-                <a:ea typeface="Calibri"/>
-                <a:cs typeface="Times New Roman"/>
-              </a:rPr>
-              <a:t>return</a:t>
-            </a:r>
-            <a:r>
-              <a:rPr lang="en-US" sz="1200" dirty="0" smtClean="0">
-                <a:solidFill>
-                  <a:srgbClr val="000000"/>
-                </a:solidFill>
-                <a:latin typeface="Consolas"/>
-                <a:ea typeface="Calibri"/>
-                <a:cs typeface="Times New Roman"/>
-              </a:rPr>
-              <a:t> </a:t>
-            </a:r>
-            <a:r>
               <a:rPr lang="en-US" sz="1200" dirty="0">
                 <a:solidFill>
                   <a:srgbClr val="A31515"/>
@@ -28210,18 +27523,7 @@
                 <a:ea typeface="Calibri"/>
                 <a:cs typeface="Times New Roman"/>
               </a:rPr>
-              <a:t>"Tea</a:t>
-            </a:r>
-            <a:r>
-              <a:rPr lang="en-US" sz="1200" dirty="0" smtClean="0">
-                <a:solidFill>
-                  <a:srgbClr val="A31515"/>
-                </a:solidFill>
-                <a:latin typeface="Consolas"/>
-                <a:ea typeface="Calibri"/>
-                <a:cs typeface="Times New Roman"/>
-              </a:rPr>
-              <a:t>"</a:t>
+              <a:t>"Tea"</a:t>
             </a:r>
             <a:r>
               <a:rPr lang="en-US" sz="1200" dirty="0">
@@ -28232,18 +27534,7 @@
                 <a:ea typeface="Calibri"/>
                 <a:cs typeface="Times New Roman"/>
               </a:rPr>
-              <a:t>	</a:t>
-            </a:r>
-            <a:r>
-              <a:rPr lang="en-US" sz="1200" dirty="0" smtClean="0">
-                <a:solidFill>
-                  <a:srgbClr val="000000"/>
-                </a:solidFill>
-                <a:latin typeface="Consolas"/>
-                <a:ea typeface="Calibri"/>
-                <a:cs typeface="Times New Roman"/>
-              </a:rPr>
-              <a:t>}</a:t>
+              <a:t>	}</a:t>
             </a:r>
             <a:endParaRPr lang="ru-RU" sz="1200" dirty="0">
               <a:ea typeface="Calibri"/>
@@ -28271,7 +27562,7 @@
               <a:t>	</a:t>
             </a:r>
             <a:r>
-              <a:rPr lang="en-US" sz="1200" dirty="0" smtClean="0">
+              <a:rPr lang="en-US" sz="1200" dirty="0">
                 <a:solidFill>
                   <a:srgbClr val="0000FF"/>
                 </a:solidFill>
@@ -28282,7 +27573,7 @@
               <a:t>double</a:t>
             </a:r>
             <a:r>
-              <a:rPr lang="en-US" sz="1200" dirty="0" smtClean="0">
+              <a:rPr lang="en-US" sz="1200" dirty="0">
                 <a:solidFill>
                   <a:srgbClr val="000000"/>
                 </a:solidFill>
@@ -28419,7 +27710,7 @@
                 <a:spcPts val="0"/>
               </a:spcAft>
             </a:pPr>
-            <a:endParaRPr lang="ru-RU" sz="1200" dirty="0" smtClean="0">
+            <a:endParaRPr lang="ru-RU" sz="1200" dirty="0">
               <a:ea typeface="Calibri"/>
               <a:cs typeface="Times New Roman"/>
             </a:endParaRPr>
@@ -28434,7 +27725,7 @@
               </a:spcAft>
             </a:pPr>
             <a:r>
-              <a:rPr lang="en-US" sz="1200" dirty="0" smtClean="0">
+              <a:rPr lang="en-US" sz="1200" dirty="0">
                 <a:solidFill>
                   <a:srgbClr val="0000FF"/>
                 </a:solidFill>
@@ -28445,7 +27736,7 @@
               <a:t>class</a:t>
             </a:r>
             <a:r>
-              <a:rPr lang="en-US" sz="1200" dirty="0" smtClean="0">
+              <a:rPr lang="en-US" sz="1200" dirty="0">
                 <a:solidFill>
                   <a:srgbClr val="000000"/>
                 </a:solidFill>
@@ -28684,14 +27975,6 @@
               </a:rPr>
               <a:t> { </a:t>
             </a:r>
-            <a:endParaRPr lang="en-US" sz="1200" dirty="0" smtClean="0">
-              <a:solidFill>
-                <a:srgbClr val="000000"/>
-              </a:solidFill>
-              <a:latin typeface="Consolas"/>
-              <a:ea typeface="Calibri"/>
-              <a:cs typeface="Times New Roman"/>
-            </a:endParaRPr>
           </a:p>
           <a:p>
             <a:pPr defTabSz="261938">
@@ -28711,21 +27994,10 @@
                 <a:ea typeface="Calibri"/>
                 <a:cs typeface="Times New Roman"/>
               </a:rPr>
-              <a:t>	</a:t>
-            </a:r>
-            <a:r>
-              <a:rPr lang="en-US" sz="1200" dirty="0" smtClean="0">
-                <a:solidFill>
-                  <a:srgbClr val="000000"/>
-                </a:solidFill>
-                <a:latin typeface="Consolas"/>
-                <a:ea typeface="Calibri"/>
-                <a:cs typeface="Times New Roman"/>
-              </a:rPr>
-              <a:t>	</a:t>
-            </a:r>
-            <a:r>
-              <a:rPr lang="en-US" sz="1200" dirty="0" smtClean="0">
+              <a:t>		</a:t>
+            </a:r>
+            <a:r>
+              <a:rPr lang="en-US" sz="1200" dirty="0">
                 <a:solidFill>
                   <a:srgbClr val="0000FF"/>
                 </a:solidFill>
@@ -28736,7 +28008,7 @@
               <a:t>return</a:t>
             </a:r>
             <a:r>
-              <a:rPr lang="en-US" sz="1200" dirty="0" smtClean="0">
+              <a:rPr lang="en-US" sz="1200" dirty="0">
                 <a:solidFill>
                   <a:srgbClr val="000000"/>
                 </a:solidFill>
@@ -28755,21 +28027,10 @@
                 <a:ea typeface="Calibri"/>
                 <a:cs typeface="Times New Roman"/>
               </a:rPr>
-              <a:t>"Milkshake</a:t>
-            </a:r>
-            <a:r>
-              <a:rPr lang="en-US" sz="1200" dirty="0" smtClean="0">
-                <a:solidFill>
-                  <a:srgbClr val="A31515"/>
-                </a:solidFill>
-                <a:latin typeface="Consolas"/>
-                <a:ea typeface="Calibri"/>
-                <a:cs typeface="Times New Roman"/>
-              </a:rPr>
-              <a:t>"</a:t>
-            </a:r>
-            <a:r>
-              <a:rPr lang="en-US" sz="1200" dirty="0" smtClean="0">
+              <a:t>"Milkshake"</a:t>
+            </a:r>
+            <a:r>
+              <a:rPr lang="en-US" sz="1200" dirty="0">
                 <a:solidFill>
                   <a:srgbClr val="000000"/>
                 </a:solidFill>
@@ -28798,18 +28059,7 @@
                 <a:ea typeface="Calibri"/>
                 <a:cs typeface="Times New Roman"/>
               </a:rPr>
-              <a:t>	</a:t>
-            </a:r>
-            <a:r>
-              <a:rPr lang="en-US" sz="1200" dirty="0" smtClean="0">
-                <a:solidFill>
-                  <a:srgbClr val="000000"/>
-                </a:solidFill>
-                <a:latin typeface="Consolas"/>
-                <a:ea typeface="Calibri"/>
-                <a:cs typeface="Times New Roman"/>
-              </a:rPr>
-              <a:t>}</a:t>
+              <a:t>	}</a:t>
             </a:r>
             <a:endParaRPr lang="ru-RU" sz="1200" dirty="0">
               <a:ea typeface="Calibri"/>
@@ -28837,7 +28087,7 @@
               <a:t>	</a:t>
             </a:r>
             <a:r>
-              <a:rPr lang="en-US" sz="1200" dirty="0" smtClean="0">
+              <a:rPr lang="en-US" sz="1200" dirty="0">
                 <a:solidFill>
                   <a:srgbClr val="0000FF"/>
                 </a:solidFill>
@@ -28848,7 +28098,7 @@
               <a:t>double</a:t>
             </a:r>
             <a:r>
-              <a:rPr lang="en-US" sz="1200" dirty="0" smtClean="0">
+              <a:rPr lang="en-US" sz="1200" dirty="0">
                 <a:solidFill>
                   <a:srgbClr val="000000"/>
                 </a:solidFill>
@@ -28961,7 +28211,7 @@
               </a:spcAft>
             </a:pPr>
             <a:r>
-              <a:rPr lang="ru-RU" sz="1200" dirty="0" smtClean="0">
+              <a:rPr lang="ru-RU" sz="1200" dirty="0">
                 <a:solidFill>
                   <a:srgbClr val="000000"/>
                 </a:solidFill>
@@ -31142,11 +30392,11 @@
           <a:lstStyle/>
           <a:p>
             <a:r>
-              <a:rPr lang="ru-RU" dirty="0" smtClean="0"/>
+              <a:rPr lang="ru-RU" dirty="0"/>
               <a:t>Как добавить к напиткам различные виды дополнений</a:t>
             </a:r>
             <a:r>
-              <a:rPr lang="en-US" dirty="0" smtClean="0"/>
+              <a:rPr lang="en-US" dirty="0"/>
               <a:t>?</a:t>
             </a:r>
             <a:endParaRPr lang="ru-RU" dirty="0"/>
@@ -32206,10 +31456,9 @@
           <a:lstStyle/>
           <a:p>
             <a:r>
-              <a:rPr lang="ru-RU" dirty="0" smtClean="0"/>
+              <a:rPr lang="ru-RU" dirty="0"/>
               <a:t>Проблемы наследования</a:t>
             </a:r>
-            <a:endParaRPr lang="ru-RU" dirty="0"/>
           </a:p>
         </p:txBody>
       </p:sp>
@@ -32231,78 +31480,78 @@
           <a:lstStyle/>
           <a:p>
             <a:r>
-              <a:rPr lang="ru-RU" dirty="0" smtClean="0"/>
+              <a:rPr lang="ru-RU" dirty="0"/>
               <a:t>Использование наследования для реализации дополнений приводит к комбинаторному росту количества классов</a:t>
             </a:r>
           </a:p>
           <a:p>
             <a:pPr lvl="1"/>
             <a:r>
-              <a:rPr lang="en-US" dirty="0" err="1" smtClean="0"/>
+              <a:rPr lang="en-US" dirty="0" err="1"/>
               <a:t>CoffeeWithCinnamon</a:t>
             </a:r>
-            <a:endParaRPr lang="en-US" dirty="0" smtClean="0"/>
+            <a:endParaRPr lang="en-US" dirty="0"/>
           </a:p>
           <a:p>
             <a:pPr lvl="1"/>
             <a:r>
-              <a:rPr lang="en-US" dirty="0" err="1" smtClean="0"/>
+              <a:rPr lang="en-US" dirty="0" err="1"/>
               <a:t>CoffeeWithChocolate</a:t>
             </a:r>
-            <a:endParaRPr lang="en-US" dirty="0" smtClean="0"/>
+            <a:endParaRPr lang="en-US" dirty="0"/>
           </a:p>
           <a:p>
             <a:pPr lvl="1"/>
             <a:r>
-              <a:rPr lang="en-US" dirty="0" err="1" smtClean="0"/>
+              <a:rPr lang="en-US" dirty="0" err="1"/>
               <a:t>CoffeWithCinnamonAndChocolate</a:t>
             </a:r>
-            <a:endParaRPr lang="en-US" dirty="0" smtClean="0"/>
+            <a:endParaRPr lang="en-US" dirty="0"/>
           </a:p>
           <a:p>
             <a:pPr lvl="1"/>
             <a:r>
-              <a:rPr lang="en-US" dirty="0" err="1" smtClean="0"/>
+              <a:rPr lang="en-US" dirty="0" err="1"/>
               <a:t>LatteWithCinnamon</a:t>
             </a:r>
-            <a:endParaRPr lang="en-US" dirty="0" smtClean="0"/>
+            <a:endParaRPr lang="en-US" dirty="0"/>
           </a:p>
           <a:p>
             <a:pPr lvl="1"/>
             <a:r>
-              <a:rPr lang="en-US" dirty="0" err="1" smtClean="0"/>
+              <a:rPr lang="en-US" dirty="0" err="1"/>
               <a:t>LatteWithCinnamonAndChocolate</a:t>
             </a:r>
-            <a:endParaRPr lang="en-US" dirty="0" smtClean="0"/>
+            <a:endParaRPr lang="en-US" dirty="0"/>
           </a:p>
           <a:p>
             <a:pPr lvl="1"/>
             <a:r>
-              <a:rPr lang="en-US" dirty="0" err="1" smtClean="0"/>
+              <a:rPr lang="en-US" dirty="0" err="1"/>
               <a:t>TeaWithIce</a:t>
             </a:r>
-            <a:endParaRPr lang="en-US" dirty="0" smtClean="0"/>
+            <a:endParaRPr lang="en-US" dirty="0"/>
           </a:p>
           <a:p>
             <a:pPr lvl="1"/>
             <a:r>
-              <a:rPr lang="en-US" dirty="0" err="1" smtClean="0"/>
+              <a:rPr lang="en-US" dirty="0" err="1"/>
               <a:t>TeaWithLemon</a:t>
             </a:r>
-            <a:endParaRPr lang="en-US" dirty="0" smtClean="0"/>
+            <a:endParaRPr lang="en-US" dirty="0"/>
           </a:p>
           <a:p>
             <a:pPr lvl="1"/>
             <a:r>
-              <a:rPr lang="en-US" dirty="0" err="1" smtClean="0"/>
+              <a:rPr lang="en-US" dirty="0" err="1"/>
               <a:t>TeaWithLemonAndIce</a:t>
             </a:r>
-            <a:endParaRPr lang="en-US" dirty="0" smtClean="0"/>
+            <a:endParaRPr lang="en-US" dirty="0"/>
           </a:p>
           <a:p>
             <a:pPr lvl="1"/>
             <a:r>
-              <a:rPr lang="en-US" dirty="0" smtClean="0"/>
+              <a:rPr lang="en-US" dirty="0"/>
               <a:t>….</a:t>
             </a:r>
           </a:p>
@@ -32318,13 +31567,6 @@
   <p:clrMapOvr>
     <a:masterClrMapping/>
   </p:clrMapOvr>
-  <p:timing>
-    <p:tnLst>
-      <p:par>
-        <p:cTn id="1" dur="indefinite" restart="never" nodeType="tmRoot"/>
-      </p:par>
-    </p:tnLst>
-  </p:timing>
 </p:sld>
 </file>
 
@@ -32361,10 +31603,9 @@
           <a:lstStyle/>
           <a:p>
             <a:r>
-              <a:rPr lang="ru-RU" dirty="0" smtClean="0"/>
+              <a:rPr lang="ru-RU" dirty="0"/>
               <a:t>Проблемы наследования</a:t>
             </a:r>
-            <a:endParaRPr lang="ru-RU" dirty="0"/>
           </a:p>
         </p:txBody>
       </p:sp>
@@ -32384,21 +31625,21 @@
           <a:lstStyle/>
           <a:p>
             <a:r>
-              <a:rPr lang="ru-RU" dirty="0" smtClean="0"/>
+              <a:rPr lang="ru-RU" dirty="0"/>
               <a:t>Трудность сопровождения</a:t>
             </a:r>
           </a:p>
           <a:p>
             <a:pPr lvl="1"/>
             <a:r>
-              <a:rPr lang="ru-RU" dirty="0" smtClean="0"/>
+              <a:rPr lang="ru-RU" dirty="0"/>
               <a:t>Изменение стоимости ингредиентов</a:t>
             </a:r>
           </a:p>
           <a:p>
             <a:pPr lvl="1"/>
             <a:r>
-              <a:rPr lang="ru-RU" dirty="0" smtClean="0"/>
+              <a:rPr lang="ru-RU" dirty="0"/>
               <a:t>Появление новых добавок</a:t>
             </a:r>
           </a:p>
@@ -32414,13 +31655,6 @@
   <p:clrMapOvr>
     <a:masterClrMapping/>
   </p:clrMapOvr>
-  <p:timing>
-    <p:tnLst>
-      <p:par>
-        <p:cTn id="1" dur="indefinite" restart="never" nodeType="tmRoot"/>
-      </p:par>
-    </p:tnLst>
-  </p:timing>
 </p:sld>
 </file>
 
@@ -32457,10 +31691,9 @@
           <a:lstStyle/>
           <a:p>
             <a:r>
-              <a:rPr lang="ru-RU" dirty="0" smtClean="0"/>
+              <a:rPr lang="ru-RU" dirty="0"/>
               <a:t>Альтернативное решение</a:t>
             </a:r>
-            <a:endParaRPr lang="ru-RU" dirty="0"/>
           </a:p>
         </p:txBody>
       </p:sp>
@@ -32482,58 +31715,57 @@
           <a:lstStyle/>
           <a:p>
             <a:r>
-              <a:rPr lang="ru-RU" dirty="0" smtClean="0"/>
+              <a:rPr lang="ru-RU" dirty="0"/>
               <a:t>Добавить в базовый класс флаги, определяющие наличие тех или иных дополнений</a:t>
             </a:r>
           </a:p>
           <a:p>
             <a:pPr lvl="1"/>
             <a:r>
-              <a:rPr lang="ru-RU" dirty="0" smtClean="0"/>
+              <a:rPr lang="ru-RU" dirty="0"/>
               <a:t>Реализация метода </a:t>
             </a:r>
             <a:r>
-              <a:rPr lang="en-US" dirty="0" err="1" smtClean="0"/>
+              <a:rPr lang="en-US" dirty="0" err="1"/>
               <a:t>GetCost</a:t>
             </a:r>
             <a:r>
-              <a:rPr lang="ru-RU" dirty="0" smtClean="0"/>
+              <a:rPr lang="ru-RU" dirty="0"/>
               <a:t> в родительском классе вычисляет стоимость используемых дополнений</a:t>
             </a:r>
           </a:p>
           <a:p>
             <a:pPr lvl="2"/>
             <a:r>
-              <a:rPr lang="ru-RU" dirty="0" smtClean="0"/>
+              <a:rPr lang="ru-RU" dirty="0"/>
               <a:t>Подклассы складывают стоимость напитка со стоимостью дополнений</a:t>
             </a:r>
           </a:p>
           <a:p>
             <a:pPr lvl="1"/>
             <a:r>
-              <a:rPr lang="ru-RU" dirty="0" smtClean="0"/>
+              <a:rPr lang="ru-RU" dirty="0"/>
               <a:t>Реализация </a:t>
             </a:r>
             <a:r>
-              <a:rPr lang="en-US" dirty="0" err="1" smtClean="0"/>
+              <a:rPr lang="en-US" dirty="0" err="1"/>
               <a:t>GetDescription</a:t>
             </a:r>
             <a:r>
-              <a:rPr lang="en-US" dirty="0" smtClean="0"/>
+              <a:rPr lang="en-US" dirty="0"/>
               <a:t>()</a:t>
             </a:r>
             <a:r>
-              <a:rPr lang="ru-RU" dirty="0" smtClean="0"/>
+              <a:rPr lang="ru-RU" dirty="0"/>
               <a:t> родительского класса формирует строку списка дополнений</a:t>
             </a:r>
           </a:p>
           <a:p>
             <a:pPr lvl="2"/>
             <a:r>
-              <a:rPr lang="ru-RU" dirty="0" smtClean="0"/>
+              <a:rPr lang="ru-RU" dirty="0"/>
               <a:t>Подклассы возвращают результат конкатенации названия напитка и списка дополнений</a:t>
             </a:r>
-            <a:endParaRPr lang="ru-RU" dirty="0"/>
           </a:p>
         </p:txBody>
       </p:sp>
@@ -32547,13 +31779,6 @@
   <p:clrMapOvr>
     <a:masterClrMapping/>
   </p:clrMapOvr>
-  <p:timing>
-    <p:tnLst>
-      <p:par>
-        <p:cTn id="1" dur="indefinite" restart="never" nodeType="tmRoot"/>
-      </p:par>
-    </p:tnLst>
-  </p:timing>
 </p:sld>
 </file>
 
@@ -32590,10 +31815,9 @@
           <a:lstStyle/>
           <a:p>
             <a:r>
-              <a:rPr lang="ru-RU" dirty="0" smtClean="0"/>
+              <a:rPr lang="ru-RU" dirty="0"/>
               <a:t>Примерная структура</a:t>
             </a:r>
-            <a:endParaRPr lang="ru-RU" dirty="0"/>
           </a:p>
         </p:txBody>
       </p:sp>
@@ -32631,13 +31855,6 @@
   <p:clrMapOvr>
     <a:masterClrMapping/>
   </p:clrMapOvr>
-  <p:timing>
-    <p:tnLst>
-      <p:par>
-        <p:cTn id="1" dur="indefinite" restart="never" nodeType="tmRoot"/>
-      </p:par>
-    </p:tnLst>
-  </p:timing>
 </p:sld>
 </file>
 

--- a/lectures/03.decorator/decorator.pptx
+++ b/lectures/03.decorator/decorator.pptx
@@ -240,7 +240,7 @@
           <a:p>
             <a:fld id="{2F3DCB6D-0B48-4A3D-B663-06C3F903A9D3}" type="datetimeFigureOut">
               <a:rPr lang="ru-RU" smtClean="0"/>
-              <a:t>23.09.2021</a:t>
+              <a:t>22.09.2022</a:t>
             </a:fld>
             <a:endParaRPr lang="ru-RU"/>
           </a:p>
@@ -921,7 +921,7 @@
           <a:p>
             <a:fld id="{2590F9C9-AB92-4E86-B698-DEC9BF4350FF}" type="datetimeFigureOut">
               <a:rPr lang="ru-RU" smtClean="0"/>
-              <a:t>23.09.2021</a:t>
+              <a:t>22.09.2022</a:t>
             </a:fld>
             <a:endParaRPr lang="ru-RU"/>
           </a:p>
@@ -1138,7 +1138,7 @@
           <a:p>
             <a:fld id="{2590F9C9-AB92-4E86-B698-DEC9BF4350FF}" type="datetimeFigureOut">
               <a:rPr lang="ru-RU" smtClean="0"/>
-              <a:t>23.09.2021</a:t>
+              <a:t>22.09.2022</a:t>
             </a:fld>
             <a:endParaRPr lang="ru-RU"/>
           </a:p>
@@ -1410,7 +1410,7 @@
           <a:p>
             <a:fld id="{2590F9C9-AB92-4E86-B698-DEC9BF4350FF}" type="datetimeFigureOut">
               <a:rPr lang="ru-RU" smtClean="0"/>
-              <a:t>23.09.2021</a:t>
+              <a:t>22.09.2022</a:t>
             </a:fld>
             <a:endParaRPr lang="ru-RU"/>
           </a:p>
@@ -1585,7 +1585,7 @@
           <a:p>
             <a:fld id="{2590F9C9-AB92-4E86-B698-DEC9BF4350FF}" type="datetimeFigureOut">
               <a:rPr lang="ru-RU" smtClean="0"/>
-              <a:t>23.09.2021</a:t>
+              <a:t>22.09.2022</a:t>
             </a:fld>
             <a:endParaRPr lang="ru-RU"/>
           </a:p>
@@ -1939,7 +1939,7 @@
           <a:p>
             <a:fld id="{2590F9C9-AB92-4E86-B698-DEC9BF4350FF}" type="datetimeFigureOut">
               <a:rPr lang="ru-RU" smtClean="0"/>
-              <a:t>23.09.2021</a:t>
+              <a:t>22.09.2022</a:t>
             </a:fld>
             <a:endParaRPr lang="ru-RU"/>
           </a:p>
@@ -2224,7 +2224,7 @@
           <a:p>
             <a:fld id="{2590F9C9-AB92-4E86-B698-DEC9BF4350FF}" type="datetimeFigureOut">
               <a:rPr lang="ru-RU" smtClean="0"/>
-              <a:t>23.09.2021</a:t>
+              <a:t>22.09.2022</a:t>
             </a:fld>
             <a:endParaRPr lang="ru-RU"/>
           </a:p>
@@ -2646,7 +2646,7 @@
           <a:p>
             <a:fld id="{2590F9C9-AB92-4E86-B698-DEC9BF4350FF}" type="datetimeFigureOut">
               <a:rPr lang="ru-RU" smtClean="0"/>
-              <a:t>23.09.2021</a:t>
+              <a:t>22.09.2022</a:t>
             </a:fld>
             <a:endParaRPr lang="ru-RU"/>
           </a:p>
@@ -2759,7 +2759,7 @@
           <a:p>
             <a:fld id="{2590F9C9-AB92-4E86-B698-DEC9BF4350FF}" type="datetimeFigureOut">
               <a:rPr lang="ru-RU" smtClean="0"/>
-              <a:t>23.09.2021</a:t>
+              <a:t>22.09.2022</a:t>
             </a:fld>
             <a:endParaRPr lang="ru-RU"/>
           </a:p>
@@ -2849,7 +2849,7 @@
           <a:p>
             <a:fld id="{2590F9C9-AB92-4E86-B698-DEC9BF4350FF}" type="datetimeFigureOut">
               <a:rPr lang="ru-RU" smtClean="0"/>
-              <a:t>23.09.2021</a:t>
+              <a:t>22.09.2022</a:t>
             </a:fld>
             <a:endParaRPr lang="ru-RU"/>
           </a:p>
@@ -3127,7 +3127,7 @@
           <a:p>
             <a:fld id="{2590F9C9-AB92-4E86-B698-DEC9BF4350FF}" type="datetimeFigureOut">
               <a:rPr lang="ru-RU" smtClean="0"/>
-              <a:t>23.09.2021</a:t>
+              <a:t>22.09.2022</a:t>
             </a:fld>
             <a:endParaRPr lang="ru-RU"/>
           </a:p>
@@ -3489,7 +3489,7 @@
           <a:p>
             <a:fld id="{2590F9C9-AB92-4E86-B698-DEC9BF4350FF}" type="datetimeFigureOut">
               <a:rPr lang="ru-RU" smtClean="0"/>
-              <a:t>23.09.2021</a:t>
+              <a:t>22.09.2022</a:t>
             </a:fld>
             <a:endParaRPr lang="ru-RU"/>
           </a:p>
@@ -3914,7 +3914,7 @@
           <a:p>
             <a:fld id="{2590F9C9-AB92-4E86-B698-DEC9BF4350FF}" type="datetimeFigureOut">
               <a:rPr lang="ru-RU" smtClean="0"/>
-              <a:t>23.09.2021</a:t>
+              <a:t>22.09.2022</a:t>
             </a:fld>
             <a:endParaRPr lang="ru-RU"/>
           </a:p>
@@ -10461,7 +10461,7 @@
             <a:pPr lvl="1"/>
             <a:r>
               <a:rPr lang="ru-RU" dirty="0"/>
-              <a:t>Корица является декоратором. Его тип повторяет тип декорируемого объекта (напиток)</a:t>
+              <a:t>Корица -декоратор. Её тип повторяет тип декорируемого объекта (напиток)</a:t>
             </a:r>
           </a:p>
           <a:p>
